--- a/final-project.pptx
+++ b/final-project.pptx
@@ -1,44 +1,51 @@
 
 <file path=ppt/presentation.xml><?xml version="1.0" encoding="utf-8"?>
-<p:presentation xmlns:a="http://schemas.openxmlformats.org/drawingml/2006/main" xmlns:r="http://schemas.openxmlformats.org/officeDocument/2006/relationships" xmlns:mc="http://schemas.openxmlformats.org/markup-compatibility/2006" xmlns:mv="urn:schemas-microsoft-com:mac:vml" xmlns:p="http://schemas.openxmlformats.org/presentationml/2006/main" xmlns:c="http://schemas.openxmlformats.org/drawingml/2006/chart" xmlns:dgm="http://schemas.openxmlformats.org/drawingml/2006/diagram" xmlns:o="urn:schemas-microsoft-com:office:office" xmlns:v="urn:schemas-microsoft-com:vml" xmlns:pvml="urn:schemas-microsoft-com:office:powerpoint" xmlns:com="http://schemas.openxmlformats.org/drawingml/2006/compatibility" xmlns:p14="http://schemas.microsoft.com/office/powerpoint/2010/main" xmlns:p15="http://schemas.microsoft.com/office/powerpoint/2012/main" xmlns:ahyp="http://schemas.microsoft.com/office/drawing/2018/hyperlinkcolor" autoCompressPictures="0" embedTrueTypeFonts="1" strictFirstAndLastChars="0" saveSubsetFonts="1">
+<p:presentation xmlns:a="http://schemas.openxmlformats.org/drawingml/2006/main" xmlns:r="http://schemas.openxmlformats.org/officeDocument/2006/relationships" xmlns:p="http://schemas.openxmlformats.org/presentationml/2006/main" strictFirstAndLastChars="0" embedTrueTypeFonts="1" saveSubsetFonts="1" autoCompressPictures="0">
   <p:sldMasterIdLst>
-    <p:sldMasterId id="2147483659" r:id="rId4"/>
+    <p:sldMasterId id="2147483659" r:id="rId1"/>
   </p:sldMasterIdLst>
   <p:notesMasterIdLst>
-    <p:notesMasterId r:id="rId5"/>
+    <p:notesMasterId r:id="rId19"/>
   </p:notesMasterIdLst>
   <p:sldIdLst>
-    <p:sldId id="256" r:id="rId6"/>
-    <p:sldId id="257" r:id="rId7"/>
-    <p:sldId id="258" r:id="rId8"/>
-    <p:sldId id="259" r:id="rId9"/>
-    <p:sldId id="260" r:id="rId10"/>
-    <p:sldId id="261" r:id="rId11"/>
-    <p:sldId id="262" r:id="rId12"/>
-    <p:sldId id="263" r:id="rId13"/>
-    <p:sldId id="264" r:id="rId14"/>
-    <p:sldId id="265" r:id="rId15"/>
-    <p:sldId id="266" r:id="rId16"/>
-    <p:sldId id="267" r:id="rId17"/>
-    <p:sldId id="268" r:id="rId18"/>
-    <p:sldId id="269" r:id="rId19"/>
-    <p:sldId id="270" r:id="rId20"/>
-    <p:sldId id="271" r:id="rId21"/>
-    <p:sldId id="272" r:id="rId22"/>
+    <p:sldId id="256" r:id="rId2"/>
+    <p:sldId id="257" r:id="rId3"/>
+    <p:sldId id="258" r:id="rId4"/>
+    <p:sldId id="259" r:id="rId5"/>
+    <p:sldId id="260" r:id="rId6"/>
+    <p:sldId id="261" r:id="rId7"/>
+    <p:sldId id="262" r:id="rId8"/>
+    <p:sldId id="263" r:id="rId9"/>
+    <p:sldId id="264" r:id="rId10"/>
+    <p:sldId id="265" r:id="rId11"/>
+    <p:sldId id="266" r:id="rId12"/>
+    <p:sldId id="267" r:id="rId13"/>
+    <p:sldId id="268" r:id="rId14"/>
+    <p:sldId id="269" r:id="rId15"/>
+    <p:sldId id="270" r:id="rId16"/>
+    <p:sldId id="271" r:id="rId17"/>
+    <p:sldId id="272" r:id="rId18"/>
   </p:sldIdLst>
-  <p:sldSz cy="5143500" cx="9144000"/>
+  <p:sldSz cx="9144000" cy="5143500" type="screen16x9"/>
   <p:notesSz cx="6858000" cy="9144000"/>
   <p:embeddedFontLst>
     <p:embeddedFont>
-      <p:font typeface="Nunito"/>
-      <p:regular r:id="rId23"/>
-      <p:bold r:id="rId24"/>
-      <p:italic r:id="rId25"/>
-      <p:boldItalic r:id="rId26"/>
+      <p:font typeface="Calibri" panose="020F0502020204030204" pitchFamily="34" charset="0"/>
+      <p:regular r:id="rId20"/>
+      <p:bold r:id="rId21"/>
+      <p:italic r:id="rId22"/>
+      <p:boldItalic r:id="rId23"/>
+    </p:embeddedFont>
+    <p:embeddedFont>
+      <p:font typeface="Nunito" panose="02010600030101010101" charset="0"/>
+      <p:regular r:id="rId24"/>
+      <p:bold r:id="rId25"/>
+      <p:italic r:id="rId26"/>
+      <p:boldItalic r:id="rId27"/>
     </p:embeddedFont>
   </p:embeddedFontLst>
   <p:defaultTextStyle>
-    <a:defPPr lvl="0" marR="0" rtl="0" algn="l">
+    <a:defPPr marR="0" lvl="0" algn="l" rtl="0">
       <a:lnSpc>
         <a:spcPct val="100000"/>
       </a:lnSpc>
@@ -49,7 +56,7 @@
         <a:spcPts val="0"/>
       </a:spcAft>
     </a:defPPr>
-    <a:lvl1pPr lvl="0" marR="0" rtl="0" algn="l">
+    <a:lvl1pPr marR="0" lvl="0" algn="l" rtl="0">
       <a:lnSpc>
         <a:spcPct val="100000"/>
       </a:lnSpc>
@@ -63,7 +70,7 @@
         <a:srgbClr val="000000"/>
       </a:buClr>
       <a:buFont typeface="Arial"/>
-      <a:defRPr b="0" i="0" sz="1400" u="none" cap="none" strike="noStrike">
+      <a:defRPr sz="1400" b="0" i="0" u="none" strike="noStrike" cap="none">
         <a:solidFill>
           <a:srgbClr val="000000"/>
         </a:solidFill>
@@ -73,7 +80,7 @@
         <a:sym typeface="Arial"/>
       </a:defRPr>
     </a:lvl1pPr>
-    <a:lvl2pPr lvl="1" marR="0" rtl="0" algn="l">
+    <a:lvl2pPr marR="0" lvl="1" algn="l" rtl="0">
       <a:lnSpc>
         <a:spcPct val="100000"/>
       </a:lnSpc>
@@ -87,7 +94,7 @@
         <a:srgbClr val="000000"/>
       </a:buClr>
       <a:buFont typeface="Arial"/>
-      <a:defRPr b="0" i="0" sz="1400" u="none" cap="none" strike="noStrike">
+      <a:defRPr sz="1400" b="0" i="0" u="none" strike="noStrike" cap="none">
         <a:solidFill>
           <a:srgbClr val="000000"/>
         </a:solidFill>
@@ -97,7 +104,7 @@
         <a:sym typeface="Arial"/>
       </a:defRPr>
     </a:lvl2pPr>
-    <a:lvl3pPr lvl="2" marR="0" rtl="0" algn="l">
+    <a:lvl3pPr marR="0" lvl="2" algn="l" rtl="0">
       <a:lnSpc>
         <a:spcPct val="100000"/>
       </a:lnSpc>
@@ -111,7 +118,7 @@
         <a:srgbClr val="000000"/>
       </a:buClr>
       <a:buFont typeface="Arial"/>
-      <a:defRPr b="0" i="0" sz="1400" u="none" cap="none" strike="noStrike">
+      <a:defRPr sz="1400" b="0" i="0" u="none" strike="noStrike" cap="none">
         <a:solidFill>
           <a:srgbClr val="000000"/>
         </a:solidFill>
@@ -121,7 +128,7 @@
         <a:sym typeface="Arial"/>
       </a:defRPr>
     </a:lvl3pPr>
-    <a:lvl4pPr lvl="3" marR="0" rtl="0" algn="l">
+    <a:lvl4pPr marR="0" lvl="3" algn="l" rtl="0">
       <a:lnSpc>
         <a:spcPct val="100000"/>
       </a:lnSpc>
@@ -135,7 +142,7 @@
         <a:srgbClr val="000000"/>
       </a:buClr>
       <a:buFont typeface="Arial"/>
-      <a:defRPr b="0" i="0" sz="1400" u="none" cap="none" strike="noStrike">
+      <a:defRPr sz="1400" b="0" i="0" u="none" strike="noStrike" cap="none">
         <a:solidFill>
           <a:srgbClr val="000000"/>
         </a:solidFill>
@@ -145,7 +152,7 @@
         <a:sym typeface="Arial"/>
       </a:defRPr>
     </a:lvl4pPr>
-    <a:lvl5pPr lvl="4" marR="0" rtl="0" algn="l">
+    <a:lvl5pPr marR="0" lvl="4" algn="l" rtl="0">
       <a:lnSpc>
         <a:spcPct val="100000"/>
       </a:lnSpc>
@@ -159,7 +166,7 @@
         <a:srgbClr val="000000"/>
       </a:buClr>
       <a:buFont typeface="Arial"/>
-      <a:defRPr b="0" i="0" sz="1400" u="none" cap="none" strike="noStrike">
+      <a:defRPr sz="1400" b="0" i="0" u="none" strike="noStrike" cap="none">
         <a:solidFill>
           <a:srgbClr val="000000"/>
         </a:solidFill>
@@ -169,7 +176,7 @@
         <a:sym typeface="Arial"/>
       </a:defRPr>
     </a:lvl5pPr>
-    <a:lvl6pPr lvl="5" marR="0" rtl="0" algn="l">
+    <a:lvl6pPr marR="0" lvl="5" algn="l" rtl="0">
       <a:lnSpc>
         <a:spcPct val="100000"/>
       </a:lnSpc>
@@ -183,7 +190,7 @@
         <a:srgbClr val="000000"/>
       </a:buClr>
       <a:buFont typeface="Arial"/>
-      <a:defRPr b="0" i="0" sz="1400" u="none" cap="none" strike="noStrike">
+      <a:defRPr sz="1400" b="0" i="0" u="none" strike="noStrike" cap="none">
         <a:solidFill>
           <a:srgbClr val="000000"/>
         </a:solidFill>
@@ -193,7 +200,7 @@
         <a:sym typeface="Arial"/>
       </a:defRPr>
     </a:lvl6pPr>
-    <a:lvl7pPr lvl="6" marR="0" rtl="0" algn="l">
+    <a:lvl7pPr marR="0" lvl="6" algn="l" rtl="0">
       <a:lnSpc>
         <a:spcPct val="100000"/>
       </a:lnSpc>
@@ -207,7 +214,7 @@
         <a:srgbClr val="000000"/>
       </a:buClr>
       <a:buFont typeface="Arial"/>
-      <a:defRPr b="0" i="0" sz="1400" u="none" cap="none" strike="noStrike">
+      <a:defRPr sz="1400" b="0" i="0" u="none" strike="noStrike" cap="none">
         <a:solidFill>
           <a:srgbClr val="000000"/>
         </a:solidFill>
@@ -217,7 +224,7 @@
         <a:sym typeface="Arial"/>
       </a:defRPr>
     </a:lvl7pPr>
-    <a:lvl8pPr lvl="7" marR="0" rtl="0" algn="l">
+    <a:lvl8pPr marR="0" lvl="7" algn="l" rtl="0">
       <a:lnSpc>
         <a:spcPct val="100000"/>
       </a:lnSpc>
@@ -231,7 +238,7 @@
         <a:srgbClr val="000000"/>
       </a:buClr>
       <a:buFont typeface="Arial"/>
-      <a:defRPr b="0" i="0" sz="1400" u="none" cap="none" strike="noStrike">
+      <a:defRPr sz="1400" b="0" i="0" u="none" strike="noStrike" cap="none">
         <a:solidFill>
           <a:srgbClr val="000000"/>
         </a:solidFill>
@@ -241,7 +248,7 @@
         <a:sym typeface="Arial"/>
       </a:defRPr>
     </a:lvl8pPr>
-    <a:lvl9pPr lvl="8" marR="0" rtl="0" algn="l">
+    <a:lvl9pPr marR="0" lvl="8" algn="l" rtl="0">
       <a:lnSpc>
         <a:spcPct val="100000"/>
       </a:lnSpc>
@@ -255,7 +262,7 @@
         <a:srgbClr val="000000"/>
       </a:buClr>
       <a:buFont typeface="Arial"/>
-      <a:defRPr b="0" i="0" sz="1400" u="none" cap="none" strike="noStrike">
+      <a:defRPr sz="1400" b="0" i="0" u="none" strike="noStrike" cap="none">
         <a:solidFill>
           <a:srgbClr val="000000"/>
         </a:solidFill>
@@ -268,7 +275,7 @@
   </p:defaultTextStyle>
   <p:extLst>
     <p:ext uri="{EFAFB233-063F-42B5-8137-9DF3F51BA10A}">
-      <p15:sldGuideLst>
+      <p15:sldGuideLst xmlns:p15="http://schemas.microsoft.com/office/powerpoint/2012/main">
         <p15:guide id="1" orient="horz" pos="1620">
           <p15:clr>
             <a:srgbClr val="A4A3A4"/>
@@ -285,12 +292,183 @@
 </p:presentation>
 </file>
 
+<file path=ppt/commentAuthors.xml><?xml version="1.0" encoding="utf-8"?>
+<p:cmAuthorLst xmlns:a="http://schemas.openxmlformats.org/drawingml/2006/main" xmlns:r="http://schemas.openxmlformats.org/officeDocument/2006/relationships" xmlns:p="http://schemas.openxmlformats.org/presentationml/2006/main">
+  <p:cmAuthor id="1" name="Xu, Augustine" initials="XA" lastIdx="1" clrIdx="0">
+    <p:extLst>
+      <p:ext uri="{19B8F6BF-5375-455C-9EA6-DF929625EA0E}">
+        <p15:presenceInfo xmlns:p15="http://schemas.microsoft.com/office/powerpoint/2012/main" userId="Xu, Augustine" providerId="None"/>
+      </p:ext>
+    </p:extLst>
+  </p:cmAuthor>
+</p:cmAuthorLst>
+</file>
+
+<file path=ppt/revisionInfo.xml><?xml version="1.0" encoding="utf-8"?>
+<p1510:revInfo xmlns:a="http://schemas.openxmlformats.org/drawingml/2006/main" xmlns:r="http://schemas.openxmlformats.org/officeDocument/2006/relationships" xmlns:p1510="http://schemas.microsoft.com/office/powerpoint/2015/10/main">
+  <p1510:revLst>
+    <p1510:client id="{B0DCF5E5-8605-E444-906A-7D604BBF1564}" v="1" dt="2021-05-03T00:56:27.145"/>
+  </p1510:revLst>
+</p1510:revInfo>
+</file>
+
+<file path=ppt/changesInfos/changesInfo1.xml><?xml version="1.0" encoding="utf-8"?>
+<pc:chgInfo xmlns:a="http://schemas.openxmlformats.org/drawingml/2006/main" xmlns:r="http://schemas.openxmlformats.org/officeDocument/2006/relationships" xmlns:ac="http://schemas.microsoft.com/office/drawing/2013/main/command" xmlns:pc="http://schemas.microsoft.com/office/powerpoint/2013/main/command">
+  <pc:docChgLst>
+    <pc:chgData name="Xu, Augustine" userId="dd87e35d-f0c6-4c6f-b957-7267e998dfc4" providerId="ADAL" clId="{B0DCF5E5-8605-E444-906A-7D604BBF1564}"/>
+    <pc:docChg chg="custSel modSld">
+      <pc:chgData name="Xu, Augustine" userId="dd87e35d-f0c6-4c6f-b957-7267e998dfc4" providerId="ADAL" clId="{B0DCF5E5-8605-E444-906A-7D604BBF1564}" dt="2021-05-03T02:31:39.845" v="3172" actId="20577"/>
+      <pc:docMkLst>
+        <pc:docMk/>
+      </pc:docMkLst>
+      <pc:sldChg chg="modSp mod">
+        <pc:chgData name="Xu, Augustine" userId="dd87e35d-f0c6-4c6f-b957-7267e998dfc4" providerId="ADAL" clId="{B0DCF5E5-8605-E444-906A-7D604BBF1564}" dt="2021-05-03T00:56:27.499" v="770" actId="27636"/>
+        <pc:sldMkLst>
+          <pc:docMk/>
+          <pc:sldMk cId="0" sldId="259"/>
+        </pc:sldMkLst>
+        <pc:spChg chg="mod">
+          <ac:chgData name="Xu, Augustine" userId="dd87e35d-f0c6-4c6f-b957-7267e998dfc4" providerId="ADAL" clId="{B0DCF5E5-8605-E444-906A-7D604BBF1564}" dt="2021-05-03T00:56:27.499" v="770" actId="27636"/>
+          <ac:spMkLst>
+            <pc:docMk/>
+            <pc:sldMk cId="0" sldId="259"/>
+            <ac:spMk id="148" creationId="{00000000-0000-0000-0000-000000000000}"/>
+          </ac:spMkLst>
+        </pc:spChg>
+      </pc:sldChg>
+      <pc:sldChg chg="modNotesTx">
+        <pc:chgData name="Xu, Augustine" userId="dd87e35d-f0c6-4c6f-b957-7267e998dfc4" providerId="ADAL" clId="{B0DCF5E5-8605-E444-906A-7D604BBF1564}" dt="2021-05-03T01:32:10.819" v="1084" actId="20577"/>
+        <pc:sldMkLst>
+          <pc:docMk/>
+          <pc:sldMk cId="0" sldId="260"/>
+        </pc:sldMkLst>
+      </pc:sldChg>
+      <pc:sldChg chg="modNotesTx">
+        <pc:chgData name="Xu, Augustine" userId="dd87e35d-f0c6-4c6f-b957-7267e998dfc4" providerId="ADAL" clId="{B0DCF5E5-8605-E444-906A-7D604BBF1564}" dt="2021-05-03T01:45:52.912" v="1523" actId="20577"/>
+        <pc:sldMkLst>
+          <pc:docMk/>
+          <pc:sldMk cId="0" sldId="261"/>
+        </pc:sldMkLst>
+      </pc:sldChg>
+      <pc:sldChg chg="modNotesTx">
+        <pc:chgData name="Xu, Augustine" userId="dd87e35d-f0c6-4c6f-b957-7267e998dfc4" providerId="ADAL" clId="{B0DCF5E5-8605-E444-906A-7D604BBF1564}" dt="2021-05-03T01:51:05.207" v="2188" actId="20577"/>
+        <pc:sldMkLst>
+          <pc:docMk/>
+          <pc:sldMk cId="0" sldId="262"/>
+        </pc:sldMkLst>
+      </pc:sldChg>
+      <pc:sldChg chg="modSp mod modNotesTx">
+        <pc:chgData name="Xu, Augustine" userId="dd87e35d-f0c6-4c6f-b957-7267e998dfc4" providerId="ADAL" clId="{B0DCF5E5-8605-E444-906A-7D604BBF1564}" dt="2021-05-03T02:19:21.417" v="2629" actId="20577"/>
+        <pc:sldMkLst>
+          <pc:docMk/>
+          <pc:sldMk cId="0" sldId="266"/>
+        </pc:sldMkLst>
+        <pc:spChg chg="mod">
+          <ac:chgData name="Xu, Augustine" userId="dd87e35d-f0c6-4c6f-b957-7267e998dfc4" providerId="ADAL" clId="{B0DCF5E5-8605-E444-906A-7D604BBF1564}" dt="2021-05-03T00:56:27.353" v="768" actId="27636"/>
+          <ac:spMkLst>
+            <pc:docMk/>
+            <pc:sldMk cId="0" sldId="266"/>
+            <ac:spMk id="197" creationId="{00000000-0000-0000-0000-000000000000}"/>
+          </ac:spMkLst>
+        </pc:spChg>
+      </pc:sldChg>
+      <pc:sldChg chg="modNotesTx">
+        <pc:chgData name="Xu, Augustine" userId="dd87e35d-f0c6-4c6f-b957-7267e998dfc4" providerId="ADAL" clId="{B0DCF5E5-8605-E444-906A-7D604BBF1564}" dt="2021-05-03T02:31:39.845" v="3172" actId="20577"/>
+        <pc:sldMkLst>
+          <pc:docMk/>
+          <pc:sldMk cId="0" sldId="267"/>
+        </pc:sldMkLst>
+      </pc:sldChg>
+      <pc:sldChg chg="modSp mod">
+        <pc:chgData name="Xu, Augustine" userId="dd87e35d-f0c6-4c6f-b957-7267e998dfc4" providerId="ADAL" clId="{B0DCF5E5-8605-E444-906A-7D604BBF1564}" dt="2021-05-03T00:56:27.416" v="769" actId="27636"/>
+        <pc:sldMkLst>
+          <pc:docMk/>
+          <pc:sldMk cId="0" sldId="268"/>
+        </pc:sldMkLst>
+        <pc:spChg chg="mod">
+          <ac:chgData name="Xu, Augustine" userId="dd87e35d-f0c6-4c6f-b957-7267e998dfc4" providerId="ADAL" clId="{B0DCF5E5-8605-E444-906A-7D604BBF1564}" dt="2021-05-03T00:56:27.416" v="769" actId="27636"/>
+          <ac:spMkLst>
+            <pc:docMk/>
+            <pc:sldMk cId="0" sldId="268"/>
+            <ac:spMk id="209" creationId="{00000000-0000-0000-0000-000000000000}"/>
+          </ac:spMkLst>
+        </pc:spChg>
+      </pc:sldChg>
+    </pc:docChg>
+  </pc:docChgLst>
+  <pc:docChgLst>
+    <pc:chgData name="Xu, Augustine" userId="dd87e35d-f0c6-4c6f-b957-7267e998dfc4" providerId="ADAL" clId="{69501DAC-DEBA-4181-A667-F02E56821C1F}"/>
+    <pc:docChg chg="custSel modSld">
+      <pc:chgData name="Xu, Augustine" userId="dd87e35d-f0c6-4c6f-b957-7267e998dfc4" providerId="ADAL" clId="{69501DAC-DEBA-4181-A667-F02E56821C1F}" dt="2021-05-03T19:19:20.716" v="428" actId="255"/>
+      <pc:docMkLst>
+        <pc:docMk/>
+      </pc:docMkLst>
+      <pc:sldChg chg="modNotesTx">
+        <pc:chgData name="Xu, Augustine" userId="dd87e35d-f0c6-4c6f-b957-7267e998dfc4" providerId="ADAL" clId="{69501DAC-DEBA-4181-A667-F02E56821C1F}" dt="2021-05-03T19:19:20.716" v="428" actId="255"/>
+        <pc:sldMkLst>
+          <pc:docMk/>
+          <pc:sldMk cId="0" sldId="260"/>
+        </pc:sldMkLst>
+      </pc:sldChg>
+      <pc:sldChg chg="modNotesTx">
+        <pc:chgData name="Xu, Augustine" userId="dd87e35d-f0c6-4c6f-b957-7267e998dfc4" providerId="ADAL" clId="{69501DAC-DEBA-4181-A667-F02E56821C1F}" dt="2021-05-03T18:43:06.649" v="395" actId="20577"/>
+        <pc:sldMkLst>
+          <pc:docMk/>
+          <pc:sldMk cId="0" sldId="261"/>
+        </pc:sldMkLst>
+      </pc:sldChg>
+      <pc:sldChg chg="modSp mod modNotesTx">
+        <pc:chgData name="Xu, Augustine" userId="dd87e35d-f0c6-4c6f-b957-7267e998dfc4" providerId="ADAL" clId="{69501DAC-DEBA-4181-A667-F02E56821C1F}" dt="2021-05-03T18:43:42.696" v="426" actId="20577"/>
+        <pc:sldMkLst>
+          <pc:docMk/>
+          <pc:sldMk cId="0" sldId="262"/>
+        </pc:sldMkLst>
+        <pc:picChg chg="mod">
+          <ac:chgData name="Xu, Augustine" userId="dd87e35d-f0c6-4c6f-b957-7267e998dfc4" providerId="ADAL" clId="{69501DAC-DEBA-4181-A667-F02E56821C1F}" dt="2021-05-03T18:22:44.845" v="41" actId="1076"/>
+          <ac:picMkLst>
+            <pc:docMk/>
+            <pc:sldMk cId="0" sldId="262"/>
+            <ac:picMk id="169" creationId="{00000000-0000-0000-0000-000000000000}"/>
+          </ac:picMkLst>
+        </pc:picChg>
+      </pc:sldChg>
+      <pc:sldChg chg="addCm modNotesTx">
+        <pc:chgData name="Xu, Augustine" userId="dd87e35d-f0c6-4c6f-b957-7267e998dfc4" providerId="ADAL" clId="{69501DAC-DEBA-4181-A667-F02E56821C1F}" dt="2021-05-03T18:29:11.469" v="382" actId="20577"/>
+        <pc:sldMkLst>
+          <pc:docMk/>
+          <pc:sldMk cId="0" sldId="266"/>
+        </pc:sldMkLst>
+      </pc:sldChg>
+    </pc:docChg>
+  </pc:docChgLst>
+</pc:chgInfo>
+</file>
+
+<file path=ppt/comments/comment1.xml><?xml version="1.0" encoding="utf-8"?>
+<p:cmLst xmlns:a="http://schemas.openxmlformats.org/drawingml/2006/main" xmlns:r="http://schemas.openxmlformats.org/officeDocument/2006/relationships" xmlns:p="http://schemas.openxmlformats.org/presentationml/2006/main">
+  <p:cm authorId="1" dt="2021-05-03T11:30:17.183" idx="1">
+    <p:pos x="10" y="10"/>
+    <p:text/>
+    <p:extLst>
+      <p:ext uri="{C676402C-5697-4E1C-873F-D02D1690AC5C}">
+        <p15:threadingInfo xmlns:p15="http://schemas.microsoft.com/office/powerpoint/2012/main" timeZoneBias="300"/>
+      </p:ext>
+    </p:extLst>
+  </p:cm>
+</p:cmLst>
+</file>
+
 <file path=ppt/notesMasters/notesMaster1.xml><?xml version="1.0" encoding="utf-8"?>
-<p:notesMaster xmlns:a="http://schemas.openxmlformats.org/drawingml/2006/main" xmlns:r="http://schemas.openxmlformats.org/officeDocument/2006/relationships" xmlns:mc="http://schemas.openxmlformats.org/markup-compatibility/2006" xmlns:mv="urn:schemas-microsoft-com:mac:vml" xmlns:p="http://schemas.openxmlformats.org/presentationml/2006/main" xmlns:c="http://schemas.openxmlformats.org/drawingml/2006/chart" xmlns:dgm="http://schemas.openxmlformats.org/drawingml/2006/diagram" xmlns:o="urn:schemas-microsoft-com:office:office" xmlns:v="urn:schemas-microsoft-com:vml" xmlns:pvml="urn:schemas-microsoft-com:office:powerpoint" xmlns:com="http://schemas.openxmlformats.org/drawingml/2006/compatibility" xmlns:p14="http://schemas.microsoft.com/office/powerpoint/2010/main" xmlns:p15="http://schemas.microsoft.com/office/powerpoint/2012/main" xmlns:ahyp="http://schemas.microsoft.com/office/drawing/2018/hyperlinkcolor">
+<p:notesMaster xmlns:a="http://schemas.openxmlformats.org/drawingml/2006/main" xmlns:r="http://schemas.openxmlformats.org/officeDocument/2006/relationships" xmlns:p="http://schemas.openxmlformats.org/presentationml/2006/main">
   <p:cSld>
+    <p:bg>
+      <p:bgRef idx="1001">
+        <a:schemeClr val="bg1"/>
+      </p:bgRef>
+    </p:bg>
     <p:spTree>
       <p:nvGrpSpPr>
-        <p:cNvPr id="2" name="Shape 2"/>
+        <p:cNvPr id="1" name="Shape 2"/>
         <p:cNvGrpSpPr/>
         <p:nvPr/>
       </p:nvGrpSpPr>
@@ -305,9 +483,11 @@
       <p:sp>
         <p:nvSpPr>
           <p:cNvPr id="3" name="Google Shape;3;n"/>
-          <p:cNvSpPr/>
+          <p:cNvSpPr>
+            <a:spLocks noGrp="1" noRot="1" noChangeAspect="1"/>
+          </p:cNvSpPr>
           <p:nvPr>
-            <p:ph idx="2" type="sldImg"/>
+            <p:ph type="sldImg" idx="2"/>
           </p:nvPr>
         </p:nvSpPr>
         <p:spPr>
@@ -316,9 +496,13 @@
             <a:ext cx="6096075" cy="3429000"/>
           </a:xfrm>
           <a:custGeom>
-            <a:rect b="b" l="l" r="r" t="t"/>
+            <a:avLst/>
+            <a:gdLst/>
+            <a:ahLst/>
+            <a:cxnLst/>
+            <a:rect l="l" t="t" r="r" b="b"/>
             <a:pathLst>
-              <a:path extrusionOk="0" h="120000" w="120000">
+              <a:path w="120000" h="120000" extrusionOk="0">
                 <a:moveTo>
                   <a:pt x="0" y="0"/>
                 </a:moveTo>
@@ -336,23 +520,25 @@
             </a:pathLst>
           </a:custGeom>
           <a:noFill/>
-          <a:ln cap="flat" cmpd="sng" w="9525">
+          <a:ln w="9525" cap="flat" cmpd="sng">
             <a:solidFill>
               <a:srgbClr val="000000"/>
             </a:solidFill>
             <a:prstDash val="solid"/>
             <a:round/>
-            <a:headEnd len="sm" w="sm" type="none"/>
-            <a:tailEnd len="sm" w="sm" type="none"/>
+            <a:headEnd type="none" w="sm" len="sm"/>
+            <a:tailEnd type="none" w="sm" len="sm"/>
           </a:ln>
         </p:spPr>
       </p:sp>
       <p:sp>
         <p:nvSpPr>
           <p:cNvPr id="4" name="Google Shape;4;n"/>
-          <p:cNvSpPr txBox="1"/>
+          <p:cNvSpPr txBox="1">
+            <a:spLocks noGrp="1"/>
+          </p:cNvSpPr>
           <p:nvPr>
-            <p:ph idx="1" type="body"/>
+            <p:ph type="body" idx="1"/>
           </p:nvPr>
         </p:nvSpPr>
         <p:spPr>
@@ -369,11 +555,11 @@
           </a:ln>
         </p:spPr>
         <p:txBody>
-          <a:bodyPr anchorCtr="0" anchor="t" bIns="91425" lIns="91425" spcFirstLastPara="1" rIns="91425" wrap="square" tIns="91425">
+          <a:bodyPr spcFirstLastPara="1" wrap="square" lIns="91425" tIns="91425" rIns="91425" bIns="91425" anchor="t" anchorCtr="0">
             <a:noAutofit/>
           </a:bodyPr>
           <a:lstStyle>
-            <a:lvl1pPr indent="-298450" lvl="0" marL="457200">
+            <a:lvl1pPr marL="457200" lvl="0" indent="-298450">
               <a:spcBef>
                 <a:spcPts val="0"/>
               </a:spcBef>
@@ -384,7 +570,7 @@
               <a:buChar char="●"/>
               <a:defRPr sz="1100"/>
             </a:lvl1pPr>
-            <a:lvl2pPr indent="-298450" lvl="1" marL="914400">
+            <a:lvl2pPr marL="914400" lvl="1" indent="-298450">
               <a:spcBef>
                 <a:spcPts val="0"/>
               </a:spcBef>
@@ -395,7 +581,7 @@
               <a:buChar char="○"/>
               <a:defRPr sz="1100"/>
             </a:lvl2pPr>
-            <a:lvl3pPr indent="-298450" lvl="2" marL="1371600">
+            <a:lvl3pPr marL="1371600" lvl="2" indent="-298450">
               <a:spcBef>
                 <a:spcPts val="0"/>
               </a:spcBef>
@@ -406,7 +592,7 @@
               <a:buChar char="■"/>
               <a:defRPr sz="1100"/>
             </a:lvl3pPr>
-            <a:lvl4pPr indent="-298450" lvl="3" marL="1828800">
+            <a:lvl4pPr marL="1828800" lvl="3" indent="-298450">
               <a:spcBef>
                 <a:spcPts val="0"/>
               </a:spcBef>
@@ -417,7 +603,7 @@
               <a:buChar char="●"/>
               <a:defRPr sz="1100"/>
             </a:lvl4pPr>
-            <a:lvl5pPr indent="-298450" lvl="4" marL="2286000">
+            <a:lvl5pPr marL="2286000" lvl="4" indent="-298450">
               <a:spcBef>
                 <a:spcPts val="0"/>
               </a:spcBef>
@@ -428,7 +614,7 @@
               <a:buChar char="○"/>
               <a:defRPr sz="1100"/>
             </a:lvl5pPr>
-            <a:lvl6pPr indent="-298450" lvl="5" marL="2743200">
+            <a:lvl6pPr marL="2743200" lvl="5" indent="-298450">
               <a:spcBef>
                 <a:spcPts val="0"/>
               </a:spcBef>
@@ -439,7 +625,7 @@
               <a:buChar char="■"/>
               <a:defRPr sz="1100"/>
             </a:lvl6pPr>
-            <a:lvl7pPr indent="-298450" lvl="6" marL="3200400">
+            <a:lvl7pPr marL="3200400" lvl="6" indent="-298450">
               <a:spcBef>
                 <a:spcPts val="0"/>
               </a:spcBef>
@@ -450,7 +636,7 @@
               <a:buChar char="●"/>
               <a:defRPr sz="1100"/>
             </a:lvl7pPr>
-            <a:lvl8pPr indent="-298450" lvl="7" marL="3657600">
+            <a:lvl8pPr marL="3657600" lvl="7" indent="-298450">
               <a:spcBef>
                 <a:spcPts val="0"/>
               </a:spcBef>
@@ -461,7 +647,7 @@
               <a:buChar char="○"/>
               <a:defRPr sz="1100"/>
             </a:lvl8pPr>
-            <a:lvl9pPr indent="-298450" lvl="8" marL="4114800">
+            <a:lvl9pPr marL="4114800" lvl="8" indent="-298450">
               <a:spcBef>
                 <a:spcPts val="0"/>
               </a:spcBef>
@@ -473,14 +659,16 @@
               <a:defRPr sz="1100"/>
             </a:lvl9pPr>
           </a:lstStyle>
-          <a:p/>
+          <a:p>
+            <a:endParaRPr/>
+          </a:p>
         </p:txBody>
       </p:sp>
     </p:spTree>
   </p:cSld>
-  <p:clrMap accent1="accent1" accent2="accent2" accent3="accent3" accent4="accent4" accent5="accent5" accent6="accent6" bg1="lt1" bg2="dk2" tx1="dk1" tx2="lt2" folHlink="folHlink" hlink="hlink"/>
+  <p:clrMap bg1="lt1" tx1="dk1" bg2="dk2" tx2="lt2" accent1="accent1" accent2="accent2" accent3="accent3" accent4="accent4" accent5="accent5" accent6="accent6" hlink="hlink" folHlink="folHlink"/>
   <p:notesStyle>
-    <a:defPPr lvl="0" marR="0" rtl="0" algn="l">
+    <a:defPPr marR="0" lvl="0" algn="l" rtl="0">
       <a:lnSpc>
         <a:spcPct val="100000"/>
       </a:lnSpc>
@@ -491,7 +679,7 @@
         <a:spcPts val="0"/>
       </a:spcAft>
     </a:defPPr>
-    <a:lvl1pPr lvl="0" marR="0" rtl="0" algn="l">
+    <a:lvl1pPr marR="0" lvl="0" algn="l" rtl="0">
       <a:lnSpc>
         <a:spcPct val="100000"/>
       </a:lnSpc>
@@ -505,7 +693,7 @@
         <a:srgbClr val="000000"/>
       </a:buClr>
       <a:buFont typeface="Arial"/>
-      <a:defRPr b="0" i="0" sz="1400" u="none" cap="none" strike="noStrike">
+      <a:defRPr sz="1400" b="0" i="0" u="none" strike="noStrike" cap="none">
         <a:solidFill>
           <a:srgbClr val="000000"/>
         </a:solidFill>
@@ -515,7 +703,7 @@
         <a:sym typeface="Arial"/>
       </a:defRPr>
     </a:lvl1pPr>
-    <a:lvl2pPr lvl="1" marR="0" rtl="0" algn="l">
+    <a:lvl2pPr marR="0" lvl="1" algn="l" rtl="0">
       <a:lnSpc>
         <a:spcPct val="100000"/>
       </a:lnSpc>
@@ -529,7 +717,7 @@
         <a:srgbClr val="000000"/>
       </a:buClr>
       <a:buFont typeface="Arial"/>
-      <a:defRPr b="0" i="0" sz="1400" u="none" cap="none" strike="noStrike">
+      <a:defRPr sz="1400" b="0" i="0" u="none" strike="noStrike" cap="none">
         <a:solidFill>
           <a:srgbClr val="000000"/>
         </a:solidFill>
@@ -539,7 +727,7 @@
         <a:sym typeface="Arial"/>
       </a:defRPr>
     </a:lvl2pPr>
-    <a:lvl3pPr lvl="2" marR="0" rtl="0" algn="l">
+    <a:lvl3pPr marR="0" lvl="2" algn="l" rtl="0">
       <a:lnSpc>
         <a:spcPct val="100000"/>
       </a:lnSpc>
@@ -553,7 +741,7 @@
         <a:srgbClr val="000000"/>
       </a:buClr>
       <a:buFont typeface="Arial"/>
-      <a:defRPr b="0" i="0" sz="1400" u="none" cap="none" strike="noStrike">
+      <a:defRPr sz="1400" b="0" i="0" u="none" strike="noStrike" cap="none">
         <a:solidFill>
           <a:srgbClr val="000000"/>
         </a:solidFill>
@@ -563,7 +751,7 @@
         <a:sym typeface="Arial"/>
       </a:defRPr>
     </a:lvl3pPr>
-    <a:lvl4pPr lvl="3" marR="0" rtl="0" algn="l">
+    <a:lvl4pPr marR="0" lvl="3" algn="l" rtl="0">
       <a:lnSpc>
         <a:spcPct val="100000"/>
       </a:lnSpc>
@@ -577,7 +765,7 @@
         <a:srgbClr val="000000"/>
       </a:buClr>
       <a:buFont typeface="Arial"/>
-      <a:defRPr b="0" i="0" sz="1400" u="none" cap="none" strike="noStrike">
+      <a:defRPr sz="1400" b="0" i="0" u="none" strike="noStrike" cap="none">
         <a:solidFill>
           <a:srgbClr val="000000"/>
         </a:solidFill>
@@ -587,7 +775,7 @@
         <a:sym typeface="Arial"/>
       </a:defRPr>
     </a:lvl4pPr>
-    <a:lvl5pPr lvl="4" marR="0" rtl="0" algn="l">
+    <a:lvl5pPr marR="0" lvl="4" algn="l" rtl="0">
       <a:lnSpc>
         <a:spcPct val="100000"/>
       </a:lnSpc>
@@ -601,7 +789,7 @@
         <a:srgbClr val="000000"/>
       </a:buClr>
       <a:buFont typeface="Arial"/>
-      <a:defRPr b="0" i="0" sz="1400" u="none" cap="none" strike="noStrike">
+      <a:defRPr sz="1400" b="0" i="0" u="none" strike="noStrike" cap="none">
         <a:solidFill>
           <a:srgbClr val="000000"/>
         </a:solidFill>
@@ -611,7 +799,7 @@
         <a:sym typeface="Arial"/>
       </a:defRPr>
     </a:lvl5pPr>
-    <a:lvl6pPr lvl="5" marR="0" rtl="0" algn="l">
+    <a:lvl6pPr marR="0" lvl="5" algn="l" rtl="0">
       <a:lnSpc>
         <a:spcPct val="100000"/>
       </a:lnSpc>
@@ -625,7 +813,7 @@
         <a:srgbClr val="000000"/>
       </a:buClr>
       <a:buFont typeface="Arial"/>
-      <a:defRPr b="0" i="0" sz="1400" u="none" cap="none" strike="noStrike">
+      <a:defRPr sz="1400" b="0" i="0" u="none" strike="noStrike" cap="none">
         <a:solidFill>
           <a:srgbClr val="000000"/>
         </a:solidFill>
@@ -635,7 +823,7 @@
         <a:sym typeface="Arial"/>
       </a:defRPr>
     </a:lvl6pPr>
-    <a:lvl7pPr lvl="6" marR="0" rtl="0" algn="l">
+    <a:lvl7pPr marR="0" lvl="6" algn="l" rtl="0">
       <a:lnSpc>
         <a:spcPct val="100000"/>
       </a:lnSpc>
@@ -649,7 +837,7 @@
         <a:srgbClr val="000000"/>
       </a:buClr>
       <a:buFont typeface="Arial"/>
-      <a:defRPr b="0" i="0" sz="1400" u="none" cap="none" strike="noStrike">
+      <a:defRPr sz="1400" b="0" i="0" u="none" strike="noStrike" cap="none">
         <a:solidFill>
           <a:srgbClr val="000000"/>
         </a:solidFill>
@@ -659,7 +847,7 @@
         <a:sym typeface="Arial"/>
       </a:defRPr>
     </a:lvl7pPr>
-    <a:lvl8pPr lvl="7" marR="0" rtl="0" algn="l">
+    <a:lvl8pPr marR="0" lvl="7" algn="l" rtl="0">
       <a:lnSpc>
         <a:spcPct val="100000"/>
       </a:lnSpc>
@@ -673,7 +861,7 @@
         <a:srgbClr val="000000"/>
       </a:buClr>
       <a:buFont typeface="Arial"/>
-      <a:defRPr b="0" i="0" sz="1400" u="none" cap="none" strike="noStrike">
+      <a:defRPr sz="1400" b="0" i="0" u="none" strike="noStrike" cap="none">
         <a:solidFill>
           <a:srgbClr val="000000"/>
         </a:solidFill>
@@ -683,7 +871,7 @@
         <a:sym typeface="Arial"/>
       </a:defRPr>
     </a:lvl8pPr>
-    <a:lvl9pPr lvl="8" marR="0" rtl="0" algn="l">
+    <a:lvl9pPr marR="0" lvl="8" algn="l" rtl="0">
       <a:lnSpc>
         <a:spcPct val="100000"/>
       </a:lnSpc>
@@ -697,7 +885,7 @@
         <a:srgbClr val="000000"/>
       </a:buClr>
       <a:buFont typeface="Arial"/>
-      <a:defRPr b="0" i="0" sz="1400" u="none" cap="none" strike="noStrike">
+      <a:defRPr sz="1400" b="0" i="0" u="none" strike="noStrike" cap="none">
         <a:solidFill>
           <a:srgbClr val="000000"/>
         </a:solidFill>
@@ -712,11 +900,11 @@
 </file>
 
 <file path=ppt/notesSlides/notesSlide1.xml><?xml version="1.0" encoding="utf-8"?>
-<p:notes xmlns:a="http://schemas.openxmlformats.org/drawingml/2006/main" xmlns:r="http://schemas.openxmlformats.org/officeDocument/2006/relationships" xmlns:mc="http://schemas.openxmlformats.org/markup-compatibility/2006" xmlns:mv="urn:schemas-microsoft-com:mac:vml" xmlns:p="http://schemas.openxmlformats.org/presentationml/2006/main" xmlns:c="http://schemas.openxmlformats.org/drawingml/2006/chart" xmlns:dgm="http://schemas.openxmlformats.org/drawingml/2006/diagram" xmlns:o="urn:schemas-microsoft-com:office:office" xmlns:v="urn:schemas-microsoft-com:vml" xmlns:pvml="urn:schemas-microsoft-com:office:powerpoint" xmlns:com="http://schemas.openxmlformats.org/drawingml/2006/compatibility" xmlns:p14="http://schemas.microsoft.com/office/powerpoint/2010/main" xmlns:p15="http://schemas.microsoft.com/office/powerpoint/2012/main" xmlns:ahyp="http://schemas.microsoft.com/office/drawing/2018/hyperlinkcolor" showMasterPhAnim="0" showMasterSp="0">
+<p:notes xmlns:a="http://schemas.openxmlformats.org/drawingml/2006/main" xmlns:r="http://schemas.openxmlformats.org/officeDocument/2006/relationships" xmlns:p="http://schemas.openxmlformats.org/presentationml/2006/main" showMasterSp="0" showMasterPhAnim="0">
   <p:cSld>
     <p:spTree>
       <p:nvGrpSpPr>
-        <p:cNvPr id="124" name="Shape 124"/>
+        <p:cNvPr id="1" name="Shape 124"/>
         <p:cNvGrpSpPr/>
         <p:nvPr/>
       </p:nvGrpSpPr>
@@ -731,9 +919,11 @@
       <p:sp>
         <p:nvSpPr>
           <p:cNvPr id="125" name="Google Shape;125;p:notes"/>
-          <p:cNvSpPr/>
+          <p:cNvSpPr>
+            <a:spLocks noGrp="1" noRot="1" noChangeAspect="1"/>
+          </p:cNvSpPr>
           <p:nvPr>
-            <p:ph idx="2" type="sldImg"/>
+            <p:ph type="sldImg" idx="2"/>
           </p:nvPr>
         </p:nvSpPr>
         <p:spPr>
@@ -742,9 +932,13 @@
             <a:ext cx="6096075" cy="3429000"/>
           </a:xfrm>
           <a:custGeom>
-            <a:rect b="b" l="l" r="r" t="t"/>
+            <a:avLst/>
+            <a:gdLst/>
+            <a:ahLst/>
+            <a:cxnLst/>
+            <a:rect l="l" t="t" r="r" b="b"/>
             <a:pathLst>
-              <a:path extrusionOk="0" h="120000" w="120000">
+              <a:path w="120000" h="120000" extrusionOk="0">
                 <a:moveTo>
                   <a:pt x="0" y="0"/>
                 </a:moveTo>
@@ -766,9 +960,11 @@
       <p:sp>
         <p:nvSpPr>
           <p:cNvPr id="126" name="Google Shape;126;p:notes"/>
-          <p:cNvSpPr txBox="1"/>
+          <p:cNvSpPr txBox="1">
+            <a:spLocks noGrp="1"/>
+          </p:cNvSpPr>
           <p:nvPr>
-            <p:ph idx="1" type="body"/>
+            <p:ph type="body" idx="1"/>
           </p:nvPr>
         </p:nvSpPr>
         <p:spPr>
@@ -781,12 +977,12 @@
           </a:prstGeom>
         </p:spPr>
         <p:txBody>
-          <a:bodyPr anchorCtr="0" anchor="t" bIns="91425" lIns="91425" spcFirstLastPara="1" rIns="91425" wrap="square" tIns="91425">
+          <a:bodyPr spcFirstLastPara="1" wrap="square" lIns="91425" tIns="91425" rIns="91425" bIns="91425" anchor="t" anchorCtr="0">
             <a:noAutofit/>
           </a:bodyPr>
           <a:lstStyle/>
           <a:p>
-            <a:pPr indent="0" lvl="0" marL="0" rtl="0" algn="l">
+            <a:pPr marL="0" lvl="0" indent="0" algn="l" rtl="0">
               <a:spcBef>
                 <a:spcPts val="0"/>
               </a:spcBef>
@@ -812,11 +1008,11 @@
 </file>
 
 <file path=ppt/notesSlides/notesSlide10.xml><?xml version="1.0" encoding="utf-8"?>
-<p:notes xmlns:a="http://schemas.openxmlformats.org/drawingml/2006/main" xmlns:r="http://schemas.openxmlformats.org/officeDocument/2006/relationships" xmlns:mc="http://schemas.openxmlformats.org/markup-compatibility/2006" xmlns:mv="urn:schemas-microsoft-com:mac:vml" xmlns:p="http://schemas.openxmlformats.org/presentationml/2006/main" xmlns:c="http://schemas.openxmlformats.org/drawingml/2006/chart" xmlns:dgm="http://schemas.openxmlformats.org/drawingml/2006/diagram" xmlns:o="urn:schemas-microsoft-com:office:office" xmlns:v="urn:schemas-microsoft-com:vml" xmlns:pvml="urn:schemas-microsoft-com:office:powerpoint" xmlns:com="http://schemas.openxmlformats.org/drawingml/2006/compatibility" xmlns:p14="http://schemas.microsoft.com/office/powerpoint/2010/main" xmlns:p15="http://schemas.microsoft.com/office/powerpoint/2012/main" xmlns:ahyp="http://schemas.microsoft.com/office/drawing/2018/hyperlinkcolor" showMasterPhAnim="0" showMasterSp="0">
+<p:notes xmlns:a="http://schemas.openxmlformats.org/drawingml/2006/main" xmlns:r="http://schemas.openxmlformats.org/officeDocument/2006/relationships" xmlns:p="http://schemas.openxmlformats.org/presentationml/2006/main" showMasterSp="0" showMasterPhAnim="0">
   <p:cSld>
     <p:spTree>
       <p:nvGrpSpPr>
-        <p:cNvPr id="185" name="Shape 185"/>
+        <p:cNvPr id="1" name="Shape 185"/>
         <p:cNvGrpSpPr/>
         <p:nvPr/>
       </p:nvGrpSpPr>
@@ -831,9 +1027,11 @@
       <p:sp>
         <p:nvSpPr>
           <p:cNvPr id="186" name="Google Shape;186;gd3b8f3e319_0_20:notes"/>
-          <p:cNvSpPr/>
+          <p:cNvSpPr>
+            <a:spLocks noGrp="1" noRot="1" noChangeAspect="1"/>
+          </p:cNvSpPr>
           <p:nvPr>
-            <p:ph idx="2" type="sldImg"/>
+            <p:ph type="sldImg" idx="2"/>
           </p:nvPr>
         </p:nvSpPr>
         <p:spPr>
@@ -842,9 +1040,13 @@
             <a:ext cx="6096000" cy="3429000"/>
           </a:xfrm>
           <a:custGeom>
-            <a:rect b="b" l="l" r="r" t="t"/>
+            <a:avLst/>
+            <a:gdLst/>
+            <a:ahLst/>
+            <a:cxnLst/>
+            <a:rect l="l" t="t" r="r" b="b"/>
             <a:pathLst>
-              <a:path extrusionOk="0" h="120000" w="120000">
+              <a:path w="120000" h="120000" extrusionOk="0">
                 <a:moveTo>
                   <a:pt x="0" y="0"/>
                 </a:moveTo>
@@ -866,9 +1068,11 @@
       <p:sp>
         <p:nvSpPr>
           <p:cNvPr id="187" name="Google Shape;187;gd3b8f3e319_0_20:notes"/>
-          <p:cNvSpPr txBox="1"/>
+          <p:cNvSpPr txBox="1">
+            <a:spLocks noGrp="1"/>
+          </p:cNvSpPr>
           <p:nvPr>
-            <p:ph idx="1" type="body"/>
+            <p:ph type="body" idx="1"/>
           </p:nvPr>
         </p:nvSpPr>
         <p:spPr>
@@ -881,12 +1085,12 @@
           </a:prstGeom>
         </p:spPr>
         <p:txBody>
-          <a:bodyPr anchorCtr="0" anchor="t" bIns="91425" lIns="91425" spcFirstLastPara="1" rIns="91425" wrap="square" tIns="91425">
+          <a:bodyPr spcFirstLastPara="1" wrap="square" lIns="91425" tIns="91425" rIns="91425" bIns="91425" anchor="t" anchorCtr="0">
             <a:noAutofit/>
           </a:bodyPr>
           <a:lstStyle/>
           <a:p>
-            <a:pPr indent="0" lvl="0" marL="0" rtl="0" algn="l">
+            <a:pPr marL="0" lvl="0" indent="0" algn="l" rtl="0">
               <a:spcBef>
                 <a:spcPts val="0"/>
               </a:spcBef>
@@ -912,11 +1116,11 @@
 </file>
 
 <file path=ppt/notesSlides/notesSlide11.xml><?xml version="1.0" encoding="utf-8"?>
-<p:notes xmlns:a="http://schemas.openxmlformats.org/drawingml/2006/main" xmlns:r="http://schemas.openxmlformats.org/officeDocument/2006/relationships" xmlns:mc="http://schemas.openxmlformats.org/markup-compatibility/2006" xmlns:mv="urn:schemas-microsoft-com:mac:vml" xmlns:p="http://schemas.openxmlformats.org/presentationml/2006/main" xmlns:c="http://schemas.openxmlformats.org/drawingml/2006/chart" xmlns:dgm="http://schemas.openxmlformats.org/drawingml/2006/diagram" xmlns:o="urn:schemas-microsoft-com:office:office" xmlns:v="urn:schemas-microsoft-com:vml" xmlns:pvml="urn:schemas-microsoft-com:office:powerpoint" xmlns:com="http://schemas.openxmlformats.org/drawingml/2006/compatibility" xmlns:p14="http://schemas.microsoft.com/office/powerpoint/2010/main" xmlns:p15="http://schemas.microsoft.com/office/powerpoint/2012/main" xmlns:ahyp="http://schemas.microsoft.com/office/drawing/2018/hyperlinkcolor" showMasterPhAnim="0" showMasterSp="0">
+<p:notes xmlns:a="http://schemas.openxmlformats.org/drawingml/2006/main" xmlns:r="http://schemas.openxmlformats.org/officeDocument/2006/relationships" xmlns:p="http://schemas.openxmlformats.org/presentationml/2006/main" showMasterSp="0" showMasterPhAnim="0">
   <p:cSld>
     <p:spTree>
       <p:nvGrpSpPr>
-        <p:cNvPr id="192" name="Shape 192"/>
+        <p:cNvPr id="1" name="Shape 192"/>
         <p:cNvGrpSpPr/>
         <p:nvPr/>
       </p:nvGrpSpPr>
@@ -931,20 +1135,26 @@
       <p:sp>
         <p:nvSpPr>
           <p:cNvPr id="193" name="Google Shape;193;gd3b8f3e319_0_25:notes"/>
-          <p:cNvSpPr/>
+          <p:cNvSpPr>
+            <a:spLocks noGrp="1" noRot="1" noChangeAspect="1"/>
+          </p:cNvSpPr>
           <p:nvPr>
-            <p:ph idx="2" type="sldImg"/>
+            <p:ph type="sldImg" idx="2"/>
           </p:nvPr>
         </p:nvSpPr>
         <p:spPr>
           <a:xfrm>
-            <a:off x="381300" y="685800"/>
+            <a:off x="381000" y="685800"/>
             <a:ext cx="6096000" cy="3429000"/>
           </a:xfrm>
           <a:custGeom>
-            <a:rect b="b" l="l" r="r" t="t"/>
+            <a:avLst/>
+            <a:gdLst/>
+            <a:ahLst/>
+            <a:cxnLst/>
+            <a:rect l="l" t="t" r="r" b="b"/>
             <a:pathLst>
-              <a:path extrusionOk="0" h="120000" w="120000">
+              <a:path w="120000" h="120000" extrusionOk="0">
                 <a:moveTo>
                   <a:pt x="0" y="0"/>
                 </a:moveTo>
@@ -966,9 +1176,11 @@
       <p:sp>
         <p:nvSpPr>
           <p:cNvPr id="194" name="Google Shape;194;gd3b8f3e319_0_25:notes"/>
-          <p:cNvSpPr txBox="1"/>
+          <p:cNvSpPr txBox="1">
+            <a:spLocks noGrp="1"/>
+          </p:cNvSpPr>
           <p:nvPr>
-            <p:ph idx="1" type="body"/>
+            <p:ph type="body" idx="1"/>
           </p:nvPr>
         </p:nvSpPr>
         <p:spPr>
@@ -981,12 +1193,12 @@
           </a:prstGeom>
         </p:spPr>
         <p:txBody>
-          <a:bodyPr anchorCtr="0" anchor="t" bIns="91425" lIns="91425" spcFirstLastPara="1" rIns="91425" wrap="square" tIns="91425">
+          <a:bodyPr spcFirstLastPara="1" wrap="square" lIns="91425" tIns="91425" rIns="91425" bIns="91425" anchor="t" anchorCtr="0">
             <a:noAutofit/>
           </a:bodyPr>
           <a:lstStyle/>
           <a:p>
-            <a:pPr indent="0" lvl="0" marL="0" rtl="0" algn="l">
+            <a:pPr marL="0" lvl="0" indent="0" algn="l" rtl="0">
               <a:spcBef>
                 <a:spcPts val="0"/>
               </a:spcBef>
@@ -996,10 +1208,45 @@
               <a:buNone/>
             </a:pPr>
             <a:r>
-              <a:rPr lang="en"/>
+              <a:rPr lang="en" dirty="0"/>
               <a:t>Augustine </a:t>
             </a:r>
-            <a:endParaRPr/>
+          </a:p>
+          <a:p>
+            <a:pPr marL="0" lvl="0" indent="0" algn="l" rtl="0">
+              <a:spcBef>
+                <a:spcPts val="0"/>
+              </a:spcBef>
+              <a:spcAft>
+                <a:spcPts val="0"/>
+              </a:spcAft>
+              <a:buNone/>
+            </a:pPr>
+            <a:r>
+              <a:rPr lang="en" dirty="0"/>
+              <a:t>The last method we tried here is Support Vector Machine. Here is the results for SVM test errors for five positions. As you guys can see, result is pretty similar to previous methods logistic regression and r</a:t>
+            </a:r>
+            <a:r>
+              <a:rPr lang="en-US" dirty="0"/>
+              <a:t>an</a:t>
+            </a:r>
+            <a:r>
+              <a:rPr lang="en" dirty="0" err="1"/>
+              <a:t>domforest</a:t>
+            </a:r>
+            <a:r>
+              <a:rPr lang="en" dirty="0"/>
+              <a:t>. The starter has the lowest test error </a:t>
+            </a:r>
+            <a:r>
+              <a:rPr lang="en-US" dirty="0" err="1"/>
+              <a:t>wh</a:t>
+            </a:r>
+            <a:r>
+              <a:rPr lang="en" dirty="0"/>
+              <a:t>ich is between 20% and 30%. While the model for benches is as high as 50%.  We were assuming SVM  would be effective  since our data is in high dimension. Howevr, The SVM is worse than other models. It might be caused that SVM is prone to overfitting. </a:t>
+            </a:r>
+            <a:endParaRPr dirty="0"/>
           </a:p>
         </p:txBody>
       </p:sp>
@@ -1012,11 +1259,11 @@
 </file>
 
 <file path=ppt/notesSlides/notesSlide12.xml><?xml version="1.0" encoding="utf-8"?>
-<p:notes xmlns:a="http://schemas.openxmlformats.org/drawingml/2006/main" xmlns:r="http://schemas.openxmlformats.org/officeDocument/2006/relationships" xmlns:mc="http://schemas.openxmlformats.org/markup-compatibility/2006" xmlns:mv="urn:schemas-microsoft-com:mac:vml" xmlns:p="http://schemas.openxmlformats.org/presentationml/2006/main" xmlns:c="http://schemas.openxmlformats.org/drawingml/2006/chart" xmlns:dgm="http://schemas.openxmlformats.org/drawingml/2006/diagram" xmlns:o="urn:schemas-microsoft-com:office:office" xmlns:v="urn:schemas-microsoft-com:vml" xmlns:pvml="urn:schemas-microsoft-com:office:powerpoint" xmlns:com="http://schemas.openxmlformats.org/drawingml/2006/compatibility" xmlns:p14="http://schemas.microsoft.com/office/powerpoint/2010/main" xmlns:p15="http://schemas.microsoft.com/office/powerpoint/2012/main" xmlns:ahyp="http://schemas.microsoft.com/office/drawing/2018/hyperlinkcolor" showMasterPhAnim="0" showMasterSp="0">
+<p:notes xmlns:a="http://schemas.openxmlformats.org/drawingml/2006/main" xmlns:r="http://schemas.openxmlformats.org/officeDocument/2006/relationships" xmlns:p="http://schemas.openxmlformats.org/presentationml/2006/main" showMasterSp="0" showMasterPhAnim="0">
   <p:cSld>
     <p:spTree>
       <p:nvGrpSpPr>
-        <p:cNvPr id="199" name="Shape 199"/>
+        <p:cNvPr id="1" name="Shape 199"/>
         <p:cNvGrpSpPr/>
         <p:nvPr/>
       </p:nvGrpSpPr>
@@ -1031,20 +1278,26 @@
       <p:sp>
         <p:nvSpPr>
           <p:cNvPr id="200" name="Google Shape;200;gd3b8764a02_0_159:notes"/>
-          <p:cNvSpPr/>
+          <p:cNvSpPr>
+            <a:spLocks noGrp="1" noRot="1" noChangeAspect="1"/>
+          </p:cNvSpPr>
           <p:nvPr>
-            <p:ph idx="2" type="sldImg"/>
+            <p:ph type="sldImg" idx="2"/>
           </p:nvPr>
         </p:nvSpPr>
         <p:spPr>
           <a:xfrm>
-            <a:off x="381300" y="685800"/>
+            <a:off x="381000" y="685800"/>
             <a:ext cx="6096000" cy="3429000"/>
           </a:xfrm>
           <a:custGeom>
-            <a:rect b="b" l="l" r="r" t="t"/>
+            <a:avLst/>
+            <a:gdLst/>
+            <a:ahLst/>
+            <a:cxnLst/>
+            <a:rect l="l" t="t" r="r" b="b"/>
             <a:pathLst>
-              <a:path extrusionOk="0" h="120000" w="120000">
+              <a:path w="120000" h="120000" extrusionOk="0">
                 <a:moveTo>
                   <a:pt x="0" y="0"/>
                 </a:moveTo>
@@ -1066,9 +1319,11 @@
       <p:sp>
         <p:nvSpPr>
           <p:cNvPr id="201" name="Google Shape;201;gd3b8764a02_0_159:notes"/>
-          <p:cNvSpPr txBox="1"/>
+          <p:cNvSpPr txBox="1">
+            <a:spLocks noGrp="1"/>
+          </p:cNvSpPr>
           <p:nvPr>
-            <p:ph idx="1" type="body"/>
+            <p:ph type="body" idx="1"/>
           </p:nvPr>
         </p:nvSpPr>
         <p:spPr>
@@ -1081,25 +1336,52 @@
           </a:prstGeom>
         </p:spPr>
         <p:txBody>
-          <a:bodyPr anchorCtr="0" anchor="t" bIns="91425" lIns="91425" spcFirstLastPara="1" rIns="91425" wrap="square" tIns="91425">
+          <a:bodyPr spcFirstLastPara="1" wrap="square" lIns="91425" tIns="91425" rIns="91425" bIns="91425" anchor="t" anchorCtr="0">
             <a:noAutofit/>
           </a:bodyPr>
           <a:lstStyle/>
           <a:p>
-            <a:pPr indent="0" lvl="0" marL="0" rtl="0" algn="l">
-              <a:spcBef>
-                <a:spcPts val="0"/>
-              </a:spcBef>
-              <a:spcAft>
-                <a:spcPts val="0"/>
-              </a:spcAft>
-              <a:buNone/>
-            </a:pPr>
+            <a:pPr marL="0" lvl="0" indent="0" algn="l" rtl="0">
+              <a:spcBef>
+                <a:spcPts val="0"/>
+              </a:spcBef>
+              <a:spcAft>
+                <a:spcPts val="0"/>
+              </a:spcAft>
+              <a:buNone/>
+            </a:pPr>
+            <a:r>
+              <a:rPr lang="en" dirty="0"/>
+              <a:t>Augustine</a:t>
+            </a:r>
+          </a:p>
+          <a:p>
+            <a:pPr marL="0" lvl="0" indent="0" algn="l" rtl="0">
+              <a:spcBef>
+                <a:spcPts val="0"/>
+              </a:spcBef>
+              <a:spcAft>
+                <a:spcPts val="0"/>
+              </a:spcAft>
+              <a:buNone/>
+            </a:pPr>
+            <a:r>
+              <a:rPr lang="en" dirty="0"/>
+              <a:t>We also run some models for Both benches and starters by teams. Each team has two models, one for benches and another one for starters. This plot is the testing error of </a:t>
+            </a:r>
+            <a:r>
+              <a:rPr lang="en" dirty="0" err="1"/>
+              <a:t>randomForest</a:t>
+            </a:r>
+            <a:r>
+              <a:rPr lang="en" dirty="0"/>
+              <a:t> method. As we can see, the stater models are obviously has lower test errors than benches. The models vary for teams as well. Orlando Magic has the largest difference in test error while the Los Angeles Lakers has almost the </a:t>
+            </a:r>
             <a:r>
               <a:rPr lang="en"/>
-              <a:t>Augustine</a:t>
+              <a:t>same test errors.</a:t>
             </a:r>
-            <a:endParaRPr/>
+            <a:endParaRPr dirty="0"/>
           </a:p>
         </p:txBody>
       </p:sp>
@@ -1112,11 +1394,11 @@
 </file>
 
 <file path=ppt/notesSlides/notesSlide13.xml><?xml version="1.0" encoding="utf-8"?>
-<p:notes xmlns:a="http://schemas.openxmlformats.org/drawingml/2006/main" xmlns:r="http://schemas.openxmlformats.org/officeDocument/2006/relationships" xmlns:mc="http://schemas.openxmlformats.org/markup-compatibility/2006" xmlns:mv="urn:schemas-microsoft-com:mac:vml" xmlns:p="http://schemas.openxmlformats.org/presentationml/2006/main" xmlns:c="http://schemas.openxmlformats.org/drawingml/2006/chart" xmlns:dgm="http://schemas.openxmlformats.org/drawingml/2006/diagram" xmlns:o="urn:schemas-microsoft-com:office:office" xmlns:v="urn:schemas-microsoft-com:vml" xmlns:pvml="urn:schemas-microsoft-com:office:powerpoint" xmlns:com="http://schemas.openxmlformats.org/drawingml/2006/compatibility" xmlns:p14="http://schemas.microsoft.com/office/powerpoint/2010/main" xmlns:p15="http://schemas.microsoft.com/office/powerpoint/2012/main" xmlns:ahyp="http://schemas.microsoft.com/office/drawing/2018/hyperlinkcolor" showMasterPhAnim="0" showMasterSp="0">
+<p:notes xmlns:a="http://schemas.openxmlformats.org/drawingml/2006/main" xmlns:r="http://schemas.openxmlformats.org/officeDocument/2006/relationships" xmlns:p="http://schemas.openxmlformats.org/presentationml/2006/main" showMasterSp="0" showMasterPhAnim="0">
   <p:cSld>
     <p:spTree>
       <p:nvGrpSpPr>
-        <p:cNvPr id="204" name="Shape 204"/>
+        <p:cNvPr id="1" name="Shape 204"/>
         <p:cNvGrpSpPr/>
         <p:nvPr/>
       </p:nvGrpSpPr>
@@ -1131,20 +1413,26 @@
       <p:sp>
         <p:nvSpPr>
           <p:cNvPr id="205" name="Google Shape;205;gd3b8f3e319_1_17:notes"/>
-          <p:cNvSpPr/>
+          <p:cNvSpPr>
+            <a:spLocks noGrp="1" noRot="1" noChangeAspect="1"/>
+          </p:cNvSpPr>
           <p:nvPr>
-            <p:ph idx="2" type="sldImg"/>
+            <p:ph type="sldImg" idx="2"/>
           </p:nvPr>
         </p:nvSpPr>
         <p:spPr>
           <a:xfrm>
-            <a:off x="381300" y="685800"/>
+            <a:off x="381000" y="685800"/>
             <a:ext cx="6096000" cy="3429000"/>
           </a:xfrm>
           <a:custGeom>
-            <a:rect b="b" l="l" r="r" t="t"/>
+            <a:avLst/>
+            <a:gdLst/>
+            <a:ahLst/>
+            <a:cxnLst/>
+            <a:rect l="l" t="t" r="r" b="b"/>
             <a:pathLst>
-              <a:path extrusionOk="0" h="120000" w="120000">
+              <a:path w="120000" h="120000" extrusionOk="0">
                 <a:moveTo>
                   <a:pt x="0" y="0"/>
                 </a:moveTo>
@@ -1166,9 +1454,11 @@
       <p:sp>
         <p:nvSpPr>
           <p:cNvPr id="206" name="Google Shape;206;gd3b8f3e319_1_17:notes"/>
-          <p:cNvSpPr txBox="1"/>
+          <p:cNvSpPr txBox="1">
+            <a:spLocks noGrp="1"/>
+          </p:cNvSpPr>
           <p:nvPr>
-            <p:ph idx="1" type="body"/>
+            <p:ph type="body" idx="1"/>
           </p:nvPr>
         </p:nvSpPr>
         <p:spPr>
@@ -1181,12 +1471,12 @@
           </a:prstGeom>
         </p:spPr>
         <p:txBody>
-          <a:bodyPr anchorCtr="0" anchor="t" bIns="91425" lIns="91425" spcFirstLastPara="1" rIns="91425" wrap="square" tIns="91425">
+          <a:bodyPr spcFirstLastPara="1" wrap="square" lIns="91425" tIns="91425" rIns="91425" bIns="91425" anchor="t" anchorCtr="0">
             <a:noAutofit/>
           </a:bodyPr>
           <a:lstStyle/>
           <a:p>
-            <a:pPr indent="0" lvl="0" marL="0" rtl="0" algn="l">
+            <a:pPr marL="0" lvl="0" indent="0" algn="l" rtl="0">
               <a:spcBef>
                 <a:spcPts val="0"/>
               </a:spcBef>
@@ -1212,11 +1502,11 @@
 </file>
 
 <file path=ppt/notesSlides/notesSlide14.xml><?xml version="1.0" encoding="utf-8"?>
-<p:notes xmlns:a="http://schemas.openxmlformats.org/drawingml/2006/main" xmlns:r="http://schemas.openxmlformats.org/officeDocument/2006/relationships" xmlns:mc="http://schemas.openxmlformats.org/markup-compatibility/2006" xmlns:mv="urn:schemas-microsoft-com:mac:vml" xmlns:p="http://schemas.openxmlformats.org/presentationml/2006/main" xmlns:c="http://schemas.openxmlformats.org/drawingml/2006/chart" xmlns:dgm="http://schemas.openxmlformats.org/drawingml/2006/diagram" xmlns:o="urn:schemas-microsoft-com:office:office" xmlns:v="urn:schemas-microsoft-com:vml" xmlns:pvml="urn:schemas-microsoft-com:office:powerpoint" xmlns:com="http://schemas.openxmlformats.org/drawingml/2006/compatibility" xmlns:p14="http://schemas.microsoft.com/office/powerpoint/2010/main" xmlns:p15="http://schemas.microsoft.com/office/powerpoint/2012/main" xmlns:ahyp="http://schemas.microsoft.com/office/drawing/2018/hyperlinkcolor" showMasterPhAnim="0" showMasterSp="0">
+<p:notes xmlns:a="http://schemas.openxmlformats.org/drawingml/2006/main" xmlns:r="http://schemas.openxmlformats.org/officeDocument/2006/relationships" xmlns:p="http://schemas.openxmlformats.org/presentationml/2006/main" showMasterSp="0" showMasterPhAnim="0">
   <p:cSld>
     <p:spTree>
       <p:nvGrpSpPr>
-        <p:cNvPr id="210" name="Shape 210"/>
+        <p:cNvPr id="1" name="Shape 210"/>
         <p:cNvGrpSpPr/>
         <p:nvPr/>
       </p:nvGrpSpPr>
@@ -1231,9 +1521,11 @@
       <p:sp>
         <p:nvSpPr>
           <p:cNvPr id="211" name="Google Shape;211;gd3b8f3e319_1_5:notes"/>
-          <p:cNvSpPr/>
+          <p:cNvSpPr>
+            <a:spLocks noGrp="1" noRot="1" noChangeAspect="1"/>
+          </p:cNvSpPr>
           <p:nvPr>
-            <p:ph idx="2" type="sldImg"/>
+            <p:ph type="sldImg" idx="2"/>
           </p:nvPr>
         </p:nvSpPr>
         <p:spPr>
@@ -1242,9 +1534,13 @@
             <a:ext cx="6096000" cy="3429000"/>
           </a:xfrm>
           <a:custGeom>
-            <a:rect b="b" l="l" r="r" t="t"/>
+            <a:avLst/>
+            <a:gdLst/>
+            <a:ahLst/>
+            <a:cxnLst/>
+            <a:rect l="l" t="t" r="r" b="b"/>
             <a:pathLst>
-              <a:path extrusionOk="0" h="120000" w="120000">
+              <a:path w="120000" h="120000" extrusionOk="0">
                 <a:moveTo>
                   <a:pt x="0" y="0"/>
                 </a:moveTo>
@@ -1266,9 +1562,11 @@
       <p:sp>
         <p:nvSpPr>
           <p:cNvPr id="212" name="Google Shape;212;gd3b8f3e319_1_5:notes"/>
-          <p:cNvSpPr txBox="1"/>
+          <p:cNvSpPr txBox="1">
+            <a:spLocks noGrp="1"/>
+          </p:cNvSpPr>
           <p:nvPr>
-            <p:ph idx="1" type="body"/>
+            <p:ph type="body" idx="1"/>
           </p:nvPr>
         </p:nvSpPr>
         <p:spPr>
@@ -1281,12 +1579,12 @@
           </a:prstGeom>
         </p:spPr>
         <p:txBody>
-          <a:bodyPr anchorCtr="0" anchor="t" bIns="91425" lIns="91425" spcFirstLastPara="1" rIns="91425" wrap="square" tIns="91425">
+          <a:bodyPr spcFirstLastPara="1" wrap="square" lIns="91425" tIns="91425" rIns="91425" bIns="91425" anchor="t" anchorCtr="0">
             <a:noAutofit/>
           </a:bodyPr>
           <a:lstStyle/>
           <a:p>
-            <a:pPr indent="0" lvl="0" marL="0" rtl="0" algn="l">
+            <a:pPr marL="0" lvl="0" indent="0" algn="l" rtl="0">
               <a:spcBef>
                 <a:spcPts val="0"/>
               </a:spcBef>
@@ -1312,11 +1610,11 @@
 </file>
 
 <file path=ppt/notesSlides/notesSlide15.xml><?xml version="1.0" encoding="utf-8"?>
-<p:notes xmlns:a="http://schemas.openxmlformats.org/drawingml/2006/main" xmlns:r="http://schemas.openxmlformats.org/officeDocument/2006/relationships" xmlns:mc="http://schemas.openxmlformats.org/markup-compatibility/2006" xmlns:mv="urn:schemas-microsoft-com:mac:vml" xmlns:p="http://schemas.openxmlformats.org/presentationml/2006/main" xmlns:c="http://schemas.openxmlformats.org/drawingml/2006/chart" xmlns:dgm="http://schemas.openxmlformats.org/drawingml/2006/diagram" xmlns:o="urn:schemas-microsoft-com:office:office" xmlns:v="urn:schemas-microsoft-com:vml" xmlns:pvml="urn:schemas-microsoft-com:office:powerpoint" xmlns:com="http://schemas.openxmlformats.org/drawingml/2006/compatibility" xmlns:p14="http://schemas.microsoft.com/office/powerpoint/2010/main" xmlns:p15="http://schemas.microsoft.com/office/powerpoint/2012/main" xmlns:ahyp="http://schemas.microsoft.com/office/drawing/2018/hyperlinkcolor" showMasterPhAnim="0" showMasterSp="0">
+<p:notes xmlns:a="http://schemas.openxmlformats.org/drawingml/2006/main" xmlns:r="http://schemas.openxmlformats.org/officeDocument/2006/relationships" xmlns:p="http://schemas.openxmlformats.org/presentationml/2006/main" showMasterSp="0" showMasterPhAnim="0">
   <p:cSld>
     <p:spTree>
       <p:nvGrpSpPr>
-        <p:cNvPr id="216" name="Shape 216"/>
+        <p:cNvPr id="1" name="Shape 216"/>
         <p:cNvGrpSpPr/>
         <p:nvPr/>
       </p:nvGrpSpPr>
@@ -1331,9 +1629,11 @@
       <p:sp>
         <p:nvSpPr>
           <p:cNvPr id="217" name="Google Shape;217;gd3b8f3e319_1_10:notes"/>
-          <p:cNvSpPr/>
+          <p:cNvSpPr>
+            <a:spLocks noGrp="1" noRot="1" noChangeAspect="1"/>
+          </p:cNvSpPr>
           <p:nvPr>
-            <p:ph idx="2" type="sldImg"/>
+            <p:ph type="sldImg" idx="2"/>
           </p:nvPr>
         </p:nvSpPr>
         <p:spPr>
@@ -1342,9 +1642,13 @@
             <a:ext cx="6096000" cy="3429000"/>
           </a:xfrm>
           <a:custGeom>
-            <a:rect b="b" l="l" r="r" t="t"/>
+            <a:avLst/>
+            <a:gdLst/>
+            <a:ahLst/>
+            <a:cxnLst/>
+            <a:rect l="l" t="t" r="r" b="b"/>
             <a:pathLst>
-              <a:path extrusionOk="0" h="120000" w="120000">
+              <a:path w="120000" h="120000" extrusionOk="0">
                 <a:moveTo>
                   <a:pt x="0" y="0"/>
                 </a:moveTo>
@@ -1366,9 +1670,11 @@
       <p:sp>
         <p:nvSpPr>
           <p:cNvPr id="218" name="Google Shape;218;gd3b8f3e319_1_10:notes"/>
-          <p:cNvSpPr txBox="1"/>
+          <p:cNvSpPr txBox="1">
+            <a:spLocks noGrp="1"/>
+          </p:cNvSpPr>
           <p:nvPr>
-            <p:ph idx="1" type="body"/>
+            <p:ph type="body" idx="1"/>
           </p:nvPr>
         </p:nvSpPr>
         <p:spPr>
@@ -1381,12 +1687,12 @@
           </a:prstGeom>
         </p:spPr>
         <p:txBody>
-          <a:bodyPr anchorCtr="0" anchor="t" bIns="91425" lIns="91425" spcFirstLastPara="1" rIns="91425" wrap="square" tIns="91425">
+          <a:bodyPr spcFirstLastPara="1" wrap="square" lIns="91425" tIns="91425" rIns="91425" bIns="91425" anchor="t" anchorCtr="0">
             <a:noAutofit/>
           </a:bodyPr>
           <a:lstStyle/>
           <a:p>
-            <a:pPr indent="0" lvl="0" marL="0" rtl="0" algn="l">
+            <a:pPr marL="0" lvl="0" indent="0" algn="l" rtl="0">
               <a:spcBef>
                 <a:spcPts val="0"/>
               </a:spcBef>
@@ -1412,11 +1718,11 @@
 </file>
 
 <file path=ppt/notesSlides/notesSlide16.xml><?xml version="1.0" encoding="utf-8"?>
-<p:notes xmlns:a="http://schemas.openxmlformats.org/drawingml/2006/main" xmlns:r="http://schemas.openxmlformats.org/officeDocument/2006/relationships" xmlns:mc="http://schemas.openxmlformats.org/markup-compatibility/2006" xmlns:mv="urn:schemas-microsoft-com:mac:vml" xmlns:p="http://schemas.openxmlformats.org/presentationml/2006/main" xmlns:c="http://schemas.openxmlformats.org/drawingml/2006/chart" xmlns:dgm="http://schemas.openxmlformats.org/drawingml/2006/diagram" xmlns:o="urn:schemas-microsoft-com:office:office" xmlns:v="urn:schemas-microsoft-com:vml" xmlns:pvml="urn:schemas-microsoft-com:office:powerpoint" xmlns:com="http://schemas.openxmlformats.org/drawingml/2006/compatibility" xmlns:p14="http://schemas.microsoft.com/office/powerpoint/2010/main" xmlns:p15="http://schemas.microsoft.com/office/powerpoint/2012/main" xmlns:ahyp="http://schemas.microsoft.com/office/drawing/2018/hyperlinkcolor" showMasterPhAnim="0" showMasterSp="0">
+<p:notes xmlns:a="http://schemas.openxmlformats.org/drawingml/2006/main" xmlns:r="http://schemas.openxmlformats.org/officeDocument/2006/relationships" xmlns:p="http://schemas.openxmlformats.org/presentationml/2006/main" showMasterSp="0" showMasterPhAnim="0">
   <p:cSld>
     <p:spTree>
       <p:nvGrpSpPr>
-        <p:cNvPr id="222" name="Shape 222"/>
+        <p:cNvPr id="1" name="Shape 222"/>
         <p:cNvGrpSpPr/>
         <p:nvPr/>
       </p:nvGrpSpPr>
@@ -1431,9 +1737,11 @@
       <p:sp>
         <p:nvSpPr>
           <p:cNvPr id="223" name="Google Shape;223;gd3b8764a02_0_124:notes"/>
-          <p:cNvSpPr/>
+          <p:cNvSpPr>
+            <a:spLocks noGrp="1" noRot="1" noChangeAspect="1"/>
+          </p:cNvSpPr>
           <p:nvPr>
-            <p:ph idx="2" type="sldImg"/>
+            <p:ph type="sldImg" idx="2"/>
           </p:nvPr>
         </p:nvSpPr>
         <p:spPr>
@@ -1442,9 +1750,13 @@
             <a:ext cx="6096000" cy="3429000"/>
           </a:xfrm>
           <a:custGeom>
-            <a:rect b="b" l="l" r="r" t="t"/>
+            <a:avLst/>
+            <a:gdLst/>
+            <a:ahLst/>
+            <a:cxnLst/>
+            <a:rect l="l" t="t" r="r" b="b"/>
             <a:pathLst>
-              <a:path extrusionOk="0" h="120000" w="120000">
+              <a:path w="120000" h="120000" extrusionOk="0">
                 <a:moveTo>
                   <a:pt x="0" y="0"/>
                 </a:moveTo>
@@ -1466,9 +1778,11 @@
       <p:sp>
         <p:nvSpPr>
           <p:cNvPr id="224" name="Google Shape;224;gd3b8764a02_0_124:notes"/>
-          <p:cNvSpPr txBox="1"/>
+          <p:cNvSpPr txBox="1">
+            <a:spLocks noGrp="1"/>
+          </p:cNvSpPr>
           <p:nvPr>
-            <p:ph idx="1" type="body"/>
+            <p:ph type="body" idx="1"/>
           </p:nvPr>
         </p:nvSpPr>
         <p:spPr>
@@ -1481,12 +1795,12 @@
           </a:prstGeom>
         </p:spPr>
         <p:txBody>
-          <a:bodyPr anchorCtr="0" anchor="t" bIns="91425" lIns="91425" spcFirstLastPara="1" rIns="91425" wrap="square" tIns="91425">
+          <a:bodyPr spcFirstLastPara="1" wrap="square" lIns="91425" tIns="91425" rIns="91425" bIns="91425" anchor="t" anchorCtr="0">
             <a:noAutofit/>
           </a:bodyPr>
           <a:lstStyle/>
           <a:p>
-            <a:pPr indent="0" lvl="0" marL="0" rtl="0" algn="l">
+            <a:pPr marL="0" lvl="0" indent="0" algn="l" rtl="0">
               <a:spcBef>
                 <a:spcPts val="0"/>
               </a:spcBef>
@@ -1512,11 +1826,11 @@
 </file>
 
 <file path=ppt/notesSlides/notesSlide17.xml><?xml version="1.0" encoding="utf-8"?>
-<p:notes xmlns:a="http://schemas.openxmlformats.org/drawingml/2006/main" xmlns:r="http://schemas.openxmlformats.org/officeDocument/2006/relationships" xmlns:mc="http://schemas.openxmlformats.org/markup-compatibility/2006" xmlns:mv="urn:schemas-microsoft-com:mac:vml" xmlns:p="http://schemas.openxmlformats.org/presentationml/2006/main" xmlns:c="http://schemas.openxmlformats.org/drawingml/2006/chart" xmlns:dgm="http://schemas.openxmlformats.org/drawingml/2006/diagram" xmlns:o="urn:schemas-microsoft-com:office:office" xmlns:v="urn:schemas-microsoft-com:vml" xmlns:pvml="urn:schemas-microsoft-com:office:powerpoint" xmlns:com="http://schemas.openxmlformats.org/drawingml/2006/compatibility" xmlns:p14="http://schemas.microsoft.com/office/powerpoint/2010/main" xmlns:p15="http://schemas.microsoft.com/office/powerpoint/2012/main" xmlns:ahyp="http://schemas.microsoft.com/office/drawing/2018/hyperlinkcolor" showMasterPhAnim="0" showMasterSp="0">
+<p:notes xmlns:a="http://schemas.openxmlformats.org/drawingml/2006/main" xmlns:r="http://schemas.openxmlformats.org/officeDocument/2006/relationships" xmlns:p="http://schemas.openxmlformats.org/presentationml/2006/main" showMasterSp="0" showMasterPhAnim="0">
   <p:cSld>
     <p:spTree>
       <p:nvGrpSpPr>
-        <p:cNvPr id="228" name="Shape 228"/>
+        <p:cNvPr id="1" name="Shape 228"/>
         <p:cNvGrpSpPr/>
         <p:nvPr/>
       </p:nvGrpSpPr>
@@ -1531,9 +1845,11 @@
       <p:sp>
         <p:nvSpPr>
           <p:cNvPr id="229" name="Google Shape;229;gd3b8764a02_0_164:notes"/>
-          <p:cNvSpPr/>
+          <p:cNvSpPr>
+            <a:spLocks noGrp="1" noRot="1" noChangeAspect="1"/>
+          </p:cNvSpPr>
           <p:nvPr>
-            <p:ph idx="2" type="sldImg"/>
+            <p:ph type="sldImg" idx="2"/>
           </p:nvPr>
         </p:nvSpPr>
         <p:spPr>
@@ -1542,9 +1858,13 @@
             <a:ext cx="6096000" cy="3429000"/>
           </a:xfrm>
           <a:custGeom>
-            <a:rect b="b" l="l" r="r" t="t"/>
+            <a:avLst/>
+            <a:gdLst/>
+            <a:ahLst/>
+            <a:cxnLst/>
+            <a:rect l="l" t="t" r="r" b="b"/>
             <a:pathLst>
-              <a:path extrusionOk="0" h="120000" w="120000">
+              <a:path w="120000" h="120000" extrusionOk="0">
                 <a:moveTo>
                   <a:pt x="0" y="0"/>
                 </a:moveTo>
@@ -1566,9 +1886,11 @@
       <p:sp>
         <p:nvSpPr>
           <p:cNvPr id="230" name="Google Shape;230;gd3b8764a02_0_164:notes"/>
-          <p:cNvSpPr txBox="1"/>
+          <p:cNvSpPr txBox="1">
+            <a:spLocks noGrp="1"/>
+          </p:cNvSpPr>
           <p:nvPr>
-            <p:ph idx="1" type="body"/>
+            <p:ph type="body" idx="1"/>
           </p:nvPr>
         </p:nvSpPr>
         <p:spPr>
@@ -1581,12 +1903,12 @@
           </a:prstGeom>
         </p:spPr>
         <p:txBody>
-          <a:bodyPr anchorCtr="0" anchor="t" bIns="91425" lIns="91425" spcFirstLastPara="1" rIns="91425" wrap="square" tIns="91425">
+          <a:bodyPr spcFirstLastPara="1" wrap="square" lIns="91425" tIns="91425" rIns="91425" bIns="91425" anchor="t" anchorCtr="0">
             <a:noAutofit/>
           </a:bodyPr>
           <a:lstStyle/>
           <a:p>
-            <a:pPr indent="0" lvl="0" marL="0" rtl="0" algn="l">
+            <a:pPr marL="0" lvl="0" indent="0" algn="l" rtl="0">
               <a:spcBef>
                 <a:spcPts val="0"/>
               </a:spcBef>
@@ -1612,11 +1934,11 @@
 </file>
 
 <file path=ppt/notesSlides/notesSlide2.xml><?xml version="1.0" encoding="utf-8"?>
-<p:notes xmlns:a="http://schemas.openxmlformats.org/drawingml/2006/main" xmlns:r="http://schemas.openxmlformats.org/officeDocument/2006/relationships" xmlns:mc="http://schemas.openxmlformats.org/markup-compatibility/2006" xmlns:mv="urn:schemas-microsoft-com:mac:vml" xmlns:p="http://schemas.openxmlformats.org/presentationml/2006/main" xmlns:c="http://schemas.openxmlformats.org/drawingml/2006/chart" xmlns:dgm="http://schemas.openxmlformats.org/drawingml/2006/diagram" xmlns:o="urn:schemas-microsoft-com:office:office" xmlns:v="urn:schemas-microsoft-com:vml" xmlns:pvml="urn:schemas-microsoft-com:office:powerpoint" xmlns:com="http://schemas.openxmlformats.org/drawingml/2006/compatibility" xmlns:p14="http://schemas.microsoft.com/office/powerpoint/2010/main" xmlns:p15="http://schemas.microsoft.com/office/powerpoint/2012/main" xmlns:ahyp="http://schemas.microsoft.com/office/drawing/2018/hyperlinkcolor" showMasterPhAnim="0" showMasterSp="0">
+<p:notes xmlns:a="http://schemas.openxmlformats.org/drawingml/2006/main" xmlns:r="http://schemas.openxmlformats.org/officeDocument/2006/relationships" xmlns:p="http://schemas.openxmlformats.org/presentationml/2006/main" showMasterSp="0" showMasterPhAnim="0">
   <p:cSld>
     <p:spTree>
       <p:nvGrpSpPr>
-        <p:cNvPr id="130" name="Shape 130"/>
+        <p:cNvPr id="1" name="Shape 130"/>
         <p:cNvGrpSpPr/>
         <p:nvPr/>
       </p:nvGrpSpPr>
@@ -1631,9 +1953,11 @@
       <p:sp>
         <p:nvSpPr>
           <p:cNvPr id="131" name="Google Shape;131;gd3b8764a02_0_119:notes"/>
-          <p:cNvSpPr/>
+          <p:cNvSpPr>
+            <a:spLocks noGrp="1" noRot="1" noChangeAspect="1"/>
+          </p:cNvSpPr>
           <p:nvPr>
-            <p:ph idx="2" type="sldImg"/>
+            <p:ph type="sldImg" idx="2"/>
           </p:nvPr>
         </p:nvSpPr>
         <p:spPr>
@@ -1642,9 +1966,13 @@
             <a:ext cx="6096000" cy="3429000"/>
           </a:xfrm>
           <a:custGeom>
-            <a:rect b="b" l="l" r="r" t="t"/>
+            <a:avLst/>
+            <a:gdLst/>
+            <a:ahLst/>
+            <a:cxnLst/>
+            <a:rect l="l" t="t" r="r" b="b"/>
             <a:pathLst>
-              <a:path extrusionOk="0" h="120000" w="120000">
+              <a:path w="120000" h="120000" extrusionOk="0">
                 <a:moveTo>
                   <a:pt x="0" y="0"/>
                 </a:moveTo>
@@ -1666,9 +1994,11 @@
       <p:sp>
         <p:nvSpPr>
           <p:cNvPr id="132" name="Google Shape;132;gd3b8764a02_0_119:notes"/>
-          <p:cNvSpPr txBox="1"/>
+          <p:cNvSpPr txBox="1">
+            <a:spLocks noGrp="1"/>
+          </p:cNvSpPr>
           <p:nvPr>
-            <p:ph idx="1" type="body"/>
+            <p:ph type="body" idx="1"/>
           </p:nvPr>
         </p:nvSpPr>
         <p:spPr>
@@ -1681,12 +2011,12 @@
           </a:prstGeom>
         </p:spPr>
         <p:txBody>
-          <a:bodyPr anchorCtr="0" anchor="t" bIns="91425" lIns="91425" spcFirstLastPara="1" rIns="91425" wrap="square" tIns="91425">
+          <a:bodyPr spcFirstLastPara="1" wrap="square" lIns="91425" tIns="91425" rIns="91425" bIns="91425" anchor="t" anchorCtr="0">
             <a:noAutofit/>
           </a:bodyPr>
           <a:lstStyle/>
           <a:p>
-            <a:pPr indent="0" lvl="0" marL="0" rtl="0" algn="l">
+            <a:pPr marL="0" lvl="0" indent="0" algn="l" rtl="0">
               <a:spcBef>
                 <a:spcPts val="0"/>
               </a:spcBef>
@@ -1712,11 +2042,11 @@
 </file>
 
 <file path=ppt/notesSlides/notesSlide3.xml><?xml version="1.0" encoding="utf-8"?>
-<p:notes xmlns:a="http://schemas.openxmlformats.org/drawingml/2006/main" xmlns:r="http://schemas.openxmlformats.org/officeDocument/2006/relationships" xmlns:mc="http://schemas.openxmlformats.org/markup-compatibility/2006" xmlns:mv="urn:schemas-microsoft-com:mac:vml" xmlns:p="http://schemas.openxmlformats.org/presentationml/2006/main" xmlns:c="http://schemas.openxmlformats.org/drawingml/2006/chart" xmlns:dgm="http://schemas.openxmlformats.org/drawingml/2006/diagram" xmlns:o="urn:schemas-microsoft-com:office:office" xmlns:v="urn:schemas-microsoft-com:vml" xmlns:pvml="urn:schemas-microsoft-com:office:powerpoint" xmlns:com="http://schemas.openxmlformats.org/drawingml/2006/compatibility" xmlns:p14="http://schemas.microsoft.com/office/powerpoint/2010/main" xmlns:p15="http://schemas.microsoft.com/office/powerpoint/2012/main" xmlns:ahyp="http://schemas.microsoft.com/office/drawing/2018/hyperlinkcolor" showMasterPhAnim="0" showMasterSp="0">
+<p:notes xmlns:a="http://schemas.openxmlformats.org/drawingml/2006/main" xmlns:r="http://schemas.openxmlformats.org/officeDocument/2006/relationships" xmlns:p="http://schemas.openxmlformats.org/presentationml/2006/main" showMasterSp="0" showMasterPhAnim="0">
   <p:cSld>
     <p:spTree>
       <p:nvGrpSpPr>
-        <p:cNvPr id="137" name="Shape 137"/>
+        <p:cNvPr id="1" name="Shape 137"/>
         <p:cNvGrpSpPr/>
         <p:nvPr/>
       </p:nvGrpSpPr>
@@ -1731,9 +2061,11 @@
       <p:sp>
         <p:nvSpPr>
           <p:cNvPr id="138" name="Google Shape;138;gd3b8764a02_0_131:notes"/>
-          <p:cNvSpPr/>
+          <p:cNvSpPr>
+            <a:spLocks noGrp="1" noRot="1" noChangeAspect="1"/>
+          </p:cNvSpPr>
           <p:nvPr>
-            <p:ph idx="2" type="sldImg"/>
+            <p:ph type="sldImg" idx="2"/>
           </p:nvPr>
         </p:nvSpPr>
         <p:spPr>
@@ -1742,9 +2074,13 @@
             <a:ext cx="6096000" cy="3429000"/>
           </a:xfrm>
           <a:custGeom>
-            <a:rect b="b" l="l" r="r" t="t"/>
+            <a:avLst/>
+            <a:gdLst/>
+            <a:ahLst/>
+            <a:cxnLst/>
+            <a:rect l="l" t="t" r="r" b="b"/>
             <a:pathLst>
-              <a:path extrusionOk="0" h="120000" w="120000">
+              <a:path w="120000" h="120000" extrusionOk="0">
                 <a:moveTo>
                   <a:pt x="0" y="0"/>
                 </a:moveTo>
@@ -1766,9 +2102,11 @@
       <p:sp>
         <p:nvSpPr>
           <p:cNvPr id="139" name="Google Shape;139;gd3b8764a02_0_131:notes"/>
-          <p:cNvSpPr txBox="1"/>
+          <p:cNvSpPr txBox="1">
+            <a:spLocks noGrp="1"/>
+          </p:cNvSpPr>
           <p:nvPr>
-            <p:ph idx="1" type="body"/>
+            <p:ph type="body" idx="1"/>
           </p:nvPr>
         </p:nvSpPr>
         <p:spPr>
@@ -1781,12 +2119,12 @@
           </a:prstGeom>
         </p:spPr>
         <p:txBody>
-          <a:bodyPr anchorCtr="0" anchor="t" bIns="91425" lIns="91425" spcFirstLastPara="1" rIns="91425" wrap="square" tIns="91425">
+          <a:bodyPr spcFirstLastPara="1" wrap="square" lIns="91425" tIns="91425" rIns="91425" bIns="91425" anchor="t" anchorCtr="0">
             <a:noAutofit/>
           </a:bodyPr>
           <a:lstStyle/>
           <a:p>
-            <a:pPr indent="0" lvl="0" marL="0" rtl="0" algn="l">
+            <a:pPr marL="0" lvl="0" indent="0" algn="l" rtl="0">
               <a:spcBef>
                 <a:spcPts val="0"/>
               </a:spcBef>
@@ -1812,11 +2150,11 @@
 </file>
 
 <file path=ppt/notesSlides/notesSlide4.xml><?xml version="1.0" encoding="utf-8"?>
-<p:notes xmlns:a="http://schemas.openxmlformats.org/drawingml/2006/main" xmlns:r="http://schemas.openxmlformats.org/officeDocument/2006/relationships" xmlns:mc="http://schemas.openxmlformats.org/markup-compatibility/2006" xmlns:mv="urn:schemas-microsoft-com:mac:vml" xmlns:p="http://schemas.openxmlformats.org/presentationml/2006/main" xmlns:c="http://schemas.openxmlformats.org/drawingml/2006/chart" xmlns:dgm="http://schemas.openxmlformats.org/drawingml/2006/diagram" xmlns:o="urn:schemas-microsoft-com:office:office" xmlns:v="urn:schemas-microsoft-com:vml" xmlns:pvml="urn:schemas-microsoft-com:office:powerpoint" xmlns:com="http://schemas.openxmlformats.org/drawingml/2006/compatibility" xmlns:p14="http://schemas.microsoft.com/office/powerpoint/2010/main" xmlns:p15="http://schemas.microsoft.com/office/powerpoint/2012/main" xmlns:ahyp="http://schemas.microsoft.com/office/drawing/2018/hyperlinkcolor" showMasterPhAnim="0" showMasterSp="0">
+<p:notes xmlns:a="http://schemas.openxmlformats.org/drawingml/2006/main" xmlns:r="http://schemas.openxmlformats.org/officeDocument/2006/relationships" xmlns:p="http://schemas.openxmlformats.org/presentationml/2006/main" showMasterSp="0" showMasterPhAnim="0">
   <p:cSld>
     <p:spTree>
       <p:nvGrpSpPr>
-        <p:cNvPr id="143" name="Shape 143"/>
+        <p:cNvPr id="1" name="Shape 143"/>
         <p:cNvGrpSpPr/>
         <p:nvPr/>
       </p:nvGrpSpPr>
@@ -1831,20 +2169,26 @@
       <p:sp>
         <p:nvSpPr>
           <p:cNvPr id="144" name="Google Shape;144;gd3b8764a02_0_146:notes"/>
-          <p:cNvSpPr/>
+          <p:cNvSpPr>
+            <a:spLocks noGrp="1" noRot="1" noChangeAspect="1"/>
+          </p:cNvSpPr>
           <p:nvPr>
-            <p:ph idx="2" type="sldImg"/>
+            <p:ph type="sldImg" idx="2"/>
           </p:nvPr>
         </p:nvSpPr>
         <p:spPr>
           <a:xfrm>
-            <a:off x="381300" y="685800"/>
+            <a:off x="381000" y="685800"/>
             <a:ext cx="6096000" cy="3429000"/>
           </a:xfrm>
           <a:custGeom>
-            <a:rect b="b" l="l" r="r" t="t"/>
+            <a:avLst/>
+            <a:gdLst/>
+            <a:ahLst/>
+            <a:cxnLst/>
+            <a:rect l="l" t="t" r="r" b="b"/>
             <a:pathLst>
-              <a:path extrusionOk="0" h="120000" w="120000">
+              <a:path w="120000" h="120000" extrusionOk="0">
                 <a:moveTo>
                   <a:pt x="0" y="0"/>
                 </a:moveTo>
@@ -1866,9 +2210,11 @@
       <p:sp>
         <p:nvSpPr>
           <p:cNvPr id="145" name="Google Shape;145;gd3b8764a02_0_146:notes"/>
-          <p:cNvSpPr txBox="1"/>
+          <p:cNvSpPr txBox="1">
+            <a:spLocks noGrp="1"/>
+          </p:cNvSpPr>
           <p:nvPr>
-            <p:ph idx="1" type="body"/>
+            <p:ph type="body" idx="1"/>
           </p:nvPr>
         </p:nvSpPr>
         <p:spPr>
@@ -1881,12 +2227,12 @@
           </a:prstGeom>
         </p:spPr>
         <p:txBody>
-          <a:bodyPr anchorCtr="0" anchor="t" bIns="91425" lIns="91425" spcFirstLastPara="1" rIns="91425" wrap="square" tIns="91425">
+          <a:bodyPr spcFirstLastPara="1" wrap="square" lIns="91425" tIns="91425" rIns="91425" bIns="91425" anchor="t" anchorCtr="0">
             <a:noAutofit/>
           </a:bodyPr>
           <a:lstStyle/>
           <a:p>
-            <a:pPr indent="0" lvl="0" marL="0" rtl="0" algn="l">
+            <a:pPr marL="0" lvl="0" indent="0" algn="l" rtl="0">
               <a:spcBef>
                 <a:spcPts val="0"/>
               </a:spcBef>
@@ -1912,11 +2258,11 @@
 </file>
 
 <file path=ppt/notesSlides/notesSlide5.xml><?xml version="1.0" encoding="utf-8"?>
-<p:notes xmlns:a="http://schemas.openxmlformats.org/drawingml/2006/main" xmlns:r="http://schemas.openxmlformats.org/officeDocument/2006/relationships" xmlns:mc="http://schemas.openxmlformats.org/markup-compatibility/2006" xmlns:mv="urn:schemas-microsoft-com:mac:vml" xmlns:p="http://schemas.openxmlformats.org/presentationml/2006/main" xmlns:c="http://schemas.openxmlformats.org/drawingml/2006/chart" xmlns:dgm="http://schemas.openxmlformats.org/drawingml/2006/diagram" xmlns:o="urn:schemas-microsoft-com:office:office" xmlns:v="urn:schemas-microsoft-com:vml" xmlns:pvml="urn:schemas-microsoft-com:office:powerpoint" xmlns:com="http://schemas.openxmlformats.org/drawingml/2006/compatibility" xmlns:p14="http://schemas.microsoft.com/office/powerpoint/2010/main" xmlns:p15="http://schemas.microsoft.com/office/powerpoint/2012/main" xmlns:ahyp="http://schemas.microsoft.com/office/drawing/2018/hyperlinkcolor" showMasterPhAnim="0" showMasterSp="0">
+<p:notes xmlns:a="http://schemas.openxmlformats.org/drawingml/2006/main" xmlns:r="http://schemas.openxmlformats.org/officeDocument/2006/relationships" xmlns:p="http://schemas.openxmlformats.org/presentationml/2006/main" showMasterSp="0" showMasterPhAnim="0">
   <p:cSld>
     <p:spTree>
       <p:nvGrpSpPr>
-        <p:cNvPr id="150" name="Shape 150"/>
+        <p:cNvPr id="1" name="Shape 150"/>
         <p:cNvGrpSpPr/>
         <p:nvPr/>
       </p:nvGrpSpPr>
@@ -1931,20 +2277,26 @@
       <p:sp>
         <p:nvSpPr>
           <p:cNvPr id="151" name="Google Shape;151;gd3b8764a02_0_136:notes"/>
-          <p:cNvSpPr/>
+          <p:cNvSpPr>
+            <a:spLocks noGrp="1" noRot="1" noChangeAspect="1"/>
+          </p:cNvSpPr>
           <p:nvPr>
-            <p:ph idx="2" type="sldImg"/>
+            <p:ph type="sldImg" idx="2"/>
           </p:nvPr>
         </p:nvSpPr>
         <p:spPr>
           <a:xfrm>
-            <a:off x="381300" y="685800"/>
+            <a:off x="381000" y="685800"/>
             <a:ext cx="6096000" cy="3429000"/>
           </a:xfrm>
           <a:custGeom>
-            <a:rect b="b" l="l" r="r" t="t"/>
+            <a:avLst/>
+            <a:gdLst/>
+            <a:ahLst/>
+            <a:cxnLst/>
+            <a:rect l="l" t="t" r="r" b="b"/>
             <a:pathLst>
-              <a:path extrusionOk="0" h="120000" w="120000">
+              <a:path w="120000" h="120000" extrusionOk="0">
                 <a:moveTo>
                   <a:pt x="0" y="0"/>
                 </a:moveTo>
@@ -1966,9 +2318,11 @@
       <p:sp>
         <p:nvSpPr>
           <p:cNvPr id="152" name="Google Shape;152;gd3b8764a02_0_136:notes"/>
-          <p:cNvSpPr txBox="1"/>
+          <p:cNvSpPr txBox="1">
+            <a:spLocks noGrp="1"/>
+          </p:cNvSpPr>
           <p:nvPr>
-            <p:ph idx="1" type="body"/>
+            <p:ph type="body" idx="1"/>
           </p:nvPr>
         </p:nvSpPr>
         <p:spPr>
@@ -1981,12 +2335,12 @@
           </a:prstGeom>
         </p:spPr>
         <p:txBody>
-          <a:bodyPr anchorCtr="0" anchor="t" bIns="91425" lIns="91425" spcFirstLastPara="1" rIns="91425" wrap="square" tIns="91425">
+          <a:bodyPr spcFirstLastPara="1" wrap="square" lIns="91425" tIns="91425" rIns="91425" bIns="91425" anchor="t" anchorCtr="0">
             <a:noAutofit/>
           </a:bodyPr>
           <a:lstStyle/>
           <a:p>
-            <a:pPr indent="0" lvl="0" marL="0" rtl="0" algn="l">
+            <a:pPr marL="0" lvl="0" indent="0" algn="l" rtl="0">
               <a:spcBef>
                 <a:spcPts val="0"/>
               </a:spcBef>
@@ -1996,10 +2350,75 @@
               <a:buNone/>
             </a:pPr>
             <a:r>
-              <a:rPr lang="en"/>
+              <a:rPr lang="en" dirty="0"/>
               <a:t>Augustine</a:t>
             </a:r>
-            <a:endParaRPr/>
+          </a:p>
+          <a:p>
+            <a:pPr marL="0" lvl="0" indent="0" algn="l" rtl="0">
+              <a:spcBef>
+                <a:spcPts val="0"/>
+              </a:spcBef>
+              <a:spcAft>
+                <a:spcPts val="0"/>
+              </a:spcAft>
+              <a:buNone/>
+            </a:pPr>
+            <a:r>
+              <a:rPr lang="en" sz="1200" dirty="0"/>
+              <a:t>There are commonly five positions in basketball games which are PG stands for Point guard, SG for Shooting guard, SF for Shooting forward, PF for Power forward and C for center. </a:t>
+            </a:r>
+            <a:r>
+              <a:rPr lang="en-US" sz="1200" dirty="0"/>
+              <a:t>By our definition, the starters and benches are basically defined by minutes. The top 6 players in minutes for each team would be considered as starters and the six man. </a:t>
+            </a:r>
+            <a:endParaRPr lang="en" sz="1200" dirty="0"/>
+          </a:p>
+          <a:p>
+            <a:pPr marL="0" lvl="0" indent="0" algn="l" rtl="0">
+              <a:spcBef>
+                <a:spcPts val="0"/>
+              </a:spcBef>
+              <a:spcAft>
+                <a:spcPts val="0"/>
+              </a:spcAft>
+              <a:buNone/>
+            </a:pPr>
+            <a:r>
+              <a:rPr lang="en-US" sz="1200" dirty="0"/>
+              <a:t>So our first research question is that we are trying to find out the most predictive position among bench players based on teams. We want to see what type of bench player contributing to the victory most.</a:t>
+            </a:r>
+          </a:p>
+          <a:p>
+            <a:pPr marL="0" lvl="0" indent="0" algn="l" rtl="0">
+              <a:spcBef>
+                <a:spcPts val="0"/>
+              </a:spcBef>
+              <a:spcAft>
+                <a:spcPts val="0"/>
+              </a:spcAft>
+              <a:buNone/>
+            </a:pPr>
+            <a:r>
+              <a:rPr lang="en-US" sz="1200" dirty="0"/>
+              <a:t>The second one is focusing on the starters including 6th man. And we are still looking for the position with most contribution to predict the win-lose. And then comparing the models of benches with the starters .</a:t>
+            </a:r>
+          </a:p>
+          <a:p>
+            <a:pPr marL="0" lvl="0" indent="0" algn="l" rtl="0">
+              <a:spcBef>
+                <a:spcPts val="0"/>
+              </a:spcBef>
+              <a:spcAft>
+                <a:spcPts val="0"/>
+              </a:spcAft>
+              <a:buNone/>
+            </a:pPr>
+            <a:r>
+              <a:rPr lang="en-US" sz="1200" dirty="0"/>
+              <a:t>Finally, we find the best position through the league for all players. </a:t>
+            </a:r>
+            <a:endParaRPr sz="1200" dirty="0"/>
           </a:p>
         </p:txBody>
       </p:sp>
@@ -2012,11 +2431,11 @@
 </file>
 
 <file path=ppt/notesSlides/notesSlide6.xml><?xml version="1.0" encoding="utf-8"?>
-<p:notes xmlns:a="http://schemas.openxmlformats.org/drawingml/2006/main" xmlns:r="http://schemas.openxmlformats.org/officeDocument/2006/relationships" xmlns:mc="http://schemas.openxmlformats.org/markup-compatibility/2006" xmlns:mv="urn:schemas-microsoft-com:mac:vml" xmlns:p="http://schemas.openxmlformats.org/presentationml/2006/main" xmlns:c="http://schemas.openxmlformats.org/drawingml/2006/chart" xmlns:dgm="http://schemas.openxmlformats.org/drawingml/2006/diagram" xmlns:o="urn:schemas-microsoft-com:office:office" xmlns:v="urn:schemas-microsoft-com:vml" xmlns:pvml="urn:schemas-microsoft-com:office:powerpoint" xmlns:com="http://schemas.openxmlformats.org/drawingml/2006/compatibility" xmlns:p14="http://schemas.microsoft.com/office/powerpoint/2010/main" xmlns:p15="http://schemas.microsoft.com/office/powerpoint/2012/main" xmlns:ahyp="http://schemas.microsoft.com/office/drawing/2018/hyperlinkcolor" showMasterPhAnim="0" showMasterSp="0">
+<p:notes xmlns:a="http://schemas.openxmlformats.org/drawingml/2006/main" xmlns:r="http://schemas.openxmlformats.org/officeDocument/2006/relationships" xmlns:p="http://schemas.openxmlformats.org/presentationml/2006/main" showMasterSp="0" showMasterPhAnim="0">
   <p:cSld>
     <p:spTree>
       <p:nvGrpSpPr>
-        <p:cNvPr id="156" name="Shape 156"/>
+        <p:cNvPr id="1" name="Shape 156"/>
         <p:cNvGrpSpPr/>
         <p:nvPr/>
       </p:nvGrpSpPr>
@@ -2031,20 +2450,26 @@
       <p:sp>
         <p:nvSpPr>
           <p:cNvPr id="157" name="Google Shape;157;gd3b8764a02_0_141:notes"/>
-          <p:cNvSpPr/>
+          <p:cNvSpPr>
+            <a:spLocks noGrp="1" noRot="1" noChangeAspect="1"/>
+          </p:cNvSpPr>
           <p:nvPr>
-            <p:ph idx="2" type="sldImg"/>
+            <p:ph type="sldImg" idx="2"/>
           </p:nvPr>
         </p:nvSpPr>
         <p:spPr>
           <a:xfrm>
-            <a:off x="381300" y="685800"/>
+            <a:off x="381000" y="685800"/>
             <a:ext cx="6096000" cy="3429000"/>
           </a:xfrm>
           <a:custGeom>
-            <a:rect b="b" l="l" r="r" t="t"/>
+            <a:avLst/>
+            <a:gdLst/>
+            <a:ahLst/>
+            <a:cxnLst/>
+            <a:rect l="l" t="t" r="r" b="b"/>
             <a:pathLst>
-              <a:path extrusionOk="0" h="120000" w="120000">
+              <a:path w="120000" h="120000" extrusionOk="0">
                 <a:moveTo>
                   <a:pt x="0" y="0"/>
                 </a:moveTo>
@@ -2066,9 +2491,11 @@
       <p:sp>
         <p:nvSpPr>
           <p:cNvPr id="158" name="Google Shape;158;gd3b8764a02_0_141:notes"/>
-          <p:cNvSpPr txBox="1"/>
+          <p:cNvSpPr txBox="1">
+            <a:spLocks noGrp="1"/>
+          </p:cNvSpPr>
           <p:nvPr>
-            <p:ph idx="1" type="body"/>
+            <p:ph type="body" idx="1"/>
           </p:nvPr>
         </p:nvSpPr>
         <p:spPr>
@@ -2081,12 +2508,12 @@
           </a:prstGeom>
         </p:spPr>
         <p:txBody>
-          <a:bodyPr anchorCtr="0" anchor="t" bIns="91425" lIns="91425" spcFirstLastPara="1" rIns="91425" wrap="square" tIns="91425">
+          <a:bodyPr spcFirstLastPara="1" wrap="square" lIns="91425" tIns="91425" rIns="91425" bIns="91425" anchor="t" anchorCtr="0">
             <a:noAutofit/>
           </a:bodyPr>
           <a:lstStyle/>
           <a:p>
-            <a:pPr indent="0" lvl="0" marL="0" rtl="0" algn="l">
+            <a:pPr marL="0" lvl="0" indent="0" algn="l" rtl="0">
               <a:spcBef>
                 <a:spcPts val="0"/>
               </a:spcBef>
@@ -2096,10 +2523,37 @@
               <a:buNone/>
             </a:pPr>
             <a:r>
-              <a:rPr lang="en"/>
+              <a:rPr lang="en" dirty="0"/>
               <a:t>Augustine</a:t>
             </a:r>
-            <a:endParaRPr/>
+          </a:p>
+          <a:p>
+            <a:pPr marL="0" lvl="0" indent="0" algn="l" rtl="0">
+              <a:spcBef>
+                <a:spcPts val="0"/>
+              </a:spcBef>
+              <a:spcAft>
+                <a:spcPts val="0"/>
+              </a:spcAft>
+              <a:buNone/>
+            </a:pPr>
+            <a:r>
+              <a:rPr lang="en" dirty="0"/>
+              <a:t>We use the same datasets from prop</a:t>
+            </a:r>
+            <a:r>
+              <a:rPr lang="en-US" dirty="0"/>
+              <a:t>o</a:t>
+            </a:r>
+            <a:r>
+              <a:rPr lang="en" dirty="0" err="1"/>
+              <a:t>sal</a:t>
+            </a:r>
+            <a:r>
+              <a:rPr lang="en" dirty="0"/>
+              <a:t> which is from Kaggle competition named “NBA game data”. It has detailed stats for each player in every game. We are only using the games for 2019 and 2020 season. However, we did some cleaning and processing in order to analyze.  The original response variable is HOME-TEAM_WINS. </a:t>
+            </a:r>
+            <a:endParaRPr dirty="0"/>
           </a:p>
         </p:txBody>
       </p:sp>
@@ -2112,11 +2566,11 @@
 </file>
 
 <file path=ppt/notesSlides/notesSlide7.xml><?xml version="1.0" encoding="utf-8"?>
-<p:notes xmlns:a="http://schemas.openxmlformats.org/drawingml/2006/main" xmlns:r="http://schemas.openxmlformats.org/officeDocument/2006/relationships" xmlns:mc="http://schemas.openxmlformats.org/markup-compatibility/2006" xmlns:mv="urn:schemas-microsoft-com:mac:vml" xmlns:p="http://schemas.openxmlformats.org/presentationml/2006/main" xmlns:c="http://schemas.openxmlformats.org/drawingml/2006/chart" xmlns:dgm="http://schemas.openxmlformats.org/drawingml/2006/diagram" xmlns:o="urn:schemas-microsoft-com:office:office" xmlns:v="urn:schemas-microsoft-com:vml" xmlns:pvml="urn:schemas-microsoft-com:office:powerpoint" xmlns:com="http://schemas.openxmlformats.org/drawingml/2006/compatibility" xmlns:p14="http://schemas.microsoft.com/office/powerpoint/2010/main" xmlns:p15="http://schemas.microsoft.com/office/powerpoint/2012/main" xmlns:ahyp="http://schemas.microsoft.com/office/drawing/2018/hyperlinkcolor" showMasterPhAnim="0" showMasterSp="0">
+<p:notes xmlns:a="http://schemas.openxmlformats.org/drawingml/2006/main" xmlns:r="http://schemas.openxmlformats.org/officeDocument/2006/relationships" xmlns:p="http://schemas.openxmlformats.org/presentationml/2006/main" showMasterSp="0" showMasterPhAnim="0">
   <p:cSld>
     <p:spTree>
       <p:nvGrpSpPr>
-        <p:cNvPr id="163" name="Shape 163"/>
+        <p:cNvPr id="1" name="Shape 163"/>
         <p:cNvGrpSpPr/>
         <p:nvPr/>
       </p:nvGrpSpPr>
@@ -2131,20 +2585,26 @@
       <p:sp>
         <p:nvSpPr>
           <p:cNvPr id="164" name="Google Shape;164;gd3b8f3e319_0_0:notes"/>
-          <p:cNvSpPr/>
+          <p:cNvSpPr>
+            <a:spLocks noGrp="1" noRot="1" noChangeAspect="1"/>
+          </p:cNvSpPr>
           <p:nvPr>
-            <p:ph idx="2" type="sldImg"/>
+            <p:ph type="sldImg" idx="2"/>
           </p:nvPr>
         </p:nvSpPr>
         <p:spPr>
           <a:xfrm>
-            <a:off x="381300" y="685800"/>
+            <a:off x="381000" y="685800"/>
             <a:ext cx="6096000" cy="3429000"/>
           </a:xfrm>
           <a:custGeom>
-            <a:rect b="b" l="l" r="r" t="t"/>
+            <a:avLst/>
+            <a:gdLst/>
+            <a:ahLst/>
+            <a:cxnLst/>
+            <a:rect l="l" t="t" r="r" b="b"/>
             <a:pathLst>
-              <a:path extrusionOk="0" h="120000" w="120000">
+              <a:path w="120000" h="120000" extrusionOk="0">
                 <a:moveTo>
                   <a:pt x="0" y="0"/>
                 </a:moveTo>
@@ -2166,9 +2626,11 @@
       <p:sp>
         <p:nvSpPr>
           <p:cNvPr id="165" name="Google Shape;165;gd3b8f3e319_0_0:notes"/>
-          <p:cNvSpPr txBox="1"/>
+          <p:cNvSpPr txBox="1">
+            <a:spLocks noGrp="1"/>
+          </p:cNvSpPr>
           <p:nvPr>
-            <p:ph idx="1" type="body"/>
+            <p:ph type="body" idx="1"/>
           </p:nvPr>
         </p:nvSpPr>
         <p:spPr>
@@ -2181,12 +2643,12 @@
           </a:prstGeom>
         </p:spPr>
         <p:txBody>
-          <a:bodyPr anchorCtr="0" anchor="t" bIns="91425" lIns="91425" spcFirstLastPara="1" rIns="91425" wrap="square" tIns="91425">
+          <a:bodyPr spcFirstLastPara="1" wrap="square" lIns="91425" tIns="91425" rIns="91425" bIns="91425" anchor="t" anchorCtr="0">
             <a:noAutofit/>
           </a:bodyPr>
           <a:lstStyle/>
           <a:p>
-            <a:pPr indent="0" lvl="0" marL="0" rtl="0" algn="l">
+            <a:pPr marL="0" lvl="0" indent="0" algn="l" rtl="0">
               <a:spcBef>
                 <a:spcPts val="0"/>
               </a:spcBef>
@@ -2196,10 +2658,53 @@
               <a:buNone/>
             </a:pPr>
             <a:r>
-              <a:rPr lang="en"/>
+              <a:rPr lang="en" dirty="0"/>
               <a:t>Augustine</a:t>
             </a:r>
-            <a:endParaRPr/>
+          </a:p>
+          <a:p>
+            <a:pPr marL="0" lvl="0" indent="0" algn="l" rtl="0">
+              <a:spcBef>
+                <a:spcPts val="0"/>
+              </a:spcBef>
+              <a:spcAft>
+                <a:spcPts val="0"/>
+              </a:spcAft>
+              <a:buNone/>
+            </a:pPr>
+            <a:r>
+              <a:rPr lang="en" dirty="0"/>
+              <a:t>Here is our revised or annotated dataset. The original set has only </a:t>
+            </a:r>
+            <a:r>
+              <a:rPr lang="en" dirty="0" err="1"/>
+              <a:t>start_position</a:t>
+            </a:r>
+            <a:r>
+              <a:rPr lang="en" dirty="0"/>
+              <a:t> for the starters and only in three type which are G, F and C. So we filled the positions for every player in every game with the specific positions. And there are two new variables which are </a:t>
+            </a:r>
+            <a:r>
+              <a:rPr lang="en" dirty="0" err="1"/>
+              <a:t>home_team</a:t>
+            </a:r>
+            <a:r>
+              <a:rPr lang="en" dirty="0"/>
+              <a:t> and WIN. </a:t>
+            </a:r>
+            <a:r>
+              <a:rPr lang="en-US" dirty="0"/>
+              <a:t>H</a:t>
+            </a:r>
+            <a:r>
+              <a:rPr lang="en" dirty="0" err="1"/>
+              <a:t>ome_team</a:t>
+            </a:r>
+            <a:r>
+              <a:rPr lang="en" dirty="0"/>
+              <a:t> basically tells if the players played at home court. The WIN is the response variable we are using in this project. 1 stands for win and 0 stands for lose. The stats would be the predictors in our case. They are 21 in total including min and home_team. We also have two more subsets which one is for starters and another one is for benches. 32k obersvations in total. </a:t>
+            </a:r>
+            <a:endParaRPr dirty="0"/>
           </a:p>
         </p:txBody>
       </p:sp>
@@ -2212,11 +2717,11 @@
 </file>
 
 <file path=ppt/notesSlides/notesSlide8.xml><?xml version="1.0" encoding="utf-8"?>
-<p:notes xmlns:a="http://schemas.openxmlformats.org/drawingml/2006/main" xmlns:r="http://schemas.openxmlformats.org/officeDocument/2006/relationships" xmlns:mc="http://schemas.openxmlformats.org/markup-compatibility/2006" xmlns:mv="urn:schemas-microsoft-com:mac:vml" xmlns:p="http://schemas.openxmlformats.org/presentationml/2006/main" xmlns:c="http://schemas.openxmlformats.org/drawingml/2006/chart" xmlns:dgm="http://schemas.openxmlformats.org/drawingml/2006/diagram" xmlns:o="urn:schemas-microsoft-com:office:office" xmlns:v="urn:schemas-microsoft-com:vml" xmlns:pvml="urn:schemas-microsoft-com:office:powerpoint" xmlns:com="http://schemas.openxmlformats.org/drawingml/2006/compatibility" xmlns:p14="http://schemas.microsoft.com/office/powerpoint/2010/main" xmlns:p15="http://schemas.microsoft.com/office/powerpoint/2012/main" xmlns:ahyp="http://schemas.microsoft.com/office/drawing/2018/hyperlinkcolor" showMasterPhAnim="0" showMasterSp="0">
+<p:notes xmlns:a="http://schemas.openxmlformats.org/drawingml/2006/main" xmlns:r="http://schemas.openxmlformats.org/officeDocument/2006/relationships" xmlns:p="http://schemas.openxmlformats.org/presentationml/2006/main" showMasterSp="0" showMasterPhAnim="0">
   <p:cSld>
     <p:spTree>
       <p:nvGrpSpPr>
-        <p:cNvPr id="171" name="Shape 171"/>
+        <p:cNvPr id="1" name="Shape 171"/>
         <p:cNvGrpSpPr/>
         <p:nvPr/>
       </p:nvGrpSpPr>
@@ -2231,9 +2736,11 @@
       <p:sp>
         <p:nvSpPr>
           <p:cNvPr id="172" name="Google Shape;172;gd3b8f3e319_1_0:notes"/>
-          <p:cNvSpPr/>
+          <p:cNvSpPr>
+            <a:spLocks noGrp="1" noRot="1" noChangeAspect="1"/>
+          </p:cNvSpPr>
           <p:nvPr>
-            <p:ph idx="2" type="sldImg"/>
+            <p:ph type="sldImg" idx="2"/>
           </p:nvPr>
         </p:nvSpPr>
         <p:spPr>
@@ -2242,9 +2749,13 @@
             <a:ext cx="6096000" cy="3429000"/>
           </a:xfrm>
           <a:custGeom>
-            <a:rect b="b" l="l" r="r" t="t"/>
+            <a:avLst/>
+            <a:gdLst/>
+            <a:ahLst/>
+            <a:cxnLst/>
+            <a:rect l="l" t="t" r="r" b="b"/>
             <a:pathLst>
-              <a:path extrusionOk="0" h="120000" w="120000">
+              <a:path w="120000" h="120000" extrusionOk="0">
                 <a:moveTo>
                   <a:pt x="0" y="0"/>
                 </a:moveTo>
@@ -2266,9 +2777,11 @@
       <p:sp>
         <p:nvSpPr>
           <p:cNvPr id="173" name="Google Shape;173;gd3b8f3e319_1_0:notes"/>
-          <p:cNvSpPr txBox="1"/>
+          <p:cNvSpPr txBox="1">
+            <a:spLocks noGrp="1"/>
+          </p:cNvSpPr>
           <p:nvPr>
-            <p:ph idx="1" type="body"/>
+            <p:ph type="body" idx="1"/>
           </p:nvPr>
         </p:nvSpPr>
         <p:spPr>
@@ -2281,12 +2794,12 @@
           </a:prstGeom>
         </p:spPr>
         <p:txBody>
-          <a:bodyPr anchorCtr="0" anchor="t" bIns="91425" lIns="91425" spcFirstLastPara="1" rIns="91425" wrap="square" tIns="91425">
+          <a:bodyPr spcFirstLastPara="1" wrap="square" lIns="91425" tIns="91425" rIns="91425" bIns="91425" anchor="t" anchorCtr="0">
             <a:noAutofit/>
           </a:bodyPr>
           <a:lstStyle/>
           <a:p>
-            <a:pPr indent="0" lvl="0" marL="0" rtl="0" algn="l">
+            <a:pPr marL="0" lvl="0" indent="0" algn="l" rtl="0">
               <a:spcBef>
                 <a:spcPts val="0"/>
               </a:spcBef>
@@ -2312,11 +2825,11 @@
 </file>
 
 <file path=ppt/notesSlides/notesSlide9.xml><?xml version="1.0" encoding="utf-8"?>
-<p:notes xmlns:a="http://schemas.openxmlformats.org/drawingml/2006/main" xmlns:r="http://schemas.openxmlformats.org/officeDocument/2006/relationships" xmlns:mc="http://schemas.openxmlformats.org/markup-compatibility/2006" xmlns:mv="urn:schemas-microsoft-com:mac:vml" xmlns:p="http://schemas.openxmlformats.org/presentationml/2006/main" xmlns:c="http://schemas.openxmlformats.org/drawingml/2006/chart" xmlns:dgm="http://schemas.openxmlformats.org/drawingml/2006/diagram" xmlns:o="urn:schemas-microsoft-com:office:office" xmlns:v="urn:schemas-microsoft-com:vml" xmlns:pvml="urn:schemas-microsoft-com:office:powerpoint" xmlns:com="http://schemas.openxmlformats.org/drawingml/2006/compatibility" xmlns:p14="http://schemas.microsoft.com/office/powerpoint/2010/main" xmlns:p15="http://schemas.microsoft.com/office/powerpoint/2012/main" xmlns:ahyp="http://schemas.microsoft.com/office/drawing/2018/hyperlinkcolor" showMasterPhAnim="0" showMasterSp="0">
+<p:notes xmlns:a="http://schemas.openxmlformats.org/drawingml/2006/main" xmlns:r="http://schemas.openxmlformats.org/officeDocument/2006/relationships" xmlns:p="http://schemas.openxmlformats.org/presentationml/2006/main" showMasterSp="0" showMasterPhAnim="0">
   <p:cSld>
     <p:spTree>
       <p:nvGrpSpPr>
-        <p:cNvPr id="178" name="Shape 178"/>
+        <p:cNvPr id="1" name="Shape 178"/>
         <p:cNvGrpSpPr/>
         <p:nvPr/>
       </p:nvGrpSpPr>
@@ -2331,9 +2844,11 @@
       <p:sp>
         <p:nvSpPr>
           <p:cNvPr id="179" name="Google Shape;179;gd3b8f3e319_0_15:notes"/>
-          <p:cNvSpPr/>
+          <p:cNvSpPr>
+            <a:spLocks noGrp="1" noRot="1" noChangeAspect="1"/>
+          </p:cNvSpPr>
           <p:nvPr>
-            <p:ph idx="2" type="sldImg"/>
+            <p:ph type="sldImg" idx="2"/>
           </p:nvPr>
         </p:nvSpPr>
         <p:spPr>
@@ -2342,9 +2857,13 @@
             <a:ext cx="6096000" cy="3429000"/>
           </a:xfrm>
           <a:custGeom>
-            <a:rect b="b" l="l" r="r" t="t"/>
+            <a:avLst/>
+            <a:gdLst/>
+            <a:ahLst/>
+            <a:cxnLst/>
+            <a:rect l="l" t="t" r="r" b="b"/>
             <a:pathLst>
-              <a:path extrusionOk="0" h="120000" w="120000">
+              <a:path w="120000" h="120000" extrusionOk="0">
                 <a:moveTo>
                   <a:pt x="0" y="0"/>
                 </a:moveTo>
@@ -2366,9 +2885,11 @@
       <p:sp>
         <p:nvSpPr>
           <p:cNvPr id="180" name="Google Shape;180;gd3b8f3e319_0_15:notes"/>
-          <p:cNvSpPr txBox="1"/>
+          <p:cNvSpPr txBox="1">
+            <a:spLocks noGrp="1"/>
+          </p:cNvSpPr>
           <p:nvPr>
-            <p:ph idx="1" type="body"/>
+            <p:ph type="body" idx="1"/>
           </p:nvPr>
         </p:nvSpPr>
         <p:spPr>
@@ -2381,12 +2902,12 @@
           </a:prstGeom>
         </p:spPr>
         <p:txBody>
-          <a:bodyPr anchorCtr="0" anchor="t" bIns="91425" lIns="91425" spcFirstLastPara="1" rIns="91425" wrap="square" tIns="91425">
+          <a:bodyPr spcFirstLastPara="1" wrap="square" lIns="91425" tIns="91425" rIns="91425" bIns="91425" anchor="t" anchorCtr="0">
             <a:noAutofit/>
           </a:bodyPr>
           <a:lstStyle/>
           <a:p>
-            <a:pPr indent="0" lvl="0" marL="0" rtl="0" algn="l">
+            <a:pPr marL="0" lvl="0" indent="0" algn="l" rtl="0">
               <a:spcBef>
                 <a:spcPts val="0"/>
               </a:spcBef>
@@ -2412,18 +2933,19 @@
 </file>
 
 <file path=ppt/slideLayouts/slideLayout1.xml><?xml version="1.0" encoding="utf-8"?>
-<p:sldLayout xmlns:a="http://schemas.openxmlformats.org/drawingml/2006/main" xmlns:r="http://schemas.openxmlformats.org/officeDocument/2006/relationships" xmlns:mc="http://schemas.openxmlformats.org/markup-compatibility/2006" xmlns:mv="urn:schemas-microsoft-com:mac:vml" xmlns:p="http://schemas.openxmlformats.org/presentationml/2006/main" xmlns:c="http://schemas.openxmlformats.org/drawingml/2006/chart" xmlns:dgm="http://schemas.openxmlformats.org/drawingml/2006/diagram" xmlns:o="urn:schemas-microsoft-com:office:office" xmlns:v="urn:schemas-microsoft-com:vml" xmlns:pvml="urn:schemas-microsoft-com:office:powerpoint" xmlns:com="http://schemas.openxmlformats.org/drawingml/2006/compatibility" xmlns:p14="http://schemas.microsoft.com/office/powerpoint/2010/main" xmlns:p15="http://schemas.microsoft.com/office/powerpoint/2012/main" xmlns:ahyp="http://schemas.microsoft.com/office/drawing/2018/hyperlinkcolor" matchingName="Title slide" type="title">
+<p:sldLayout xmlns:a="http://schemas.openxmlformats.org/drawingml/2006/main" xmlns:r="http://schemas.openxmlformats.org/officeDocument/2006/relationships" xmlns:p="http://schemas.openxmlformats.org/presentationml/2006/main" matchingName="Title slide" type="title">
   <p:cSld name="TITLE">
     <p:bg>
       <p:bgPr>
         <a:solidFill>
           <a:schemeClr val="accent6"/>
         </a:solidFill>
+        <a:effectLst/>
       </p:bgPr>
     </p:bg>
     <p:spTree>
       <p:nvGrpSpPr>
-        <p:cNvPr id="9" name="Shape 9"/>
+        <p:cNvPr id="1" name="Shape 9"/>
         <p:cNvGrpSpPr/>
         <p:nvPr/>
       </p:nvGrpSpPr>
@@ -2457,23 +2979,20 @@
           </a:ln>
         </p:spPr>
         <p:txBody>
-          <a:bodyPr anchorCtr="0" anchor="ctr" bIns="91425" lIns="91425" spcFirstLastPara="1" rIns="91425" wrap="square" tIns="91425">
+          <a:bodyPr spcFirstLastPara="1" wrap="square" lIns="91425" tIns="91425" rIns="91425" bIns="91425" anchor="ctr" anchorCtr="0">
             <a:noAutofit/>
           </a:bodyPr>
           <a:lstStyle/>
           <a:p>
-            <a:pPr indent="0" lvl="0" marL="0" rtl="0" algn="l">
-              <a:spcBef>
-                <a:spcPts val="0"/>
-              </a:spcBef>
-              <a:spcAft>
-                <a:spcPts val="0"/>
-              </a:spcAft>
-              <a:buNone/>
-            </a:pPr>
-            <a:r>
-              <a:t/>
-            </a:r>
+            <a:pPr marL="0" lvl="0" indent="0" algn="l" rtl="0">
+              <a:spcBef>
+                <a:spcPts val="0"/>
+              </a:spcBef>
+              <a:spcAft>
+                <a:spcPts val="0"/>
+              </a:spcAft>
+              <a:buNone/>
+            </a:pPr>
             <a:endParaRPr/>
           </a:p>
         </p:txBody>
@@ -2500,23 +3019,20 @@
           </a:ln>
         </p:spPr>
         <p:txBody>
-          <a:bodyPr anchorCtr="0" anchor="ctr" bIns="91425" lIns="91425" spcFirstLastPara="1" rIns="91425" wrap="square" tIns="91425">
+          <a:bodyPr spcFirstLastPara="1" wrap="square" lIns="91425" tIns="91425" rIns="91425" bIns="91425" anchor="ctr" anchorCtr="0">
             <a:noAutofit/>
           </a:bodyPr>
           <a:lstStyle/>
           <a:p>
-            <a:pPr indent="0" lvl="0" marL="0" rtl="0" algn="l">
-              <a:spcBef>
-                <a:spcPts val="0"/>
-              </a:spcBef>
-              <a:spcAft>
-                <a:spcPts val="0"/>
-              </a:spcAft>
-              <a:buNone/>
-            </a:pPr>
-            <a:r>
-              <a:t/>
-            </a:r>
+            <a:pPr marL="0" lvl="0" indent="0" algn="l" rtl="0">
+              <a:spcBef>
+                <a:spcPts val="0"/>
+              </a:spcBef>
+              <a:spcAft>
+                <a:spcPts val="0"/>
+              </a:spcAft>
+              <a:buNone/>
+            </a:pPr>
             <a:endParaRPr/>
           </a:p>
         </p:txBody>
@@ -2543,23 +3059,20 @@
           </a:ln>
         </p:spPr>
         <p:txBody>
-          <a:bodyPr anchorCtr="0" anchor="ctr" bIns="91425" lIns="91425" spcFirstLastPara="1" rIns="91425" wrap="square" tIns="91425">
+          <a:bodyPr spcFirstLastPara="1" wrap="square" lIns="91425" tIns="91425" rIns="91425" bIns="91425" anchor="ctr" anchorCtr="0">
             <a:noAutofit/>
           </a:bodyPr>
           <a:lstStyle/>
           <a:p>
-            <a:pPr indent="0" lvl="0" marL="0" rtl="0" algn="l">
-              <a:spcBef>
-                <a:spcPts val="0"/>
-              </a:spcBef>
-              <a:spcAft>
-                <a:spcPts val="0"/>
-              </a:spcAft>
-              <a:buNone/>
-            </a:pPr>
-            <a:r>
-              <a:t/>
-            </a:r>
+            <a:pPr marL="0" lvl="0" indent="0" algn="l" rtl="0">
+              <a:spcBef>
+                <a:spcPts val="0"/>
+              </a:spcBef>
+              <a:spcAft>
+                <a:spcPts val="0"/>
+              </a:spcAft>
+              <a:buNone/>
+            </a:pPr>
             <a:endParaRPr/>
           </a:p>
         </p:txBody>
@@ -2585,7 +3098,7 @@
             <a:noFill/>
           </a:ln>
           <a:effectLst>
-            <a:outerShdw blurRad="228600" sx="101000" rotWithShape="0" algn="ctr" sy="101000">
+            <a:outerShdw blurRad="228600" sx="101000" sy="101000" algn="ctr" rotWithShape="0">
               <a:srgbClr val="000000">
                 <a:alpha val="40000"/>
               </a:srgbClr>
@@ -2593,23 +3106,20 @@
           </a:effectLst>
         </p:spPr>
         <p:txBody>
-          <a:bodyPr anchorCtr="0" anchor="ctr" bIns="91425" lIns="91425" spcFirstLastPara="1" rIns="91425" wrap="square" tIns="91425">
+          <a:bodyPr spcFirstLastPara="1" wrap="square" lIns="91425" tIns="91425" rIns="91425" bIns="91425" anchor="ctr" anchorCtr="0">
             <a:noAutofit/>
           </a:bodyPr>
           <a:lstStyle/>
           <a:p>
-            <a:pPr indent="0" lvl="0" marL="0" rtl="0" algn="l">
-              <a:spcBef>
-                <a:spcPts val="0"/>
-              </a:spcBef>
-              <a:spcAft>
-                <a:spcPts val="0"/>
-              </a:spcAft>
-              <a:buNone/>
-            </a:pPr>
-            <a:r>
-              <a:t/>
-            </a:r>
+            <a:pPr marL="0" lvl="0" indent="0" algn="l" rtl="0">
+              <a:spcBef>
+                <a:spcPts val="0"/>
+              </a:spcBef>
+              <a:spcAft>
+                <a:spcPts val="0"/>
+              </a:spcAft>
+              <a:buNone/>
+            </a:pPr>
             <a:endParaRPr/>
           </a:p>
         </p:txBody>
@@ -2641,7 +3151,7 @@
             </a:xfrm>
             <a:prstGeom prst="parallelogram">
               <a:avLst>
-                <a:gd fmla="val 153193" name="adj"/>
+                <a:gd name="adj" fmla="val 153193"/>
               </a:avLst>
             </a:prstGeom>
             <a:solidFill>
@@ -2652,12 +3162,12 @@
             </a:ln>
           </p:spPr>
           <p:txBody>
-            <a:bodyPr anchorCtr="0" anchor="ctr" bIns="91425" lIns="91425" spcFirstLastPara="1" rIns="91425" wrap="square" tIns="91425">
+            <a:bodyPr spcFirstLastPara="1" wrap="square" lIns="91425" tIns="91425" rIns="91425" bIns="91425" anchor="ctr" anchorCtr="0">
               <a:noAutofit/>
             </a:bodyPr>
             <a:lstStyle/>
             <a:p>
-              <a:pPr indent="0" lvl="0" marL="0" rtl="0" algn="l">
+              <a:pPr marL="0" lvl="0" indent="0" algn="l" rtl="0">
                 <a:spcBef>
                   <a:spcPts val="0"/>
                 </a:spcBef>
@@ -2666,9 +3176,6 @@
                 </a:spcAft>
                 <a:buNone/>
               </a:pPr>
-              <a:r>
-                <a:t/>
-              </a:r>
               <a:endParaRPr/>
             </a:p>
           </p:txBody>
@@ -2686,7 +3193,7 @@
             </a:xfrm>
             <a:prstGeom prst="parallelogram">
               <a:avLst>
-                <a:gd fmla="val 153193" name="adj"/>
+                <a:gd name="adj" fmla="val 153193"/>
               </a:avLst>
             </a:prstGeom>
             <a:solidFill>
@@ -2697,12 +3204,12 @@
             </a:ln>
           </p:spPr>
           <p:txBody>
-            <a:bodyPr anchorCtr="0" anchor="ctr" bIns="91425" lIns="91425" spcFirstLastPara="1" rIns="91425" wrap="square" tIns="91425">
+            <a:bodyPr spcFirstLastPara="1" wrap="square" lIns="91425" tIns="91425" rIns="91425" bIns="91425" anchor="ctr" anchorCtr="0">
               <a:noAutofit/>
             </a:bodyPr>
             <a:lstStyle/>
             <a:p>
-              <a:pPr indent="0" lvl="0" marL="0" rtl="0" algn="l">
+              <a:pPr marL="0" lvl="0" indent="0" algn="l" rtl="0">
                 <a:spcBef>
                   <a:spcPts val="0"/>
                 </a:spcBef>
@@ -2711,9 +3218,6 @@
                 </a:spcAft>
                 <a:buNone/>
               </a:pPr>
-              <a:r>
-                <a:t/>
-              </a:r>
               <a:endParaRPr/>
             </a:p>
           </p:txBody>
@@ -2731,7 +3235,7 @@
             </a:xfrm>
             <a:prstGeom prst="parallelogram">
               <a:avLst>
-                <a:gd fmla="val 153193" name="adj"/>
+                <a:gd name="adj" fmla="val 153193"/>
               </a:avLst>
             </a:prstGeom>
             <a:solidFill>
@@ -2742,12 +3246,12 @@
             </a:ln>
           </p:spPr>
           <p:txBody>
-            <a:bodyPr anchorCtr="0" anchor="ctr" bIns="91425" lIns="91425" spcFirstLastPara="1" rIns="91425" wrap="square" tIns="91425">
+            <a:bodyPr spcFirstLastPara="1" wrap="square" lIns="91425" tIns="91425" rIns="91425" bIns="91425" anchor="ctr" anchorCtr="0">
               <a:noAutofit/>
             </a:bodyPr>
             <a:lstStyle/>
             <a:p>
-              <a:pPr indent="0" lvl="0" marL="0" rtl="0" algn="l">
+              <a:pPr marL="0" lvl="0" indent="0" algn="l" rtl="0">
                 <a:spcBef>
                   <a:spcPts val="0"/>
                 </a:spcBef>
@@ -2756,9 +3260,6 @@
                 </a:spcAft>
                 <a:buNone/>
               </a:pPr>
-              <a:r>
-                <a:t/>
-              </a:r>
               <a:endParaRPr/>
             </a:p>
           </p:txBody>
@@ -2791,7 +3292,7 @@
             </a:xfrm>
             <a:prstGeom prst="parallelogram">
               <a:avLst>
-                <a:gd fmla="val 153193" name="adj"/>
+                <a:gd name="adj" fmla="val 153193"/>
               </a:avLst>
             </a:prstGeom>
             <a:solidFill>
@@ -2802,12 +3303,12 @@
             </a:ln>
           </p:spPr>
           <p:txBody>
-            <a:bodyPr anchorCtr="0" anchor="ctr" bIns="91425" lIns="91425" spcFirstLastPara="1" rIns="91425" wrap="square" tIns="91425">
+            <a:bodyPr spcFirstLastPara="1" wrap="square" lIns="91425" tIns="91425" rIns="91425" bIns="91425" anchor="ctr" anchorCtr="0">
               <a:noAutofit/>
             </a:bodyPr>
             <a:lstStyle/>
             <a:p>
-              <a:pPr indent="0" lvl="0" marL="0" rtl="0" algn="l">
+              <a:pPr marL="0" lvl="0" indent="0" algn="l" rtl="0">
                 <a:spcBef>
                   <a:spcPts val="0"/>
                 </a:spcBef>
@@ -2816,9 +3317,6 @@
                 </a:spcAft>
                 <a:buNone/>
               </a:pPr>
-              <a:r>
-                <a:t/>
-              </a:r>
               <a:endParaRPr/>
             </a:p>
           </p:txBody>
@@ -2836,7 +3334,7 @@
             </a:xfrm>
             <a:prstGeom prst="parallelogram">
               <a:avLst>
-                <a:gd fmla="val 153193" name="adj"/>
+                <a:gd name="adj" fmla="val 153193"/>
               </a:avLst>
             </a:prstGeom>
             <a:solidFill>
@@ -2847,12 +3345,12 @@
             </a:ln>
           </p:spPr>
           <p:txBody>
-            <a:bodyPr anchorCtr="0" anchor="ctr" bIns="91425" lIns="91425" spcFirstLastPara="1" rIns="91425" wrap="square" tIns="91425">
+            <a:bodyPr spcFirstLastPara="1" wrap="square" lIns="91425" tIns="91425" rIns="91425" bIns="91425" anchor="ctr" anchorCtr="0">
               <a:noAutofit/>
             </a:bodyPr>
             <a:lstStyle/>
             <a:p>
-              <a:pPr indent="0" lvl="0" marL="0" rtl="0" algn="l">
+              <a:pPr marL="0" lvl="0" indent="0" algn="l" rtl="0">
                 <a:spcBef>
                   <a:spcPts val="0"/>
                 </a:spcBef>
@@ -2861,9 +3359,6 @@
                 </a:spcAft>
                 <a:buNone/>
               </a:pPr>
-              <a:r>
-                <a:t/>
-              </a:r>
               <a:endParaRPr/>
             </a:p>
           </p:txBody>
@@ -2881,7 +3376,7 @@
             </a:xfrm>
             <a:prstGeom prst="parallelogram">
               <a:avLst>
-                <a:gd fmla="val 153193" name="adj"/>
+                <a:gd name="adj" fmla="val 153193"/>
               </a:avLst>
             </a:prstGeom>
             <a:solidFill>
@@ -2892,12 +3387,12 @@
             </a:ln>
           </p:spPr>
           <p:txBody>
-            <a:bodyPr anchorCtr="0" anchor="ctr" bIns="91425" lIns="91425" spcFirstLastPara="1" rIns="91425" wrap="square" tIns="91425">
+            <a:bodyPr spcFirstLastPara="1" wrap="square" lIns="91425" tIns="91425" rIns="91425" bIns="91425" anchor="ctr" anchorCtr="0">
               <a:noAutofit/>
             </a:bodyPr>
             <a:lstStyle/>
             <a:p>
-              <a:pPr indent="0" lvl="0" marL="0" rtl="0" algn="l">
+              <a:pPr marL="0" lvl="0" indent="0" algn="l" rtl="0">
                 <a:spcBef>
                   <a:spcPts val="0"/>
                 </a:spcBef>
@@ -2906,9 +3401,6 @@
                 </a:spcAft>
                 <a:buNone/>
               </a:pPr>
-              <a:r>
-                <a:t/>
-              </a:r>
               <a:endParaRPr/>
             </a:p>
           </p:txBody>
@@ -2941,7 +3433,7 @@
             </a:xfrm>
             <a:prstGeom prst="parallelogram">
               <a:avLst>
-                <a:gd fmla="val 158024" name="adj"/>
+                <a:gd name="adj" fmla="val 158024"/>
               </a:avLst>
             </a:prstGeom>
             <a:solidFill>
@@ -2952,12 +3444,12 @@
             </a:ln>
           </p:spPr>
           <p:txBody>
-            <a:bodyPr anchorCtr="0" anchor="ctr" bIns="91425" lIns="91425" spcFirstLastPara="1" rIns="91425" wrap="square" tIns="91425">
+            <a:bodyPr spcFirstLastPara="1" wrap="square" lIns="91425" tIns="91425" rIns="91425" bIns="91425" anchor="ctr" anchorCtr="0">
               <a:noAutofit/>
             </a:bodyPr>
             <a:lstStyle/>
             <a:p>
-              <a:pPr indent="0" lvl="0" marL="0" rtl="0" algn="l">
+              <a:pPr marL="0" lvl="0" indent="0" algn="l" rtl="0">
                 <a:spcBef>
                   <a:spcPts val="0"/>
                 </a:spcBef>
@@ -2966,9 +3458,6 @@
                 </a:spcAft>
                 <a:buNone/>
               </a:pPr>
-              <a:r>
-                <a:t/>
-              </a:r>
               <a:endParaRPr/>
             </a:p>
           </p:txBody>
@@ -2986,7 +3475,7 @@
             </a:xfrm>
             <a:prstGeom prst="parallelogram">
               <a:avLst>
-                <a:gd fmla="val 158024" name="adj"/>
+                <a:gd name="adj" fmla="val 158024"/>
               </a:avLst>
             </a:prstGeom>
             <a:solidFill>
@@ -2997,12 +3486,12 @@
             </a:ln>
           </p:spPr>
           <p:txBody>
-            <a:bodyPr anchorCtr="0" anchor="ctr" bIns="91425" lIns="91425" spcFirstLastPara="1" rIns="91425" wrap="square" tIns="91425">
+            <a:bodyPr spcFirstLastPara="1" wrap="square" lIns="91425" tIns="91425" rIns="91425" bIns="91425" anchor="ctr" anchorCtr="0">
               <a:noAutofit/>
             </a:bodyPr>
             <a:lstStyle/>
             <a:p>
-              <a:pPr indent="0" lvl="0" marL="0" rtl="0" algn="l">
+              <a:pPr marL="0" lvl="0" indent="0" algn="l" rtl="0">
                 <a:spcBef>
                   <a:spcPts val="0"/>
                 </a:spcBef>
@@ -3011,9 +3500,6 @@
                 </a:spcAft>
                 <a:buNone/>
               </a:pPr>
-              <a:r>
-                <a:t/>
-              </a:r>
               <a:endParaRPr/>
             </a:p>
           </p:txBody>
@@ -3031,7 +3517,7 @@
             </a:xfrm>
             <a:prstGeom prst="parallelogram">
               <a:avLst>
-                <a:gd fmla="val 158024" name="adj"/>
+                <a:gd name="adj" fmla="val 158024"/>
               </a:avLst>
             </a:prstGeom>
             <a:solidFill>
@@ -3042,12 +3528,12 @@
             </a:ln>
           </p:spPr>
           <p:txBody>
-            <a:bodyPr anchorCtr="0" anchor="ctr" bIns="91425" lIns="91425" spcFirstLastPara="1" rIns="91425" wrap="square" tIns="91425">
+            <a:bodyPr spcFirstLastPara="1" wrap="square" lIns="91425" tIns="91425" rIns="91425" bIns="91425" anchor="ctr" anchorCtr="0">
               <a:noAutofit/>
             </a:bodyPr>
             <a:lstStyle/>
             <a:p>
-              <a:pPr indent="0" lvl="0" marL="0" rtl="0" algn="l">
+              <a:pPr marL="0" lvl="0" indent="0" algn="l" rtl="0">
                 <a:spcBef>
                   <a:spcPts val="0"/>
                 </a:spcBef>
@@ -3056,9 +3542,6 @@
                 </a:spcAft>
                 <a:buNone/>
               </a:pPr>
-              <a:r>
-                <a:t/>
-              </a:r>
               <a:endParaRPr/>
             </a:p>
           </p:txBody>
@@ -3091,7 +3574,7 @@
             </a:xfrm>
             <a:prstGeom prst="parallelogram">
               <a:avLst>
-                <a:gd fmla="val 158024" name="adj"/>
+                <a:gd name="adj" fmla="val 158024"/>
               </a:avLst>
             </a:prstGeom>
             <a:solidFill>
@@ -3102,12 +3585,12 @@
             </a:ln>
           </p:spPr>
           <p:txBody>
-            <a:bodyPr anchorCtr="0" anchor="ctr" bIns="91425" lIns="91425" spcFirstLastPara="1" rIns="91425" wrap="square" tIns="91425">
+            <a:bodyPr spcFirstLastPara="1" wrap="square" lIns="91425" tIns="91425" rIns="91425" bIns="91425" anchor="ctr" anchorCtr="0">
               <a:noAutofit/>
             </a:bodyPr>
             <a:lstStyle/>
             <a:p>
-              <a:pPr indent="0" lvl="0" marL="0" rtl="0" algn="l">
+              <a:pPr marL="0" lvl="0" indent="0" algn="l" rtl="0">
                 <a:spcBef>
                   <a:spcPts val="0"/>
                 </a:spcBef>
@@ -3116,9 +3599,6 @@
                 </a:spcAft>
                 <a:buNone/>
               </a:pPr>
-              <a:r>
-                <a:t/>
-              </a:r>
               <a:endParaRPr/>
             </a:p>
           </p:txBody>
@@ -3136,7 +3616,7 @@
             </a:xfrm>
             <a:prstGeom prst="parallelogram">
               <a:avLst>
-                <a:gd fmla="val 158024" name="adj"/>
+                <a:gd name="adj" fmla="val 158024"/>
               </a:avLst>
             </a:prstGeom>
             <a:solidFill>
@@ -3147,12 +3627,12 @@
             </a:ln>
           </p:spPr>
           <p:txBody>
-            <a:bodyPr anchorCtr="0" anchor="ctr" bIns="91425" lIns="91425" spcFirstLastPara="1" rIns="91425" wrap="square" tIns="91425">
+            <a:bodyPr spcFirstLastPara="1" wrap="square" lIns="91425" tIns="91425" rIns="91425" bIns="91425" anchor="ctr" anchorCtr="0">
               <a:noAutofit/>
             </a:bodyPr>
             <a:lstStyle/>
             <a:p>
-              <a:pPr indent="0" lvl="0" marL="0" rtl="0" algn="l">
+              <a:pPr marL="0" lvl="0" indent="0" algn="l" rtl="0">
                 <a:spcBef>
                   <a:spcPts val="0"/>
                 </a:spcBef>
@@ -3161,9 +3641,6 @@
                 </a:spcAft>
                 <a:buNone/>
               </a:pPr>
-              <a:r>
-                <a:t/>
-              </a:r>
               <a:endParaRPr/>
             </a:p>
           </p:txBody>
@@ -3181,7 +3658,7 @@
             </a:xfrm>
             <a:prstGeom prst="parallelogram">
               <a:avLst>
-                <a:gd fmla="val 158024" name="adj"/>
+                <a:gd name="adj" fmla="val 158024"/>
               </a:avLst>
             </a:prstGeom>
             <a:solidFill>
@@ -3192,12 +3669,12 @@
             </a:ln>
           </p:spPr>
           <p:txBody>
-            <a:bodyPr anchorCtr="0" anchor="ctr" bIns="91425" lIns="91425" spcFirstLastPara="1" rIns="91425" wrap="square" tIns="91425">
+            <a:bodyPr spcFirstLastPara="1" wrap="square" lIns="91425" tIns="91425" rIns="91425" bIns="91425" anchor="ctr" anchorCtr="0">
               <a:noAutofit/>
             </a:bodyPr>
             <a:lstStyle/>
             <a:p>
-              <a:pPr indent="0" lvl="0" marL="0" rtl="0" algn="l">
+              <a:pPr marL="0" lvl="0" indent="0" algn="l" rtl="0">
                 <a:spcBef>
                   <a:spcPts val="0"/>
                 </a:spcBef>
@@ -3206,9 +3683,6 @@
                 </a:spcAft>
                 <a:buNone/>
               </a:pPr>
-              <a:r>
-                <a:t/>
-              </a:r>
               <a:endParaRPr/>
             </a:p>
           </p:txBody>
@@ -3241,7 +3715,7 @@
             </a:xfrm>
             <a:prstGeom prst="parallelogram">
               <a:avLst>
-                <a:gd fmla="val 158024" name="adj"/>
+                <a:gd name="adj" fmla="val 158024"/>
               </a:avLst>
             </a:prstGeom>
             <a:solidFill>
@@ -3252,12 +3726,12 @@
             </a:ln>
           </p:spPr>
           <p:txBody>
-            <a:bodyPr anchorCtr="0" anchor="ctr" bIns="91425" lIns="91425" spcFirstLastPara="1" rIns="91425" wrap="square" tIns="91425">
+            <a:bodyPr spcFirstLastPara="1" wrap="square" lIns="91425" tIns="91425" rIns="91425" bIns="91425" anchor="ctr" anchorCtr="0">
               <a:noAutofit/>
             </a:bodyPr>
             <a:lstStyle/>
             <a:p>
-              <a:pPr indent="0" lvl="0" marL="0" rtl="0" algn="l">
+              <a:pPr marL="0" lvl="0" indent="0" algn="l" rtl="0">
                 <a:spcBef>
                   <a:spcPts val="0"/>
                 </a:spcBef>
@@ -3266,9 +3740,6 @@
                 </a:spcAft>
                 <a:buNone/>
               </a:pPr>
-              <a:r>
-                <a:t/>
-              </a:r>
               <a:endParaRPr/>
             </a:p>
           </p:txBody>
@@ -3286,7 +3757,7 @@
             </a:xfrm>
             <a:prstGeom prst="parallelogram">
               <a:avLst>
-                <a:gd fmla="val 158024" name="adj"/>
+                <a:gd name="adj" fmla="val 158024"/>
               </a:avLst>
             </a:prstGeom>
             <a:solidFill>
@@ -3297,12 +3768,12 @@
             </a:ln>
           </p:spPr>
           <p:txBody>
-            <a:bodyPr anchorCtr="0" anchor="ctr" bIns="91425" lIns="91425" spcFirstLastPara="1" rIns="91425" wrap="square" tIns="91425">
+            <a:bodyPr spcFirstLastPara="1" wrap="square" lIns="91425" tIns="91425" rIns="91425" bIns="91425" anchor="ctr" anchorCtr="0">
               <a:noAutofit/>
             </a:bodyPr>
             <a:lstStyle/>
             <a:p>
-              <a:pPr indent="0" lvl="0" marL="0" rtl="0" algn="l">
+              <a:pPr marL="0" lvl="0" indent="0" algn="l" rtl="0">
                 <a:spcBef>
                   <a:spcPts val="0"/>
                 </a:spcBef>
@@ -3311,9 +3782,6 @@
                 </a:spcAft>
                 <a:buNone/>
               </a:pPr>
-              <a:r>
-                <a:t/>
-              </a:r>
               <a:endParaRPr/>
             </a:p>
           </p:txBody>
@@ -3331,7 +3799,7 @@
             </a:xfrm>
             <a:prstGeom prst="parallelogram">
               <a:avLst>
-                <a:gd fmla="val 158024" name="adj"/>
+                <a:gd name="adj" fmla="val 158024"/>
               </a:avLst>
             </a:prstGeom>
             <a:solidFill>
@@ -3342,12 +3810,12 @@
             </a:ln>
           </p:spPr>
           <p:txBody>
-            <a:bodyPr anchorCtr="0" anchor="ctr" bIns="91425" lIns="91425" spcFirstLastPara="1" rIns="91425" wrap="square" tIns="91425">
+            <a:bodyPr spcFirstLastPara="1" wrap="square" lIns="91425" tIns="91425" rIns="91425" bIns="91425" anchor="ctr" anchorCtr="0">
               <a:noAutofit/>
             </a:bodyPr>
             <a:lstStyle/>
             <a:p>
-              <a:pPr indent="0" lvl="0" marL="0" rtl="0" algn="l">
+              <a:pPr marL="0" lvl="0" indent="0" algn="l" rtl="0">
                 <a:spcBef>
                   <a:spcPts val="0"/>
                 </a:spcBef>
@@ -3356,9 +3824,6 @@
                 </a:spcAft>
                 <a:buNone/>
               </a:pPr>
-              <a:r>
-                <a:t/>
-              </a:r>
               <a:endParaRPr/>
             </a:p>
           </p:txBody>
@@ -3367,7 +3832,9 @@
       <p:sp>
         <p:nvSpPr>
           <p:cNvPr id="34" name="Google Shape;34;p2"/>
-          <p:cNvSpPr txBox="1"/>
+          <p:cNvSpPr txBox="1">
+            <a:spLocks noGrp="1"/>
+          </p:cNvSpPr>
           <p:nvPr>
             <p:ph type="ctrTitle"/>
           </p:nvPr>
@@ -3382,7 +3849,7 @@
           </a:prstGeom>
         </p:spPr>
         <p:txBody>
-          <a:bodyPr anchorCtr="0" anchor="ctr" bIns="91425" lIns="91425" spcFirstLastPara="1" rIns="91425" wrap="square" tIns="91425">
+          <a:bodyPr spcFirstLastPara="1" wrap="square" lIns="91425" tIns="91425" rIns="91425" bIns="91425" anchor="ctr" anchorCtr="0">
             <a:normAutofit/>
           </a:bodyPr>
           <a:lstStyle>
@@ -3486,15 +3953,19 @@
               <a:defRPr sz="3800"/>
             </a:lvl9pPr>
           </a:lstStyle>
-          <a:p/>
+          <a:p>
+            <a:endParaRPr/>
+          </a:p>
         </p:txBody>
       </p:sp>
       <p:sp>
         <p:nvSpPr>
           <p:cNvPr id="35" name="Google Shape;35;p2"/>
-          <p:cNvSpPr txBox="1"/>
+          <p:cNvSpPr txBox="1">
+            <a:spLocks noGrp="1"/>
+          </p:cNvSpPr>
           <p:nvPr>
-            <p:ph idx="1" type="subTitle"/>
+            <p:ph type="subTitle" idx="1"/>
           </p:nvPr>
         </p:nvSpPr>
         <p:spPr>
@@ -3507,7 +3978,7 @@
           </a:prstGeom>
         </p:spPr>
         <p:txBody>
-          <a:bodyPr anchorCtr="0" anchor="t" bIns="91425" lIns="91425" spcFirstLastPara="1" rIns="91425" wrap="square" tIns="91425">
+          <a:bodyPr spcFirstLastPara="1" wrap="square" lIns="91425" tIns="91425" rIns="91425" bIns="91425" anchor="t" anchorCtr="0">
             <a:normAutofit/>
           </a:bodyPr>
           <a:lstStyle>
@@ -3701,15 +4172,19 @@
               </a:defRPr>
             </a:lvl9pPr>
           </a:lstStyle>
-          <a:p/>
+          <a:p>
+            <a:endParaRPr/>
+          </a:p>
         </p:txBody>
       </p:sp>
       <p:sp>
         <p:nvSpPr>
           <p:cNvPr id="36" name="Google Shape;36;p2"/>
-          <p:cNvSpPr txBox="1"/>
+          <p:cNvSpPr txBox="1">
+            <a:spLocks noGrp="1"/>
+          </p:cNvSpPr>
           <p:nvPr>
-            <p:ph idx="12" type="sldNum"/>
+            <p:ph type="sldNum" idx="12"/>
           </p:nvPr>
         </p:nvSpPr>
         <p:spPr>
@@ -3722,7 +4197,7 @@
           </a:prstGeom>
         </p:spPr>
         <p:txBody>
-          <a:bodyPr anchorCtr="0" anchor="ctr" bIns="91425" lIns="91425" spcFirstLastPara="1" rIns="91425" wrap="square" tIns="91425">
+          <a:bodyPr spcFirstLastPara="1" wrap="square" lIns="91425" tIns="91425" rIns="91425" bIns="91425" anchor="ctr" anchorCtr="0">
             <a:normAutofit/>
           </a:bodyPr>
           <a:lstStyle>
@@ -3764,7 +4239,7 @@
             </a:lvl9pPr>
           </a:lstStyle>
           <a:p>
-            <a:pPr indent="0" lvl="0" marL="0" rtl="0" algn="r">
+            <a:pPr marL="0" lvl="0" indent="0" algn="r" rtl="0">
               <a:spcBef>
                 <a:spcPts val="0"/>
               </a:spcBef>
@@ -3790,18 +4265,19 @@
 </file>
 
 <file path=ppt/slideLayouts/slideLayout10.xml><?xml version="1.0" encoding="utf-8"?>
-<p:sldLayout xmlns:a="http://schemas.openxmlformats.org/drawingml/2006/main" xmlns:r="http://schemas.openxmlformats.org/officeDocument/2006/relationships" xmlns:mc="http://schemas.openxmlformats.org/markup-compatibility/2006" xmlns:mv="urn:schemas-microsoft-com:mac:vml" xmlns:p="http://schemas.openxmlformats.org/presentationml/2006/main" xmlns:c="http://schemas.openxmlformats.org/drawingml/2006/chart" xmlns:dgm="http://schemas.openxmlformats.org/drawingml/2006/diagram" xmlns:o="urn:schemas-microsoft-com:office:office" xmlns:v="urn:schemas-microsoft-com:vml" xmlns:pvml="urn:schemas-microsoft-com:office:powerpoint" xmlns:com="http://schemas.openxmlformats.org/drawingml/2006/compatibility" xmlns:p14="http://schemas.microsoft.com/office/powerpoint/2010/main" xmlns:p15="http://schemas.microsoft.com/office/powerpoint/2012/main" xmlns:ahyp="http://schemas.microsoft.com/office/drawing/2018/hyperlinkcolor" matchingName="Big number">
+<p:sldLayout xmlns:a="http://schemas.openxmlformats.org/drawingml/2006/main" xmlns:r="http://schemas.openxmlformats.org/officeDocument/2006/relationships" xmlns:p="http://schemas.openxmlformats.org/presentationml/2006/main" matchingName="Big number">
   <p:cSld name="BIG_NUMBER">
     <p:bg>
       <p:bgPr>
         <a:solidFill>
           <a:schemeClr val="accent3"/>
         </a:solidFill>
+        <a:effectLst/>
       </p:bgPr>
     </p:bg>
     <p:spTree>
       <p:nvGrpSpPr>
-        <p:cNvPr id="109" name="Shape 109"/>
+        <p:cNvPr id="1" name="Shape 109"/>
         <p:cNvGrpSpPr/>
         <p:nvPr/>
       </p:nvGrpSpPr>
@@ -3835,23 +4311,20 @@
           </a:ln>
         </p:spPr>
         <p:txBody>
-          <a:bodyPr anchorCtr="0" anchor="ctr" bIns="91425" lIns="91425" spcFirstLastPara="1" rIns="91425" wrap="square" tIns="91425">
+          <a:bodyPr spcFirstLastPara="1" wrap="square" lIns="91425" tIns="91425" rIns="91425" bIns="91425" anchor="ctr" anchorCtr="0">
             <a:noAutofit/>
           </a:bodyPr>
           <a:lstStyle/>
           <a:p>
-            <a:pPr indent="0" lvl="0" marL="0" rtl="0" algn="l">
-              <a:spcBef>
-                <a:spcPts val="0"/>
-              </a:spcBef>
-              <a:spcAft>
-                <a:spcPts val="0"/>
-              </a:spcAft>
-              <a:buNone/>
-            </a:pPr>
-            <a:r>
-              <a:t/>
-            </a:r>
+            <a:pPr marL="0" lvl="0" indent="0" algn="l" rtl="0">
+              <a:spcBef>
+                <a:spcPts val="0"/>
+              </a:spcBef>
+              <a:spcAft>
+                <a:spcPts val="0"/>
+              </a:spcAft>
+              <a:buNone/>
+            </a:pPr>
             <a:endParaRPr/>
           </a:p>
         </p:txBody>
@@ -3883,7 +4356,7 @@
             </a:xfrm>
             <a:prstGeom prst="parallelogram">
               <a:avLst>
-                <a:gd fmla="val 158024" name="adj"/>
+                <a:gd name="adj" fmla="val 158024"/>
               </a:avLst>
             </a:prstGeom>
             <a:solidFill>
@@ -3894,12 +4367,12 @@
             </a:ln>
           </p:spPr>
           <p:txBody>
-            <a:bodyPr anchorCtr="0" anchor="ctr" bIns="91425" lIns="91425" spcFirstLastPara="1" rIns="91425" wrap="square" tIns="91425">
+            <a:bodyPr spcFirstLastPara="1" wrap="square" lIns="91425" tIns="91425" rIns="91425" bIns="91425" anchor="ctr" anchorCtr="0">
               <a:noAutofit/>
             </a:bodyPr>
             <a:lstStyle/>
             <a:p>
-              <a:pPr indent="0" lvl="0" marL="0" rtl="0" algn="l">
+              <a:pPr marL="0" lvl="0" indent="0" algn="l" rtl="0">
                 <a:spcBef>
                   <a:spcPts val="0"/>
                 </a:spcBef>
@@ -3908,9 +4381,6 @@
                 </a:spcAft>
                 <a:buNone/>
               </a:pPr>
-              <a:r>
-                <a:t/>
-              </a:r>
               <a:endParaRPr/>
             </a:p>
           </p:txBody>
@@ -3928,7 +4398,7 @@
             </a:xfrm>
             <a:prstGeom prst="parallelogram">
               <a:avLst>
-                <a:gd fmla="val 158024" name="adj"/>
+                <a:gd name="adj" fmla="val 158024"/>
               </a:avLst>
             </a:prstGeom>
             <a:solidFill>
@@ -3939,12 +4409,12 @@
             </a:ln>
           </p:spPr>
           <p:txBody>
-            <a:bodyPr anchorCtr="0" anchor="ctr" bIns="91425" lIns="91425" spcFirstLastPara="1" rIns="91425" wrap="square" tIns="91425">
+            <a:bodyPr spcFirstLastPara="1" wrap="square" lIns="91425" tIns="91425" rIns="91425" bIns="91425" anchor="ctr" anchorCtr="0">
               <a:noAutofit/>
             </a:bodyPr>
             <a:lstStyle/>
             <a:p>
-              <a:pPr indent="0" lvl="0" marL="0" rtl="0" algn="l">
+              <a:pPr marL="0" lvl="0" indent="0" algn="l" rtl="0">
                 <a:spcBef>
                   <a:spcPts val="0"/>
                 </a:spcBef>
@@ -3953,9 +4423,6 @@
                 </a:spcAft>
                 <a:buNone/>
               </a:pPr>
-              <a:r>
-                <a:t/>
-              </a:r>
               <a:endParaRPr/>
             </a:p>
           </p:txBody>
@@ -3973,7 +4440,7 @@
             </a:xfrm>
             <a:prstGeom prst="parallelogram">
               <a:avLst>
-                <a:gd fmla="val 158024" name="adj"/>
+                <a:gd name="adj" fmla="val 158024"/>
               </a:avLst>
             </a:prstGeom>
             <a:solidFill>
@@ -3984,12 +4451,12 @@
             </a:ln>
           </p:spPr>
           <p:txBody>
-            <a:bodyPr anchorCtr="0" anchor="ctr" bIns="91425" lIns="91425" spcFirstLastPara="1" rIns="91425" wrap="square" tIns="91425">
+            <a:bodyPr spcFirstLastPara="1" wrap="square" lIns="91425" tIns="91425" rIns="91425" bIns="91425" anchor="ctr" anchorCtr="0">
               <a:noAutofit/>
             </a:bodyPr>
             <a:lstStyle/>
             <a:p>
-              <a:pPr indent="0" lvl="0" marL="0" rtl="0" algn="l">
+              <a:pPr marL="0" lvl="0" indent="0" algn="l" rtl="0">
                 <a:spcBef>
                   <a:spcPts val="0"/>
                 </a:spcBef>
@@ -3998,9 +4465,6 @@
                 </a:spcAft>
                 <a:buNone/>
               </a:pPr>
-              <a:r>
-                <a:t/>
-              </a:r>
               <a:endParaRPr/>
             </a:p>
           </p:txBody>
@@ -4033,7 +4497,7 @@
             </a:xfrm>
             <a:prstGeom prst="parallelogram">
               <a:avLst>
-                <a:gd fmla="val 158024" name="adj"/>
+                <a:gd name="adj" fmla="val 158024"/>
               </a:avLst>
             </a:prstGeom>
             <a:solidFill>
@@ -4044,12 +4508,12 @@
             </a:ln>
           </p:spPr>
           <p:txBody>
-            <a:bodyPr anchorCtr="0" anchor="ctr" bIns="91425" lIns="91425" spcFirstLastPara="1" rIns="91425" wrap="square" tIns="91425">
+            <a:bodyPr spcFirstLastPara="1" wrap="square" lIns="91425" tIns="91425" rIns="91425" bIns="91425" anchor="ctr" anchorCtr="0">
               <a:noAutofit/>
             </a:bodyPr>
             <a:lstStyle/>
             <a:p>
-              <a:pPr indent="0" lvl="0" marL="0" rtl="0" algn="l">
+              <a:pPr marL="0" lvl="0" indent="0" algn="l" rtl="0">
                 <a:spcBef>
                   <a:spcPts val="0"/>
                 </a:spcBef>
@@ -4058,9 +4522,6 @@
                 </a:spcAft>
                 <a:buNone/>
               </a:pPr>
-              <a:r>
-                <a:t/>
-              </a:r>
               <a:endParaRPr/>
             </a:p>
           </p:txBody>
@@ -4078,7 +4539,7 @@
             </a:xfrm>
             <a:prstGeom prst="parallelogram">
               <a:avLst>
-                <a:gd fmla="val 158024" name="adj"/>
+                <a:gd name="adj" fmla="val 158024"/>
               </a:avLst>
             </a:prstGeom>
             <a:solidFill>
@@ -4089,12 +4550,12 @@
             </a:ln>
           </p:spPr>
           <p:txBody>
-            <a:bodyPr anchorCtr="0" anchor="ctr" bIns="91425" lIns="91425" spcFirstLastPara="1" rIns="91425" wrap="square" tIns="91425">
+            <a:bodyPr spcFirstLastPara="1" wrap="square" lIns="91425" tIns="91425" rIns="91425" bIns="91425" anchor="ctr" anchorCtr="0">
               <a:noAutofit/>
             </a:bodyPr>
             <a:lstStyle/>
             <a:p>
-              <a:pPr indent="0" lvl="0" marL="0" rtl="0" algn="l">
+              <a:pPr marL="0" lvl="0" indent="0" algn="l" rtl="0">
                 <a:spcBef>
                   <a:spcPts val="0"/>
                 </a:spcBef>
@@ -4103,9 +4564,6 @@
                 </a:spcAft>
                 <a:buNone/>
               </a:pPr>
-              <a:r>
-                <a:t/>
-              </a:r>
               <a:endParaRPr/>
             </a:p>
           </p:txBody>
@@ -4123,7 +4581,7 @@
             </a:xfrm>
             <a:prstGeom prst="parallelogram">
               <a:avLst>
-                <a:gd fmla="val 158024" name="adj"/>
+                <a:gd name="adj" fmla="val 158024"/>
               </a:avLst>
             </a:prstGeom>
             <a:solidFill>
@@ -4134,12 +4592,12 @@
             </a:ln>
           </p:spPr>
           <p:txBody>
-            <a:bodyPr anchorCtr="0" anchor="ctr" bIns="91425" lIns="91425" spcFirstLastPara="1" rIns="91425" wrap="square" tIns="91425">
+            <a:bodyPr spcFirstLastPara="1" wrap="square" lIns="91425" tIns="91425" rIns="91425" bIns="91425" anchor="ctr" anchorCtr="0">
               <a:noAutofit/>
             </a:bodyPr>
             <a:lstStyle/>
             <a:p>
-              <a:pPr indent="0" lvl="0" marL="0" rtl="0" algn="l">
+              <a:pPr marL="0" lvl="0" indent="0" algn="l" rtl="0">
                 <a:spcBef>
                   <a:spcPts val="0"/>
                 </a:spcBef>
@@ -4148,9 +4606,6 @@
                 </a:spcAft>
                 <a:buNone/>
               </a:pPr>
-              <a:r>
-                <a:t/>
-              </a:r>
               <a:endParaRPr/>
             </a:p>
           </p:txBody>
@@ -4159,9 +4614,11 @@
       <p:sp>
         <p:nvSpPr>
           <p:cNvPr id="119" name="Google Shape;119;p11"/>
-          <p:cNvSpPr txBox="1"/>
+          <p:cNvSpPr txBox="1">
+            <a:spLocks noGrp="1"/>
+          </p:cNvSpPr>
           <p:nvPr>
-            <p:ph hasCustomPrompt="1" type="title"/>
+            <p:ph type="title" hasCustomPrompt="1"/>
           </p:nvPr>
         </p:nvSpPr>
         <p:spPr>
@@ -4174,7 +4631,7 @@
           </a:prstGeom>
         </p:spPr>
         <p:txBody>
-          <a:bodyPr anchorCtr="0" anchor="ctr" bIns="91425" lIns="91425" spcFirstLastPara="1" rIns="91425" wrap="square" tIns="91425">
+          <a:bodyPr spcFirstLastPara="1" wrap="square" lIns="91425" tIns="91425" rIns="91425" bIns="91425" anchor="ctr" anchorCtr="0">
             <a:normAutofit/>
           </a:bodyPr>
           <a:lstStyle>
@@ -4351,9 +4808,11 @@
       <p:sp>
         <p:nvSpPr>
           <p:cNvPr id="120" name="Google Shape;120;p11"/>
-          <p:cNvSpPr txBox="1"/>
+          <p:cNvSpPr txBox="1">
+            <a:spLocks noGrp="1"/>
+          </p:cNvSpPr>
           <p:nvPr>
-            <p:ph idx="1" type="body"/>
+            <p:ph type="body" idx="1"/>
           </p:nvPr>
         </p:nvSpPr>
         <p:spPr>
@@ -4366,11 +4825,11 @@
           </a:prstGeom>
         </p:spPr>
         <p:txBody>
-          <a:bodyPr anchorCtr="0" anchor="t" bIns="91425" lIns="91425" spcFirstLastPara="1" rIns="91425" wrap="square" tIns="91425">
+          <a:bodyPr spcFirstLastPara="1" wrap="square" lIns="91425" tIns="91425" rIns="91425" bIns="91425" anchor="t" anchorCtr="0">
             <a:normAutofit/>
           </a:bodyPr>
           <a:lstStyle>
-            <a:lvl1pPr indent="-311150" lvl="0" marL="457200" algn="ctr">
+            <a:lvl1pPr marL="457200" lvl="0" indent="-311150" algn="ctr">
               <a:spcBef>
                 <a:spcPts val="0"/>
               </a:spcBef>
@@ -4381,7 +4840,7 @@
               <a:buChar char="●"/>
               <a:defRPr/>
             </a:lvl1pPr>
-            <a:lvl2pPr indent="-298450" lvl="1" marL="914400" algn="ctr">
+            <a:lvl2pPr marL="914400" lvl="1" indent="-298450" algn="ctr">
               <a:spcBef>
                 <a:spcPts val="0"/>
               </a:spcBef>
@@ -4392,7 +4851,7 @@
               <a:buChar char="○"/>
               <a:defRPr/>
             </a:lvl2pPr>
-            <a:lvl3pPr indent="-298450" lvl="2" marL="1371600" algn="ctr">
+            <a:lvl3pPr marL="1371600" lvl="2" indent="-298450" algn="ctr">
               <a:spcBef>
                 <a:spcPts val="0"/>
               </a:spcBef>
@@ -4403,7 +4862,7 @@
               <a:buChar char="■"/>
               <a:defRPr/>
             </a:lvl3pPr>
-            <a:lvl4pPr indent="-298450" lvl="3" marL="1828800" algn="ctr">
+            <a:lvl4pPr marL="1828800" lvl="3" indent="-298450" algn="ctr">
               <a:spcBef>
                 <a:spcPts val="0"/>
               </a:spcBef>
@@ -4414,7 +4873,7 @@
               <a:buChar char="●"/>
               <a:defRPr/>
             </a:lvl4pPr>
-            <a:lvl5pPr indent="-298450" lvl="4" marL="2286000" algn="ctr">
+            <a:lvl5pPr marL="2286000" lvl="4" indent="-298450" algn="ctr">
               <a:spcBef>
                 <a:spcPts val="0"/>
               </a:spcBef>
@@ -4425,7 +4884,7 @@
               <a:buChar char="○"/>
               <a:defRPr/>
             </a:lvl5pPr>
-            <a:lvl6pPr indent="-298450" lvl="5" marL="2743200" algn="ctr">
+            <a:lvl6pPr marL="2743200" lvl="5" indent="-298450" algn="ctr">
               <a:spcBef>
                 <a:spcPts val="0"/>
               </a:spcBef>
@@ -4436,7 +4895,7 @@
               <a:buChar char="■"/>
               <a:defRPr/>
             </a:lvl6pPr>
-            <a:lvl7pPr indent="-298450" lvl="6" marL="3200400" algn="ctr">
+            <a:lvl7pPr marL="3200400" lvl="6" indent="-298450" algn="ctr">
               <a:spcBef>
                 <a:spcPts val="0"/>
               </a:spcBef>
@@ -4447,7 +4906,7 @@
               <a:buChar char="●"/>
               <a:defRPr/>
             </a:lvl7pPr>
-            <a:lvl8pPr indent="-298450" lvl="7" marL="3657600" algn="ctr">
+            <a:lvl8pPr marL="3657600" lvl="7" indent="-298450" algn="ctr">
               <a:spcBef>
                 <a:spcPts val="0"/>
               </a:spcBef>
@@ -4458,7 +4917,7 @@
               <a:buChar char="○"/>
               <a:defRPr/>
             </a:lvl8pPr>
-            <a:lvl9pPr indent="-298450" lvl="8" marL="4114800" algn="ctr">
+            <a:lvl9pPr marL="4114800" lvl="8" indent="-298450" algn="ctr">
               <a:spcBef>
                 <a:spcPts val="0"/>
               </a:spcBef>
@@ -4470,15 +4929,19 @@
               <a:defRPr/>
             </a:lvl9pPr>
           </a:lstStyle>
-          <a:p/>
+          <a:p>
+            <a:endParaRPr/>
+          </a:p>
         </p:txBody>
       </p:sp>
       <p:sp>
         <p:nvSpPr>
           <p:cNvPr id="121" name="Google Shape;121;p11"/>
-          <p:cNvSpPr txBox="1"/>
+          <p:cNvSpPr txBox="1">
+            <a:spLocks noGrp="1"/>
+          </p:cNvSpPr>
           <p:nvPr>
-            <p:ph idx="12" type="sldNum"/>
+            <p:ph type="sldNum" idx="12"/>
           </p:nvPr>
         </p:nvSpPr>
         <p:spPr>
@@ -4491,7 +4954,7 @@
           </a:prstGeom>
         </p:spPr>
         <p:txBody>
-          <a:bodyPr anchorCtr="0" anchor="ctr" bIns="91425" lIns="91425" spcFirstLastPara="1" rIns="91425" wrap="square" tIns="91425">
+          <a:bodyPr spcFirstLastPara="1" wrap="square" lIns="91425" tIns="91425" rIns="91425" bIns="91425" anchor="ctr" anchorCtr="0">
             <a:normAutofit/>
           </a:bodyPr>
           <a:lstStyle>
@@ -4533,7 +4996,7 @@
             </a:lvl9pPr>
           </a:lstStyle>
           <a:p>
-            <a:pPr indent="0" lvl="0" marL="0" rtl="0" algn="r">
+            <a:pPr marL="0" lvl="0" indent="0" algn="r" rtl="0">
               <a:spcBef>
                 <a:spcPts val="0"/>
               </a:spcBef>
@@ -4559,11 +5022,11 @@
 </file>
 
 <file path=ppt/slideLayouts/slideLayout11.xml><?xml version="1.0" encoding="utf-8"?>
-<p:sldLayout xmlns:a="http://schemas.openxmlformats.org/drawingml/2006/main" xmlns:r="http://schemas.openxmlformats.org/officeDocument/2006/relationships" xmlns:mc="http://schemas.openxmlformats.org/markup-compatibility/2006" xmlns:mv="urn:schemas-microsoft-com:mac:vml" xmlns:p="http://schemas.openxmlformats.org/presentationml/2006/main" xmlns:c="http://schemas.openxmlformats.org/drawingml/2006/chart" xmlns:dgm="http://schemas.openxmlformats.org/drawingml/2006/diagram" xmlns:o="urn:schemas-microsoft-com:office:office" xmlns:v="urn:schemas-microsoft-com:vml" xmlns:pvml="urn:schemas-microsoft-com:office:powerpoint" xmlns:com="http://schemas.openxmlformats.org/drawingml/2006/compatibility" xmlns:p14="http://schemas.microsoft.com/office/powerpoint/2010/main" xmlns:p15="http://schemas.microsoft.com/office/powerpoint/2012/main" xmlns:ahyp="http://schemas.microsoft.com/office/drawing/2018/hyperlinkcolor" matchingName="Blank" type="blank">
+<p:sldLayout xmlns:a="http://schemas.openxmlformats.org/drawingml/2006/main" xmlns:r="http://schemas.openxmlformats.org/officeDocument/2006/relationships" xmlns:p="http://schemas.openxmlformats.org/presentationml/2006/main" matchingName="Blank" type="blank">
   <p:cSld name="BLANK">
     <p:spTree>
       <p:nvGrpSpPr>
-        <p:cNvPr id="122" name="Shape 122"/>
+        <p:cNvPr id="1" name="Shape 122"/>
         <p:cNvGrpSpPr/>
         <p:nvPr/>
       </p:nvGrpSpPr>
@@ -4578,9 +5041,11 @@
       <p:sp>
         <p:nvSpPr>
           <p:cNvPr id="123" name="Google Shape;123;p12"/>
-          <p:cNvSpPr txBox="1"/>
+          <p:cNvSpPr txBox="1">
+            <a:spLocks noGrp="1"/>
+          </p:cNvSpPr>
           <p:nvPr>
-            <p:ph idx="12" type="sldNum"/>
+            <p:ph type="sldNum" idx="12"/>
           </p:nvPr>
         </p:nvSpPr>
         <p:spPr>
@@ -4593,7 +5058,7 @@
           </a:prstGeom>
         </p:spPr>
         <p:txBody>
-          <a:bodyPr anchorCtr="0" anchor="ctr" bIns="91425" lIns="91425" spcFirstLastPara="1" rIns="91425" wrap="square" tIns="91425">
+          <a:bodyPr spcFirstLastPara="1" wrap="square" lIns="91425" tIns="91425" rIns="91425" bIns="91425" anchor="ctr" anchorCtr="0">
             <a:normAutofit/>
           </a:bodyPr>
           <a:lstStyle>
@@ -4635,7 +5100,7 @@
             </a:lvl9pPr>
           </a:lstStyle>
           <a:p>
-            <a:pPr indent="0" lvl="0" marL="0" rtl="0" algn="r">
+            <a:pPr marL="0" lvl="0" indent="0" algn="r" rtl="0">
               <a:spcBef>
                 <a:spcPts val="0"/>
               </a:spcBef>
@@ -4661,18 +5126,19 @@
 </file>
 
 <file path=ppt/slideLayouts/slideLayout2.xml><?xml version="1.0" encoding="utf-8"?>
-<p:sldLayout xmlns:a="http://schemas.openxmlformats.org/drawingml/2006/main" xmlns:r="http://schemas.openxmlformats.org/officeDocument/2006/relationships" xmlns:mc="http://schemas.openxmlformats.org/markup-compatibility/2006" xmlns:mv="urn:schemas-microsoft-com:mac:vml" xmlns:p="http://schemas.openxmlformats.org/presentationml/2006/main" xmlns:c="http://schemas.openxmlformats.org/drawingml/2006/chart" xmlns:dgm="http://schemas.openxmlformats.org/drawingml/2006/diagram" xmlns:o="urn:schemas-microsoft-com:office:office" xmlns:v="urn:schemas-microsoft-com:vml" xmlns:pvml="urn:schemas-microsoft-com:office:powerpoint" xmlns:com="http://schemas.openxmlformats.org/drawingml/2006/compatibility" xmlns:p14="http://schemas.microsoft.com/office/powerpoint/2010/main" xmlns:p15="http://schemas.microsoft.com/office/powerpoint/2012/main" xmlns:ahyp="http://schemas.microsoft.com/office/drawing/2018/hyperlinkcolor" matchingName="Section header" type="secHead">
+<p:sldLayout xmlns:a="http://schemas.openxmlformats.org/drawingml/2006/main" xmlns:r="http://schemas.openxmlformats.org/officeDocument/2006/relationships" xmlns:p="http://schemas.openxmlformats.org/presentationml/2006/main" matchingName="Section header" type="secHead">
   <p:cSld name="SECTION_HEADER">
     <p:bg>
       <p:bgPr>
         <a:solidFill>
           <a:schemeClr val="accent3"/>
         </a:solidFill>
+        <a:effectLst/>
       </p:bgPr>
     </p:bg>
     <p:spTree>
       <p:nvGrpSpPr>
-        <p:cNvPr id="37" name="Shape 37"/>
+        <p:cNvPr id="1" name="Shape 37"/>
         <p:cNvGrpSpPr/>
         <p:nvPr/>
       </p:nvGrpSpPr>
@@ -4706,23 +5172,20 @@
           </a:ln>
         </p:spPr>
         <p:txBody>
-          <a:bodyPr anchorCtr="0" anchor="ctr" bIns="91425" lIns="91425" spcFirstLastPara="1" rIns="91425" wrap="square" tIns="91425">
+          <a:bodyPr spcFirstLastPara="1" wrap="square" lIns="91425" tIns="91425" rIns="91425" bIns="91425" anchor="ctr" anchorCtr="0">
             <a:noAutofit/>
           </a:bodyPr>
           <a:lstStyle/>
           <a:p>
-            <a:pPr indent="0" lvl="0" marL="0" rtl="0" algn="l">
-              <a:spcBef>
-                <a:spcPts val="0"/>
-              </a:spcBef>
-              <a:spcAft>
-                <a:spcPts val="0"/>
-              </a:spcAft>
-              <a:buNone/>
-            </a:pPr>
-            <a:r>
-              <a:t/>
-            </a:r>
+            <a:pPr marL="0" lvl="0" indent="0" algn="l" rtl="0">
+              <a:spcBef>
+                <a:spcPts val="0"/>
+              </a:spcBef>
+              <a:spcAft>
+                <a:spcPts val="0"/>
+              </a:spcAft>
+              <a:buNone/>
+            </a:pPr>
             <a:endParaRPr/>
           </a:p>
         </p:txBody>
@@ -4754,7 +5217,7 @@
             </a:xfrm>
             <a:prstGeom prst="parallelogram">
               <a:avLst>
-                <a:gd fmla="val 158024" name="adj"/>
+                <a:gd name="adj" fmla="val 158024"/>
               </a:avLst>
             </a:prstGeom>
             <a:solidFill>
@@ -4765,12 +5228,12 @@
             </a:ln>
           </p:spPr>
           <p:txBody>
-            <a:bodyPr anchorCtr="0" anchor="ctr" bIns="91425" lIns="91425" spcFirstLastPara="1" rIns="91425" wrap="square" tIns="91425">
+            <a:bodyPr spcFirstLastPara="1" wrap="square" lIns="91425" tIns="91425" rIns="91425" bIns="91425" anchor="ctr" anchorCtr="0">
               <a:noAutofit/>
             </a:bodyPr>
             <a:lstStyle/>
             <a:p>
-              <a:pPr indent="0" lvl="0" marL="0" rtl="0" algn="l">
+              <a:pPr marL="0" lvl="0" indent="0" algn="l" rtl="0">
                 <a:spcBef>
                   <a:spcPts val="0"/>
                 </a:spcBef>
@@ -4779,9 +5242,6 @@
                 </a:spcAft>
                 <a:buNone/>
               </a:pPr>
-              <a:r>
-                <a:t/>
-              </a:r>
               <a:endParaRPr/>
             </a:p>
           </p:txBody>
@@ -4799,7 +5259,7 @@
             </a:xfrm>
             <a:prstGeom prst="parallelogram">
               <a:avLst>
-                <a:gd fmla="val 158024" name="adj"/>
+                <a:gd name="adj" fmla="val 158024"/>
               </a:avLst>
             </a:prstGeom>
             <a:solidFill>
@@ -4810,12 +5270,12 @@
             </a:ln>
           </p:spPr>
           <p:txBody>
-            <a:bodyPr anchorCtr="0" anchor="ctr" bIns="91425" lIns="91425" spcFirstLastPara="1" rIns="91425" wrap="square" tIns="91425">
+            <a:bodyPr spcFirstLastPara="1" wrap="square" lIns="91425" tIns="91425" rIns="91425" bIns="91425" anchor="ctr" anchorCtr="0">
               <a:noAutofit/>
             </a:bodyPr>
             <a:lstStyle/>
             <a:p>
-              <a:pPr indent="0" lvl="0" marL="0" rtl="0" algn="l">
+              <a:pPr marL="0" lvl="0" indent="0" algn="l" rtl="0">
                 <a:spcBef>
                   <a:spcPts val="0"/>
                 </a:spcBef>
@@ -4824,9 +5284,6 @@
                 </a:spcAft>
                 <a:buNone/>
               </a:pPr>
-              <a:r>
-                <a:t/>
-              </a:r>
               <a:endParaRPr/>
             </a:p>
           </p:txBody>
@@ -4844,7 +5301,7 @@
             </a:xfrm>
             <a:prstGeom prst="parallelogram">
               <a:avLst>
-                <a:gd fmla="val 158024" name="adj"/>
+                <a:gd name="adj" fmla="val 158024"/>
               </a:avLst>
             </a:prstGeom>
             <a:solidFill>
@@ -4855,12 +5312,12 @@
             </a:ln>
           </p:spPr>
           <p:txBody>
-            <a:bodyPr anchorCtr="0" anchor="ctr" bIns="91425" lIns="91425" spcFirstLastPara="1" rIns="91425" wrap="square" tIns="91425">
+            <a:bodyPr spcFirstLastPara="1" wrap="square" lIns="91425" tIns="91425" rIns="91425" bIns="91425" anchor="ctr" anchorCtr="0">
               <a:noAutofit/>
             </a:bodyPr>
             <a:lstStyle/>
             <a:p>
-              <a:pPr indent="0" lvl="0" marL="0" rtl="0" algn="l">
+              <a:pPr marL="0" lvl="0" indent="0" algn="l" rtl="0">
                 <a:spcBef>
                   <a:spcPts val="0"/>
                 </a:spcBef>
@@ -4869,9 +5326,6 @@
                 </a:spcAft>
                 <a:buNone/>
               </a:pPr>
-              <a:r>
-                <a:t/>
-              </a:r>
               <a:endParaRPr/>
             </a:p>
           </p:txBody>
@@ -4904,7 +5358,7 @@
             </a:xfrm>
             <a:prstGeom prst="parallelogram">
               <a:avLst>
-                <a:gd fmla="val 158024" name="adj"/>
+                <a:gd name="adj" fmla="val 158024"/>
               </a:avLst>
             </a:prstGeom>
             <a:solidFill>
@@ -4915,12 +5369,12 @@
             </a:ln>
           </p:spPr>
           <p:txBody>
-            <a:bodyPr anchorCtr="0" anchor="ctr" bIns="91425" lIns="91425" spcFirstLastPara="1" rIns="91425" wrap="square" tIns="91425">
+            <a:bodyPr spcFirstLastPara="1" wrap="square" lIns="91425" tIns="91425" rIns="91425" bIns="91425" anchor="ctr" anchorCtr="0">
               <a:noAutofit/>
             </a:bodyPr>
             <a:lstStyle/>
             <a:p>
-              <a:pPr indent="0" lvl="0" marL="0" rtl="0" algn="l">
+              <a:pPr marL="0" lvl="0" indent="0" algn="l" rtl="0">
                 <a:spcBef>
                   <a:spcPts val="0"/>
                 </a:spcBef>
@@ -4929,9 +5383,6 @@
                 </a:spcAft>
                 <a:buNone/>
               </a:pPr>
-              <a:r>
-                <a:t/>
-              </a:r>
               <a:endParaRPr/>
             </a:p>
           </p:txBody>
@@ -4949,7 +5400,7 @@
             </a:xfrm>
             <a:prstGeom prst="parallelogram">
               <a:avLst>
-                <a:gd fmla="val 158024" name="adj"/>
+                <a:gd name="adj" fmla="val 158024"/>
               </a:avLst>
             </a:prstGeom>
             <a:solidFill>
@@ -4960,12 +5411,12 @@
             </a:ln>
           </p:spPr>
           <p:txBody>
-            <a:bodyPr anchorCtr="0" anchor="ctr" bIns="91425" lIns="91425" spcFirstLastPara="1" rIns="91425" wrap="square" tIns="91425">
+            <a:bodyPr spcFirstLastPara="1" wrap="square" lIns="91425" tIns="91425" rIns="91425" bIns="91425" anchor="ctr" anchorCtr="0">
               <a:noAutofit/>
             </a:bodyPr>
             <a:lstStyle/>
             <a:p>
-              <a:pPr indent="0" lvl="0" marL="0" rtl="0" algn="l">
+              <a:pPr marL="0" lvl="0" indent="0" algn="l" rtl="0">
                 <a:spcBef>
                   <a:spcPts val="0"/>
                 </a:spcBef>
@@ -4974,9 +5425,6 @@
                 </a:spcAft>
                 <a:buNone/>
               </a:pPr>
-              <a:r>
-                <a:t/>
-              </a:r>
               <a:endParaRPr/>
             </a:p>
           </p:txBody>
@@ -4994,7 +5442,7 @@
             </a:xfrm>
             <a:prstGeom prst="parallelogram">
               <a:avLst>
-                <a:gd fmla="val 158024" name="adj"/>
+                <a:gd name="adj" fmla="val 158024"/>
               </a:avLst>
             </a:prstGeom>
             <a:solidFill>
@@ -5005,12 +5453,12 @@
             </a:ln>
           </p:spPr>
           <p:txBody>
-            <a:bodyPr anchorCtr="0" anchor="ctr" bIns="91425" lIns="91425" spcFirstLastPara="1" rIns="91425" wrap="square" tIns="91425">
+            <a:bodyPr spcFirstLastPara="1" wrap="square" lIns="91425" tIns="91425" rIns="91425" bIns="91425" anchor="ctr" anchorCtr="0">
               <a:noAutofit/>
             </a:bodyPr>
             <a:lstStyle/>
             <a:p>
-              <a:pPr indent="0" lvl="0" marL="0" rtl="0" algn="l">
+              <a:pPr marL="0" lvl="0" indent="0" algn="l" rtl="0">
                 <a:spcBef>
                   <a:spcPts val="0"/>
                 </a:spcBef>
@@ -5019,9 +5467,6 @@
                 </a:spcAft>
                 <a:buNone/>
               </a:pPr>
-              <a:r>
-                <a:t/>
-              </a:r>
               <a:endParaRPr/>
             </a:p>
           </p:txBody>
@@ -5030,7 +5475,9 @@
       <p:sp>
         <p:nvSpPr>
           <p:cNvPr id="47" name="Google Shape;47;p3"/>
-          <p:cNvSpPr txBox="1"/>
+          <p:cNvSpPr txBox="1">
+            <a:spLocks noGrp="1"/>
+          </p:cNvSpPr>
           <p:nvPr>
             <p:ph type="title"/>
           </p:nvPr>
@@ -5045,7 +5492,7 @@
           </a:prstGeom>
         </p:spPr>
         <p:txBody>
-          <a:bodyPr anchorCtr="0" anchor="ctr" bIns="91425" lIns="91425" spcFirstLastPara="1" rIns="91425" wrap="square" tIns="91425">
+          <a:bodyPr spcFirstLastPara="1" wrap="square" lIns="91425" tIns="91425" rIns="91425" bIns="91425" anchor="ctr" anchorCtr="0">
             <a:normAutofit/>
           </a:bodyPr>
           <a:lstStyle>
@@ -5212,15 +5659,19 @@
               </a:defRPr>
             </a:lvl9pPr>
           </a:lstStyle>
-          <a:p/>
+          <a:p>
+            <a:endParaRPr/>
+          </a:p>
         </p:txBody>
       </p:sp>
       <p:sp>
         <p:nvSpPr>
           <p:cNvPr id="48" name="Google Shape;48;p3"/>
-          <p:cNvSpPr txBox="1"/>
+          <p:cNvSpPr txBox="1">
+            <a:spLocks noGrp="1"/>
+          </p:cNvSpPr>
           <p:nvPr>
-            <p:ph idx="12" type="sldNum"/>
+            <p:ph type="sldNum" idx="12"/>
           </p:nvPr>
         </p:nvSpPr>
         <p:spPr>
@@ -5233,7 +5684,7 @@
           </a:prstGeom>
         </p:spPr>
         <p:txBody>
-          <a:bodyPr anchorCtr="0" anchor="ctr" bIns="91425" lIns="91425" spcFirstLastPara="1" rIns="91425" wrap="square" tIns="91425">
+          <a:bodyPr spcFirstLastPara="1" wrap="square" lIns="91425" tIns="91425" rIns="91425" bIns="91425" anchor="ctr" anchorCtr="0">
             <a:normAutofit/>
           </a:bodyPr>
           <a:lstStyle>
@@ -5275,7 +5726,7 @@
             </a:lvl9pPr>
           </a:lstStyle>
           <a:p>
-            <a:pPr indent="0" lvl="0" marL="0" rtl="0" algn="r">
+            <a:pPr marL="0" lvl="0" indent="0" algn="r" rtl="0">
               <a:spcBef>
                 <a:spcPts val="0"/>
               </a:spcBef>
@@ -5301,18 +5752,19 @@
 </file>
 
 <file path=ppt/slideLayouts/slideLayout3.xml><?xml version="1.0" encoding="utf-8"?>
-<p:sldLayout xmlns:a="http://schemas.openxmlformats.org/drawingml/2006/main" xmlns:r="http://schemas.openxmlformats.org/officeDocument/2006/relationships" xmlns:mc="http://schemas.openxmlformats.org/markup-compatibility/2006" xmlns:mv="urn:schemas-microsoft-com:mac:vml" xmlns:p="http://schemas.openxmlformats.org/presentationml/2006/main" xmlns:c="http://schemas.openxmlformats.org/drawingml/2006/chart" xmlns:dgm="http://schemas.openxmlformats.org/drawingml/2006/diagram" xmlns:o="urn:schemas-microsoft-com:office:office" xmlns:v="urn:schemas-microsoft-com:vml" xmlns:pvml="urn:schemas-microsoft-com:office:powerpoint" xmlns:com="http://schemas.openxmlformats.org/drawingml/2006/compatibility" xmlns:p14="http://schemas.microsoft.com/office/powerpoint/2010/main" xmlns:p15="http://schemas.microsoft.com/office/powerpoint/2012/main" xmlns:ahyp="http://schemas.microsoft.com/office/drawing/2018/hyperlinkcolor" matchingName="Title and body" type="tx">
+<p:sldLayout xmlns:a="http://schemas.openxmlformats.org/drawingml/2006/main" xmlns:r="http://schemas.openxmlformats.org/officeDocument/2006/relationships" xmlns:p="http://schemas.openxmlformats.org/presentationml/2006/main" matchingName="Title and body" type="tx">
   <p:cSld name="TITLE_AND_BODY">
     <p:bg>
       <p:bgPr>
         <a:solidFill>
           <a:schemeClr val="dk2"/>
         </a:solidFill>
+        <a:effectLst/>
       </p:bgPr>
     </p:bg>
     <p:spTree>
       <p:nvGrpSpPr>
-        <p:cNvPr id="49" name="Shape 49"/>
+        <p:cNvPr id="1" name="Shape 49"/>
         <p:cNvGrpSpPr/>
         <p:nvPr/>
       </p:nvGrpSpPr>
@@ -5346,23 +5798,20 @@
           </a:ln>
         </p:spPr>
         <p:txBody>
-          <a:bodyPr anchorCtr="0" anchor="ctr" bIns="91425" lIns="91425" spcFirstLastPara="1" rIns="91425" wrap="square" tIns="91425">
+          <a:bodyPr spcFirstLastPara="1" wrap="square" lIns="91425" tIns="91425" rIns="91425" bIns="91425" anchor="ctr" anchorCtr="0">
             <a:noAutofit/>
           </a:bodyPr>
           <a:lstStyle/>
           <a:p>
-            <a:pPr indent="0" lvl="0" marL="0" rtl="0" algn="l">
-              <a:spcBef>
-                <a:spcPts val="0"/>
-              </a:spcBef>
-              <a:spcAft>
-                <a:spcPts val="0"/>
-              </a:spcAft>
-              <a:buNone/>
-            </a:pPr>
-            <a:r>
-              <a:t/>
-            </a:r>
+            <a:pPr marL="0" lvl="0" indent="0" algn="l" rtl="0">
+              <a:spcBef>
+                <a:spcPts val="0"/>
+              </a:spcBef>
+              <a:spcAft>
+                <a:spcPts val="0"/>
+              </a:spcAft>
+              <a:buNone/>
+            </a:pPr>
             <a:endParaRPr/>
           </a:p>
         </p:txBody>
@@ -5389,23 +5838,20 @@
           </a:ln>
         </p:spPr>
         <p:txBody>
-          <a:bodyPr anchorCtr="0" anchor="ctr" bIns="91425" lIns="91425" spcFirstLastPara="1" rIns="91425" wrap="square" tIns="91425">
+          <a:bodyPr spcFirstLastPara="1" wrap="square" lIns="91425" tIns="91425" rIns="91425" bIns="91425" anchor="ctr" anchorCtr="0">
             <a:noAutofit/>
           </a:bodyPr>
           <a:lstStyle/>
           <a:p>
-            <a:pPr indent="0" lvl="0" marL="0" rtl="0" algn="l">
-              <a:spcBef>
-                <a:spcPts val="0"/>
-              </a:spcBef>
-              <a:spcAft>
-                <a:spcPts val="0"/>
-              </a:spcAft>
-              <a:buNone/>
-            </a:pPr>
-            <a:r>
-              <a:t/>
-            </a:r>
+            <a:pPr marL="0" lvl="0" indent="0" algn="l" rtl="0">
+              <a:spcBef>
+                <a:spcPts val="0"/>
+              </a:spcBef>
+              <a:spcAft>
+                <a:spcPts val="0"/>
+              </a:spcAft>
+              <a:buNone/>
+            </a:pPr>
             <a:endParaRPr/>
           </a:p>
         </p:txBody>
@@ -5431,7 +5877,7 @@
             <a:noFill/>
           </a:ln>
           <a:effectLst>
-            <a:outerShdw blurRad="228600" sx="101000" rotWithShape="0" algn="ctr" sy="101000">
+            <a:outerShdw blurRad="228600" sx="101000" sy="101000" algn="ctr" rotWithShape="0">
               <a:srgbClr val="000000">
                 <a:alpha val="40000"/>
               </a:srgbClr>
@@ -5439,23 +5885,20 @@
           </a:effectLst>
         </p:spPr>
         <p:txBody>
-          <a:bodyPr anchorCtr="0" anchor="ctr" bIns="91425" lIns="91425" spcFirstLastPara="1" rIns="91425" wrap="square" tIns="91425">
+          <a:bodyPr spcFirstLastPara="1" wrap="square" lIns="91425" tIns="91425" rIns="91425" bIns="91425" anchor="ctr" anchorCtr="0">
             <a:noAutofit/>
           </a:bodyPr>
           <a:lstStyle/>
           <a:p>
-            <a:pPr indent="0" lvl="0" marL="0" rtl="0" algn="l">
-              <a:spcBef>
-                <a:spcPts val="0"/>
-              </a:spcBef>
-              <a:spcAft>
-                <a:spcPts val="0"/>
-              </a:spcAft>
-              <a:buNone/>
-            </a:pPr>
-            <a:r>
-              <a:t/>
-            </a:r>
+            <a:pPr marL="0" lvl="0" indent="0" algn="l" rtl="0">
+              <a:spcBef>
+                <a:spcPts val="0"/>
+              </a:spcBef>
+              <a:spcAft>
+                <a:spcPts val="0"/>
+              </a:spcAft>
+              <a:buNone/>
+            </a:pPr>
             <a:endParaRPr/>
           </a:p>
         </p:txBody>
@@ -5463,7 +5906,9 @@
       <p:sp>
         <p:nvSpPr>
           <p:cNvPr id="53" name="Google Shape;53;p4"/>
-          <p:cNvSpPr txBox="1"/>
+          <p:cNvSpPr txBox="1">
+            <a:spLocks noGrp="1"/>
+          </p:cNvSpPr>
           <p:nvPr>
             <p:ph type="title"/>
           </p:nvPr>
@@ -5478,7 +5923,7 @@
           </a:prstGeom>
         </p:spPr>
         <p:txBody>
-          <a:bodyPr anchorCtr="0" anchor="t" bIns="91425" lIns="91425" spcFirstLastPara="1" rIns="91425" wrap="square" tIns="91425">
+          <a:bodyPr spcFirstLastPara="1" wrap="square" lIns="91425" tIns="91425" rIns="91425" bIns="91425" anchor="t" anchorCtr="0">
             <a:normAutofit/>
           </a:bodyPr>
           <a:lstStyle>
@@ -5582,15 +6027,19 @@
               <a:defRPr sz="3000"/>
             </a:lvl9pPr>
           </a:lstStyle>
-          <a:p/>
+          <a:p>
+            <a:endParaRPr/>
+          </a:p>
         </p:txBody>
       </p:sp>
       <p:sp>
         <p:nvSpPr>
           <p:cNvPr id="54" name="Google Shape;54;p4"/>
-          <p:cNvSpPr txBox="1"/>
+          <p:cNvSpPr txBox="1">
+            <a:spLocks noGrp="1"/>
+          </p:cNvSpPr>
           <p:nvPr>
-            <p:ph idx="1" type="body"/>
+            <p:ph type="body" idx="1"/>
           </p:nvPr>
         </p:nvSpPr>
         <p:spPr>
@@ -5603,11 +6052,11 @@
           </a:prstGeom>
         </p:spPr>
         <p:txBody>
-          <a:bodyPr anchorCtr="0" anchor="t" bIns="91425" lIns="91425" spcFirstLastPara="1" rIns="91425" wrap="square" tIns="91425">
+          <a:bodyPr spcFirstLastPara="1" wrap="square" lIns="91425" tIns="91425" rIns="91425" bIns="91425" anchor="t" anchorCtr="0">
             <a:normAutofit/>
           </a:bodyPr>
           <a:lstStyle>
-            <a:lvl1pPr indent="-311150" lvl="0" marL="457200">
+            <a:lvl1pPr marL="457200" lvl="0" indent="-311150">
               <a:spcBef>
                 <a:spcPts val="0"/>
               </a:spcBef>
@@ -5618,7 +6067,7 @@
               <a:buChar char="●"/>
               <a:defRPr/>
             </a:lvl1pPr>
-            <a:lvl2pPr indent="-298450" lvl="1" marL="914400">
+            <a:lvl2pPr marL="914400" lvl="1" indent="-298450">
               <a:spcBef>
                 <a:spcPts val="0"/>
               </a:spcBef>
@@ -5629,7 +6078,7 @@
               <a:buChar char="○"/>
               <a:defRPr/>
             </a:lvl2pPr>
-            <a:lvl3pPr indent="-298450" lvl="2" marL="1371600">
+            <a:lvl3pPr marL="1371600" lvl="2" indent="-298450">
               <a:spcBef>
                 <a:spcPts val="0"/>
               </a:spcBef>
@@ -5640,7 +6089,7 @@
               <a:buChar char="■"/>
               <a:defRPr/>
             </a:lvl3pPr>
-            <a:lvl4pPr indent="-298450" lvl="3" marL="1828800">
+            <a:lvl4pPr marL="1828800" lvl="3" indent="-298450">
               <a:spcBef>
                 <a:spcPts val="0"/>
               </a:spcBef>
@@ -5651,7 +6100,7 @@
               <a:buChar char="●"/>
               <a:defRPr/>
             </a:lvl4pPr>
-            <a:lvl5pPr indent="-298450" lvl="4" marL="2286000">
+            <a:lvl5pPr marL="2286000" lvl="4" indent="-298450">
               <a:spcBef>
                 <a:spcPts val="0"/>
               </a:spcBef>
@@ -5662,7 +6111,7 @@
               <a:buChar char="○"/>
               <a:defRPr/>
             </a:lvl5pPr>
-            <a:lvl6pPr indent="-298450" lvl="5" marL="2743200">
+            <a:lvl6pPr marL="2743200" lvl="5" indent="-298450">
               <a:spcBef>
                 <a:spcPts val="0"/>
               </a:spcBef>
@@ -5673,7 +6122,7 @@
               <a:buChar char="■"/>
               <a:defRPr/>
             </a:lvl6pPr>
-            <a:lvl7pPr indent="-298450" lvl="6" marL="3200400">
+            <a:lvl7pPr marL="3200400" lvl="6" indent="-298450">
               <a:spcBef>
                 <a:spcPts val="0"/>
               </a:spcBef>
@@ -5684,7 +6133,7 @@
               <a:buChar char="●"/>
               <a:defRPr/>
             </a:lvl7pPr>
-            <a:lvl8pPr indent="-298450" lvl="7" marL="3657600">
+            <a:lvl8pPr marL="3657600" lvl="7" indent="-298450">
               <a:spcBef>
                 <a:spcPts val="0"/>
               </a:spcBef>
@@ -5695,7 +6144,7 @@
               <a:buChar char="○"/>
               <a:defRPr/>
             </a:lvl8pPr>
-            <a:lvl9pPr indent="-298450" lvl="8" marL="4114800">
+            <a:lvl9pPr marL="4114800" lvl="8" indent="-298450">
               <a:spcBef>
                 <a:spcPts val="0"/>
               </a:spcBef>
@@ -5707,15 +6156,19 @@
               <a:defRPr/>
             </a:lvl9pPr>
           </a:lstStyle>
-          <a:p/>
+          <a:p>
+            <a:endParaRPr/>
+          </a:p>
         </p:txBody>
       </p:sp>
       <p:sp>
         <p:nvSpPr>
           <p:cNvPr id="55" name="Google Shape;55;p4"/>
-          <p:cNvSpPr txBox="1"/>
+          <p:cNvSpPr txBox="1">
+            <a:spLocks noGrp="1"/>
+          </p:cNvSpPr>
           <p:nvPr>
-            <p:ph idx="12" type="sldNum"/>
+            <p:ph type="sldNum" idx="12"/>
           </p:nvPr>
         </p:nvSpPr>
         <p:spPr>
@@ -5728,7 +6181,7 @@
           </a:prstGeom>
         </p:spPr>
         <p:txBody>
-          <a:bodyPr anchorCtr="0" anchor="ctr" bIns="91425" lIns="91425" spcFirstLastPara="1" rIns="91425" wrap="square" tIns="91425">
+          <a:bodyPr spcFirstLastPara="1" wrap="square" lIns="91425" tIns="91425" rIns="91425" bIns="91425" anchor="ctr" anchorCtr="0">
             <a:normAutofit/>
           </a:bodyPr>
           <a:lstStyle>
@@ -5770,7 +6223,7 @@
             </a:lvl9pPr>
           </a:lstStyle>
           <a:p>
-            <a:pPr indent="0" lvl="0" marL="0" rtl="0" algn="r">
+            <a:pPr marL="0" lvl="0" indent="0" algn="r" rtl="0">
               <a:spcBef>
                 <a:spcPts val="0"/>
               </a:spcBef>
@@ -5796,18 +6249,19 @@
 </file>
 
 <file path=ppt/slideLayouts/slideLayout4.xml><?xml version="1.0" encoding="utf-8"?>
-<p:sldLayout xmlns:a="http://schemas.openxmlformats.org/drawingml/2006/main" xmlns:r="http://schemas.openxmlformats.org/officeDocument/2006/relationships" xmlns:mc="http://schemas.openxmlformats.org/markup-compatibility/2006" xmlns:mv="urn:schemas-microsoft-com:mac:vml" xmlns:p="http://schemas.openxmlformats.org/presentationml/2006/main" xmlns:c="http://schemas.openxmlformats.org/drawingml/2006/chart" xmlns:dgm="http://schemas.openxmlformats.org/drawingml/2006/diagram" xmlns:o="urn:schemas-microsoft-com:office:office" xmlns:v="urn:schemas-microsoft-com:vml" xmlns:pvml="urn:schemas-microsoft-com:office:powerpoint" xmlns:com="http://schemas.openxmlformats.org/drawingml/2006/compatibility" xmlns:p14="http://schemas.microsoft.com/office/powerpoint/2010/main" xmlns:p15="http://schemas.microsoft.com/office/powerpoint/2012/main" xmlns:ahyp="http://schemas.microsoft.com/office/drawing/2018/hyperlinkcolor" matchingName="Title and two columns" type="twoColTx">
+<p:sldLayout xmlns:a="http://schemas.openxmlformats.org/drawingml/2006/main" xmlns:r="http://schemas.openxmlformats.org/officeDocument/2006/relationships" xmlns:p="http://schemas.openxmlformats.org/presentationml/2006/main" matchingName="Title and two columns" type="twoColTx">
   <p:cSld name="TITLE_AND_TWO_COLUMNS">
     <p:bg>
       <p:bgPr>
         <a:solidFill>
           <a:schemeClr val="dk2"/>
         </a:solidFill>
+        <a:effectLst/>
       </p:bgPr>
     </p:bg>
     <p:spTree>
       <p:nvGrpSpPr>
-        <p:cNvPr id="56" name="Shape 56"/>
+        <p:cNvPr id="1" name="Shape 56"/>
         <p:cNvGrpSpPr/>
         <p:nvPr/>
       </p:nvGrpSpPr>
@@ -5841,23 +6295,20 @@
           </a:ln>
         </p:spPr>
         <p:txBody>
-          <a:bodyPr anchorCtr="0" anchor="ctr" bIns="91425" lIns="91425" spcFirstLastPara="1" rIns="91425" wrap="square" tIns="91425">
+          <a:bodyPr spcFirstLastPara="1" wrap="square" lIns="91425" tIns="91425" rIns="91425" bIns="91425" anchor="ctr" anchorCtr="0">
             <a:noAutofit/>
           </a:bodyPr>
           <a:lstStyle/>
           <a:p>
-            <a:pPr indent="0" lvl="0" marL="0" rtl="0" algn="l">
-              <a:spcBef>
-                <a:spcPts val="0"/>
-              </a:spcBef>
-              <a:spcAft>
-                <a:spcPts val="0"/>
-              </a:spcAft>
-              <a:buNone/>
-            </a:pPr>
-            <a:r>
-              <a:t/>
-            </a:r>
+            <a:pPr marL="0" lvl="0" indent="0" algn="l" rtl="0">
+              <a:spcBef>
+                <a:spcPts val="0"/>
+              </a:spcBef>
+              <a:spcAft>
+                <a:spcPts val="0"/>
+              </a:spcAft>
+              <a:buNone/>
+            </a:pPr>
             <a:endParaRPr/>
           </a:p>
         </p:txBody>
@@ -5884,23 +6335,20 @@
           </a:ln>
         </p:spPr>
         <p:txBody>
-          <a:bodyPr anchorCtr="0" anchor="ctr" bIns="91425" lIns="91425" spcFirstLastPara="1" rIns="91425" wrap="square" tIns="91425">
+          <a:bodyPr spcFirstLastPara="1" wrap="square" lIns="91425" tIns="91425" rIns="91425" bIns="91425" anchor="ctr" anchorCtr="0">
             <a:noAutofit/>
           </a:bodyPr>
           <a:lstStyle/>
           <a:p>
-            <a:pPr indent="0" lvl="0" marL="0" rtl="0" algn="l">
-              <a:spcBef>
-                <a:spcPts val="0"/>
-              </a:spcBef>
-              <a:spcAft>
-                <a:spcPts val="0"/>
-              </a:spcAft>
-              <a:buNone/>
-            </a:pPr>
-            <a:r>
-              <a:t/>
-            </a:r>
+            <a:pPr marL="0" lvl="0" indent="0" algn="l" rtl="0">
+              <a:spcBef>
+                <a:spcPts val="0"/>
+              </a:spcBef>
+              <a:spcAft>
+                <a:spcPts val="0"/>
+              </a:spcAft>
+              <a:buNone/>
+            </a:pPr>
             <a:endParaRPr/>
           </a:p>
         </p:txBody>
@@ -5926,7 +6374,7 @@
             <a:noFill/>
           </a:ln>
           <a:effectLst>
-            <a:outerShdw blurRad="228600" sx="101000" rotWithShape="0" algn="ctr" sy="101000">
+            <a:outerShdw blurRad="228600" sx="101000" sy="101000" algn="ctr" rotWithShape="0">
               <a:srgbClr val="000000">
                 <a:alpha val="40000"/>
               </a:srgbClr>
@@ -5934,23 +6382,20 @@
           </a:effectLst>
         </p:spPr>
         <p:txBody>
-          <a:bodyPr anchorCtr="0" anchor="ctr" bIns="91425" lIns="91425" spcFirstLastPara="1" rIns="91425" wrap="square" tIns="91425">
+          <a:bodyPr spcFirstLastPara="1" wrap="square" lIns="91425" tIns="91425" rIns="91425" bIns="91425" anchor="ctr" anchorCtr="0">
             <a:noAutofit/>
           </a:bodyPr>
           <a:lstStyle/>
           <a:p>
-            <a:pPr indent="0" lvl="0" marL="0" rtl="0" algn="l">
-              <a:spcBef>
-                <a:spcPts val="0"/>
-              </a:spcBef>
-              <a:spcAft>
-                <a:spcPts val="0"/>
-              </a:spcAft>
-              <a:buNone/>
-            </a:pPr>
-            <a:r>
-              <a:t/>
-            </a:r>
+            <a:pPr marL="0" lvl="0" indent="0" algn="l" rtl="0">
+              <a:spcBef>
+                <a:spcPts val="0"/>
+              </a:spcBef>
+              <a:spcAft>
+                <a:spcPts val="0"/>
+              </a:spcAft>
+              <a:buNone/>
+            </a:pPr>
             <a:endParaRPr/>
           </a:p>
         </p:txBody>
@@ -5958,7 +6403,9 @@
       <p:sp>
         <p:nvSpPr>
           <p:cNvPr id="60" name="Google Shape;60;p5"/>
-          <p:cNvSpPr txBox="1"/>
+          <p:cNvSpPr txBox="1">
+            <a:spLocks noGrp="1"/>
+          </p:cNvSpPr>
           <p:nvPr>
             <p:ph type="title"/>
           </p:nvPr>
@@ -5973,7 +6420,7 @@
           </a:prstGeom>
         </p:spPr>
         <p:txBody>
-          <a:bodyPr anchorCtr="0" anchor="t" bIns="91425" lIns="91425" spcFirstLastPara="1" rIns="91425" wrap="square" tIns="91425">
+          <a:bodyPr spcFirstLastPara="1" wrap="square" lIns="91425" tIns="91425" rIns="91425" bIns="91425" anchor="t" anchorCtr="0">
             <a:normAutofit/>
           </a:bodyPr>
           <a:lstStyle>
@@ -6077,15 +6524,19 @@
               <a:defRPr sz="3000"/>
             </a:lvl9pPr>
           </a:lstStyle>
-          <a:p/>
+          <a:p>
+            <a:endParaRPr/>
+          </a:p>
         </p:txBody>
       </p:sp>
       <p:sp>
         <p:nvSpPr>
           <p:cNvPr id="61" name="Google Shape;61;p5"/>
-          <p:cNvSpPr txBox="1"/>
+          <p:cNvSpPr txBox="1">
+            <a:spLocks noGrp="1"/>
+          </p:cNvSpPr>
           <p:nvPr>
-            <p:ph idx="1" type="body"/>
+            <p:ph type="body" idx="1"/>
           </p:nvPr>
         </p:nvSpPr>
         <p:spPr>
@@ -6098,11 +6549,11 @@
           </a:prstGeom>
         </p:spPr>
         <p:txBody>
-          <a:bodyPr anchorCtr="0" anchor="t" bIns="91425" lIns="91425" spcFirstLastPara="1" rIns="91425" wrap="square" tIns="91425">
+          <a:bodyPr spcFirstLastPara="1" wrap="square" lIns="91425" tIns="91425" rIns="91425" bIns="91425" anchor="t" anchorCtr="0">
             <a:normAutofit/>
           </a:bodyPr>
           <a:lstStyle>
-            <a:lvl1pPr indent="-311150" lvl="0" marL="457200">
+            <a:lvl1pPr marL="457200" lvl="0" indent="-311150">
               <a:spcBef>
                 <a:spcPts val="0"/>
               </a:spcBef>
@@ -6113,7 +6564,7 @@
               <a:buChar char="●"/>
               <a:defRPr/>
             </a:lvl1pPr>
-            <a:lvl2pPr indent="-298450" lvl="1" marL="914400">
+            <a:lvl2pPr marL="914400" lvl="1" indent="-298450">
               <a:spcBef>
                 <a:spcPts val="0"/>
               </a:spcBef>
@@ -6124,7 +6575,7 @@
               <a:buChar char="○"/>
               <a:defRPr/>
             </a:lvl2pPr>
-            <a:lvl3pPr indent="-298450" lvl="2" marL="1371600">
+            <a:lvl3pPr marL="1371600" lvl="2" indent="-298450">
               <a:spcBef>
                 <a:spcPts val="0"/>
               </a:spcBef>
@@ -6135,7 +6586,7 @@
               <a:buChar char="■"/>
               <a:defRPr/>
             </a:lvl3pPr>
-            <a:lvl4pPr indent="-298450" lvl="3" marL="1828800">
+            <a:lvl4pPr marL="1828800" lvl="3" indent="-298450">
               <a:spcBef>
                 <a:spcPts val="0"/>
               </a:spcBef>
@@ -6146,7 +6597,7 @@
               <a:buChar char="●"/>
               <a:defRPr/>
             </a:lvl4pPr>
-            <a:lvl5pPr indent="-298450" lvl="4" marL="2286000">
+            <a:lvl5pPr marL="2286000" lvl="4" indent="-298450">
               <a:spcBef>
                 <a:spcPts val="0"/>
               </a:spcBef>
@@ -6157,7 +6608,7 @@
               <a:buChar char="○"/>
               <a:defRPr/>
             </a:lvl5pPr>
-            <a:lvl6pPr indent="-298450" lvl="5" marL="2743200">
+            <a:lvl6pPr marL="2743200" lvl="5" indent="-298450">
               <a:spcBef>
                 <a:spcPts val="0"/>
               </a:spcBef>
@@ -6168,7 +6619,7 @@
               <a:buChar char="■"/>
               <a:defRPr/>
             </a:lvl6pPr>
-            <a:lvl7pPr indent="-298450" lvl="6" marL="3200400">
+            <a:lvl7pPr marL="3200400" lvl="6" indent="-298450">
               <a:spcBef>
                 <a:spcPts val="0"/>
               </a:spcBef>
@@ -6179,7 +6630,7 @@
               <a:buChar char="●"/>
               <a:defRPr/>
             </a:lvl7pPr>
-            <a:lvl8pPr indent="-298450" lvl="7" marL="3657600">
+            <a:lvl8pPr marL="3657600" lvl="7" indent="-298450">
               <a:spcBef>
                 <a:spcPts val="0"/>
               </a:spcBef>
@@ -6190,7 +6641,7 @@
               <a:buChar char="○"/>
               <a:defRPr/>
             </a:lvl8pPr>
-            <a:lvl9pPr indent="-298450" lvl="8" marL="4114800">
+            <a:lvl9pPr marL="4114800" lvl="8" indent="-298450">
               <a:spcBef>
                 <a:spcPts val="0"/>
               </a:spcBef>
@@ -6202,15 +6653,19 @@
               <a:defRPr/>
             </a:lvl9pPr>
           </a:lstStyle>
-          <a:p/>
+          <a:p>
+            <a:endParaRPr/>
+          </a:p>
         </p:txBody>
       </p:sp>
       <p:sp>
         <p:nvSpPr>
           <p:cNvPr id="62" name="Google Shape;62;p5"/>
-          <p:cNvSpPr txBox="1"/>
+          <p:cNvSpPr txBox="1">
+            <a:spLocks noGrp="1"/>
+          </p:cNvSpPr>
           <p:nvPr>
-            <p:ph idx="2" type="body"/>
+            <p:ph type="body" idx="2"/>
           </p:nvPr>
         </p:nvSpPr>
         <p:spPr>
@@ -6223,11 +6678,11 @@
           </a:prstGeom>
         </p:spPr>
         <p:txBody>
-          <a:bodyPr anchorCtr="0" anchor="t" bIns="91425" lIns="91425" spcFirstLastPara="1" rIns="91425" wrap="square" tIns="91425">
+          <a:bodyPr spcFirstLastPara="1" wrap="square" lIns="91425" tIns="91425" rIns="91425" bIns="91425" anchor="t" anchorCtr="0">
             <a:normAutofit/>
           </a:bodyPr>
           <a:lstStyle>
-            <a:lvl1pPr indent="-311150" lvl="0" marL="457200">
+            <a:lvl1pPr marL="457200" lvl="0" indent="-311150">
               <a:spcBef>
                 <a:spcPts val="0"/>
               </a:spcBef>
@@ -6238,7 +6693,7 @@
               <a:buChar char="●"/>
               <a:defRPr/>
             </a:lvl1pPr>
-            <a:lvl2pPr indent="-298450" lvl="1" marL="914400">
+            <a:lvl2pPr marL="914400" lvl="1" indent="-298450">
               <a:spcBef>
                 <a:spcPts val="0"/>
               </a:spcBef>
@@ -6249,7 +6704,7 @@
               <a:buChar char="○"/>
               <a:defRPr/>
             </a:lvl2pPr>
-            <a:lvl3pPr indent="-298450" lvl="2" marL="1371600">
+            <a:lvl3pPr marL="1371600" lvl="2" indent="-298450">
               <a:spcBef>
                 <a:spcPts val="0"/>
               </a:spcBef>
@@ -6260,7 +6715,7 @@
               <a:buChar char="■"/>
               <a:defRPr/>
             </a:lvl3pPr>
-            <a:lvl4pPr indent="-298450" lvl="3" marL="1828800">
+            <a:lvl4pPr marL="1828800" lvl="3" indent="-298450">
               <a:spcBef>
                 <a:spcPts val="0"/>
               </a:spcBef>
@@ -6271,7 +6726,7 @@
               <a:buChar char="●"/>
               <a:defRPr/>
             </a:lvl4pPr>
-            <a:lvl5pPr indent="-298450" lvl="4" marL="2286000">
+            <a:lvl5pPr marL="2286000" lvl="4" indent="-298450">
               <a:spcBef>
                 <a:spcPts val="0"/>
               </a:spcBef>
@@ -6282,7 +6737,7 @@
               <a:buChar char="○"/>
               <a:defRPr/>
             </a:lvl5pPr>
-            <a:lvl6pPr indent="-298450" lvl="5" marL="2743200">
+            <a:lvl6pPr marL="2743200" lvl="5" indent="-298450">
               <a:spcBef>
                 <a:spcPts val="0"/>
               </a:spcBef>
@@ -6293,7 +6748,7 @@
               <a:buChar char="■"/>
               <a:defRPr/>
             </a:lvl6pPr>
-            <a:lvl7pPr indent="-298450" lvl="6" marL="3200400">
+            <a:lvl7pPr marL="3200400" lvl="6" indent="-298450">
               <a:spcBef>
                 <a:spcPts val="0"/>
               </a:spcBef>
@@ -6304,7 +6759,7 @@
               <a:buChar char="●"/>
               <a:defRPr/>
             </a:lvl7pPr>
-            <a:lvl8pPr indent="-298450" lvl="7" marL="3657600">
+            <a:lvl8pPr marL="3657600" lvl="7" indent="-298450">
               <a:spcBef>
                 <a:spcPts val="0"/>
               </a:spcBef>
@@ -6315,7 +6770,7 @@
               <a:buChar char="○"/>
               <a:defRPr/>
             </a:lvl8pPr>
-            <a:lvl9pPr indent="-298450" lvl="8" marL="4114800">
+            <a:lvl9pPr marL="4114800" lvl="8" indent="-298450">
               <a:spcBef>
                 <a:spcPts val="0"/>
               </a:spcBef>
@@ -6327,15 +6782,19 @@
               <a:defRPr/>
             </a:lvl9pPr>
           </a:lstStyle>
-          <a:p/>
+          <a:p>
+            <a:endParaRPr/>
+          </a:p>
         </p:txBody>
       </p:sp>
       <p:sp>
         <p:nvSpPr>
           <p:cNvPr id="63" name="Google Shape;63;p5"/>
-          <p:cNvSpPr txBox="1"/>
+          <p:cNvSpPr txBox="1">
+            <a:spLocks noGrp="1"/>
+          </p:cNvSpPr>
           <p:nvPr>
-            <p:ph idx="12" type="sldNum"/>
+            <p:ph type="sldNum" idx="12"/>
           </p:nvPr>
         </p:nvSpPr>
         <p:spPr>
@@ -6348,7 +6807,7 @@
           </a:prstGeom>
         </p:spPr>
         <p:txBody>
-          <a:bodyPr anchorCtr="0" anchor="ctr" bIns="91425" lIns="91425" spcFirstLastPara="1" rIns="91425" wrap="square" tIns="91425">
+          <a:bodyPr spcFirstLastPara="1" wrap="square" lIns="91425" tIns="91425" rIns="91425" bIns="91425" anchor="ctr" anchorCtr="0">
             <a:normAutofit/>
           </a:bodyPr>
           <a:lstStyle>
@@ -6390,7 +6849,7 @@
             </a:lvl9pPr>
           </a:lstStyle>
           <a:p>
-            <a:pPr indent="0" lvl="0" marL="0" rtl="0" algn="r">
+            <a:pPr marL="0" lvl="0" indent="0" algn="r" rtl="0">
               <a:spcBef>
                 <a:spcPts val="0"/>
               </a:spcBef>
@@ -6416,18 +6875,19 @@
 </file>
 
 <file path=ppt/slideLayouts/slideLayout5.xml><?xml version="1.0" encoding="utf-8"?>
-<p:sldLayout xmlns:a="http://schemas.openxmlformats.org/drawingml/2006/main" xmlns:r="http://schemas.openxmlformats.org/officeDocument/2006/relationships" xmlns:mc="http://schemas.openxmlformats.org/markup-compatibility/2006" xmlns:mv="urn:schemas-microsoft-com:mac:vml" xmlns:p="http://schemas.openxmlformats.org/presentationml/2006/main" xmlns:c="http://schemas.openxmlformats.org/drawingml/2006/chart" xmlns:dgm="http://schemas.openxmlformats.org/drawingml/2006/diagram" xmlns:o="urn:schemas-microsoft-com:office:office" xmlns:v="urn:schemas-microsoft-com:vml" xmlns:pvml="urn:schemas-microsoft-com:office:powerpoint" xmlns:com="http://schemas.openxmlformats.org/drawingml/2006/compatibility" xmlns:p14="http://schemas.microsoft.com/office/powerpoint/2010/main" xmlns:p15="http://schemas.microsoft.com/office/powerpoint/2012/main" xmlns:ahyp="http://schemas.microsoft.com/office/drawing/2018/hyperlinkcolor" matchingName="Title only" type="titleOnly">
+<p:sldLayout xmlns:a="http://schemas.openxmlformats.org/drawingml/2006/main" xmlns:r="http://schemas.openxmlformats.org/officeDocument/2006/relationships" xmlns:p="http://schemas.openxmlformats.org/presentationml/2006/main" matchingName="Title only" type="titleOnly">
   <p:cSld name="TITLE_ONLY">
     <p:bg>
       <p:bgPr>
         <a:solidFill>
           <a:schemeClr val="dk2"/>
         </a:solidFill>
+        <a:effectLst/>
       </p:bgPr>
     </p:bg>
     <p:spTree>
       <p:nvGrpSpPr>
-        <p:cNvPr id="64" name="Shape 64"/>
+        <p:cNvPr id="1" name="Shape 64"/>
         <p:cNvGrpSpPr/>
         <p:nvPr/>
       </p:nvGrpSpPr>
@@ -6461,23 +6921,20 @@
           </a:ln>
         </p:spPr>
         <p:txBody>
-          <a:bodyPr anchorCtr="0" anchor="ctr" bIns="91425" lIns="91425" spcFirstLastPara="1" rIns="91425" wrap="square" tIns="91425">
+          <a:bodyPr spcFirstLastPara="1" wrap="square" lIns="91425" tIns="91425" rIns="91425" bIns="91425" anchor="ctr" anchorCtr="0">
             <a:noAutofit/>
           </a:bodyPr>
           <a:lstStyle/>
           <a:p>
-            <a:pPr indent="0" lvl="0" marL="0" rtl="0" algn="l">
-              <a:spcBef>
-                <a:spcPts val="0"/>
-              </a:spcBef>
-              <a:spcAft>
-                <a:spcPts val="0"/>
-              </a:spcAft>
-              <a:buNone/>
-            </a:pPr>
-            <a:r>
-              <a:t/>
-            </a:r>
+            <a:pPr marL="0" lvl="0" indent="0" algn="l" rtl="0">
+              <a:spcBef>
+                <a:spcPts val="0"/>
+              </a:spcBef>
+              <a:spcAft>
+                <a:spcPts val="0"/>
+              </a:spcAft>
+              <a:buNone/>
+            </a:pPr>
             <a:endParaRPr/>
           </a:p>
         </p:txBody>
@@ -6504,23 +6961,20 @@
           </a:ln>
         </p:spPr>
         <p:txBody>
-          <a:bodyPr anchorCtr="0" anchor="ctr" bIns="91425" lIns="91425" spcFirstLastPara="1" rIns="91425" wrap="square" tIns="91425">
+          <a:bodyPr spcFirstLastPara="1" wrap="square" lIns="91425" tIns="91425" rIns="91425" bIns="91425" anchor="ctr" anchorCtr="0">
             <a:noAutofit/>
           </a:bodyPr>
           <a:lstStyle/>
           <a:p>
-            <a:pPr indent="0" lvl="0" marL="0" rtl="0" algn="l">
-              <a:spcBef>
-                <a:spcPts val="0"/>
-              </a:spcBef>
-              <a:spcAft>
-                <a:spcPts val="0"/>
-              </a:spcAft>
-              <a:buNone/>
-            </a:pPr>
-            <a:r>
-              <a:t/>
-            </a:r>
+            <a:pPr marL="0" lvl="0" indent="0" algn="l" rtl="0">
+              <a:spcBef>
+                <a:spcPts val="0"/>
+              </a:spcBef>
+              <a:spcAft>
+                <a:spcPts val="0"/>
+              </a:spcAft>
+              <a:buNone/>
+            </a:pPr>
             <a:endParaRPr/>
           </a:p>
         </p:txBody>
@@ -6546,7 +7000,7 @@
             <a:noFill/>
           </a:ln>
           <a:effectLst>
-            <a:outerShdw blurRad="228600" sx="101000" rotWithShape="0" algn="ctr" sy="101000">
+            <a:outerShdw blurRad="228600" sx="101000" sy="101000" algn="ctr" rotWithShape="0">
               <a:srgbClr val="000000">
                 <a:alpha val="40000"/>
               </a:srgbClr>
@@ -6554,23 +7008,20 @@
           </a:effectLst>
         </p:spPr>
         <p:txBody>
-          <a:bodyPr anchorCtr="0" anchor="ctr" bIns="91425" lIns="91425" spcFirstLastPara="1" rIns="91425" wrap="square" tIns="91425">
+          <a:bodyPr spcFirstLastPara="1" wrap="square" lIns="91425" tIns="91425" rIns="91425" bIns="91425" anchor="ctr" anchorCtr="0">
             <a:noAutofit/>
           </a:bodyPr>
           <a:lstStyle/>
           <a:p>
-            <a:pPr indent="0" lvl="0" marL="0" rtl="0" algn="l">
-              <a:spcBef>
-                <a:spcPts val="0"/>
-              </a:spcBef>
-              <a:spcAft>
-                <a:spcPts val="0"/>
-              </a:spcAft>
-              <a:buNone/>
-            </a:pPr>
-            <a:r>
-              <a:t/>
-            </a:r>
+            <a:pPr marL="0" lvl="0" indent="0" algn="l" rtl="0">
+              <a:spcBef>
+                <a:spcPts val="0"/>
+              </a:spcBef>
+              <a:spcAft>
+                <a:spcPts val="0"/>
+              </a:spcAft>
+              <a:buNone/>
+            </a:pPr>
             <a:endParaRPr/>
           </a:p>
         </p:txBody>
@@ -6578,7 +7029,9 @@
       <p:sp>
         <p:nvSpPr>
           <p:cNvPr id="68" name="Google Shape;68;p6"/>
-          <p:cNvSpPr txBox="1"/>
+          <p:cNvSpPr txBox="1">
+            <a:spLocks noGrp="1"/>
+          </p:cNvSpPr>
           <p:nvPr>
             <p:ph type="title"/>
           </p:nvPr>
@@ -6593,7 +7046,7 @@
           </a:prstGeom>
         </p:spPr>
         <p:txBody>
-          <a:bodyPr anchorCtr="0" anchor="t" bIns="91425" lIns="91425" spcFirstLastPara="1" rIns="91425" wrap="square" tIns="91425">
+          <a:bodyPr spcFirstLastPara="1" wrap="square" lIns="91425" tIns="91425" rIns="91425" bIns="91425" anchor="t" anchorCtr="0">
             <a:normAutofit/>
           </a:bodyPr>
           <a:lstStyle>
@@ -6697,15 +7150,19 @@
               <a:defRPr sz="3000"/>
             </a:lvl9pPr>
           </a:lstStyle>
-          <a:p/>
+          <a:p>
+            <a:endParaRPr/>
+          </a:p>
         </p:txBody>
       </p:sp>
       <p:sp>
         <p:nvSpPr>
           <p:cNvPr id="69" name="Google Shape;69;p6"/>
-          <p:cNvSpPr txBox="1"/>
+          <p:cNvSpPr txBox="1">
+            <a:spLocks noGrp="1"/>
+          </p:cNvSpPr>
           <p:nvPr>
-            <p:ph idx="12" type="sldNum"/>
+            <p:ph type="sldNum" idx="12"/>
           </p:nvPr>
         </p:nvSpPr>
         <p:spPr>
@@ -6718,7 +7175,7 @@
           </a:prstGeom>
         </p:spPr>
         <p:txBody>
-          <a:bodyPr anchorCtr="0" anchor="ctr" bIns="91425" lIns="91425" spcFirstLastPara="1" rIns="91425" wrap="square" tIns="91425">
+          <a:bodyPr spcFirstLastPara="1" wrap="square" lIns="91425" tIns="91425" rIns="91425" bIns="91425" anchor="ctr" anchorCtr="0">
             <a:normAutofit/>
           </a:bodyPr>
           <a:lstStyle>
@@ -6760,7 +7217,7 @@
             </a:lvl9pPr>
           </a:lstStyle>
           <a:p>
-            <a:pPr indent="0" lvl="0" marL="0" rtl="0" algn="r">
+            <a:pPr marL="0" lvl="0" indent="0" algn="r" rtl="0">
               <a:spcBef>
                 <a:spcPts val="0"/>
               </a:spcBef>
@@ -6786,18 +7243,19 @@
 </file>
 
 <file path=ppt/slideLayouts/slideLayout6.xml><?xml version="1.0" encoding="utf-8"?>
-<p:sldLayout xmlns:a="http://schemas.openxmlformats.org/drawingml/2006/main" xmlns:r="http://schemas.openxmlformats.org/officeDocument/2006/relationships" xmlns:mc="http://schemas.openxmlformats.org/markup-compatibility/2006" xmlns:mv="urn:schemas-microsoft-com:mac:vml" xmlns:p="http://schemas.openxmlformats.org/presentationml/2006/main" xmlns:c="http://schemas.openxmlformats.org/drawingml/2006/chart" xmlns:dgm="http://schemas.openxmlformats.org/drawingml/2006/diagram" xmlns:o="urn:schemas-microsoft-com:office:office" xmlns:v="urn:schemas-microsoft-com:vml" xmlns:pvml="urn:schemas-microsoft-com:office:powerpoint" xmlns:com="http://schemas.openxmlformats.org/drawingml/2006/compatibility" xmlns:p14="http://schemas.microsoft.com/office/powerpoint/2010/main" xmlns:p15="http://schemas.microsoft.com/office/powerpoint/2012/main" xmlns:ahyp="http://schemas.microsoft.com/office/drawing/2018/hyperlinkcolor" matchingName="One column text">
+<p:sldLayout xmlns:a="http://schemas.openxmlformats.org/drawingml/2006/main" xmlns:r="http://schemas.openxmlformats.org/officeDocument/2006/relationships" xmlns:p="http://schemas.openxmlformats.org/presentationml/2006/main" matchingName="One column text">
   <p:cSld name="ONE_COLUMN_TEXT">
     <p:bg>
       <p:bgPr>
         <a:solidFill>
           <a:schemeClr val="accent3"/>
         </a:solidFill>
+        <a:effectLst/>
       </p:bgPr>
     </p:bg>
     <p:spTree>
       <p:nvGrpSpPr>
-        <p:cNvPr id="70" name="Shape 70"/>
+        <p:cNvPr id="1" name="Shape 70"/>
         <p:cNvGrpSpPr/>
         <p:nvPr/>
       </p:nvGrpSpPr>
@@ -6831,23 +7289,20 @@
           </a:ln>
         </p:spPr>
         <p:txBody>
-          <a:bodyPr anchorCtr="0" anchor="ctr" bIns="91425" lIns="91425" spcFirstLastPara="1" rIns="91425" wrap="square" tIns="91425">
+          <a:bodyPr spcFirstLastPara="1" wrap="square" lIns="91425" tIns="91425" rIns="91425" bIns="91425" anchor="ctr" anchorCtr="0">
             <a:noAutofit/>
           </a:bodyPr>
           <a:lstStyle/>
           <a:p>
-            <a:pPr indent="0" lvl="0" marL="0" rtl="0" algn="l">
-              <a:spcBef>
-                <a:spcPts val="0"/>
-              </a:spcBef>
-              <a:spcAft>
-                <a:spcPts val="0"/>
-              </a:spcAft>
-              <a:buNone/>
-            </a:pPr>
-            <a:r>
-              <a:t/>
-            </a:r>
+            <a:pPr marL="0" lvl="0" indent="0" algn="l" rtl="0">
+              <a:spcBef>
+                <a:spcPts val="0"/>
+              </a:spcBef>
+              <a:spcAft>
+                <a:spcPts val="0"/>
+              </a:spcAft>
+              <a:buNone/>
+            </a:pPr>
             <a:endParaRPr/>
           </a:p>
         </p:txBody>
@@ -6874,23 +7329,20 @@
           </a:ln>
         </p:spPr>
         <p:txBody>
-          <a:bodyPr anchorCtr="0" anchor="ctr" bIns="91425" lIns="91425" spcFirstLastPara="1" rIns="91425" wrap="square" tIns="91425">
+          <a:bodyPr spcFirstLastPara="1" wrap="square" lIns="91425" tIns="91425" rIns="91425" bIns="91425" anchor="ctr" anchorCtr="0">
             <a:noAutofit/>
           </a:bodyPr>
           <a:lstStyle/>
           <a:p>
-            <a:pPr indent="0" lvl="0" marL="0" rtl="0" algn="l">
-              <a:spcBef>
-                <a:spcPts val="0"/>
-              </a:spcBef>
-              <a:spcAft>
-                <a:spcPts val="0"/>
-              </a:spcAft>
-              <a:buNone/>
-            </a:pPr>
-            <a:r>
-              <a:t/>
-            </a:r>
+            <a:pPr marL="0" lvl="0" indent="0" algn="l" rtl="0">
+              <a:spcBef>
+                <a:spcPts val="0"/>
+              </a:spcBef>
+              <a:spcAft>
+                <a:spcPts val="0"/>
+              </a:spcAft>
+              <a:buNone/>
+            </a:pPr>
             <a:endParaRPr/>
           </a:p>
         </p:txBody>
@@ -6916,7 +7368,7 @@
             <a:noFill/>
           </a:ln>
           <a:effectLst>
-            <a:outerShdw blurRad="228600" sx="101000" rotWithShape="0" algn="ctr" sy="101000">
+            <a:outerShdw blurRad="228600" sx="101000" sy="101000" algn="ctr" rotWithShape="0">
               <a:srgbClr val="000000">
                 <a:alpha val="40000"/>
               </a:srgbClr>
@@ -6924,23 +7376,20 @@
           </a:effectLst>
         </p:spPr>
         <p:txBody>
-          <a:bodyPr anchorCtr="0" anchor="ctr" bIns="91425" lIns="91425" spcFirstLastPara="1" rIns="91425" wrap="square" tIns="91425">
+          <a:bodyPr spcFirstLastPara="1" wrap="square" lIns="91425" tIns="91425" rIns="91425" bIns="91425" anchor="ctr" anchorCtr="0">
             <a:noAutofit/>
           </a:bodyPr>
           <a:lstStyle/>
           <a:p>
-            <a:pPr indent="0" lvl="0" marL="0" rtl="0" algn="l">
-              <a:spcBef>
-                <a:spcPts val="0"/>
-              </a:spcBef>
-              <a:spcAft>
-                <a:spcPts val="0"/>
-              </a:spcAft>
-              <a:buNone/>
-            </a:pPr>
-            <a:r>
-              <a:t/>
-            </a:r>
+            <a:pPr marL="0" lvl="0" indent="0" algn="l" rtl="0">
+              <a:spcBef>
+                <a:spcPts val="0"/>
+              </a:spcBef>
+              <a:spcAft>
+                <a:spcPts val="0"/>
+              </a:spcAft>
+              <a:buNone/>
+            </a:pPr>
             <a:endParaRPr/>
           </a:p>
         </p:txBody>
@@ -6948,7 +7397,9 @@
       <p:sp>
         <p:nvSpPr>
           <p:cNvPr id="74" name="Google Shape;74;p7"/>
-          <p:cNvSpPr txBox="1"/>
+          <p:cNvSpPr txBox="1">
+            <a:spLocks noGrp="1"/>
+          </p:cNvSpPr>
           <p:nvPr>
             <p:ph type="title"/>
           </p:nvPr>
@@ -6963,7 +7414,7 @@
           </a:prstGeom>
         </p:spPr>
         <p:txBody>
-          <a:bodyPr anchorCtr="0" anchor="t" bIns="91425" lIns="91425" spcFirstLastPara="1" rIns="91425" wrap="square" tIns="91425">
+          <a:bodyPr spcFirstLastPara="1" wrap="square" lIns="91425" tIns="91425" rIns="91425" bIns="91425" anchor="t" anchorCtr="0">
             <a:normAutofit/>
           </a:bodyPr>
           <a:lstStyle>
@@ -7067,15 +7518,19 @@
               <a:defRPr sz="3000"/>
             </a:lvl9pPr>
           </a:lstStyle>
-          <a:p/>
+          <a:p>
+            <a:endParaRPr/>
+          </a:p>
         </p:txBody>
       </p:sp>
       <p:sp>
         <p:nvSpPr>
           <p:cNvPr id="75" name="Google Shape;75;p7"/>
-          <p:cNvSpPr txBox="1"/>
+          <p:cNvSpPr txBox="1">
+            <a:spLocks noGrp="1"/>
+          </p:cNvSpPr>
           <p:nvPr>
-            <p:ph idx="1" type="body"/>
+            <p:ph type="body" idx="1"/>
           </p:nvPr>
         </p:nvSpPr>
         <p:spPr>
@@ -7088,11 +7543,11 @@
           </a:prstGeom>
         </p:spPr>
         <p:txBody>
-          <a:bodyPr anchorCtr="0" anchor="t" bIns="91425" lIns="91425" spcFirstLastPara="1" rIns="91425" wrap="square" tIns="91425">
+          <a:bodyPr spcFirstLastPara="1" wrap="square" lIns="91425" tIns="91425" rIns="91425" bIns="91425" anchor="t" anchorCtr="0">
             <a:normAutofit/>
           </a:bodyPr>
           <a:lstStyle>
-            <a:lvl1pPr indent="-311150" lvl="0" marL="457200">
+            <a:lvl1pPr marL="457200" lvl="0" indent="-311150">
               <a:spcBef>
                 <a:spcPts val="0"/>
               </a:spcBef>
@@ -7103,7 +7558,7 @@
               <a:buChar char="●"/>
               <a:defRPr/>
             </a:lvl1pPr>
-            <a:lvl2pPr indent="-298450" lvl="1" marL="914400">
+            <a:lvl2pPr marL="914400" lvl="1" indent="-298450">
               <a:spcBef>
                 <a:spcPts val="0"/>
               </a:spcBef>
@@ -7114,7 +7569,7 @@
               <a:buChar char="○"/>
               <a:defRPr/>
             </a:lvl2pPr>
-            <a:lvl3pPr indent="-298450" lvl="2" marL="1371600">
+            <a:lvl3pPr marL="1371600" lvl="2" indent="-298450">
               <a:spcBef>
                 <a:spcPts val="0"/>
               </a:spcBef>
@@ -7125,7 +7580,7 @@
               <a:buChar char="■"/>
               <a:defRPr/>
             </a:lvl3pPr>
-            <a:lvl4pPr indent="-298450" lvl="3" marL="1828800">
+            <a:lvl4pPr marL="1828800" lvl="3" indent="-298450">
               <a:spcBef>
                 <a:spcPts val="0"/>
               </a:spcBef>
@@ -7136,7 +7591,7 @@
               <a:buChar char="●"/>
               <a:defRPr/>
             </a:lvl4pPr>
-            <a:lvl5pPr indent="-298450" lvl="4" marL="2286000">
+            <a:lvl5pPr marL="2286000" lvl="4" indent="-298450">
               <a:spcBef>
                 <a:spcPts val="0"/>
               </a:spcBef>
@@ -7147,7 +7602,7 @@
               <a:buChar char="○"/>
               <a:defRPr/>
             </a:lvl5pPr>
-            <a:lvl6pPr indent="-298450" lvl="5" marL="2743200">
+            <a:lvl6pPr marL="2743200" lvl="5" indent="-298450">
               <a:spcBef>
                 <a:spcPts val="0"/>
               </a:spcBef>
@@ -7158,7 +7613,7 @@
               <a:buChar char="■"/>
               <a:defRPr/>
             </a:lvl6pPr>
-            <a:lvl7pPr indent="-298450" lvl="6" marL="3200400">
+            <a:lvl7pPr marL="3200400" lvl="6" indent="-298450">
               <a:spcBef>
                 <a:spcPts val="0"/>
               </a:spcBef>
@@ -7169,7 +7624,7 @@
               <a:buChar char="●"/>
               <a:defRPr/>
             </a:lvl7pPr>
-            <a:lvl8pPr indent="-298450" lvl="7" marL="3657600">
+            <a:lvl8pPr marL="3657600" lvl="7" indent="-298450">
               <a:spcBef>
                 <a:spcPts val="0"/>
               </a:spcBef>
@@ -7180,7 +7635,7 @@
               <a:buChar char="○"/>
               <a:defRPr/>
             </a:lvl8pPr>
-            <a:lvl9pPr indent="-298450" lvl="8" marL="4114800">
+            <a:lvl9pPr marL="4114800" lvl="8" indent="-298450">
               <a:spcBef>
                 <a:spcPts val="0"/>
               </a:spcBef>
@@ -7192,15 +7647,19 @@
               <a:defRPr/>
             </a:lvl9pPr>
           </a:lstStyle>
-          <a:p/>
+          <a:p>
+            <a:endParaRPr/>
+          </a:p>
         </p:txBody>
       </p:sp>
       <p:sp>
         <p:nvSpPr>
           <p:cNvPr id="76" name="Google Shape;76;p7"/>
-          <p:cNvSpPr txBox="1"/>
+          <p:cNvSpPr txBox="1">
+            <a:spLocks noGrp="1"/>
+          </p:cNvSpPr>
           <p:nvPr>
-            <p:ph idx="12" type="sldNum"/>
+            <p:ph type="sldNum" idx="12"/>
           </p:nvPr>
         </p:nvSpPr>
         <p:spPr>
@@ -7213,7 +7672,7 @@
           </a:prstGeom>
         </p:spPr>
         <p:txBody>
-          <a:bodyPr anchorCtr="0" anchor="ctr" bIns="91425" lIns="91425" spcFirstLastPara="1" rIns="91425" wrap="square" tIns="91425">
+          <a:bodyPr spcFirstLastPara="1" wrap="square" lIns="91425" tIns="91425" rIns="91425" bIns="91425" anchor="ctr" anchorCtr="0">
             <a:normAutofit/>
           </a:bodyPr>
           <a:lstStyle>
@@ -7255,7 +7714,7 @@
             </a:lvl9pPr>
           </a:lstStyle>
           <a:p>
-            <a:pPr indent="0" lvl="0" marL="0" rtl="0" algn="r">
+            <a:pPr marL="0" lvl="0" indent="0" algn="r" rtl="0">
               <a:spcBef>
                 <a:spcPts val="0"/>
               </a:spcBef>
@@ -7281,18 +7740,19 @@
 </file>
 
 <file path=ppt/slideLayouts/slideLayout7.xml><?xml version="1.0" encoding="utf-8"?>
-<p:sldLayout xmlns:a="http://schemas.openxmlformats.org/drawingml/2006/main" xmlns:r="http://schemas.openxmlformats.org/officeDocument/2006/relationships" xmlns:mc="http://schemas.openxmlformats.org/markup-compatibility/2006" xmlns:mv="urn:schemas-microsoft-com:mac:vml" xmlns:p="http://schemas.openxmlformats.org/presentationml/2006/main" xmlns:c="http://schemas.openxmlformats.org/drawingml/2006/chart" xmlns:dgm="http://schemas.openxmlformats.org/drawingml/2006/diagram" xmlns:o="urn:schemas-microsoft-com:office:office" xmlns:v="urn:schemas-microsoft-com:vml" xmlns:pvml="urn:schemas-microsoft-com:office:powerpoint" xmlns:com="http://schemas.openxmlformats.org/drawingml/2006/compatibility" xmlns:p14="http://schemas.microsoft.com/office/powerpoint/2010/main" xmlns:p15="http://schemas.microsoft.com/office/powerpoint/2012/main" xmlns:ahyp="http://schemas.microsoft.com/office/drawing/2018/hyperlinkcolor" matchingName="Main point">
+<p:sldLayout xmlns:a="http://schemas.openxmlformats.org/drawingml/2006/main" xmlns:r="http://schemas.openxmlformats.org/officeDocument/2006/relationships" xmlns:p="http://schemas.openxmlformats.org/presentationml/2006/main" matchingName="Main point">
   <p:cSld name="MAIN_POINT">
     <p:bg>
       <p:bgPr>
         <a:solidFill>
           <a:schemeClr val="accent1"/>
         </a:solidFill>
+        <a:effectLst/>
       </p:bgPr>
     </p:bg>
     <p:spTree>
       <p:nvGrpSpPr>
-        <p:cNvPr id="77" name="Shape 77"/>
+        <p:cNvPr id="1" name="Shape 77"/>
         <p:cNvGrpSpPr/>
         <p:nvPr/>
       </p:nvGrpSpPr>
@@ -7326,23 +7786,20 @@
           </a:ln>
         </p:spPr>
         <p:txBody>
-          <a:bodyPr anchorCtr="0" anchor="ctr" bIns="91425" lIns="91425" spcFirstLastPara="1" rIns="91425" wrap="square" tIns="91425">
+          <a:bodyPr spcFirstLastPara="1" wrap="square" lIns="91425" tIns="91425" rIns="91425" bIns="91425" anchor="ctr" anchorCtr="0">
             <a:noAutofit/>
           </a:bodyPr>
           <a:lstStyle/>
           <a:p>
-            <a:pPr indent="0" lvl="0" marL="0" rtl="0" algn="l">
-              <a:spcBef>
-                <a:spcPts val="0"/>
-              </a:spcBef>
-              <a:spcAft>
-                <a:spcPts val="0"/>
-              </a:spcAft>
-              <a:buNone/>
-            </a:pPr>
-            <a:r>
-              <a:t/>
-            </a:r>
+            <a:pPr marL="0" lvl="0" indent="0" algn="l" rtl="0">
+              <a:spcBef>
+                <a:spcPts val="0"/>
+              </a:spcBef>
+              <a:spcAft>
+                <a:spcPts val="0"/>
+              </a:spcAft>
+              <a:buNone/>
+            </a:pPr>
             <a:endParaRPr/>
           </a:p>
         </p:txBody>
@@ -7369,23 +7826,20 @@
           </a:ln>
         </p:spPr>
         <p:txBody>
-          <a:bodyPr anchorCtr="0" anchor="ctr" bIns="91425" lIns="91425" spcFirstLastPara="1" rIns="91425" wrap="square" tIns="91425">
+          <a:bodyPr spcFirstLastPara="1" wrap="square" lIns="91425" tIns="91425" rIns="91425" bIns="91425" anchor="ctr" anchorCtr="0">
             <a:noAutofit/>
           </a:bodyPr>
           <a:lstStyle/>
           <a:p>
-            <a:pPr indent="0" lvl="0" marL="0" rtl="0" algn="l">
-              <a:spcBef>
-                <a:spcPts val="0"/>
-              </a:spcBef>
-              <a:spcAft>
-                <a:spcPts val="0"/>
-              </a:spcAft>
-              <a:buNone/>
-            </a:pPr>
-            <a:r>
-              <a:t/>
-            </a:r>
+            <a:pPr marL="0" lvl="0" indent="0" algn="l" rtl="0">
+              <a:spcBef>
+                <a:spcPts val="0"/>
+              </a:spcBef>
+              <a:spcAft>
+                <a:spcPts val="0"/>
+              </a:spcAft>
+              <a:buNone/>
+            </a:pPr>
             <a:endParaRPr/>
           </a:p>
         </p:txBody>
@@ -7417,7 +7871,7 @@
             </a:xfrm>
             <a:prstGeom prst="parallelogram">
               <a:avLst>
-                <a:gd fmla="val 153193" name="adj"/>
+                <a:gd name="adj" fmla="val 153193"/>
               </a:avLst>
             </a:prstGeom>
             <a:solidFill>
@@ -7428,12 +7882,12 @@
             </a:ln>
           </p:spPr>
           <p:txBody>
-            <a:bodyPr anchorCtr="0" anchor="ctr" bIns="91425" lIns="91425" spcFirstLastPara="1" rIns="91425" wrap="square" tIns="91425">
+            <a:bodyPr spcFirstLastPara="1" wrap="square" lIns="91425" tIns="91425" rIns="91425" bIns="91425" anchor="ctr" anchorCtr="0">
               <a:noAutofit/>
             </a:bodyPr>
             <a:lstStyle/>
             <a:p>
-              <a:pPr indent="0" lvl="0" marL="0" rtl="0" algn="l">
+              <a:pPr marL="0" lvl="0" indent="0" algn="l" rtl="0">
                 <a:spcBef>
                   <a:spcPts val="0"/>
                 </a:spcBef>
@@ -7442,9 +7896,6 @@
                 </a:spcAft>
                 <a:buNone/>
               </a:pPr>
-              <a:r>
-                <a:t/>
-              </a:r>
               <a:endParaRPr/>
             </a:p>
           </p:txBody>
@@ -7462,7 +7913,7 @@
             </a:xfrm>
             <a:prstGeom prst="parallelogram">
               <a:avLst>
-                <a:gd fmla="val 153193" name="adj"/>
+                <a:gd name="adj" fmla="val 153193"/>
               </a:avLst>
             </a:prstGeom>
             <a:solidFill>
@@ -7473,12 +7924,12 @@
             </a:ln>
           </p:spPr>
           <p:txBody>
-            <a:bodyPr anchorCtr="0" anchor="ctr" bIns="91425" lIns="91425" spcFirstLastPara="1" rIns="91425" wrap="square" tIns="91425">
+            <a:bodyPr spcFirstLastPara="1" wrap="square" lIns="91425" tIns="91425" rIns="91425" bIns="91425" anchor="ctr" anchorCtr="0">
               <a:noAutofit/>
             </a:bodyPr>
             <a:lstStyle/>
             <a:p>
-              <a:pPr indent="0" lvl="0" marL="0" rtl="0" algn="l">
+              <a:pPr marL="0" lvl="0" indent="0" algn="l" rtl="0">
                 <a:spcBef>
                   <a:spcPts val="0"/>
                 </a:spcBef>
@@ -7487,9 +7938,6 @@
                 </a:spcAft>
                 <a:buNone/>
               </a:pPr>
-              <a:r>
-                <a:t/>
-              </a:r>
               <a:endParaRPr/>
             </a:p>
           </p:txBody>
@@ -7507,7 +7955,7 @@
             </a:xfrm>
             <a:prstGeom prst="parallelogram">
               <a:avLst>
-                <a:gd fmla="val 153193" name="adj"/>
+                <a:gd name="adj" fmla="val 153193"/>
               </a:avLst>
             </a:prstGeom>
             <a:solidFill>
@@ -7518,12 +7966,12 @@
             </a:ln>
           </p:spPr>
           <p:txBody>
-            <a:bodyPr anchorCtr="0" anchor="ctr" bIns="91425" lIns="91425" spcFirstLastPara="1" rIns="91425" wrap="square" tIns="91425">
+            <a:bodyPr spcFirstLastPara="1" wrap="square" lIns="91425" tIns="91425" rIns="91425" bIns="91425" anchor="ctr" anchorCtr="0">
               <a:noAutofit/>
             </a:bodyPr>
             <a:lstStyle/>
             <a:p>
-              <a:pPr indent="0" lvl="0" marL="0" rtl="0" algn="l">
+              <a:pPr marL="0" lvl="0" indent="0" algn="l" rtl="0">
                 <a:spcBef>
                   <a:spcPts val="0"/>
                 </a:spcBef>
@@ -7532,9 +7980,6 @@
                 </a:spcAft>
                 <a:buNone/>
               </a:pPr>
-              <a:r>
-                <a:t/>
-              </a:r>
               <a:endParaRPr/>
             </a:p>
           </p:txBody>
@@ -7561,7 +8006,7 @@
             <a:noFill/>
           </a:ln>
           <a:effectLst>
-            <a:outerShdw blurRad="228600" sx="101000" rotWithShape="0" algn="ctr" sy="101000">
+            <a:outerShdw blurRad="228600" sx="101000" sy="101000" algn="ctr" rotWithShape="0">
               <a:srgbClr val="000000">
                 <a:alpha val="40000"/>
               </a:srgbClr>
@@ -7569,23 +8014,20 @@
           </a:effectLst>
         </p:spPr>
         <p:txBody>
-          <a:bodyPr anchorCtr="0" anchor="ctr" bIns="91425" lIns="91425" spcFirstLastPara="1" rIns="91425" wrap="square" tIns="91425">
+          <a:bodyPr spcFirstLastPara="1" wrap="square" lIns="91425" tIns="91425" rIns="91425" bIns="91425" anchor="ctr" anchorCtr="0">
             <a:noAutofit/>
           </a:bodyPr>
           <a:lstStyle/>
           <a:p>
-            <a:pPr indent="0" lvl="0" marL="0" rtl="0" algn="l">
-              <a:spcBef>
-                <a:spcPts val="0"/>
-              </a:spcBef>
-              <a:spcAft>
-                <a:spcPts val="0"/>
-              </a:spcAft>
-              <a:buNone/>
-            </a:pPr>
-            <a:r>
-              <a:t/>
-            </a:r>
+            <a:pPr marL="0" lvl="0" indent="0" algn="l" rtl="0">
+              <a:spcBef>
+                <a:spcPts val="0"/>
+              </a:spcBef>
+              <a:spcAft>
+                <a:spcPts val="0"/>
+              </a:spcAft>
+              <a:buNone/>
+            </a:pPr>
             <a:endParaRPr/>
           </a:p>
         </p:txBody>
@@ -7617,7 +8059,7 @@
             </a:xfrm>
             <a:prstGeom prst="parallelogram">
               <a:avLst>
-                <a:gd fmla="val 158024" name="adj"/>
+                <a:gd name="adj" fmla="val 158024"/>
               </a:avLst>
             </a:prstGeom>
             <a:solidFill>
@@ -7628,12 +8070,12 @@
             </a:ln>
           </p:spPr>
           <p:txBody>
-            <a:bodyPr anchorCtr="0" anchor="ctr" bIns="91425" lIns="91425" spcFirstLastPara="1" rIns="91425" wrap="square" tIns="91425">
+            <a:bodyPr spcFirstLastPara="1" wrap="square" lIns="91425" tIns="91425" rIns="91425" bIns="91425" anchor="ctr" anchorCtr="0">
               <a:noAutofit/>
             </a:bodyPr>
             <a:lstStyle/>
             <a:p>
-              <a:pPr indent="0" lvl="0" marL="0" rtl="0" algn="l">
+              <a:pPr marL="0" lvl="0" indent="0" algn="l" rtl="0">
                 <a:spcBef>
                   <a:spcPts val="0"/>
                 </a:spcBef>
@@ -7642,9 +8084,6 @@
                 </a:spcAft>
                 <a:buNone/>
               </a:pPr>
-              <a:r>
-                <a:t/>
-              </a:r>
               <a:endParaRPr/>
             </a:p>
           </p:txBody>
@@ -7662,7 +8101,7 @@
             </a:xfrm>
             <a:prstGeom prst="parallelogram">
               <a:avLst>
-                <a:gd fmla="val 158024" name="adj"/>
+                <a:gd name="adj" fmla="val 158024"/>
               </a:avLst>
             </a:prstGeom>
             <a:solidFill>
@@ -7673,12 +8112,12 @@
             </a:ln>
           </p:spPr>
           <p:txBody>
-            <a:bodyPr anchorCtr="0" anchor="ctr" bIns="91425" lIns="91425" spcFirstLastPara="1" rIns="91425" wrap="square" tIns="91425">
+            <a:bodyPr spcFirstLastPara="1" wrap="square" lIns="91425" tIns="91425" rIns="91425" bIns="91425" anchor="ctr" anchorCtr="0">
               <a:noAutofit/>
             </a:bodyPr>
             <a:lstStyle/>
             <a:p>
-              <a:pPr indent="0" lvl="0" marL="0" rtl="0" algn="l">
+              <a:pPr marL="0" lvl="0" indent="0" algn="l" rtl="0">
                 <a:spcBef>
                   <a:spcPts val="0"/>
                 </a:spcBef>
@@ -7687,9 +8126,6 @@
                 </a:spcAft>
                 <a:buNone/>
               </a:pPr>
-              <a:r>
-                <a:t/>
-              </a:r>
               <a:endParaRPr/>
             </a:p>
           </p:txBody>
@@ -7707,7 +8143,7 @@
             </a:xfrm>
             <a:prstGeom prst="parallelogram">
               <a:avLst>
-                <a:gd fmla="val 158024" name="adj"/>
+                <a:gd name="adj" fmla="val 158024"/>
               </a:avLst>
             </a:prstGeom>
             <a:solidFill>
@@ -7718,12 +8154,12 @@
             </a:ln>
           </p:spPr>
           <p:txBody>
-            <a:bodyPr anchorCtr="0" anchor="ctr" bIns="91425" lIns="91425" spcFirstLastPara="1" rIns="91425" wrap="square" tIns="91425">
+            <a:bodyPr spcFirstLastPara="1" wrap="square" lIns="91425" tIns="91425" rIns="91425" bIns="91425" anchor="ctr" anchorCtr="0">
               <a:noAutofit/>
             </a:bodyPr>
             <a:lstStyle/>
             <a:p>
-              <a:pPr indent="0" lvl="0" marL="0" rtl="0" algn="l">
+              <a:pPr marL="0" lvl="0" indent="0" algn="l" rtl="0">
                 <a:spcBef>
                   <a:spcPts val="0"/>
                 </a:spcBef>
@@ -7732,9 +8168,6 @@
                 </a:spcAft>
                 <a:buNone/>
               </a:pPr>
-              <a:r>
-                <a:t/>
-              </a:r>
               <a:endParaRPr/>
             </a:p>
           </p:txBody>
@@ -7767,7 +8200,7 @@
             </a:xfrm>
             <a:prstGeom prst="parallelogram">
               <a:avLst>
-                <a:gd fmla="val 158024" name="adj"/>
+                <a:gd name="adj" fmla="val 158024"/>
               </a:avLst>
             </a:prstGeom>
             <a:solidFill>
@@ -7778,12 +8211,12 @@
             </a:ln>
           </p:spPr>
           <p:txBody>
-            <a:bodyPr anchorCtr="0" anchor="ctr" bIns="91425" lIns="91425" spcFirstLastPara="1" rIns="91425" wrap="square" tIns="91425">
+            <a:bodyPr spcFirstLastPara="1" wrap="square" lIns="91425" tIns="91425" rIns="91425" bIns="91425" anchor="ctr" anchorCtr="0">
               <a:noAutofit/>
             </a:bodyPr>
             <a:lstStyle/>
             <a:p>
-              <a:pPr indent="0" lvl="0" marL="0" rtl="0" algn="l">
+              <a:pPr marL="0" lvl="0" indent="0" algn="l" rtl="0">
                 <a:spcBef>
                   <a:spcPts val="0"/>
                 </a:spcBef>
@@ -7792,9 +8225,6 @@
                 </a:spcAft>
                 <a:buNone/>
               </a:pPr>
-              <a:r>
-                <a:t/>
-              </a:r>
               <a:endParaRPr/>
             </a:p>
           </p:txBody>
@@ -7812,7 +8242,7 @@
             </a:xfrm>
             <a:prstGeom prst="parallelogram">
               <a:avLst>
-                <a:gd fmla="val 158024" name="adj"/>
+                <a:gd name="adj" fmla="val 158024"/>
               </a:avLst>
             </a:prstGeom>
             <a:solidFill>
@@ -7823,12 +8253,12 @@
             </a:ln>
           </p:spPr>
           <p:txBody>
-            <a:bodyPr anchorCtr="0" anchor="ctr" bIns="91425" lIns="91425" spcFirstLastPara="1" rIns="91425" wrap="square" tIns="91425">
+            <a:bodyPr spcFirstLastPara="1" wrap="square" lIns="91425" tIns="91425" rIns="91425" bIns="91425" anchor="ctr" anchorCtr="0">
               <a:noAutofit/>
             </a:bodyPr>
             <a:lstStyle/>
             <a:p>
-              <a:pPr indent="0" lvl="0" marL="0" rtl="0" algn="l">
+              <a:pPr marL="0" lvl="0" indent="0" algn="l" rtl="0">
                 <a:spcBef>
                   <a:spcPts val="0"/>
                 </a:spcBef>
@@ -7837,9 +8267,6 @@
                 </a:spcAft>
                 <a:buNone/>
               </a:pPr>
-              <a:r>
-                <a:t/>
-              </a:r>
               <a:endParaRPr/>
             </a:p>
           </p:txBody>
@@ -7857,7 +8284,7 @@
             </a:xfrm>
             <a:prstGeom prst="parallelogram">
               <a:avLst>
-                <a:gd fmla="val 158024" name="adj"/>
+                <a:gd name="adj" fmla="val 158024"/>
               </a:avLst>
             </a:prstGeom>
             <a:solidFill>
@@ -7868,12 +8295,12 @@
             </a:ln>
           </p:spPr>
           <p:txBody>
-            <a:bodyPr anchorCtr="0" anchor="ctr" bIns="91425" lIns="91425" spcFirstLastPara="1" rIns="91425" wrap="square" tIns="91425">
+            <a:bodyPr spcFirstLastPara="1" wrap="square" lIns="91425" tIns="91425" rIns="91425" bIns="91425" anchor="ctr" anchorCtr="0">
               <a:noAutofit/>
             </a:bodyPr>
             <a:lstStyle/>
             <a:p>
-              <a:pPr indent="0" lvl="0" marL="0" rtl="0" algn="l">
+              <a:pPr marL="0" lvl="0" indent="0" algn="l" rtl="0">
                 <a:spcBef>
                   <a:spcPts val="0"/>
                 </a:spcBef>
@@ -7882,9 +8309,6 @@
                 </a:spcAft>
                 <a:buNone/>
               </a:pPr>
-              <a:r>
-                <a:t/>
-              </a:r>
               <a:endParaRPr/>
             </a:p>
           </p:txBody>
@@ -7893,7 +8317,9 @@
       <p:sp>
         <p:nvSpPr>
           <p:cNvPr id="93" name="Google Shape;93;p8"/>
-          <p:cNvSpPr txBox="1"/>
+          <p:cNvSpPr txBox="1">
+            <a:spLocks noGrp="1"/>
+          </p:cNvSpPr>
           <p:nvPr>
             <p:ph type="title"/>
           </p:nvPr>
@@ -7908,7 +8334,7 @@
           </a:prstGeom>
         </p:spPr>
         <p:txBody>
-          <a:bodyPr anchorCtr="0" anchor="ctr" bIns="91425" lIns="91425" spcFirstLastPara="1" rIns="91425" wrap="square" tIns="91425">
+          <a:bodyPr spcFirstLastPara="1" wrap="square" lIns="91425" tIns="91425" rIns="91425" bIns="91425" anchor="ctr" anchorCtr="0">
             <a:normAutofit/>
           </a:bodyPr>
           <a:lstStyle>
@@ -8012,15 +8438,19 @@
               <a:defRPr sz="3200"/>
             </a:lvl9pPr>
           </a:lstStyle>
-          <a:p/>
+          <a:p>
+            <a:endParaRPr/>
+          </a:p>
         </p:txBody>
       </p:sp>
       <p:sp>
         <p:nvSpPr>
           <p:cNvPr id="94" name="Google Shape;94;p8"/>
-          <p:cNvSpPr txBox="1"/>
+          <p:cNvSpPr txBox="1">
+            <a:spLocks noGrp="1"/>
+          </p:cNvSpPr>
           <p:nvPr>
-            <p:ph idx="12" type="sldNum"/>
+            <p:ph type="sldNum" idx="12"/>
           </p:nvPr>
         </p:nvSpPr>
         <p:spPr>
@@ -8033,7 +8463,7 @@
           </a:prstGeom>
         </p:spPr>
         <p:txBody>
-          <a:bodyPr anchorCtr="0" anchor="ctr" bIns="91425" lIns="91425" spcFirstLastPara="1" rIns="91425" wrap="square" tIns="91425">
+          <a:bodyPr spcFirstLastPara="1" wrap="square" lIns="91425" tIns="91425" rIns="91425" bIns="91425" anchor="ctr" anchorCtr="0">
             <a:normAutofit/>
           </a:bodyPr>
           <a:lstStyle>
@@ -8075,7 +8505,7 @@
             </a:lvl9pPr>
           </a:lstStyle>
           <a:p>
-            <a:pPr indent="0" lvl="0" marL="0" rtl="0" algn="r">
+            <a:pPr marL="0" lvl="0" indent="0" algn="r" rtl="0">
               <a:spcBef>
                 <a:spcPts val="0"/>
               </a:spcBef>
@@ -8101,18 +8531,19 @@
 </file>
 
 <file path=ppt/slideLayouts/slideLayout8.xml><?xml version="1.0" encoding="utf-8"?>
-<p:sldLayout xmlns:a="http://schemas.openxmlformats.org/drawingml/2006/main" xmlns:r="http://schemas.openxmlformats.org/officeDocument/2006/relationships" xmlns:mc="http://schemas.openxmlformats.org/markup-compatibility/2006" xmlns:mv="urn:schemas-microsoft-com:mac:vml" xmlns:p="http://schemas.openxmlformats.org/presentationml/2006/main" xmlns:c="http://schemas.openxmlformats.org/drawingml/2006/chart" xmlns:dgm="http://schemas.openxmlformats.org/drawingml/2006/diagram" xmlns:o="urn:schemas-microsoft-com:office:office" xmlns:v="urn:schemas-microsoft-com:vml" xmlns:pvml="urn:schemas-microsoft-com:office:powerpoint" xmlns:com="http://schemas.openxmlformats.org/drawingml/2006/compatibility" xmlns:p14="http://schemas.microsoft.com/office/powerpoint/2010/main" xmlns:p15="http://schemas.microsoft.com/office/powerpoint/2012/main" xmlns:ahyp="http://schemas.microsoft.com/office/drawing/2018/hyperlinkcolor" matchingName="Section title and description">
+<p:sldLayout xmlns:a="http://schemas.openxmlformats.org/drawingml/2006/main" xmlns:r="http://schemas.openxmlformats.org/officeDocument/2006/relationships" xmlns:p="http://schemas.openxmlformats.org/presentationml/2006/main" matchingName="Section title and description">
   <p:cSld name="SECTION_TITLE_AND_DESCRIPTION">
     <p:bg>
       <p:bgPr>
         <a:solidFill>
           <a:schemeClr val="dk2"/>
         </a:solidFill>
+        <a:effectLst/>
       </p:bgPr>
     </p:bg>
     <p:spTree>
       <p:nvGrpSpPr>
-        <p:cNvPr id="95" name="Shape 95"/>
+        <p:cNvPr id="1" name="Shape 95"/>
         <p:cNvGrpSpPr/>
         <p:nvPr/>
       </p:nvGrpSpPr>
@@ -8146,23 +8577,20 @@
           </a:ln>
         </p:spPr>
         <p:txBody>
-          <a:bodyPr anchorCtr="0" anchor="ctr" bIns="91425" lIns="91425" spcFirstLastPara="1" rIns="91425" wrap="square" tIns="91425">
+          <a:bodyPr spcFirstLastPara="1" wrap="square" lIns="91425" tIns="91425" rIns="91425" bIns="91425" anchor="ctr" anchorCtr="0">
             <a:noAutofit/>
           </a:bodyPr>
           <a:lstStyle/>
           <a:p>
-            <a:pPr indent="0" lvl="0" marL="0" rtl="0" algn="l">
-              <a:spcBef>
-                <a:spcPts val="0"/>
-              </a:spcBef>
-              <a:spcAft>
-                <a:spcPts val="0"/>
-              </a:spcAft>
-              <a:buNone/>
-            </a:pPr>
-            <a:r>
-              <a:t/>
-            </a:r>
+            <a:pPr marL="0" lvl="0" indent="0" algn="l" rtl="0">
+              <a:spcBef>
+                <a:spcPts val="0"/>
+              </a:spcBef>
+              <a:spcAft>
+                <a:spcPts val="0"/>
+              </a:spcAft>
+              <a:buNone/>
+            </a:pPr>
             <a:endParaRPr/>
           </a:p>
         </p:txBody>
@@ -8189,23 +8617,20 @@
           </a:ln>
         </p:spPr>
         <p:txBody>
-          <a:bodyPr anchorCtr="0" anchor="ctr" bIns="91425" lIns="91425" spcFirstLastPara="1" rIns="91425" wrap="square" tIns="91425">
+          <a:bodyPr spcFirstLastPara="1" wrap="square" lIns="91425" tIns="91425" rIns="91425" bIns="91425" anchor="ctr" anchorCtr="0">
             <a:noAutofit/>
           </a:bodyPr>
           <a:lstStyle/>
           <a:p>
-            <a:pPr indent="0" lvl="0" marL="0" rtl="0" algn="l">
-              <a:spcBef>
-                <a:spcPts val="0"/>
-              </a:spcBef>
-              <a:spcAft>
-                <a:spcPts val="0"/>
-              </a:spcAft>
-              <a:buNone/>
-            </a:pPr>
-            <a:r>
-              <a:t/>
-            </a:r>
+            <a:pPr marL="0" lvl="0" indent="0" algn="l" rtl="0">
+              <a:spcBef>
+                <a:spcPts val="0"/>
+              </a:spcBef>
+              <a:spcAft>
+                <a:spcPts val="0"/>
+              </a:spcAft>
+              <a:buNone/>
+            </a:pPr>
             <a:endParaRPr/>
           </a:p>
         </p:txBody>
@@ -8231,7 +8656,7 @@
             <a:noFill/>
           </a:ln>
           <a:effectLst>
-            <a:outerShdw blurRad="228600" sx="101000" rotWithShape="0" algn="ctr" sy="101000">
+            <a:outerShdw blurRad="228600" sx="101000" sy="101000" algn="ctr" rotWithShape="0">
               <a:srgbClr val="000000">
                 <a:alpha val="40000"/>
               </a:srgbClr>
@@ -8239,23 +8664,20 @@
           </a:effectLst>
         </p:spPr>
         <p:txBody>
-          <a:bodyPr anchorCtr="0" anchor="ctr" bIns="91425" lIns="91425" spcFirstLastPara="1" rIns="91425" wrap="square" tIns="91425">
+          <a:bodyPr spcFirstLastPara="1" wrap="square" lIns="91425" tIns="91425" rIns="91425" bIns="91425" anchor="ctr" anchorCtr="0">
             <a:noAutofit/>
           </a:bodyPr>
           <a:lstStyle/>
           <a:p>
-            <a:pPr indent="0" lvl="0" marL="0" rtl="0" algn="l">
-              <a:spcBef>
-                <a:spcPts val="0"/>
-              </a:spcBef>
-              <a:spcAft>
-                <a:spcPts val="0"/>
-              </a:spcAft>
-              <a:buNone/>
-            </a:pPr>
-            <a:r>
-              <a:t/>
-            </a:r>
+            <a:pPr marL="0" lvl="0" indent="0" algn="l" rtl="0">
+              <a:spcBef>
+                <a:spcPts val="0"/>
+              </a:spcBef>
+              <a:spcAft>
+                <a:spcPts val="0"/>
+              </a:spcAft>
+              <a:buNone/>
+            </a:pPr>
             <a:endParaRPr/>
           </a:p>
         </p:txBody>
@@ -8263,7 +8685,9 @@
       <p:sp>
         <p:nvSpPr>
           <p:cNvPr id="99" name="Google Shape;99;p9"/>
-          <p:cNvSpPr txBox="1"/>
+          <p:cNvSpPr txBox="1">
+            <a:spLocks noGrp="1"/>
+          </p:cNvSpPr>
           <p:nvPr>
             <p:ph type="title"/>
           </p:nvPr>
@@ -8278,7 +8702,7 @@
           </a:prstGeom>
         </p:spPr>
         <p:txBody>
-          <a:bodyPr anchorCtr="0" anchor="t" bIns="91425" lIns="91425" spcFirstLastPara="1" rIns="91425" wrap="square" tIns="91425">
+          <a:bodyPr spcFirstLastPara="1" wrap="square" lIns="91425" tIns="91425" rIns="91425" bIns="91425" anchor="t" anchorCtr="0">
             <a:normAutofit/>
           </a:bodyPr>
           <a:lstStyle>
@@ -8382,15 +8806,19 @@
               <a:defRPr sz="3000"/>
             </a:lvl9pPr>
           </a:lstStyle>
-          <a:p/>
+          <a:p>
+            <a:endParaRPr/>
+          </a:p>
         </p:txBody>
       </p:sp>
       <p:sp>
         <p:nvSpPr>
           <p:cNvPr id="100" name="Google Shape;100;p9"/>
-          <p:cNvSpPr txBox="1"/>
+          <p:cNvSpPr txBox="1">
+            <a:spLocks noGrp="1"/>
+          </p:cNvSpPr>
           <p:nvPr>
-            <p:ph idx="1" type="subTitle"/>
+            <p:ph type="subTitle" idx="1"/>
           </p:nvPr>
         </p:nvSpPr>
         <p:spPr>
@@ -8403,7 +8831,7 @@
           </a:prstGeom>
         </p:spPr>
         <p:txBody>
-          <a:bodyPr anchorCtr="0" anchor="t" bIns="91425" lIns="91425" spcFirstLastPara="1" rIns="91425" wrap="square" tIns="91425">
+          <a:bodyPr spcFirstLastPara="1" wrap="square" lIns="91425" tIns="91425" rIns="91425" bIns="91425" anchor="t" anchorCtr="0">
             <a:normAutofit/>
           </a:bodyPr>
           <a:lstStyle>
@@ -8597,15 +9025,19 @@
               </a:defRPr>
             </a:lvl9pPr>
           </a:lstStyle>
-          <a:p/>
+          <a:p>
+            <a:endParaRPr/>
+          </a:p>
         </p:txBody>
       </p:sp>
       <p:sp>
         <p:nvSpPr>
           <p:cNvPr id="101" name="Google Shape;101;p9"/>
-          <p:cNvSpPr txBox="1"/>
+          <p:cNvSpPr txBox="1">
+            <a:spLocks noGrp="1"/>
+          </p:cNvSpPr>
           <p:nvPr>
-            <p:ph idx="2" type="body"/>
+            <p:ph type="body" idx="2"/>
           </p:nvPr>
         </p:nvSpPr>
         <p:spPr>
@@ -8618,11 +9050,11 @@
           </a:prstGeom>
         </p:spPr>
         <p:txBody>
-          <a:bodyPr anchorCtr="0" anchor="t" bIns="91425" lIns="91425" spcFirstLastPara="1" rIns="91425" wrap="square" tIns="91425">
+          <a:bodyPr spcFirstLastPara="1" wrap="square" lIns="91425" tIns="91425" rIns="91425" bIns="91425" anchor="t" anchorCtr="0">
             <a:normAutofit/>
           </a:bodyPr>
           <a:lstStyle>
-            <a:lvl1pPr indent="-311150" lvl="0" marL="457200">
+            <a:lvl1pPr marL="457200" lvl="0" indent="-311150">
               <a:spcBef>
                 <a:spcPts val="0"/>
               </a:spcBef>
@@ -8633,7 +9065,7 @@
               <a:buChar char="●"/>
               <a:defRPr/>
             </a:lvl1pPr>
-            <a:lvl2pPr indent="-298450" lvl="1" marL="914400">
+            <a:lvl2pPr marL="914400" lvl="1" indent="-298450">
               <a:spcBef>
                 <a:spcPts val="0"/>
               </a:spcBef>
@@ -8644,7 +9076,7 @@
               <a:buChar char="○"/>
               <a:defRPr/>
             </a:lvl2pPr>
-            <a:lvl3pPr indent="-298450" lvl="2" marL="1371600">
+            <a:lvl3pPr marL="1371600" lvl="2" indent="-298450">
               <a:spcBef>
                 <a:spcPts val="0"/>
               </a:spcBef>
@@ -8655,7 +9087,7 @@
               <a:buChar char="■"/>
               <a:defRPr/>
             </a:lvl3pPr>
-            <a:lvl4pPr indent="-298450" lvl="3" marL="1828800">
+            <a:lvl4pPr marL="1828800" lvl="3" indent="-298450">
               <a:spcBef>
                 <a:spcPts val="0"/>
               </a:spcBef>
@@ -8666,7 +9098,7 @@
               <a:buChar char="●"/>
               <a:defRPr/>
             </a:lvl4pPr>
-            <a:lvl5pPr indent="-298450" lvl="4" marL="2286000">
+            <a:lvl5pPr marL="2286000" lvl="4" indent="-298450">
               <a:spcBef>
                 <a:spcPts val="0"/>
               </a:spcBef>
@@ -8677,7 +9109,7 @@
               <a:buChar char="○"/>
               <a:defRPr/>
             </a:lvl5pPr>
-            <a:lvl6pPr indent="-298450" lvl="5" marL="2743200">
+            <a:lvl6pPr marL="2743200" lvl="5" indent="-298450">
               <a:spcBef>
                 <a:spcPts val="0"/>
               </a:spcBef>
@@ -8688,7 +9120,7 @@
               <a:buChar char="■"/>
               <a:defRPr/>
             </a:lvl6pPr>
-            <a:lvl7pPr indent="-298450" lvl="6" marL="3200400">
+            <a:lvl7pPr marL="3200400" lvl="6" indent="-298450">
               <a:spcBef>
                 <a:spcPts val="0"/>
               </a:spcBef>
@@ -8699,7 +9131,7 @@
               <a:buChar char="●"/>
               <a:defRPr/>
             </a:lvl7pPr>
-            <a:lvl8pPr indent="-298450" lvl="7" marL="3657600">
+            <a:lvl8pPr marL="3657600" lvl="7" indent="-298450">
               <a:spcBef>
                 <a:spcPts val="0"/>
               </a:spcBef>
@@ -8710,7 +9142,7 @@
               <a:buChar char="○"/>
               <a:defRPr/>
             </a:lvl8pPr>
-            <a:lvl9pPr indent="-298450" lvl="8" marL="4114800">
+            <a:lvl9pPr marL="4114800" lvl="8" indent="-298450">
               <a:spcBef>
                 <a:spcPts val="0"/>
               </a:spcBef>
@@ -8722,15 +9154,19 @@
               <a:defRPr/>
             </a:lvl9pPr>
           </a:lstStyle>
-          <a:p/>
+          <a:p>
+            <a:endParaRPr/>
+          </a:p>
         </p:txBody>
       </p:sp>
       <p:sp>
         <p:nvSpPr>
           <p:cNvPr id="102" name="Google Shape;102;p9"/>
-          <p:cNvSpPr txBox="1"/>
+          <p:cNvSpPr txBox="1">
+            <a:spLocks noGrp="1"/>
+          </p:cNvSpPr>
           <p:nvPr>
-            <p:ph idx="12" type="sldNum"/>
+            <p:ph type="sldNum" idx="12"/>
           </p:nvPr>
         </p:nvSpPr>
         <p:spPr>
@@ -8743,7 +9179,7 @@
           </a:prstGeom>
         </p:spPr>
         <p:txBody>
-          <a:bodyPr anchorCtr="0" anchor="ctr" bIns="91425" lIns="91425" spcFirstLastPara="1" rIns="91425" wrap="square" tIns="91425">
+          <a:bodyPr spcFirstLastPara="1" wrap="square" lIns="91425" tIns="91425" rIns="91425" bIns="91425" anchor="ctr" anchorCtr="0">
             <a:normAutofit/>
           </a:bodyPr>
           <a:lstStyle>
@@ -8785,7 +9221,7 @@
             </a:lvl9pPr>
           </a:lstStyle>
           <a:p>
-            <a:pPr indent="0" lvl="0" marL="0" rtl="0" algn="r">
+            <a:pPr marL="0" lvl="0" indent="0" algn="r" rtl="0">
               <a:spcBef>
                 <a:spcPts val="0"/>
               </a:spcBef>
@@ -8811,18 +9247,19 @@
 </file>
 
 <file path=ppt/slideLayouts/slideLayout9.xml><?xml version="1.0" encoding="utf-8"?>
-<p:sldLayout xmlns:a="http://schemas.openxmlformats.org/drawingml/2006/main" xmlns:r="http://schemas.openxmlformats.org/officeDocument/2006/relationships" xmlns:mc="http://schemas.openxmlformats.org/markup-compatibility/2006" xmlns:mv="urn:schemas-microsoft-com:mac:vml" xmlns:p="http://schemas.openxmlformats.org/presentationml/2006/main" xmlns:c="http://schemas.openxmlformats.org/drawingml/2006/chart" xmlns:dgm="http://schemas.openxmlformats.org/drawingml/2006/diagram" xmlns:o="urn:schemas-microsoft-com:office:office" xmlns:v="urn:schemas-microsoft-com:vml" xmlns:pvml="urn:schemas-microsoft-com:office:powerpoint" xmlns:com="http://schemas.openxmlformats.org/drawingml/2006/compatibility" xmlns:p14="http://schemas.microsoft.com/office/powerpoint/2010/main" xmlns:p15="http://schemas.microsoft.com/office/powerpoint/2012/main" xmlns:ahyp="http://schemas.microsoft.com/office/drawing/2018/hyperlinkcolor" matchingName="Caption">
+<p:sldLayout xmlns:a="http://schemas.openxmlformats.org/drawingml/2006/main" xmlns:r="http://schemas.openxmlformats.org/officeDocument/2006/relationships" xmlns:p="http://schemas.openxmlformats.org/presentationml/2006/main" matchingName="Caption">
   <p:cSld name="CAPTION_ONLY">
     <p:bg>
       <p:bgPr>
         <a:solidFill>
           <a:schemeClr val="accent1"/>
         </a:solidFill>
+        <a:effectLst/>
       </p:bgPr>
     </p:bg>
     <p:spTree>
       <p:nvGrpSpPr>
-        <p:cNvPr id="103" name="Shape 103"/>
+        <p:cNvPr id="1" name="Shape 103"/>
         <p:cNvGrpSpPr/>
         <p:nvPr/>
       </p:nvGrpSpPr>
@@ -8856,23 +9293,20 @@
           </a:ln>
         </p:spPr>
         <p:txBody>
-          <a:bodyPr anchorCtr="0" anchor="ctr" bIns="91425" lIns="91425" spcFirstLastPara="1" rIns="91425" wrap="square" tIns="91425">
+          <a:bodyPr spcFirstLastPara="1" wrap="square" lIns="91425" tIns="91425" rIns="91425" bIns="91425" anchor="ctr" anchorCtr="0">
             <a:noAutofit/>
           </a:bodyPr>
           <a:lstStyle/>
           <a:p>
-            <a:pPr indent="0" lvl="0" marL="0" rtl="0" algn="l">
-              <a:spcBef>
-                <a:spcPts val="0"/>
-              </a:spcBef>
-              <a:spcAft>
-                <a:spcPts val="0"/>
-              </a:spcAft>
-              <a:buNone/>
-            </a:pPr>
-            <a:r>
-              <a:t/>
-            </a:r>
+            <a:pPr marL="0" lvl="0" indent="0" algn="l" rtl="0">
+              <a:spcBef>
+                <a:spcPts val="0"/>
+              </a:spcBef>
+              <a:spcAft>
+                <a:spcPts val="0"/>
+              </a:spcAft>
+              <a:buNone/>
+            </a:pPr>
             <a:endParaRPr/>
           </a:p>
         </p:txBody>
@@ -8899,23 +9333,20 @@
           </a:ln>
         </p:spPr>
         <p:txBody>
-          <a:bodyPr anchorCtr="0" anchor="ctr" bIns="91425" lIns="91425" spcFirstLastPara="1" rIns="91425" wrap="square" tIns="91425">
+          <a:bodyPr spcFirstLastPara="1" wrap="square" lIns="91425" tIns="91425" rIns="91425" bIns="91425" anchor="ctr" anchorCtr="0">
             <a:noAutofit/>
           </a:bodyPr>
           <a:lstStyle/>
           <a:p>
-            <a:pPr indent="0" lvl="0" marL="0" rtl="0" algn="l">
-              <a:spcBef>
-                <a:spcPts val="0"/>
-              </a:spcBef>
-              <a:spcAft>
-                <a:spcPts val="0"/>
-              </a:spcAft>
-              <a:buNone/>
-            </a:pPr>
-            <a:r>
-              <a:t/>
-            </a:r>
+            <a:pPr marL="0" lvl="0" indent="0" algn="l" rtl="0">
+              <a:spcBef>
+                <a:spcPts val="0"/>
+              </a:spcBef>
+              <a:spcAft>
+                <a:spcPts val="0"/>
+              </a:spcAft>
+              <a:buNone/>
+            </a:pPr>
             <a:endParaRPr/>
           </a:p>
         </p:txBody>
@@ -8941,7 +9372,7 @@
             <a:noFill/>
           </a:ln>
           <a:effectLst>
-            <a:outerShdw blurRad="228600" sx="101000" rotWithShape="0" algn="ctr" sy="101000">
+            <a:outerShdw blurRad="228600" sx="101000" sy="101000" algn="ctr" rotWithShape="0">
               <a:srgbClr val="000000">
                 <a:alpha val="40000"/>
               </a:srgbClr>
@@ -8949,23 +9380,20 @@
           </a:effectLst>
         </p:spPr>
         <p:txBody>
-          <a:bodyPr anchorCtr="0" anchor="ctr" bIns="91425" lIns="91425" spcFirstLastPara="1" rIns="91425" wrap="square" tIns="91425">
+          <a:bodyPr spcFirstLastPara="1" wrap="square" lIns="91425" tIns="91425" rIns="91425" bIns="91425" anchor="ctr" anchorCtr="0">
             <a:noAutofit/>
           </a:bodyPr>
           <a:lstStyle/>
           <a:p>
-            <a:pPr indent="0" lvl="0" marL="0" rtl="0" algn="l">
-              <a:spcBef>
-                <a:spcPts val="0"/>
-              </a:spcBef>
-              <a:spcAft>
-                <a:spcPts val="0"/>
-              </a:spcAft>
-              <a:buNone/>
-            </a:pPr>
-            <a:r>
-              <a:t/>
-            </a:r>
+            <a:pPr marL="0" lvl="0" indent="0" algn="l" rtl="0">
+              <a:spcBef>
+                <a:spcPts val="0"/>
+              </a:spcBef>
+              <a:spcAft>
+                <a:spcPts val="0"/>
+              </a:spcAft>
+              <a:buNone/>
+            </a:pPr>
             <a:endParaRPr/>
           </a:p>
         </p:txBody>
@@ -8973,9 +9401,11 @@
       <p:sp>
         <p:nvSpPr>
           <p:cNvPr id="107" name="Google Shape;107;p10"/>
-          <p:cNvSpPr txBox="1"/>
+          <p:cNvSpPr txBox="1">
+            <a:spLocks noGrp="1"/>
+          </p:cNvSpPr>
           <p:nvPr>
-            <p:ph idx="1" type="body"/>
+            <p:ph type="body" idx="1"/>
           </p:nvPr>
         </p:nvSpPr>
         <p:spPr>
@@ -8988,11 +9418,11 @@
           </a:prstGeom>
         </p:spPr>
         <p:txBody>
-          <a:bodyPr anchorCtr="0" anchor="b" bIns="91425" lIns="91425" spcFirstLastPara="1" rIns="91425" wrap="square" tIns="91425">
+          <a:bodyPr spcFirstLastPara="1" wrap="square" lIns="91425" tIns="91425" rIns="91425" bIns="91425" anchor="b" anchorCtr="0">
             <a:normAutofit/>
           </a:bodyPr>
           <a:lstStyle>
-            <a:lvl1pPr indent="-228600" lvl="0" marL="457200">
+            <a:lvl1pPr marL="457200" lvl="0" indent="-228600">
               <a:lnSpc>
                 <a:spcPct val="100000"/>
               </a:lnSpc>
@@ -9007,15 +9437,19 @@
               <a:defRPr/>
             </a:lvl1pPr>
           </a:lstStyle>
-          <a:p/>
+          <a:p>
+            <a:endParaRPr/>
+          </a:p>
         </p:txBody>
       </p:sp>
       <p:sp>
         <p:nvSpPr>
           <p:cNvPr id="108" name="Google Shape;108;p10"/>
-          <p:cNvSpPr txBox="1"/>
+          <p:cNvSpPr txBox="1">
+            <a:spLocks noGrp="1"/>
+          </p:cNvSpPr>
           <p:nvPr>
-            <p:ph idx="12" type="sldNum"/>
+            <p:ph type="sldNum" idx="12"/>
           </p:nvPr>
         </p:nvSpPr>
         <p:spPr>
@@ -9028,7 +9462,7 @@
           </a:prstGeom>
         </p:spPr>
         <p:txBody>
-          <a:bodyPr anchorCtr="0" anchor="ctr" bIns="91425" lIns="91425" spcFirstLastPara="1" rIns="91425" wrap="square" tIns="91425">
+          <a:bodyPr spcFirstLastPara="1" wrap="square" lIns="91425" tIns="91425" rIns="91425" bIns="91425" anchor="ctr" anchorCtr="0">
             <a:normAutofit/>
           </a:bodyPr>
           <a:lstStyle>
@@ -9070,7 +9504,7 @@
             </a:lvl9pPr>
           </a:lstStyle>
           <a:p>
-            <a:pPr indent="0" lvl="0" marL="0" rtl="0" algn="r">
+            <a:pPr marL="0" lvl="0" indent="0" algn="r" rtl="0">
               <a:spcBef>
                 <a:spcPts val="0"/>
               </a:spcBef>
@@ -9096,18 +9530,19 @@
 </file>
 
 <file path=ppt/slideMasters/slideMaster1.xml><?xml version="1.0" encoding="utf-8"?>
-<p:sldMaster xmlns:a="http://schemas.openxmlformats.org/drawingml/2006/main" xmlns:r="http://schemas.openxmlformats.org/officeDocument/2006/relationships" xmlns:mc="http://schemas.openxmlformats.org/markup-compatibility/2006" xmlns:mv="urn:schemas-microsoft-com:mac:vml" xmlns:p="http://schemas.openxmlformats.org/presentationml/2006/main" xmlns:c="http://schemas.openxmlformats.org/drawingml/2006/chart" xmlns:dgm="http://schemas.openxmlformats.org/drawingml/2006/diagram" xmlns:o="urn:schemas-microsoft-com:office:office" xmlns:v="urn:schemas-microsoft-com:vml" xmlns:pvml="urn:schemas-microsoft-com:office:powerpoint" xmlns:com="http://schemas.openxmlformats.org/drawingml/2006/compatibility" xmlns:p14="http://schemas.microsoft.com/office/powerpoint/2010/main" xmlns:p15="http://schemas.microsoft.com/office/powerpoint/2012/main" xmlns:ahyp="http://schemas.microsoft.com/office/drawing/2018/hyperlinkcolor">
+<p:sldMaster xmlns:a="http://schemas.openxmlformats.org/drawingml/2006/main" xmlns:r="http://schemas.openxmlformats.org/officeDocument/2006/relationships" xmlns:p="http://schemas.openxmlformats.org/presentationml/2006/main">
   <p:cSld name="shift">
     <p:bg>
       <p:bgPr>
         <a:solidFill>
           <a:schemeClr val="dk1"/>
         </a:solidFill>
+        <a:effectLst/>
       </p:bgPr>
     </p:bg>
     <p:spTree>
       <p:nvGrpSpPr>
-        <p:cNvPr id="5" name="Shape 5"/>
+        <p:cNvPr id="1" name="Shape 5"/>
         <p:cNvGrpSpPr/>
         <p:nvPr/>
       </p:nvGrpSpPr>
@@ -9122,7 +9557,9 @@
       <p:sp>
         <p:nvSpPr>
           <p:cNvPr id="6" name="Google Shape;6;p1"/>
-          <p:cNvSpPr txBox="1"/>
+          <p:cNvSpPr txBox="1">
+            <a:spLocks noGrp="1"/>
+          </p:cNvSpPr>
           <p:nvPr>
             <p:ph type="title"/>
           </p:nvPr>
@@ -9141,7 +9578,7 @@
           </a:ln>
         </p:spPr>
         <p:txBody>
-          <a:bodyPr anchorCtr="0" anchor="t" bIns="91425" lIns="91425" spcFirstLastPara="1" rIns="91425" wrap="square" tIns="91425">
+          <a:bodyPr spcFirstLastPara="1" wrap="square" lIns="91425" tIns="91425" rIns="91425" bIns="91425" anchor="t" anchorCtr="0">
             <a:normAutofit/>
           </a:bodyPr>
           <a:lstStyle>
@@ -9353,15 +9790,19 @@
               </a:defRPr>
             </a:lvl9pPr>
           </a:lstStyle>
-          <a:p/>
+          <a:p>
+            <a:endParaRPr/>
+          </a:p>
         </p:txBody>
       </p:sp>
       <p:sp>
         <p:nvSpPr>
           <p:cNvPr id="7" name="Google Shape;7;p1"/>
-          <p:cNvSpPr txBox="1"/>
+          <p:cNvSpPr txBox="1">
+            <a:spLocks noGrp="1"/>
+          </p:cNvSpPr>
           <p:nvPr>
-            <p:ph idx="1" type="body"/>
+            <p:ph type="body" idx="1"/>
           </p:nvPr>
         </p:nvSpPr>
         <p:spPr>
@@ -9378,11 +9819,11 @@
           </a:ln>
         </p:spPr>
         <p:txBody>
-          <a:bodyPr anchorCtr="0" anchor="t" bIns="91425" lIns="91425" spcFirstLastPara="1" rIns="91425" wrap="square" tIns="91425">
+          <a:bodyPr spcFirstLastPara="1" wrap="square" lIns="91425" tIns="91425" rIns="91425" bIns="91425" anchor="t" anchorCtr="0">
             <a:normAutofit/>
           </a:bodyPr>
           <a:lstStyle>
-            <a:lvl1pPr indent="-311150" lvl="0" marL="457200">
+            <a:lvl1pPr marL="457200" lvl="0" indent="-311150">
               <a:lnSpc>
                 <a:spcPct val="115000"/>
               </a:lnSpc>
@@ -9408,7 +9849,7 @@
                 <a:sym typeface="Calibri"/>
               </a:defRPr>
             </a:lvl1pPr>
-            <a:lvl2pPr indent="-298450" lvl="1" marL="914400">
+            <a:lvl2pPr marL="914400" lvl="1" indent="-298450">
               <a:lnSpc>
                 <a:spcPct val="115000"/>
               </a:lnSpc>
@@ -9434,7 +9875,7 @@
                 <a:sym typeface="Calibri"/>
               </a:defRPr>
             </a:lvl2pPr>
-            <a:lvl3pPr indent="-298450" lvl="2" marL="1371600">
+            <a:lvl3pPr marL="1371600" lvl="2" indent="-298450">
               <a:lnSpc>
                 <a:spcPct val="115000"/>
               </a:lnSpc>
@@ -9460,7 +9901,7 @@
                 <a:sym typeface="Calibri"/>
               </a:defRPr>
             </a:lvl3pPr>
-            <a:lvl4pPr indent="-298450" lvl="3" marL="1828800">
+            <a:lvl4pPr marL="1828800" lvl="3" indent="-298450">
               <a:lnSpc>
                 <a:spcPct val="115000"/>
               </a:lnSpc>
@@ -9486,7 +9927,7 @@
                 <a:sym typeface="Calibri"/>
               </a:defRPr>
             </a:lvl4pPr>
-            <a:lvl5pPr indent="-298450" lvl="4" marL="2286000">
+            <a:lvl5pPr marL="2286000" lvl="4" indent="-298450">
               <a:lnSpc>
                 <a:spcPct val="115000"/>
               </a:lnSpc>
@@ -9512,7 +9953,7 @@
                 <a:sym typeface="Calibri"/>
               </a:defRPr>
             </a:lvl5pPr>
-            <a:lvl6pPr indent="-298450" lvl="5" marL="2743200">
+            <a:lvl6pPr marL="2743200" lvl="5" indent="-298450">
               <a:lnSpc>
                 <a:spcPct val="115000"/>
               </a:lnSpc>
@@ -9538,7 +9979,7 @@
                 <a:sym typeface="Calibri"/>
               </a:defRPr>
             </a:lvl6pPr>
-            <a:lvl7pPr indent="-298450" lvl="6" marL="3200400">
+            <a:lvl7pPr marL="3200400" lvl="6" indent="-298450">
               <a:lnSpc>
                 <a:spcPct val="115000"/>
               </a:lnSpc>
@@ -9564,7 +10005,7 @@
                 <a:sym typeface="Calibri"/>
               </a:defRPr>
             </a:lvl7pPr>
-            <a:lvl8pPr indent="-298450" lvl="7" marL="3657600">
+            <a:lvl8pPr marL="3657600" lvl="7" indent="-298450">
               <a:lnSpc>
                 <a:spcPct val="115000"/>
               </a:lnSpc>
@@ -9590,7 +10031,7 @@
                 <a:sym typeface="Calibri"/>
               </a:defRPr>
             </a:lvl8pPr>
-            <a:lvl9pPr indent="-298450" lvl="8" marL="4114800">
+            <a:lvl9pPr marL="4114800" lvl="8" indent="-298450">
               <a:lnSpc>
                 <a:spcPct val="115000"/>
               </a:lnSpc>
@@ -9617,15 +10058,19 @@
               </a:defRPr>
             </a:lvl9pPr>
           </a:lstStyle>
-          <a:p/>
+          <a:p>
+            <a:endParaRPr/>
+          </a:p>
         </p:txBody>
       </p:sp>
       <p:sp>
         <p:nvSpPr>
           <p:cNvPr id="8" name="Google Shape;8;p1"/>
-          <p:cNvSpPr txBox="1"/>
+          <p:cNvSpPr txBox="1">
+            <a:spLocks noGrp="1"/>
+          </p:cNvSpPr>
           <p:nvPr>
-            <p:ph idx="12" type="sldNum"/>
+            <p:ph type="sldNum" idx="12"/>
           </p:nvPr>
         </p:nvSpPr>
         <p:spPr>
@@ -9642,7 +10087,7 @@
           </a:ln>
         </p:spPr>
         <p:txBody>
-          <a:bodyPr anchorCtr="0" anchor="ctr" bIns="91425" lIns="91425" spcFirstLastPara="1" rIns="91425" wrap="square" tIns="91425">
+          <a:bodyPr spcFirstLastPara="1" wrap="square" lIns="91425" tIns="91425" rIns="91425" bIns="91425" anchor="ctr" anchorCtr="0">
             <a:normAutofit/>
           </a:bodyPr>
           <a:lstStyle>
@@ -9756,7 +10201,7 @@
             </a:lvl9pPr>
           </a:lstStyle>
           <a:p>
-            <a:pPr indent="0" lvl="0" marL="0" rtl="0" algn="r">
+            <a:pPr marL="0" lvl="0" indent="0" algn="r" rtl="0">
               <a:spcBef>
                 <a:spcPts val="0"/>
               </a:spcBef>
@@ -9775,7 +10220,7 @@
       </p:sp>
     </p:spTree>
   </p:cSld>
-  <p:clrMap accent1="accent1" accent2="accent2" accent3="accent3" accent4="accent4" accent5="accent5" accent6="accent6" bg1="lt1" bg2="dk2" tx1="dk1" tx2="lt2" folHlink="folHlink" hlink="hlink"/>
+  <p:clrMap bg1="lt1" tx1="dk1" bg2="dk2" tx2="lt2" accent1="accent1" accent2="accent2" accent3="accent3" accent4="accent4" accent5="accent5" accent6="accent6" hlink="hlink" folHlink="folHlink"/>
   <p:sldLayoutIdLst>
     <p:sldLayoutId id="2147483648" r:id="rId1"/>
     <p:sldLayoutId id="2147483649" r:id="rId2"/>
@@ -9789,10 +10234,10 @@
     <p:sldLayoutId id="2147483657" r:id="rId10"/>
     <p:sldLayoutId id="2147483658" r:id="rId11"/>
   </p:sldLayoutIdLst>
-  <p:hf dt="0" ftr="0" hdr="0" sldNum="0"/>
+  <p:hf sldNum="0" hdr="0" ftr="0" dt="0"/>
   <p:txStyles>
     <p:titleStyle>
-      <a:defPPr lvl="0" marR="0" rtl="0" algn="l">
+      <a:defPPr marR="0" lvl="0" algn="l" rtl="0">
         <a:lnSpc>
           <a:spcPct val="100000"/>
         </a:lnSpc>
@@ -9803,7 +10248,7 @@
           <a:spcPts val="0"/>
         </a:spcAft>
       </a:defPPr>
-      <a:lvl1pPr lvl="0" marR="0" rtl="0" algn="l">
+      <a:lvl1pPr marR="0" lvl="0" algn="l" rtl="0">
         <a:lnSpc>
           <a:spcPct val="100000"/>
         </a:lnSpc>
@@ -9817,7 +10262,7 @@
           <a:srgbClr val="000000"/>
         </a:buClr>
         <a:buFont typeface="Arial"/>
-        <a:defRPr b="0" i="0" sz="1400" u="none" cap="none" strike="noStrike">
+        <a:defRPr sz="1400" b="0" i="0" u="none" strike="noStrike" cap="none">
           <a:solidFill>
             <a:srgbClr val="000000"/>
           </a:solidFill>
@@ -9827,7 +10272,7 @@
           <a:sym typeface="Arial"/>
         </a:defRPr>
       </a:lvl1pPr>
-      <a:lvl2pPr lvl="1" marR="0" rtl="0" algn="l">
+      <a:lvl2pPr marR="0" lvl="1" algn="l" rtl="0">
         <a:lnSpc>
           <a:spcPct val="100000"/>
         </a:lnSpc>
@@ -9841,7 +10286,7 @@
           <a:srgbClr val="000000"/>
         </a:buClr>
         <a:buFont typeface="Arial"/>
-        <a:defRPr b="0" i="0" sz="1400" u="none" cap="none" strike="noStrike">
+        <a:defRPr sz="1400" b="0" i="0" u="none" strike="noStrike" cap="none">
           <a:solidFill>
             <a:srgbClr val="000000"/>
           </a:solidFill>
@@ -9851,7 +10296,7 @@
           <a:sym typeface="Arial"/>
         </a:defRPr>
       </a:lvl2pPr>
-      <a:lvl3pPr lvl="2" marR="0" rtl="0" algn="l">
+      <a:lvl3pPr marR="0" lvl="2" algn="l" rtl="0">
         <a:lnSpc>
           <a:spcPct val="100000"/>
         </a:lnSpc>
@@ -9865,7 +10310,7 @@
           <a:srgbClr val="000000"/>
         </a:buClr>
         <a:buFont typeface="Arial"/>
-        <a:defRPr b="0" i="0" sz="1400" u="none" cap="none" strike="noStrike">
+        <a:defRPr sz="1400" b="0" i="0" u="none" strike="noStrike" cap="none">
           <a:solidFill>
             <a:srgbClr val="000000"/>
           </a:solidFill>
@@ -9875,7 +10320,7 @@
           <a:sym typeface="Arial"/>
         </a:defRPr>
       </a:lvl3pPr>
-      <a:lvl4pPr lvl="3" marR="0" rtl="0" algn="l">
+      <a:lvl4pPr marR="0" lvl="3" algn="l" rtl="0">
         <a:lnSpc>
           <a:spcPct val="100000"/>
         </a:lnSpc>
@@ -9889,7 +10334,7 @@
           <a:srgbClr val="000000"/>
         </a:buClr>
         <a:buFont typeface="Arial"/>
-        <a:defRPr b="0" i="0" sz="1400" u="none" cap="none" strike="noStrike">
+        <a:defRPr sz="1400" b="0" i="0" u="none" strike="noStrike" cap="none">
           <a:solidFill>
             <a:srgbClr val="000000"/>
           </a:solidFill>
@@ -9899,7 +10344,7 @@
           <a:sym typeface="Arial"/>
         </a:defRPr>
       </a:lvl4pPr>
-      <a:lvl5pPr lvl="4" marR="0" rtl="0" algn="l">
+      <a:lvl5pPr marR="0" lvl="4" algn="l" rtl="0">
         <a:lnSpc>
           <a:spcPct val="100000"/>
         </a:lnSpc>
@@ -9913,7 +10358,7 @@
           <a:srgbClr val="000000"/>
         </a:buClr>
         <a:buFont typeface="Arial"/>
-        <a:defRPr b="0" i="0" sz="1400" u="none" cap="none" strike="noStrike">
+        <a:defRPr sz="1400" b="0" i="0" u="none" strike="noStrike" cap="none">
           <a:solidFill>
             <a:srgbClr val="000000"/>
           </a:solidFill>
@@ -9923,7 +10368,7 @@
           <a:sym typeface="Arial"/>
         </a:defRPr>
       </a:lvl5pPr>
-      <a:lvl6pPr lvl="5" marR="0" rtl="0" algn="l">
+      <a:lvl6pPr marR="0" lvl="5" algn="l" rtl="0">
         <a:lnSpc>
           <a:spcPct val="100000"/>
         </a:lnSpc>
@@ -9937,7 +10382,7 @@
           <a:srgbClr val="000000"/>
         </a:buClr>
         <a:buFont typeface="Arial"/>
-        <a:defRPr b="0" i="0" sz="1400" u="none" cap="none" strike="noStrike">
+        <a:defRPr sz="1400" b="0" i="0" u="none" strike="noStrike" cap="none">
           <a:solidFill>
             <a:srgbClr val="000000"/>
           </a:solidFill>
@@ -9947,7 +10392,7 @@
           <a:sym typeface="Arial"/>
         </a:defRPr>
       </a:lvl6pPr>
-      <a:lvl7pPr lvl="6" marR="0" rtl="0" algn="l">
+      <a:lvl7pPr marR="0" lvl="6" algn="l" rtl="0">
         <a:lnSpc>
           <a:spcPct val="100000"/>
         </a:lnSpc>
@@ -9961,7 +10406,7 @@
           <a:srgbClr val="000000"/>
         </a:buClr>
         <a:buFont typeface="Arial"/>
-        <a:defRPr b="0" i="0" sz="1400" u="none" cap="none" strike="noStrike">
+        <a:defRPr sz="1400" b="0" i="0" u="none" strike="noStrike" cap="none">
           <a:solidFill>
             <a:srgbClr val="000000"/>
           </a:solidFill>
@@ -9971,7 +10416,7 @@
           <a:sym typeface="Arial"/>
         </a:defRPr>
       </a:lvl7pPr>
-      <a:lvl8pPr lvl="7" marR="0" rtl="0" algn="l">
+      <a:lvl8pPr marR="0" lvl="7" algn="l" rtl="0">
         <a:lnSpc>
           <a:spcPct val="100000"/>
         </a:lnSpc>
@@ -9985,7 +10430,7 @@
           <a:srgbClr val="000000"/>
         </a:buClr>
         <a:buFont typeface="Arial"/>
-        <a:defRPr b="0" i="0" sz="1400" u="none" cap="none" strike="noStrike">
+        <a:defRPr sz="1400" b="0" i="0" u="none" strike="noStrike" cap="none">
           <a:solidFill>
             <a:srgbClr val="000000"/>
           </a:solidFill>
@@ -9995,7 +10440,7 @@
           <a:sym typeface="Arial"/>
         </a:defRPr>
       </a:lvl8pPr>
-      <a:lvl9pPr lvl="8" marR="0" rtl="0" algn="l">
+      <a:lvl9pPr marR="0" lvl="8" algn="l" rtl="0">
         <a:lnSpc>
           <a:spcPct val="100000"/>
         </a:lnSpc>
@@ -10009,7 +10454,7 @@
           <a:srgbClr val="000000"/>
         </a:buClr>
         <a:buFont typeface="Arial"/>
-        <a:defRPr b="0" i="0" sz="1400" u="none" cap="none" strike="noStrike">
+        <a:defRPr sz="1400" b="0" i="0" u="none" strike="noStrike" cap="none">
           <a:solidFill>
             <a:srgbClr val="000000"/>
           </a:solidFill>
@@ -10021,7 +10466,7 @@
       </a:lvl9pPr>
     </p:titleStyle>
     <p:bodyStyle>
-      <a:defPPr lvl="0" marR="0" rtl="0" algn="l">
+      <a:defPPr marR="0" lvl="0" algn="l" rtl="0">
         <a:lnSpc>
           <a:spcPct val="100000"/>
         </a:lnSpc>
@@ -10032,7 +10477,7 @@
           <a:spcPts val="0"/>
         </a:spcAft>
       </a:defPPr>
-      <a:lvl1pPr lvl="0" marR="0" rtl="0" algn="l">
+      <a:lvl1pPr marR="0" lvl="0" algn="l" rtl="0">
         <a:lnSpc>
           <a:spcPct val="100000"/>
         </a:lnSpc>
@@ -10046,7 +10491,7 @@
           <a:srgbClr val="000000"/>
         </a:buClr>
         <a:buFont typeface="Arial"/>
-        <a:defRPr b="0" i="0" sz="1400" u="none" cap="none" strike="noStrike">
+        <a:defRPr sz="1400" b="0" i="0" u="none" strike="noStrike" cap="none">
           <a:solidFill>
             <a:srgbClr val="000000"/>
           </a:solidFill>
@@ -10056,7 +10501,7 @@
           <a:sym typeface="Arial"/>
         </a:defRPr>
       </a:lvl1pPr>
-      <a:lvl2pPr lvl="1" marR="0" rtl="0" algn="l">
+      <a:lvl2pPr marR="0" lvl="1" algn="l" rtl="0">
         <a:lnSpc>
           <a:spcPct val="100000"/>
         </a:lnSpc>
@@ -10070,7 +10515,7 @@
           <a:srgbClr val="000000"/>
         </a:buClr>
         <a:buFont typeface="Arial"/>
-        <a:defRPr b="0" i="0" sz="1400" u="none" cap="none" strike="noStrike">
+        <a:defRPr sz="1400" b="0" i="0" u="none" strike="noStrike" cap="none">
           <a:solidFill>
             <a:srgbClr val="000000"/>
           </a:solidFill>
@@ -10080,7 +10525,7 @@
           <a:sym typeface="Arial"/>
         </a:defRPr>
       </a:lvl2pPr>
-      <a:lvl3pPr lvl="2" marR="0" rtl="0" algn="l">
+      <a:lvl3pPr marR="0" lvl="2" algn="l" rtl="0">
         <a:lnSpc>
           <a:spcPct val="100000"/>
         </a:lnSpc>
@@ -10094,7 +10539,7 @@
           <a:srgbClr val="000000"/>
         </a:buClr>
         <a:buFont typeface="Arial"/>
-        <a:defRPr b="0" i="0" sz="1400" u="none" cap="none" strike="noStrike">
+        <a:defRPr sz="1400" b="0" i="0" u="none" strike="noStrike" cap="none">
           <a:solidFill>
             <a:srgbClr val="000000"/>
           </a:solidFill>
@@ -10104,7 +10549,7 @@
           <a:sym typeface="Arial"/>
         </a:defRPr>
       </a:lvl3pPr>
-      <a:lvl4pPr lvl="3" marR="0" rtl="0" algn="l">
+      <a:lvl4pPr marR="0" lvl="3" algn="l" rtl="0">
         <a:lnSpc>
           <a:spcPct val="100000"/>
         </a:lnSpc>
@@ -10118,7 +10563,7 @@
           <a:srgbClr val="000000"/>
         </a:buClr>
         <a:buFont typeface="Arial"/>
-        <a:defRPr b="0" i="0" sz="1400" u="none" cap="none" strike="noStrike">
+        <a:defRPr sz="1400" b="0" i="0" u="none" strike="noStrike" cap="none">
           <a:solidFill>
             <a:srgbClr val="000000"/>
           </a:solidFill>
@@ -10128,7 +10573,7 @@
           <a:sym typeface="Arial"/>
         </a:defRPr>
       </a:lvl4pPr>
-      <a:lvl5pPr lvl="4" marR="0" rtl="0" algn="l">
+      <a:lvl5pPr marR="0" lvl="4" algn="l" rtl="0">
         <a:lnSpc>
           <a:spcPct val="100000"/>
         </a:lnSpc>
@@ -10142,7 +10587,7 @@
           <a:srgbClr val="000000"/>
         </a:buClr>
         <a:buFont typeface="Arial"/>
-        <a:defRPr b="0" i="0" sz="1400" u="none" cap="none" strike="noStrike">
+        <a:defRPr sz="1400" b="0" i="0" u="none" strike="noStrike" cap="none">
           <a:solidFill>
             <a:srgbClr val="000000"/>
           </a:solidFill>
@@ -10152,7 +10597,7 @@
           <a:sym typeface="Arial"/>
         </a:defRPr>
       </a:lvl5pPr>
-      <a:lvl6pPr lvl="5" marR="0" rtl="0" algn="l">
+      <a:lvl6pPr marR="0" lvl="5" algn="l" rtl="0">
         <a:lnSpc>
           <a:spcPct val="100000"/>
         </a:lnSpc>
@@ -10166,7 +10611,7 @@
           <a:srgbClr val="000000"/>
         </a:buClr>
         <a:buFont typeface="Arial"/>
-        <a:defRPr b="0" i="0" sz="1400" u="none" cap="none" strike="noStrike">
+        <a:defRPr sz="1400" b="0" i="0" u="none" strike="noStrike" cap="none">
           <a:solidFill>
             <a:srgbClr val="000000"/>
           </a:solidFill>
@@ -10176,7 +10621,7 @@
           <a:sym typeface="Arial"/>
         </a:defRPr>
       </a:lvl6pPr>
-      <a:lvl7pPr lvl="6" marR="0" rtl="0" algn="l">
+      <a:lvl7pPr marR="0" lvl="6" algn="l" rtl="0">
         <a:lnSpc>
           <a:spcPct val="100000"/>
         </a:lnSpc>
@@ -10190,7 +10635,7 @@
           <a:srgbClr val="000000"/>
         </a:buClr>
         <a:buFont typeface="Arial"/>
-        <a:defRPr b="0" i="0" sz="1400" u="none" cap="none" strike="noStrike">
+        <a:defRPr sz="1400" b="0" i="0" u="none" strike="noStrike" cap="none">
           <a:solidFill>
             <a:srgbClr val="000000"/>
           </a:solidFill>
@@ -10200,7 +10645,7 @@
           <a:sym typeface="Arial"/>
         </a:defRPr>
       </a:lvl7pPr>
-      <a:lvl8pPr lvl="7" marR="0" rtl="0" algn="l">
+      <a:lvl8pPr marR="0" lvl="7" algn="l" rtl="0">
         <a:lnSpc>
           <a:spcPct val="100000"/>
         </a:lnSpc>
@@ -10214,7 +10659,7 @@
           <a:srgbClr val="000000"/>
         </a:buClr>
         <a:buFont typeface="Arial"/>
-        <a:defRPr b="0" i="0" sz="1400" u="none" cap="none" strike="noStrike">
+        <a:defRPr sz="1400" b="0" i="0" u="none" strike="noStrike" cap="none">
           <a:solidFill>
             <a:srgbClr val="000000"/>
           </a:solidFill>
@@ -10224,7 +10669,7 @@
           <a:sym typeface="Arial"/>
         </a:defRPr>
       </a:lvl8pPr>
-      <a:lvl9pPr lvl="8" marR="0" rtl="0" algn="l">
+      <a:lvl9pPr marR="0" lvl="8" algn="l" rtl="0">
         <a:lnSpc>
           <a:spcPct val="100000"/>
         </a:lnSpc>
@@ -10238,7 +10683,7 @@
           <a:srgbClr val="000000"/>
         </a:buClr>
         <a:buFont typeface="Arial"/>
-        <a:defRPr b="0" i="0" sz="1400" u="none" cap="none" strike="noStrike">
+        <a:defRPr sz="1400" b="0" i="0" u="none" strike="noStrike" cap="none">
           <a:solidFill>
             <a:srgbClr val="000000"/>
           </a:solidFill>
@@ -10250,7 +10695,7 @@
       </a:lvl9pPr>
     </p:bodyStyle>
     <p:otherStyle>
-      <a:defPPr lvl="0" marR="0" rtl="0" algn="l">
+      <a:defPPr marR="0" lvl="0" algn="l" rtl="0">
         <a:lnSpc>
           <a:spcPct val="100000"/>
         </a:lnSpc>
@@ -10261,7 +10706,7 @@
           <a:spcPts val="0"/>
         </a:spcAft>
       </a:defPPr>
-      <a:lvl1pPr lvl="0" marR="0" rtl="0" algn="l">
+      <a:lvl1pPr marR="0" lvl="0" algn="l" rtl="0">
         <a:lnSpc>
           <a:spcPct val="100000"/>
         </a:lnSpc>
@@ -10275,7 +10720,7 @@
           <a:srgbClr val="000000"/>
         </a:buClr>
         <a:buFont typeface="Arial"/>
-        <a:defRPr b="0" i="0" sz="1400" u="none" cap="none" strike="noStrike">
+        <a:defRPr sz="1400" b="0" i="0" u="none" strike="noStrike" cap="none">
           <a:solidFill>
             <a:srgbClr val="000000"/>
           </a:solidFill>
@@ -10285,7 +10730,7 @@
           <a:sym typeface="Arial"/>
         </a:defRPr>
       </a:lvl1pPr>
-      <a:lvl2pPr lvl="1" marR="0" rtl="0" algn="l">
+      <a:lvl2pPr marR="0" lvl="1" algn="l" rtl="0">
         <a:lnSpc>
           <a:spcPct val="100000"/>
         </a:lnSpc>
@@ -10299,7 +10744,7 @@
           <a:srgbClr val="000000"/>
         </a:buClr>
         <a:buFont typeface="Arial"/>
-        <a:defRPr b="0" i="0" sz="1400" u="none" cap="none" strike="noStrike">
+        <a:defRPr sz="1400" b="0" i="0" u="none" strike="noStrike" cap="none">
           <a:solidFill>
             <a:srgbClr val="000000"/>
           </a:solidFill>
@@ -10309,7 +10754,7 @@
           <a:sym typeface="Arial"/>
         </a:defRPr>
       </a:lvl2pPr>
-      <a:lvl3pPr lvl="2" marR="0" rtl="0" algn="l">
+      <a:lvl3pPr marR="0" lvl="2" algn="l" rtl="0">
         <a:lnSpc>
           <a:spcPct val="100000"/>
         </a:lnSpc>
@@ -10323,7 +10768,7 @@
           <a:srgbClr val="000000"/>
         </a:buClr>
         <a:buFont typeface="Arial"/>
-        <a:defRPr b="0" i="0" sz="1400" u="none" cap="none" strike="noStrike">
+        <a:defRPr sz="1400" b="0" i="0" u="none" strike="noStrike" cap="none">
           <a:solidFill>
             <a:srgbClr val="000000"/>
           </a:solidFill>
@@ -10333,7 +10778,7 @@
           <a:sym typeface="Arial"/>
         </a:defRPr>
       </a:lvl3pPr>
-      <a:lvl4pPr lvl="3" marR="0" rtl="0" algn="l">
+      <a:lvl4pPr marR="0" lvl="3" algn="l" rtl="0">
         <a:lnSpc>
           <a:spcPct val="100000"/>
         </a:lnSpc>
@@ -10347,7 +10792,7 @@
           <a:srgbClr val="000000"/>
         </a:buClr>
         <a:buFont typeface="Arial"/>
-        <a:defRPr b="0" i="0" sz="1400" u="none" cap="none" strike="noStrike">
+        <a:defRPr sz="1400" b="0" i="0" u="none" strike="noStrike" cap="none">
           <a:solidFill>
             <a:srgbClr val="000000"/>
           </a:solidFill>
@@ -10357,7 +10802,7 @@
           <a:sym typeface="Arial"/>
         </a:defRPr>
       </a:lvl4pPr>
-      <a:lvl5pPr lvl="4" marR="0" rtl="0" algn="l">
+      <a:lvl5pPr marR="0" lvl="4" algn="l" rtl="0">
         <a:lnSpc>
           <a:spcPct val="100000"/>
         </a:lnSpc>
@@ -10371,7 +10816,7 @@
           <a:srgbClr val="000000"/>
         </a:buClr>
         <a:buFont typeface="Arial"/>
-        <a:defRPr b="0" i="0" sz="1400" u="none" cap="none" strike="noStrike">
+        <a:defRPr sz="1400" b="0" i="0" u="none" strike="noStrike" cap="none">
           <a:solidFill>
             <a:srgbClr val="000000"/>
           </a:solidFill>
@@ -10381,7 +10826,7 @@
           <a:sym typeface="Arial"/>
         </a:defRPr>
       </a:lvl5pPr>
-      <a:lvl6pPr lvl="5" marR="0" rtl="0" algn="l">
+      <a:lvl6pPr marR="0" lvl="5" algn="l" rtl="0">
         <a:lnSpc>
           <a:spcPct val="100000"/>
         </a:lnSpc>
@@ -10395,7 +10840,7 @@
           <a:srgbClr val="000000"/>
         </a:buClr>
         <a:buFont typeface="Arial"/>
-        <a:defRPr b="0" i="0" sz="1400" u="none" cap="none" strike="noStrike">
+        <a:defRPr sz="1400" b="0" i="0" u="none" strike="noStrike" cap="none">
           <a:solidFill>
             <a:srgbClr val="000000"/>
           </a:solidFill>
@@ -10405,7 +10850,7 @@
           <a:sym typeface="Arial"/>
         </a:defRPr>
       </a:lvl6pPr>
-      <a:lvl7pPr lvl="6" marR="0" rtl="0" algn="l">
+      <a:lvl7pPr marR="0" lvl="6" algn="l" rtl="0">
         <a:lnSpc>
           <a:spcPct val="100000"/>
         </a:lnSpc>
@@ -10419,7 +10864,7 @@
           <a:srgbClr val="000000"/>
         </a:buClr>
         <a:buFont typeface="Arial"/>
-        <a:defRPr b="0" i="0" sz="1400" u="none" cap="none" strike="noStrike">
+        <a:defRPr sz="1400" b="0" i="0" u="none" strike="noStrike" cap="none">
           <a:solidFill>
             <a:srgbClr val="000000"/>
           </a:solidFill>
@@ -10429,7 +10874,7 @@
           <a:sym typeface="Arial"/>
         </a:defRPr>
       </a:lvl7pPr>
-      <a:lvl8pPr lvl="7" marR="0" rtl="0" algn="l">
+      <a:lvl8pPr marR="0" lvl="7" algn="l" rtl="0">
         <a:lnSpc>
           <a:spcPct val="100000"/>
         </a:lnSpc>
@@ -10443,7 +10888,7 @@
           <a:srgbClr val="000000"/>
         </a:buClr>
         <a:buFont typeface="Arial"/>
-        <a:defRPr b="0" i="0" sz="1400" u="none" cap="none" strike="noStrike">
+        <a:defRPr sz="1400" b="0" i="0" u="none" strike="noStrike" cap="none">
           <a:solidFill>
             <a:srgbClr val="000000"/>
           </a:solidFill>
@@ -10453,7 +10898,7 @@
           <a:sym typeface="Arial"/>
         </a:defRPr>
       </a:lvl8pPr>
-      <a:lvl9pPr lvl="8" marR="0" rtl="0" algn="l">
+      <a:lvl9pPr marR="0" lvl="8" algn="l" rtl="0">
         <a:lnSpc>
           <a:spcPct val="100000"/>
         </a:lnSpc>
@@ -10467,7 +10912,7 @@
           <a:srgbClr val="000000"/>
         </a:buClr>
         <a:buFont typeface="Arial"/>
-        <a:defRPr b="0" i="0" sz="1400" u="none" cap="none" strike="noStrike">
+        <a:defRPr sz="1400" b="0" i="0" u="none" strike="noStrike" cap="none">
           <a:solidFill>
             <a:srgbClr val="000000"/>
           </a:solidFill>
@@ -10483,11 +10928,11 @@
 </file>
 
 <file path=ppt/slides/slide1.xml><?xml version="1.0" encoding="utf-8"?>
-<p:sld xmlns:a="http://schemas.openxmlformats.org/drawingml/2006/main" xmlns:r="http://schemas.openxmlformats.org/officeDocument/2006/relationships" xmlns:mc="http://schemas.openxmlformats.org/markup-compatibility/2006" xmlns:mv="urn:schemas-microsoft-com:mac:vml" xmlns:p="http://schemas.openxmlformats.org/presentationml/2006/main" xmlns:c="http://schemas.openxmlformats.org/drawingml/2006/chart" xmlns:dgm="http://schemas.openxmlformats.org/drawingml/2006/diagram" xmlns:o="urn:schemas-microsoft-com:office:office" xmlns:v="urn:schemas-microsoft-com:vml" xmlns:pvml="urn:schemas-microsoft-com:office:powerpoint" xmlns:com="http://schemas.openxmlformats.org/drawingml/2006/compatibility" xmlns:p14="http://schemas.microsoft.com/office/powerpoint/2010/main" xmlns:p15="http://schemas.microsoft.com/office/powerpoint/2012/main" xmlns:ahyp="http://schemas.microsoft.com/office/drawing/2018/hyperlinkcolor">
+<p:sld xmlns:a="http://schemas.openxmlformats.org/drawingml/2006/main" xmlns:r="http://schemas.openxmlformats.org/officeDocument/2006/relationships" xmlns:p="http://schemas.openxmlformats.org/presentationml/2006/main">
   <p:cSld>
     <p:spTree>
       <p:nvGrpSpPr>
-        <p:cNvPr id="127" name="Shape 127"/>
+        <p:cNvPr id="1" name="Shape 127"/>
         <p:cNvGrpSpPr/>
         <p:nvPr/>
       </p:nvGrpSpPr>
@@ -10502,7 +10947,9 @@
       <p:sp>
         <p:nvSpPr>
           <p:cNvPr id="128" name="Google Shape;128;p13"/>
-          <p:cNvSpPr txBox="1"/>
+          <p:cNvSpPr txBox="1">
+            <a:spLocks noGrp="1"/>
+          </p:cNvSpPr>
           <p:nvPr>
             <p:ph type="ctrTitle"/>
           </p:nvPr>
@@ -10517,12 +10964,12 @@
           </a:prstGeom>
         </p:spPr>
         <p:txBody>
-          <a:bodyPr anchorCtr="0" anchor="ctr" bIns="91425" lIns="91425" spcFirstLastPara="1" rIns="91425" wrap="square" tIns="91425">
+          <a:bodyPr spcFirstLastPara="1" wrap="square" lIns="91425" tIns="91425" rIns="91425" bIns="91425" anchor="ctr" anchorCtr="0">
             <a:normAutofit fontScale="90000"/>
           </a:bodyPr>
           <a:lstStyle/>
           <a:p>
-            <a:pPr indent="0" lvl="0" marL="0" rtl="0" algn="ctr">
+            <a:pPr marL="0" lvl="0" indent="0" algn="ctr" rtl="0">
               <a:spcBef>
                 <a:spcPts val="0"/>
               </a:spcBef>
@@ -10542,9 +10989,11 @@
       <p:sp>
         <p:nvSpPr>
           <p:cNvPr id="129" name="Google Shape;129;p13"/>
-          <p:cNvSpPr txBox="1"/>
+          <p:cNvSpPr txBox="1">
+            <a:spLocks noGrp="1"/>
+          </p:cNvSpPr>
           <p:nvPr>
-            <p:ph idx="1" type="subTitle"/>
+            <p:ph type="subTitle" idx="1"/>
           </p:nvPr>
         </p:nvSpPr>
         <p:spPr>
@@ -10557,12 +11006,12 @@
           </a:prstGeom>
         </p:spPr>
         <p:txBody>
-          <a:bodyPr anchorCtr="0" anchor="t" bIns="91425" lIns="91425" spcFirstLastPara="1" rIns="91425" wrap="square" tIns="91425">
+          <a:bodyPr spcFirstLastPara="1" wrap="square" lIns="91425" tIns="91425" rIns="91425" bIns="91425" anchor="t" anchorCtr="0">
             <a:normAutofit/>
           </a:bodyPr>
           <a:lstStyle/>
           <a:p>
-            <a:pPr indent="0" lvl="0" marL="0" rtl="0" algn="ctr">
+            <a:pPr marL="0" lvl="0" indent="0" algn="ctr" rtl="0">
               <a:spcBef>
                 <a:spcPts val="0"/>
               </a:spcBef>
@@ -10588,11 +11037,11 @@
 </file>
 
 <file path=ppt/slides/slide10.xml><?xml version="1.0" encoding="utf-8"?>
-<p:sld xmlns:a="http://schemas.openxmlformats.org/drawingml/2006/main" xmlns:r="http://schemas.openxmlformats.org/officeDocument/2006/relationships" xmlns:mc="http://schemas.openxmlformats.org/markup-compatibility/2006" xmlns:mv="urn:schemas-microsoft-com:mac:vml" xmlns:p="http://schemas.openxmlformats.org/presentationml/2006/main" xmlns:c="http://schemas.openxmlformats.org/drawingml/2006/chart" xmlns:dgm="http://schemas.openxmlformats.org/drawingml/2006/diagram" xmlns:o="urn:schemas-microsoft-com:office:office" xmlns:v="urn:schemas-microsoft-com:vml" xmlns:pvml="urn:schemas-microsoft-com:office:powerpoint" xmlns:com="http://schemas.openxmlformats.org/drawingml/2006/compatibility" xmlns:p14="http://schemas.microsoft.com/office/powerpoint/2010/main" xmlns:p15="http://schemas.microsoft.com/office/powerpoint/2012/main" xmlns:ahyp="http://schemas.microsoft.com/office/drawing/2018/hyperlinkcolor">
+<p:sld xmlns:a="http://schemas.openxmlformats.org/drawingml/2006/main" xmlns:r="http://schemas.openxmlformats.org/officeDocument/2006/relationships" xmlns:p="http://schemas.openxmlformats.org/presentationml/2006/main">
   <p:cSld>
     <p:spTree>
       <p:nvGrpSpPr>
-        <p:cNvPr id="188" name="Shape 188"/>
+        <p:cNvPr id="1" name="Shape 188"/>
         <p:cNvGrpSpPr/>
         <p:nvPr/>
       </p:nvGrpSpPr>
@@ -10607,7 +11056,9 @@
       <p:sp>
         <p:nvSpPr>
           <p:cNvPr id="189" name="Google Shape;189;p22"/>
-          <p:cNvSpPr txBox="1"/>
+          <p:cNvSpPr txBox="1">
+            <a:spLocks noGrp="1"/>
+          </p:cNvSpPr>
           <p:nvPr>
             <p:ph type="title"/>
           </p:nvPr>
@@ -10622,12 +11073,12 @@
           </a:prstGeom>
         </p:spPr>
         <p:txBody>
-          <a:bodyPr anchorCtr="0" anchor="t" bIns="91425" lIns="91425" spcFirstLastPara="1" rIns="91425" wrap="square" tIns="91425">
+          <a:bodyPr spcFirstLastPara="1" wrap="square" lIns="91425" tIns="91425" rIns="91425" bIns="91425" anchor="t" anchorCtr="0">
             <a:normAutofit/>
           </a:bodyPr>
           <a:lstStyle/>
           <a:p>
-            <a:pPr indent="0" lvl="0" marL="0" rtl="0" algn="l">
+            <a:pPr marL="0" lvl="0" indent="0" algn="l" rtl="0">
               <a:spcBef>
                 <a:spcPts val="0"/>
               </a:spcBef>
@@ -10647,9 +11098,11 @@
       <p:sp>
         <p:nvSpPr>
           <p:cNvPr id="190" name="Google Shape;190;p22"/>
-          <p:cNvSpPr txBox="1"/>
+          <p:cNvSpPr txBox="1">
+            <a:spLocks noGrp="1"/>
+          </p:cNvSpPr>
           <p:nvPr>
-            <p:ph idx="1" type="body"/>
+            <p:ph type="body" idx="1"/>
           </p:nvPr>
         </p:nvSpPr>
         <p:spPr>
@@ -10662,12 +11115,12 @@
           </a:prstGeom>
         </p:spPr>
         <p:txBody>
-          <a:bodyPr anchorCtr="0" anchor="t" bIns="91425" lIns="91425" spcFirstLastPara="1" rIns="91425" wrap="square" tIns="91425">
+          <a:bodyPr spcFirstLastPara="1" wrap="square" lIns="91425" tIns="91425" rIns="91425" bIns="91425" anchor="t" anchorCtr="0">
             <a:noAutofit/>
           </a:bodyPr>
           <a:lstStyle/>
           <a:p>
-            <a:pPr indent="-342582" lvl="0" marL="457200" rtl="0" algn="l">
+            <a:pPr marL="457200" lvl="0" indent="-342582" algn="l" rtl="0">
               <a:lnSpc>
                 <a:spcPct val="105000"/>
               </a:lnSpc>
@@ -10687,7 +11140,7 @@
             <a:endParaRPr sz="1795"/>
           </a:p>
           <a:p>
-            <a:pPr indent="0" lvl="0" marL="457200" rtl="0" algn="l">
+            <a:pPr marL="457200" lvl="0" indent="0" algn="l" rtl="0">
               <a:lnSpc>
                 <a:spcPct val="105000"/>
               </a:lnSpc>
@@ -10707,7 +11160,7 @@
             <a:endParaRPr sz="1795"/>
           </a:p>
           <a:p>
-            <a:pPr indent="0" lvl="0" marL="457200" rtl="0" algn="l">
+            <a:pPr marL="457200" lvl="0" indent="0" algn="l" rtl="0">
               <a:lnSpc>
                 <a:spcPct val="105000"/>
               </a:lnSpc>
@@ -10727,7 +11180,7 @@
             <a:endParaRPr sz="1795"/>
           </a:p>
           <a:p>
-            <a:pPr indent="0" lvl="0" marL="0" rtl="0" algn="l">
+            <a:pPr marL="0" lvl="0" indent="0" algn="l" rtl="0">
               <a:lnSpc>
                 <a:spcPct val="105000"/>
               </a:lnSpc>
@@ -10740,13 +11193,10 @@
               <a:buSzPts val="852"/>
               <a:buNone/>
             </a:pPr>
-            <a:r>
-              <a:t/>
-            </a:r>
             <a:endParaRPr sz="895"/>
           </a:p>
           <a:p>
-            <a:pPr indent="-342582" lvl="0" marL="457200" rtl="0" algn="l">
+            <a:pPr marL="457200" lvl="0" indent="-342582" algn="l" rtl="0">
               <a:lnSpc>
                 <a:spcPct val="105000"/>
               </a:lnSpc>
@@ -10766,7 +11216,7 @@
             <a:endParaRPr sz="1795"/>
           </a:p>
           <a:p>
-            <a:pPr indent="0" lvl="0" marL="457200" rtl="0" algn="l">
+            <a:pPr marL="457200" lvl="0" indent="0" algn="l" rtl="0">
               <a:lnSpc>
                 <a:spcPct val="105000"/>
               </a:lnSpc>
@@ -10778,13 +11228,10 @@
               </a:spcAft>
               <a:buNone/>
             </a:pPr>
-            <a:r>
-              <a:t/>
-            </a:r>
             <a:endParaRPr sz="895"/>
           </a:p>
           <a:p>
-            <a:pPr indent="-342582" lvl="0" marL="457200" rtl="0" algn="l">
+            <a:pPr marL="457200" lvl="0" indent="-342582" algn="l" rtl="0">
               <a:lnSpc>
                 <a:spcPct val="105000"/>
               </a:lnSpc>
@@ -10804,7 +11251,7 @@
             <a:endParaRPr sz="1795"/>
           </a:p>
           <a:p>
-            <a:pPr indent="0" lvl="0" marL="0" rtl="0" algn="l">
+            <a:pPr marL="0" lvl="0" indent="0" algn="l" rtl="0">
               <a:lnSpc>
                 <a:spcPct val="105000"/>
               </a:lnSpc>
@@ -10817,9 +11264,6 @@
               <a:buSzPts val="852"/>
               <a:buNone/>
             </a:pPr>
-            <a:r>
-              <a:t/>
-            </a:r>
             <a:endParaRPr sz="1795"/>
           </a:p>
         </p:txBody>
@@ -10861,11 +11305,11 @@
 </file>
 
 <file path=ppt/slides/slide11.xml><?xml version="1.0" encoding="utf-8"?>
-<p:sld xmlns:a="http://schemas.openxmlformats.org/drawingml/2006/main" xmlns:r="http://schemas.openxmlformats.org/officeDocument/2006/relationships" xmlns:mc="http://schemas.openxmlformats.org/markup-compatibility/2006" xmlns:mv="urn:schemas-microsoft-com:mac:vml" xmlns:p="http://schemas.openxmlformats.org/presentationml/2006/main" xmlns:c="http://schemas.openxmlformats.org/drawingml/2006/chart" xmlns:dgm="http://schemas.openxmlformats.org/drawingml/2006/diagram" xmlns:o="urn:schemas-microsoft-com:office:office" xmlns:v="urn:schemas-microsoft-com:vml" xmlns:pvml="urn:schemas-microsoft-com:office:powerpoint" xmlns:com="http://schemas.openxmlformats.org/drawingml/2006/compatibility" xmlns:p14="http://schemas.microsoft.com/office/powerpoint/2010/main" xmlns:p15="http://schemas.microsoft.com/office/powerpoint/2012/main" xmlns:ahyp="http://schemas.microsoft.com/office/drawing/2018/hyperlinkcolor">
+<p:sld xmlns:a="http://schemas.openxmlformats.org/drawingml/2006/main" xmlns:r="http://schemas.openxmlformats.org/officeDocument/2006/relationships" xmlns:p="http://schemas.openxmlformats.org/presentationml/2006/main">
   <p:cSld>
     <p:spTree>
       <p:nvGrpSpPr>
-        <p:cNvPr id="195" name="Shape 195"/>
+        <p:cNvPr id="1" name="Shape 195"/>
         <p:cNvGrpSpPr/>
         <p:nvPr/>
       </p:nvGrpSpPr>
@@ -10880,7 +11324,9 @@
       <p:sp>
         <p:nvSpPr>
           <p:cNvPr id="196" name="Google Shape;196;p23"/>
-          <p:cNvSpPr txBox="1"/>
+          <p:cNvSpPr txBox="1">
+            <a:spLocks noGrp="1"/>
+          </p:cNvSpPr>
           <p:nvPr>
             <p:ph type="title"/>
           </p:nvPr>
@@ -10895,12 +11341,12 @@
           </a:prstGeom>
         </p:spPr>
         <p:txBody>
-          <a:bodyPr anchorCtr="0" anchor="t" bIns="91425" lIns="91425" spcFirstLastPara="1" rIns="91425" wrap="square" tIns="91425">
+          <a:bodyPr spcFirstLastPara="1" wrap="square" lIns="91425" tIns="91425" rIns="91425" bIns="91425" anchor="t" anchorCtr="0">
             <a:normAutofit/>
           </a:bodyPr>
           <a:lstStyle/>
           <a:p>
-            <a:pPr indent="0" lvl="0" marL="0" rtl="0" algn="l">
+            <a:pPr marL="0" lvl="0" indent="0" algn="l" rtl="0">
               <a:spcBef>
                 <a:spcPts val="0"/>
               </a:spcBef>
@@ -10920,9 +11366,11 @@
       <p:sp>
         <p:nvSpPr>
           <p:cNvPr id="197" name="Google Shape;197;p23"/>
-          <p:cNvSpPr txBox="1"/>
+          <p:cNvSpPr txBox="1">
+            <a:spLocks noGrp="1"/>
+          </p:cNvSpPr>
           <p:nvPr>
-            <p:ph idx="1" type="body"/>
+            <p:ph type="body" idx="1"/>
           </p:nvPr>
         </p:nvSpPr>
         <p:spPr>
@@ -10935,12 +11383,12 @@
           </a:prstGeom>
         </p:spPr>
         <p:txBody>
-          <a:bodyPr anchorCtr="0" anchor="t" bIns="91425" lIns="91425" spcFirstLastPara="1" rIns="91425" wrap="square" tIns="91425">
-            <a:normAutofit lnSpcReduction="10000"/>
+          <a:bodyPr spcFirstLastPara="1" wrap="square" lIns="91425" tIns="91425" rIns="91425" bIns="91425" anchor="t" anchorCtr="0">
+            <a:normAutofit/>
           </a:bodyPr>
           <a:lstStyle/>
           <a:p>
-            <a:pPr indent="-342900" lvl="0" marL="457200" rtl="0" algn="l">
+            <a:pPr marL="457200" lvl="0" indent="-342900" algn="l" rtl="0">
               <a:spcBef>
                 <a:spcPts val="0"/>
               </a:spcBef>
@@ -10951,13 +11399,13 @@
               <a:buChar char="-"/>
             </a:pPr>
             <a:r>
-              <a:rPr lang="en" sz="1800"/>
+              <a:rPr lang="en" sz="1800" dirty="0"/>
               <a:t>The test error rates for all five positions</a:t>
             </a:r>
-            <a:endParaRPr sz="1800"/>
-          </a:p>
-          <a:p>
-            <a:pPr indent="0" lvl="0" marL="457200" rtl="0" algn="l">
+            <a:endParaRPr sz="1800" dirty="0"/>
+          </a:p>
+          <a:p>
+            <a:pPr marL="457200" lvl="0" indent="0" algn="l" rtl="0">
               <a:spcBef>
                 <a:spcPts val="1200"/>
               </a:spcBef>
@@ -10967,13 +11415,13 @@
               <a:buNone/>
             </a:pPr>
             <a:r>
-              <a:rPr lang="en" sz="1800"/>
+              <a:rPr lang="en" sz="1800" dirty="0"/>
               <a:t>was around 0.5 for bench </a:t>
             </a:r>
-            <a:endParaRPr sz="1800"/>
-          </a:p>
-          <a:p>
-            <a:pPr indent="0" lvl="0" marL="457200" rtl="0" algn="l">
+            <a:endParaRPr sz="1800" dirty="0"/>
+          </a:p>
+          <a:p>
+            <a:pPr marL="457200" lvl="0" indent="0" algn="l" rtl="0">
               <a:spcBef>
                 <a:spcPts val="1200"/>
               </a:spcBef>
@@ -10983,13 +11431,13 @@
               <a:buNone/>
             </a:pPr>
             <a:r>
-              <a:rPr lang="en" sz="1800"/>
+              <a:rPr lang="en" sz="1800" dirty="0"/>
               <a:t>players and between 0.2 and 0.3 for starters</a:t>
             </a:r>
-            <a:endParaRPr sz="1800"/>
-          </a:p>
-          <a:p>
-            <a:pPr indent="-342900" lvl="0" marL="457200" rtl="0" algn="l">
+            <a:endParaRPr sz="1800" dirty="0"/>
+          </a:p>
+          <a:p>
+            <a:pPr marL="457200" lvl="0" indent="-342900" algn="l" rtl="0">
               <a:spcBef>
                 <a:spcPts val="1200"/>
               </a:spcBef>
@@ -11000,13 +11448,13 @@
               <a:buChar char="-"/>
             </a:pPr>
             <a:r>
-              <a:rPr lang="en" sz="1800"/>
+              <a:rPr lang="en" sz="1800" dirty="0"/>
               <a:t>Performed worse than the linear model</a:t>
             </a:r>
-            <a:endParaRPr sz="1800"/>
-          </a:p>
-          <a:p>
-            <a:pPr indent="-374650" lvl="0" marL="457200" rtl="0" algn="l">
+            <a:endParaRPr sz="1800" dirty="0"/>
+          </a:p>
+          <a:p>
+            <a:pPr marL="457200" lvl="0" indent="-374650" algn="l" rtl="0">
               <a:spcBef>
                 <a:spcPts val="0"/>
               </a:spcBef>
@@ -11017,13 +11465,13 @@
               <a:buChar char="-"/>
             </a:pPr>
             <a:r>
-              <a:rPr lang="en" sz="1800"/>
+              <a:rPr lang="en" sz="1800" dirty="0"/>
               <a:t>SVM’s are prone to overfitting at times, so this could explain this gap in performance</a:t>
             </a:r>
-            <a:endParaRPr sz="1800"/>
-          </a:p>
-          <a:p>
-            <a:pPr indent="0" lvl="0" marL="457200" rtl="0" algn="l">
+            <a:endParaRPr sz="1800" dirty="0"/>
+          </a:p>
+          <a:p>
+            <a:pPr marL="457200" lvl="0" indent="0" algn="l" rtl="0">
               <a:spcBef>
                 <a:spcPts val="1200"/>
               </a:spcBef>
@@ -11032,10 +11480,7 @@
               </a:spcAft>
               <a:buNone/>
             </a:pPr>
-            <a:r>
-              <a:t/>
-            </a:r>
-            <a:endParaRPr sz="1800"/>
+            <a:endParaRPr sz="1800" dirty="0"/>
           </a:p>
         </p:txBody>
       </p:sp>
@@ -11076,11 +11521,11 @@
 </file>
 
 <file path=ppt/slides/slide12.xml><?xml version="1.0" encoding="utf-8"?>
-<p:sld xmlns:a="http://schemas.openxmlformats.org/drawingml/2006/main" xmlns:r="http://schemas.openxmlformats.org/officeDocument/2006/relationships" xmlns:mc="http://schemas.openxmlformats.org/markup-compatibility/2006" xmlns:mv="urn:schemas-microsoft-com:mac:vml" xmlns:p="http://schemas.openxmlformats.org/presentationml/2006/main" xmlns:c="http://schemas.openxmlformats.org/drawingml/2006/chart" xmlns:dgm="http://schemas.openxmlformats.org/drawingml/2006/diagram" xmlns:o="urn:schemas-microsoft-com:office:office" xmlns:v="urn:schemas-microsoft-com:vml" xmlns:pvml="urn:schemas-microsoft-com:office:powerpoint" xmlns:com="http://schemas.openxmlformats.org/drawingml/2006/compatibility" xmlns:p14="http://schemas.microsoft.com/office/powerpoint/2010/main" xmlns:p15="http://schemas.microsoft.com/office/powerpoint/2012/main" xmlns:ahyp="http://schemas.microsoft.com/office/drawing/2018/hyperlinkcolor">
+<p:sld xmlns:a="http://schemas.openxmlformats.org/drawingml/2006/main" xmlns:r="http://schemas.openxmlformats.org/officeDocument/2006/relationships" xmlns:p="http://schemas.openxmlformats.org/presentationml/2006/main">
   <p:cSld>
     <p:spTree>
       <p:nvGrpSpPr>
-        <p:cNvPr id="202" name="Shape 202"/>
+        <p:cNvPr id="1" name="Shape 202"/>
         <p:cNvGrpSpPr/>
         <p:nvPr/>
       </p:nvGrpSpPr>
@@ -11129,11 +11574,11 @@
 </file>
 
 <file path=ppt/slides/slide13.xml><?xml version="1.0" encoding="utf-8"?>
-<p:sld xmlns:a="http://schemas.openxmlformats.org/drawingml/2006/main" xmlns:r="http://schemas.openxmlformats.org/officeDocument/2006/relationships" xmlns:mc="http://schemas.openxmlformats.org/markup-compatibility/2006" xmlns:mv="urn:schemas-microsoft-com:mac:vml" xmlns:p="http://schemas.openxmlformats.org/presentationml/2006/main" xmlns:c="http://schemas.openxmlformats.org/drawingml/2006/chart" xmlns:dgm="http://schemas.openxmlformats.org/drawingml/2006/diagram" xmlns:o="urn:schemas-microsoft-com:office:office" xmlns:v="urn:schemas-microsoft-com:vml" xmlns:pvml="urn:schemas-microsoft-com:office:powerpoint" xmlns:com="http://schemas.openxmlformats.org/drawingml/2006/compatibility" xmlns:p14="http://schemas.microsoft.com/office/powerpoint/2010/main" xmlns:p15="http://schemas.microsoft.com/office/powerpoint/2012/main" xmlns:ahyp="http://schemas.microsoft.com/office/drawing/2018/hyperlinkcolor">
+<p:sld xmlns:a="http://schemas.openxmlformats.org/drawingml/2006/main" xmlns:r="http://schemas.openxmlformats.org/officeDocument/2006/relationships" xmlns:p="http://schemas.openxmlformats.org/presentationml/2006/main">
   <p:cSld>
     <p:spTree>
       <p:nvGrpSpPr>
-        <p:cNvPr id="207" name="Shape 207"/>
+        <p:cNvPr id="1" name="Shape 207"/>
         <p:cNvGrpSpPr/>
         <p:nvPr/>
       </p:nvGrpSpPr>
@@ -11148,7 +11593,9 @@
       <p:sp>
         <p:nvSpPr>
           <p:cNvPr id="208" name="Google Shape;208;p25"/>
-          <p:cNvSpPr txBox="1"/>
+          <p:cNvSpPr txBox="1">
+            <a:spLocks noGrp="1"/>
+          </p:cNvSpPr>
           <p:nvPr>
             <p:ph type="title"/>
           </p:nvPr>
@@ -11163,12 +11610,12 @@
           </a:prstGeom>
         </p:spPr>
         <p:txBody>
-          <a:bodyPr anchorCtr="0" anchor="t" bIns="91425" lIns="91425" spcFirstLastPara="1" rIns="91425" wrap="square" tIns="91425">
+          <a:bodyPr spcFirstLastPara="1" wrap="square" lIns="91425" tIns="91425" rIns="91425" bIns="91425" anchor="t" anchorCtr="0">
             <a:normAutofit/>
           </a:bodyPr>
           <a:lstStyle/>
           <a:p>
-            <a:pPr indent="0" lvl="0" marL="0" rtl="0" algn="l">
+            <a:pPr marL="0" lvl="0" indent="0" algn="l" rtl="0">
               <a:spcBef>
                 <a:spcPts val="0"/>
               </a:spcBef>
@@ -11188,9 +11635,11 @@
       <p:sp>
         <p:nvSpPr>
           <p:cNvPr id="209" name="Google Shape;209;p25"/>
-          <p:cNvSpPr txBox="1"/>
+          <p:cNvSpPr txBox="1">
+            <a:spLocks noGrp="1"/>
+          </p:cNvSpPr>
           <p:nvPr>
-            <p:ph idx="1" type="body"/>
+            <p:ph type="body" idx="1"/>
           </p:nvPr>
         </p:nvSpPr>
         <p:spPr>
@@ -11203,12 +11652,12 @@
           </a:prstGeom>
         </p:spPr>
         <p:txBody>
-          <a:bodyPr anchorCtr="0" anchor="t" bIns="91425" lIns="91425" spcFirstLastPara="1" rIns="91425" wrap="square" tIns="91425">
-            <a:normAutofit lnSpcReduction="20000"/>
+          <a:bodyPr spcFirstLastPara="1" wrap="square" lIns="91425" tIns="91425" rIns="91425" bIns="91425" anchor="t" anchorCtr="0">
+            <a:normAutofit fontScale="92500"/>
           </a:bodyPr>
           <a:lstStyle/>
           <a:p>
-            <a:pPr indent="-342900" lvl="0" marL="457200" rtl="0" algn="l">
+            <a:pPr marL="457200" lvl="0" indent="-342900" algn="l" rtl="0">
               <a:spcBef>
                 <a:spcPts val="0"/>
               </a:spcBef>
@@ -11220,45 +11669,29 @@
             </a:pPr>
             <a:r>
               <a:rPr lang="en" sz="1800"/>
-              <a:t>Ultimately, we found that, out of all the five positions, there was not a </a:t>
+              <a:t>Ultimately, we found that, out of all the five positions, there was not a significant difference between any of their predictiveness of winning</a:t>
             </a:r>
+            <a:endParaRPr sz="1800"/>
+          </a:p>
+          <a:p>
+            <a:pPr marL="914400" lvl="1" indent="-342900" algn="l" rtl="0">
+              <a:spcBef>
+                <a:spcPts val="0"/>
+              </a:spcBef>
+              <a:spcAft>
+                <a:spcPts val="0"/>
+              </a:spcAft>
+              <a:buSzPts val="1800"/>
+              <a:buChar char="-"/>
+            </a:pPr>
             <a:r>
               <a:rPr lang="en" sz="1800"/>
-              <a:t>significant</a:t>
-            </a:r>
-            <a:r>
-              <a:rPr lang="en" sz="1800"/>
-              <a:t> difference between any of their predictiveness of winning</a:t>
+              <a:t>This holds true for bench players, starters, and generally all players in the league</a:t>
             </a:r>
             <a:endParaRPr sz="1800"/>
           </a:p>
           <a:p>
-            <a:pPr indent="-342900" lvl="1" marL="914400" rtl="0" algn="l">
-              <a:spcBef>
-                <a:spcPts val="0"/>
-              </a:spcBef>
-              <a:spcAft>
-                <a:spcPts val="0"/>
-              </a:spcAft>
-              <a:buSzPts val="1800"/>
-              <a:buChar char="-"/>
-            </a:pPr>
-            <a:r>
-              <a:rPr lang="en" sz="1800"/>
-              <a:t>This holds true for </a:t>
-            </a:r>
-            <a:r>
-              <a:rPr lang="en" sz="1800"/>
-              <a:t>bench</a:t>
-            </a:r>
-            <a:r>
-              <a:rPr lang="en" sz="1800"/>
-              <a:t> players, starters, and generally all players in the league</a:t>
-            </a:r>
-            <a:endParaRPr sz="1800"/>
-          </a:p>
-          <a:p>
-            <a:pPr indent="-342900" lvl="1" marL="914400" rtl="0" algn="l">
+            <a:pPr marL="914400" lvl="1" indent="-342900" algn="l" rtl="0">
               <a:spcBef>
                 <a:spcPts val="0"/>
               </a:spcBef>
@@ -11275,7 +11708,7 @@
             <a:endParaRPr sz="1800"/>
           </a:p>
           <a:p>
-            <a:pPr indent="-342900" lvl="0" marL="457200" rtl="0" algn="l">
+            <a:pPr marL="457200" lvl="0" indent="-342900" algn="l" rtl="0">
               <a:spcBef>
                 <a:spcPts val="0"/>
               </a:spcBef>
@@ -11287,15 +11720,7 @@
             </a:pPr>
             <a:r>
               <a:rPr lang="en" sz="1800"/>
-              <a:t>In addition, we found that starters were much more predictive of winning than </a:t>
-            </a:r>
-            <a:r>
-              <a:rPr lang="en" sz="1800"/>
-              <a:t>bench</a:t>
-            </a:r>
-            <a:r>
-              <a:rPr lang="en" sz="1800"/>
-              <a:t> players were, in fact, bench players were not very predictive of winning at all</a:t>
+              <a:t>In addition, we found that starters were much more predictive of winning than bench players were, in fact, bench players were not very predictive of winning at all</a:t>
             </a:r>
             <a:endParaRPr sz="1800"/>
           </a:p>
@@ -11310,11 +11735,11 @@
 </file>
 
 <file path=ppt/slides/slide14.xml><?xml version="1.0" encoding="utf-8"?>
-<p:sld xmlns:a="http://schemas.openxmlformats.org/drawingml/2006/main" xmlns:r="http://schemas.openxmlformats.org/officeDocument/2006/relationships" xmlns:mc="http://schemas.openxmlformats.org/markup-compatibility/2006" xmlns:mv="urn:schemas-microsoft-com:mac:vml" xmlns:p="http://schemas.openxmlformats.org/presentationml/2006/main" xmlns:c="http://schemas.openxmlformats.org/drawingml/2006/chart" xmlns:dgm="http://schemas.openxmlformats.org/drawingml/2006/diagram" xmlns:o="urn:schemas-microsoft-com:office:office" xmlns:v="urn:schemas-microsoft-com:vml" xmlns:pvml="urn:schemas-microsoft-com:office:powerpoint" xmlns:com="http://schemas.openxmlformats.org/drawingml/2006/compatibility" xmlns:p14="http://schemas.microsoft.com/office/powerpoint/2010/main" xmlns:p15="http://schemas.microsoft.com/office/powerpoint/2012/main" xmlns:ahyp="http://schemas.microsoft.com/office/drawing/2018/hyperlinkcolor">
+<p:sld xmlns:a="http://schemas.openxmlformats.org/drawingml/2006/main" xmlns:r="http://schemas.openxmlformats.org/officeDocument/2006/relationships" xmlns:p="http://schemas.openxmlformats.org/presentationml/2006/main">
   <p:cSld>
     <p:spTree>
       <p:nvGrpSpPr>
-        <p:cNvPr id="213" name="Shape 213"/>
+        <p:cNvPr id="1" name="Shape 213"/>
         <p:cNvGrpSpPr/>
         <p:nvPr/>
       </p:nvGrpSpPr>
@@ -11329,7 +11754,9 @@
       <p:sp>
         <p:nvSpPr>
           <p:cNvPr id="214" name="Google Shape;214;p26"/>
-          <p:cNvSpPr txBox="1"/>
+          <p:cNvSpPr txBox="1">
+            <a:spLocks noGrp="1"/>
+          </p:cNvSpPr>
           <p:nvPr>
             <p:ph type="title"/>
           </p:nvPr>
@@ -11344,12 +11771,12 @@
           </a:prstGeom>
         </p:spPr>
         <p:txBody>
-          <a:bodyPr anchorCtr="0" anchor="t" bIns="91425" lIns="91425" spcFirstLastPara="1" rIns="91425" wrap="square" tIns="91425">
+          <a:bodyPr spcFirstLastPara="1" wrap="square" lIns="91425" tIns="91425" rIns="91425" bIns="91425" anchor="t" anchorCtr="0">
             <a:normAutofit/>
           </a:bodyPr>
           <a:lstStyle/>
           <a:p>
-            <a:pPr indent="0" lvl="0" marL="0" rtl="0" algn="l">
+            <a:pPr marL="0" lvl="0" indent="0" algn="l" rtl="0">
               <a:spcBef>
                 <a:spcPts val="0"/>
               </a:spcBef>
@@ -11369,9 +11796,11 @@
       <p:sp>
         <p:nvSpPr>
           <p:cNvPr id="215" name="Google Shape;215;p26"/>
-          <p:cNvSpPr txBox="1"/>
+          <p:cNvSpPr txBox="1">
+            <a:spLocks noGrp="1"/>
+          </p:cNvSpPr>
           <p:nvPr>
-            <p:ph idx="1" type="body"/>
+            <p:ph type="body" idx="1"/>
           </p:nvPr>
         </p:nvSpPr>
         <p:spPr>
@@ -11384,12 +11813,12 @@
           </a:prstGeom>
         </p:spPr>
         <p:txBody>
-          <a:bodyPr anchorCtr="0" anchor="t" bIns="91425" lIns="91425" spcFirstLastPara="1" rIns="91425" wrap="square" tIns="91425">
+          <a:bodyPr spcFirstLastPara="1" wrap="square" lIns="91425" tIns="91425" rIns="91425" bIns="91425" anchor="t" anchorCtr="0">
             <a:normAutofit/>
           </a:bodyPr>
           <a:lstStyle/>
           <a:p>
-            <a:pPr indent="-342900" lvl="0" marL="457200" rtl="0" algn="l">
+            <a:pPr marL="457200" lvl="0" indent="-342900" algn="l" rtl="0">
               <a:spcBef>
                 <a:spcPts val="0"/>
               </a:spcBef>
@@ -11406,7 +11835,7 @@
             <a:endParaRPr sz="1800"/>
           </a:p>
           <a:p>
-            <a:pPr indent="-342900" lvl="0" marL="457200" rtl="0" algn="l">
+            <a:pPr marL="457200" lvl="0" indent="-342900" algn="l" rtl="0">
               <a:spcBef>
                 <a:spcPts val="0"/>
               </a:spcBef>
@@ -11423,7 +11852,7 @@
             <a:endParaRPr sz="1800"/>
           </a:p>
           <a:p>
-            <a:pPr indent="-342900" lvl="0" marL="457200" rtl="0" algn="l">
+            <a:pPr marL="457200" lvl="0" indent="-342900" algn="l" rtl="0">
               <a:spcBef>
                 <a:spcPts val="0"/>
               </a:spcBef>
@@ -11450,11 +11879,11 @@
 </file>
 
 <file path=ppt/slides/slide15.xml><?xml version="1.0" encoding="utf-8"?>
-<p:sld xmlns:a="http://schemas.openxmlformats.org/drawingml/2006/main" xmlns:r="http://schemas.openxmlformats.org/officeDocument/2006/relationships" xmlns:mc="http://schemas.openxmlformats.org/markup-compatibility/2006" xmlns:mv="urn:schemas-microsoft-com:mac:vml" xmlns:p="http://schemas.openxmlformats.org/presentationml/2006/main" xmlns:c="http://schemas.openxmlformats.org/drawingml/2006/chart" xmlns:dgm="http://schemas.openxmlformats.org/drawingml/2006/diagram" xmlns:o="urn:schemas-microsoft-com:office:office" xmlns:v="urn:schemas-microsoft-com:vml" xmlns:pvml="urn:schemas-microsoft-com:office:powerpoint" xmlns:com="http://schemas.openxmlformats.org/drawingml/2006/compatibility" xmlns:p14="http://schemas.microsoft.com/office/powerpoint/2010/main" xmlns:p15="http://schemas.microsoft.com/office/powerpoint/2012/main" xmlns:ahyp="http://schemas.microsoft.com/office/drawing/2018/hyperlinkcolor">
+<p:sld xmlns:a="http://schemas.openxmlformats.org/drawingml/2006/main" xmlns:r="http://schemas.openxmlformats.org/officeDocument/2006/relationships" xmlns:p="http://schemas.openxmlformats.org/presentationml/2006/main">
   <p:cSld>
     <p:spTree>
       <p:nvGrpSpPr>
-        <p:cNvPr id="219" name="Shape 219"/>
+        <p:cNvPr id="1" name="Shape 219"/>
         <p:cNvGrpSpPr/>
         <p:nvPr/>
       </p:nvGrpSpPr>
@@ -11469,7 +11898,9 @@
       <p:sp>
         <p:nvSpPr>
           <p:cNvPr id="220" name="Google Shape;220;p27"/>
-          <p:cNvSpPr txBox="1"/>
+          <p:cNvSpPr txBox="1">
+            <a:spLocks noGrp="1"/>
+          </p:cNvSpPr>
           <p:nvPr>
             <p:ph type="title"/>
           </p:nvPr>
@@ -11484,12 +11915,12 @@
           </a:prstGeom>
         </p:spPr>
         <p:txBody>
-          <a:bodyPr anchorCtr="0" anchor="t" bIns="91425" lIns="91425" spcFirstLastPara="1" rIns="91425" wrap="square" tIns="91425">
+          <a:bodyPr spcFirstLastPara="1" wrap="square" lIns="91425" tIns="91425" rIns="91425" bIns="91425" anchor="t" anchorCtr="0">
             <a:normAutofit/>
           </a:bodyPr>
           <a:lstStyle/>
           <a:p>
-            <a:pPr indent="0" lvl="0" marL="0" rtl="0" algn="l">
+            <a:pPr marL="0" lvl="0" indent="0" algn="l" rtl="0">
               <a:spcBef>
                 <a:spcPts val="0"/>
               </a:spcBef>
@@ -11509,9 +11940,11 @@
       <p:sp>
         <p:nvSpPr>
           <p:cNvPr id="221" name="Google Shape;221;p27"/>
-          <p:cNvSpPr txBox="1"/>
+          <p:cNvSpPr txBox="1">
+            <a:spLocks noGrp="1"/>
+          </p:cNvSpPr>
           <p:nvPr>
-            <p:ph idx="1" type="body"/>
+            <p:ph type="body" idx="1"/>
           </p:nvPr>
         </p:nvSpPr>
         <p:spPr>
@@ -11524,12 +11957,12 @@
           </a:prstGeom>
         </p:spPr>
         <p:txBody>
-          <a:bodyPr anchorCtr="0" anchor="t" bIns="91425" lIns="91425" spcFirstLastPara="1" rIns="91425" wrap="square" tIns="91425">
+          <a:bodyPr spcFirstLastPara="1" wrap="square" lIns="91425" tIns="91425" rIns="91425" bIns="91425" anchor="t" anchorCtr="0">
             <a:normAutofit/>
           </a:bodyPr>
           <a:lstStyle/>
           <a:p>
-            <a:pPr indent="-342900" lvl="0" marL="457200" rtl="0" algn="l">
+            <a:pPr marL="457200" lvl="0" indent="-342900" algn="l" rtl="0">
               <a:spcBef>
                 <a:spcPts val="0"/>
               </a:spcBef>
@@ -11546,7 +11979,7 @@
             <a:endParaRPr sz="1800"/>
           </a:p>
           <a:p>
-            <a:pPr indent="-342900" lvl="0" marL="457200" rtl="0" algn="l">
+            <a:pPr marL="457200" lvl="0" indent="-342900" algn="l" rtl="0">
               <a:spcBef>
                 <a:spcPts val="0"/>
               </a:spcBef>
@@ -11573,11 +12006,11 @@
 </file>
 
 <file path=ppt/slides/slide16.xml><?xml version="1.0" encoding="utf-8"?>
-<p:sld xmlns:a="http://schemas.openxmlformats.org/drawingml/2006/main" xmlns:r="http://schemas.openxmlformats.org/officeDocument/2006/relationships" xmlns:mc="http://schemas.openxmlformats.org/markup-compatibility/2006" xmlns:mv="urn:schemas-microsoft-com:mac:vml" xmlns:p="http://schemas.openxmlformats.org/presentationml/2006/main" xmlns:c="http://schemas.openxmlformats.org/drawingml/2006/chart" xmlns:dgm="http://schemas.openxmlformats.org/drawingml/2006/diagram" xmlns:o="urn:schemas-microsoft-com:office:office" xmlns:v="urn:schemas-microsoft-com:vml" xmlns:pvml="urn:schemas-microsoft-com:office:powerpoint" xmlns:com="http://schemas.openxmlformats.org/drawingml/2006/compatibility" xmlns:p14="http://schemas.microsoft.com/office/powerpoint/2010/main" xmlns:p15="http://schemas.microsoft.com/office/powerpoint/2012/main" xmlns:ahyp="http://schemas.microsoft.com/office/drawing/2018/hyperlinkcolor">
+<p:sld xmlns:a="http://schemas.openxmlformats.org/drawingml/2006/main" xmlns:r="http://schemas.openxmlformats.org/officeDocument/2006/relationships" xmlns:p="http://schemas.openxmlformats.org/presentationml/2006/main">
   <p:cSld>
     <p:spTree>
       <p:nvGrpSpPr>
-        <p:cNvPr id="225" name="Shape 225"/>
+        <p:cNvPr id="1" name="Shape 225"/>
         <p:cNvGrpSpPr/>
         <p:nvPr/>
       </p:nvGrpSpPr>
@@ -11592,7 +12025,9 @@
       <p:sp>
         <p:nvSpPr>
           <p:cNvPr id="226" name="Google Shape;226;p28"/>
-          <p:cNvSpPr txBox="1"/>
+          <p:cNvSpPr txBox="1">
+            <a:spLocks noGrp="1"/>
+          </p:cNvSpPr>
           <p:nvPr>
             <p:ph type="title"/>
           </p:nvPr>
@@ -11607,12 +12042,12 @@
           </a:prstGeom>
         </p:spPr>
         <p:txBody>
-          <a:bodyPr anchorCtr="0" anchor="t" bIns="91425" lIns="91425" spcFirstLastPara="1" rIns="91425" wrap="square" tIns="91425">
+          <a:bodyPr spcFirstLastPara="1" wrap="square" lIns="91425" tIns="91425" rIns="91425" bIns="91425" anchor="t" anchorCtr="0">
             <a:normAutofit/>
           </a:bodyPr>
           <a:lstStyle/>
           <a:p>
-            <a:pPr indent="0" lvl="0" marL="0" rtl="0" algn="l">
+            <a:pPr marL="0" lvl="0" indent="0" algn="l" rtl="0">
               <a:spcBef>
                 <a:spcPts val="0"/>
               </a:spcBef>
@@ -11632,9 +12067,11 @@
       <p:sp>
         <p:nvSpPr>
           <p:cNvPr id="227" name="Google Shape;227;p28"/>
-          <p:cNvSpPr txBox="1"/>
+          <p:cNvSpPr txBox="1">
+            <a:spLocks noGrp="1"/>
+          </p:cNvSpPr>
           <p:nvPr>
-            <p:ph idx="1" type="body"/>
+            <p:ph type="body" idx="1"/>
           </p:nvPr>
         </p:nvSpPr>
         <p:spPr>
@@ -11647,12 +12084,12 @@
           </a:prstGeom>
         </p:spPr>
         <p:txBody>
-          <a:bodyPr anchorCtr="0" anchor="t" bIns="91425" lIns="91425" spcFirstLastPara="1" rIns="91425" wrap="square" tIns="91425">
+          <a:bodyPr spcFirstLastPara="1" wrap="square" lIns="91425" tIns="91425" rIns="91425" bIns="91425" anchor="t" anchorCtr="0">
             <a:normAutofit/>
           </a:bodyPr>
           <a:lstStyle/>
           <a:p>
-            <a:pPr indent="-336550" lvl="0" marL="457200" rtl="0" algn="l">
+            <a:pPr marL="457200" lvl="0" indent="-336550" algn="l" rtl="0">
               <a:spcBef>
                 <a:spcPts val="0"/>
               </a:spcBef>
@@ -11674,7 +12111,7 @@
             <a:endParaRPr sz="1700"/>
           </a:p>
           <a:p>
-            <a:pPr indent="-336550" lvl="0" marL="457200" rtl="0" algn="l">
+            <a:pPr marL="457200" lvl="0" indent="-336550" algn="l" rtl="0">
               <a:spcBef>
                 <a:spcPts val="0"/>
               </a:spcBef>
@@ -11701,11 +12138,11 @@
 </file>
 
 <file path=ppt/slides/slide17.xml><?xml version="1.0" encoding="utf-8"?>
-<p:sld xmlns:a="http://schemas.openxmlformats.org/drawingml/2006/main" xmlns:r="http://schemas.openxmlformats.org/officeDocument/2006/relationships" xmlns:mc="http://schemas.openxmlformats.org/markup-compatibility/2006" xmlns:mv="urn:schemas-microsoft-com:mac:vml" xmlns:p="http://schemas.openxmlformats.org/presentationml/2006/main" xmlns:c="http://schemas.openxmlformats.org/drawingml/2006/chart" xmlns:dgm="http://schemas.openxmlformats.org/drawingml/2006/diagram" xmlns:o="urn:schemas-microsoft-com:office:office" xmlns:v="urn:schemas-microsoft-com:vml" xmlns:pvml="urn:schemas-microsoft-com:office:powerpoint" xmlns:com="http://schemas.openxmlformats.org/drawingml/2006/compatibility" xmlns:p14="http://schemas.microsoft.com/office/powerpoint/2010/main" xmlns:p15="http://schemas.microsoft.com/office/powerpoint/2012/main" xmlns:ahyp="http://schemas.microsoft.com/office/drawing/2018/hyperlinkcolor">
+<p:sld xmlns:a="http://schemas.openxmlformats.org/drawingml/2006/main" xmlns:r="http://schemas.openxmlformats.org/officeDocument/2006/relationships" xmlns:p="http://schemas.openxmlformats.org/presentationml/2006/main">
   <p:cSld>
     <p:spTree>
       <p:nvGrpSpPr>
-        <p:cNvPr id="231" name="Shape 231"/>
+        <p:cNvPr id="1" name="Shape 231"/>
         <p:cNvGrpSpPr/>
         <p:nvPr/>
       </p:nvGrpSpPr>
@@ -11720,7 +12157,9 @@
       <p:sp>
         <p:nvSpPr>
           <p:cNvPr id="232" name="Google Shape;232;p29"/>
-          <p:cNvSpPr txBox="1"/>
+          <p:cNvSpPr txBox="1">
+            <a:spLocks noGrp="1"/>
+          </p:cNvSpPr>
           <p:nvPr>
             <p:ph type="title"/>
           </p:nvPr>
@@ -11735,12 +12174,12 @@
           </a:prstGeom>
         </p:spPr>
         <p:txBody>
-          <a:bodyPr anchorCtr="0" anchor="t" bIns="91425" lIns="91425" spcFirstLastPara="1" rIns="91425" wrap="square" tIns="91425">
+          <a:bodyPr spcFirstLastPara="1" wrap="square" lIns="91425" tIns="91425" rIns="91425" bIns="91425" anchor="t" anchorCtr="0">
             <a:noAutofit/>
           </a:bodyPr>
           <a:lstStyle/>
           <a:p>
-            <a:pPr indent="0" lvl="0" marL="0" rtl="0" algn="l">
+            <a:pPr marL="0" lvl="0" indent="0" algn="l" rtl="0">
               <a:spcBef>
                 <a:spcPts val="0"/>
               </a:spcBef>
@@ -11766,11 +12205,11 @@
 </file>
 
 <file path=ppt/slides/slide2.xml><?xml version="1.0" encoding="utf-8"?>
-<p:sld xmlns:a="http://schemas.openxmlformats.org/drawingml/2006/main" xmlns:r="http://schemas.openxmlformats.org/officeDocument/2006/relationships" xmlns:mc="http://schemas.openxmlformats.org/markup-compatibility/2006" xmlns:mv="urn:schemas-microsoft-com:mac:vml" xmlns:p="http://schemas.openxmlformats.org/presentationml/2006/main" xmlns:c="http://schemas.openxmlformats.org/drawingml/2006/chart" xmlns:dgm="http://schemas.openxmlformats.org/drawingml/2006/diagram" xmlns:o="urn:schemas-microsoft-com:office:office" xmlns:v="urn:schemas-microsoft-com:vml" xmlns:pvml="urn:schemas-microsoft-com:office:powerpoint" xmlns:com="http://schemas.openxmlformats.org/drawingml/2006/compatibility" xmlns:p14="http://schemas.microsoft.com/office/powerpoint/2010/main" xmlns:p15="http://schemas.microsoft.com/office/powerpoint/2012/main" xmlns:ahyp="http://schemas.microsoft.com/office/drawing/2018/hyperlinkcolor">
+<p:sld xmlns:a="http://schemas.openxmlformats.org/drawingml/2006/main" xmlns:r="http://schemas.openxmlformats.org/officeDocument/2006/relationships" xmlns:p="http://schemas.openxmlformats.org/presentationml/2006/main">
   <p:cSld>
     <p:spTree>
       <p:nvGrpSpPr>
-        <p:cNvPr id="133" name="Shape 133"/>
+        <p:cNvPr id="1" name="Shape 133"/>
         <p:cNvGrpSpPr/>
         <p:nvPr/>
       </p:nvGrpSpPr>
@@ -11785,7 +12224,9 @@
       <p:sp>
         <p:nvSpPr>
           <p:cNvPr id="134" name="Google Shape;134;p14"/>
-          <p:cNvSpPr txBox="1"/>
+          <p:cNvSpPr txBox="1">
+            <a:spLocks noGrp="1"/>
+          </p:cNvSpPr>
           <p:nvPr>
             <p:ph type="title"/>
           </p:nvPr>
@@ -11800,12 +12241,12 @@
           </a:prstGeom>
         </p:spPr>
         <p:txBody>
-          <a:bodyPr anchorCtr="0" anchor="t" bIns="91425" lIns="91425" spcFirstLastPara="1" rIns="91425" wrap="square" tIns="91425">
+          <a:bodyPr spcFirstLastPara="1" wrap="square" lIns="91425" tIns="91425" rIns="91425" bIns="91425" anchor="t" anchorCtr="0">
             <a:normAutofit/>
           </a:bodyPr>
           <a:lstStyle/>
           <a:p>
-            <a:pPr indent="0" lvl="0" marL="0" rtl="0" algn="l">
+            <a:pPr marL="0" lvl="0" indent="0" algn="l" rtl="0">
               <a:spcBef>
                 <a:spcPts val="0"/>
               </a:spcBef>
@@ -11825,9 +12266,11 @@
       <p:sp>
         <p:nvSpPr>
           <p:cNvPr id="135" name="Google Shape;135;p14"/>
-          <p:cNvSpPr txBox="1"/>
+          <p:cNvSpPr txBox="1">
+            <a:spLocks noGrp="1"/>
+          </p:cNvSpPr>
           <p:nvPr>
-            <p:ph idx="1" type="body"/>
+            <p:ph type="body" idx="1"/>
           </p:nvPr>
         </p:nvSpPr>
         <p:spPr>
@@ -11840,12 +12283,12 @@
           </a:prstGeom>
         </p:spPr>
         <p:txBody>
-          <a:bodyPr anchorCtr="0" anchor="t" bIns="91425" lIns="91425" spcFirstLastPara="1" rIns="91425" wrap="square" tIns="91425">
+          <a:bodyPr spcFirstLastPara="1" wrap="square" lIns="91425" tIns="91425" rIns="91425" bIns="91425" anchor="t" anchorCtr="0">
             <a:noAutofit/>
           </a:bodyPr>
           <a:lstStyle/>
           <a:p>
-            <a:pPr indent="-342900" lvl="0" marL="457200" rtl="0" algn="l">
+            <a:pPr marL="457200" lvl="0" indent="-342900" algn="l" rtl="0">
               <a:lnSpc>
                 <a:spcPct val="95000"/>
               </a:lnSpc>
@@ -11865,7 +12308,7 @@
             <a:endParaRPr sz="1800"/>
           </a:p>
           <a:p>
-            <a:pPr indent="-342900" lvl="0" marL="457200" rtl="0" algn="l">
+            <a:pPr marL="457200" lvl="0" indent="-342900" algn="l" rtl="0">
               <a:lnSpc>
                 <a:spcPct val="95000"/>
               </a:lnSpc>
@@ -11885,7 +12328,7 @@
             <a:endParaRPr sz="1800"/>
           </a:p>
           <a:p>
-            <a:pPr indent="-342900" lvl="0" marL="457200" rtl="0" algn="l">
+            <a:pPr marL="457200" lvl="0" indent="-342900" algn="l" rtl="0">
               <a:lnSpc>
                 <a:spcPct val="95000"/>
               </a:lnSpc>
@@ -11905,7 +12348,7 @@
             <a:endParaRPr sz="1800"/>
           </a:p>
           <a:p>
-            <a:pPr indent="-342900" lvl="1" marL="914400" rtl="0" algn="l">
+            <a:pPr marL="914400" lvl="1" indent="-342900" algn="l" rtl="0">
               <a:lnSpc>
                 <a:spcPct val="95000"/>
               </a:lnSpc>
@@ -11920,20 +12363,12 @@
             </a:pPr>
             <a:r>
               <a:rPr lang="en" sz="1800"/>
-              <a:t>Predicting and </a:t>
-            </a:r>
-            <a:r>
-              <a:rPr lang="en" sz="1800"/>
-              <a:t>understanding</a:t>
-            </a:r>
-            <a:r>
-              <a:rPr lang="en" sz="1800"/>
-              <a:t> when/where players injuries occur and how to avoid it</a:t>
+              <a:t>Predicting and understanding when/where players injuries occur and how to avoid it</a:t>
             </a:r>
             <a:endParaRPr sz="1800"/>
           </a:p>
           <a:p>
-            <a:pPr indent="-342900" lvl="1" marL="914400" rtl="0" algn="l">
+            <a:pPr marL="914400" lvl="1" indent="-342900" algn="l" rtl="0">
               <a:lnSpc>
                 <a:spcPct val="95000"/>
               </a:lnSpc>
@@ -11953,7 +12388,7 @@
             <a:endParaRPr sz="1800"/>
           </a:p>
           <a:p>
-            <a:pPr indent="-342900" lvl="1" marL="914400" rtl="0" algn="l">
+            <a:pPr marL="914400" lvl="1" indent="-342900" algn="l" rtl="0">
               <a:lnSpc>
                 <a:spcPct val="95000"/>
               </a:lnSpc>
@@ -12011,11 +12446,11 @@
 </file>
 
 <file path=ppt/slides/slide3.xml><?xml version="1.0" encoding="utf-8"?>
-<p:sld xmlns:a="http://schemas.openxmlformats.org/drawingml/2006/main" xmlns:r="http://schemas.openxmlformats.org/officeDocument/2006/relationships" xmlns:mc="http://schemas.openxmlformats.org/markup-compatibility/2006" xmlns:mv="urn:schemas-microsoft-com:mac:vml" xmlns:p="http://schemas.openxmlformats.org/presentationml/2006/main" xmlns:c="http://schemas.openxmlformats.org/drawingml/2006/chart" xmlns:dgm="http://schemas.openxmlformats.org/drawingml/2006/diagram" xmlns:o="urn:schemas-microsoft-com:office:office" xmlns:v="urn:schemas-microsoft-com:vml" xmlns:pvml="urn:schemas-microsoft-com:office:powerpoint" xmlns:com="http://schemas.openxmlformats.org/drawingml/2006/compatibility" xmlns:p14="http://schemas.microsoft.com/office/powerpoint/2010/main" xmlns:p15="http://schemas.microsoft.com/office/powerpoint/2012/main" xmlns:ahyp="http://schemas.microsoft.com/office/drawing/2018/hyperlinkcolor">
+<p:sld xmlns:a="http://schemas.openxmlformats.org/drawingml/2006/main" xmlns:r="http://schemas.openxmlformats.org/officeDocument/2006/relationships" xmlns:p="http://schemas.openxmlformats.org/presentationml/2006/main">
   <p:cSld>
     <p:spTree>
       <p:nvGrpSpPr>
-        <p:cNvPr id="140" name="Shape 140"/>
+        <p:cNvPr id="1" name="Shape 140"/>
         <p:cNvGrpSpPr/>
         <p:nvPr/>
       </p:nvGrpSpPr>
@@ -12030,7 +12465,9 @@
       <p:sp>
         <p:nvSpPr>
           <p:cNvPr id="141" name="Google Shape;141;p15"/>
-          <p:cNvSpPr txBox="1"/>
+          <p:cNvSpPr txBox="1">
+            <a:spLocks noGrp="1"/>
+          </p:cNvSpPr>
           <p:nvPr>
             <p:ph type="title"/>
           </p:nvPr>
@@ -12045,12 +12482,12 @@
           </a:prstGeom>
         </p:spPr>
         <p:txBody>
-          <a:bodyPr anchorCtr="0" anchor="t" bIns="91425" lIns="91425" spcFirstLastPara="1" rIns="91425" wrap="square" tIns="91425">
+          <a:bodyPr spcFirstLastPara="1" wrap="square" lIns="91425" tIns="91425" rIns="91425" bIns="91425" anchor="t" anchorCtr="0">
             <a:normAutofit/>
           </a:bodyPr>
           <a:lstStyle/>
           <a:p>
-            <a:pPr indent="0" lvl="0" marL="0" rtl="0" algn="l">
+            <a:pPr marL="0" lvl="0" indent="0" algn="l" rtl="0">
               <a:spcBef>
                 <a:spcPts val="0"/>
               </a:spcBef>
@@ -12070,9 +12507,11 @@
       <p:sp>
         <p:nvSpPr>
           <p:cNvPr id="142" name="Google Shape;142;p15"/>
-          <p:cNvSpPr txBox="1"/>
+          <p:cNvSpPr txBox="1">
+            <a:spLocks noGrp="1"/>
+          </p:cNvSpPr>
           <p:nvPr>
-            <p:ph idx="1" type="body"/>
+            <p:ph type="body" idx="1"/>
           </p:nvPr>
         </p:nvSpPr>
         <p:spPr>
@@ -12085,12 +12524,12 @@
           </a:prstGeom>
         </p:spPr>
         <p:txBody>
-          <a:bodyPr anchorCtr="0" anchor="t" bIns="91425" lIns="91425" spcFirstLastPara="1" rIns="91425" wrap="square" tIns="91425">
+          <a:bodyPr spcFirstLastPara="1" wrap="square" lIns="91425" tIns="91425" rIns="91425" bIns="91425" anchor="t" anchorCtr="0">
             <a:normAutofit/>
           </a:bodyPr>
           <a:lstStyle/>
           <a:p>
-            <a:pPr indent="-342900" lvl="0" marL="457200" rtl="0" algn="l">
+            <a:pPr marL="457200" lvl="0" indent="-342900" algn="l" rtl="0">
               <a:spcBef>
                 <a:spcPts val="0"/>
               </a:spcBef>
@@ -12107,7 +12546,7 @@
             <a:endParaRPr sz="1800"/>
           </a:p>
           <a:p>
-            <a:pPr indent="-342900" lvl="1" marL="914400" rtl="0" algn="l">
+            <a:pPr marL="914400" lvl="1" indent="-342900" algn="l" rtl="0">
               <a:spcBef>
                 <a:spcPts val="0"/>
               </a:spcBef>
@@ -12124,7 +12563,7 @@
             <a:endParaRPr sz="1800"/>
           </a:p>
           <a:p>
-            <a:pPr indent="-342900" lvl="1" marL="914400" rtl="0" algn="l">
+            <a:pPr marL="914400" lvl="1" indent="-342900" algn="l" rtl="0">
               <a:spcBef>
                 <a:spcPts val="0"/>
               </a:spcBef>
@@ -12141,7 +12580,7 @@
             <a:endParaRPr sz="1800"/>
           </a:p>
           <a:p>
-            <a:pPr indent="-342900" lvl="0" marL="457200" rtl="0" algn="l">
+            <a:pPr marL="457200" lvl="0" indent="-342900" algn="l" rtl="0">
               <a:spcBef>
                 <a:spcPts val="0"/>
               </a:spcBef>
@@ -12168,11 +12607,11 @@
 </file>
 
 <file path=ppt/slides/slide4.xml><?xml version="1.0" encoding="utf-8"?>
-<p:sld xmlns:a="http://schemas.openxmlformats.org/drawingml/2006/main" xmlns:r="http://schemas.openxmlformats.org/officeDocument/2006/relationships" xmlns:mc="http://schemas.openxmlformats.org/markup-compatibility/2006" xmlns:mv="urn:schemas-microsoft-com:mac:vml" xmlns:p="http://schemas.openxmlformats.org/presentationml/2006/main" xmlns:c="http://schemas.openxmlformats.org/drawingml/2006/chart" xmlns:dgm="http://schemas.openxmlformats.org/drawingml/2006/diagram" xmlns:o="urn:schemas-microsoft-com:office:office" xmlns:v="urn:schemas-microsoft-com:vml" xmlns:pvml="urn:schemas-microsoft-com:office:powerpoint" xmlns:com="http://schemas.openxmlformats.org/drawingml/2006/compatibility" xmlns:p14="http://schemas.microsoft.com/office/powerpoint/2010/main" xmlns:p15="http://schemas.microsoft.com/office/powerpoint/2012/main" xmlns:ahyp="http://schemas.microsoft.com/office/drawing/2018/hyperlinkcolor">
+<p:sld xmlns:a="http://schemas.openxmlformats.org/drawingml/2006/main" xmlns:r="http://schemas.openxmlformats.org/officeDocument/2006/relationships" xmlns:p="http://schemas.openxmlformats.org/presentationml/2006/main">
   <p:cSld>
     <p:spTree>
       <p:nvGrpSpPr>
-        <p:cNvPr id="146" name="Shape 146"/>
+        <p:cNvPr id="1" name="Shape 146"/>
         <p:cNvGrpSpPr/>
         <p:nvPr/>
       </p:nvGrpSpPr>
@@ -12187,7 +12626,9 @@
       <p:sp>
         <p:nvSpPr>
           <p:cNvPr id="147" name="Google Shape;147;p16"/>
-          <p:cNvSpPr txBox="1"/>
+          <p:cNvSpPr txBox="1">
+            <a:spLocks noGrp="1"/>
+          </p:cNvSpPr>
           <p:nvPr>
             <p:ph type="title"/>
           </p:nvPr>
@@ -12202,12 +12643,12 @@
           </a:prstGeom>
         </p:spPr>
         <p:txBody>
-          <a:bodyPr anchorCtr="0" anchor="t" bIns="91425" lIns="91425" spcFirstLastPara="1" rIns="91425" wrap="square" tIns="91425">
+          <a:bodyPr spcFirstLastPara="1" wrap="square" lIns="91425" tIns="91425" rIns="91425" bIns="91425" anchor="t" anchorCtr="0">
             <a:normAutofit/>
           </a:bodyPr>
           <a:lstStyle/>
           <a:p>
-            <a:pPr indent="0" lvl="0" marL="0" rtl="0" algn="l">
+            <a:pPr marL="0" lvl="0" indent="0" algn="l" rtl="0">
               <a:spcBef>
                 <a:spcPts val="0"/>
               </a:spcBef>
@@ -12227,9 +12668,11 @@
       <p:sp>
         <p:nvSpPr>
           <p:cNvPr id="148" name="Google Shape;148;p16"/>
-          <p:cNvSpPr txBox="1"/>
+          <p:cNvSpPr txBox="1">
+            <a:spLocks noGrp="1"/>
+          </p:cNvSpPr>
           <p:nvPr>
-            <p:ph idx="1" type="body"/>
+            <p:ph type="body" idx="1"/>
           </p:nvPr>
         </p:nvSpPr>
         <p:spPr>
@@ -12242,12 +12685,12 @@
           </a:prstGeom>
         </p:spPr>
         <p:txBody>
-          <a:bodyPr anchorCtr="0" anchor="t" bIns="91425" lIns="91425" spcFirstLastPara="1" rIns="91425" wrap="square" tIns="91425">
-            <a:normAutofit/>
+          <a:bodyPr spcFirstLastPara="1" wrap="square" lIns="91425" tIns="91425" rIns="91425" bIns="91425" anchor="t" anchorCtr="0">
+            <a:normAutofit fontScale="92500"/>
           </a:bodyPr>
           <a:lstStyle/>
           <a:p>
-            <a:pPr indent="-342900" lvl="0" marL="457200" rtl="0" algn="l">
+            <a:pPr marL="457200" lvl="0" indent="-342900" algn="l" rtl="0">
               <a:spcBef>
                 <a:spcPts val="0"/>
               </a:spcBef>
@@ -12264,7 +12707,7 @@
             <a:endParaRPr sz="1800"/>
           </a:p>
           <a:p>
-            <a:pPr indent="-342900" lvl="1" marL="914400" rtl="0" algn="l">
+            <a:pPr marL="914400" lvl="1" indent="-342900" algn="l" rtl="0">
               <a:spcBef>
                 <a:spcPts val="0"/>
               </a:spcBef>
@@ -12276,16 +12719,12 @@
             </a:pPr>
             <a:r>
               <a:rPr lang="en" sz="1800"/>
-              <a:t>The winners of the NBA Finals each year bring in over tens of </a:t>
-            </a:r>
-            <a:r>
-              <a:rPr lang="en" sz="1800"/>
-              <a:t>millions of revenue each year (both players and teams), so it is important to gain as much of a strategic advantage over other teams as possible</a:t>
+              <a:t>The winners of the NBA Finals each year bring in over tens of millions of revenue each year (both players and teams), so it is important to gain as much of a strategic advantage over other teams as possible</a:t>
             </a:r>
             <a:endParaRPr sz="1800"/>
           </a:p>
           <a:p>
-            <a:pPr indent="-342900" lvl="0" marL="457200" rtl="0" algn="l">
+            <a:pPr marL="457200" lvl="0" indent="-342900" algn="l" rtl="0">
               <a:spcBef>
                 <a:spcPts val="0"/>
               </a:spcBef>
@@ -12340,11 +12779,11 @@
 </file>
 
 <file path=ppt/slides/slide5.xml><?xml version="1.0" encoding="utf-8"?>
-<p:sld xmlns:a="http://schemas.openxmlformats.org/drawingml/2006/main" xmlns:r="http://schemas.openxmlformats.org/officeDocument/2006/relationships" xmlns:mc="http://schemas.openxmlformats.org/markup-compatibility/2006" xmlns:mv="urn:schemas-microsoft-com:mac:vml" xmlns:p="http://schemas.openxmlformats.org/presentationml/2006/main" xmlns:c="http://schemas.openxmlformats.org/drawingml/2006/chart" xmlns:dgm="http://schemas.openxmlformats.org/drawingml/2006/diagram" xmlns:o="urn:schemas-microsoft-com:office:office" xmlns:v="urn:schemas-microsoft-com:vml" xmlns:pvml="urn:schemas-microsoft-com:office:powerpoint" xmlns:com="http://schemas.openxmlformats.org/drawingml/2006/compatibility" xmlns:p14="http://schemas.microsoft.com/office/powerpoint/2010/main" xmlns:p15="http://schemas.microsoft.com/office/powerpoint/2012/main" xmlns:ahyp="http://schemas.microsoft.com/office/drawing/2018/hyperlinkcolor">
+<p:sld xmlns:a="http://schemas.openxmlformats.org/drawingml/2006/main" xmlns:r="http://schemas.openxmlformats.org/officeDocument/2006/relationships" xmlns:p="http://schemas.openxmlformats.org/presentationml/2006/main">
   <p:cSld>
     <p:spTree>
       <p:nvGrpSpPr>
-        <p:cNvPr id="153" name="Shape 153"/>
+        <p:cNvPr id="1" name="Shape 153"/>
         <p:cNvGrpSpPr/>
         <p:nvPr/>
       </p:nvGrpSpPr>
@@ -12359,7 +12798,9 @@
       <p:sp>
         <p:nvSpPr>
           <p:cNvPr id="154" name="Google Shape;154;p17"/>
-          <p:cNvSpPr txBox="1"/>
+          <p:cNvSpPr txBox="1">
+            <a:spLocks noGrp="1"/>
+          </p:cNvSpPr>
           <p:nvPr>
             <p:ph type="title"/>
           </p:nvPr>
@@ -12374,12 +12815,12 @@
           </a:prstGeom>
         </p:spPr>
         <p:txBody>
-          <a:bodyPr anchorCtr="0" anchor="t" bIns="91425" lIns="91425" spcFirstLastPara="1" rIns="91425" wrap="square" tIns="91425">
+          <a:bodyPr spcFirstLastPara="1" wrap="square" lIns="91425" tIns="91425" rIns="91425" bIns="91425" anchor="t" anchorCtr="0">
             <a:normAutofit/>
           </a:bodyPr>
           <a:lstStyle/>
           <a:p>
-            <a:pPr indent="0" lvl="0" marL="0" rtl="0" algn="l">
+            <a:pPr marL="0" lvl="0" indent="0" algn="l" rtl="0">
               <a:spcBef>
                 <a:spcPts val="0"/>
               </a:spcBef>
@@ -12399,9 +12840,11 @@
       <p:sp>
         <p:nvSpPr>
           <p:cNvPr id="155" name="Google Shape;155;p17"/>
-          <p:cNvSpPr txBox="1"/>
+          <p:cNvSpPr txBox="1">
+            <a:spLocks noGrp="1"/>
+          </p:cNvSpPr>
           <p:nvPr>
-            <p:ph idx="1" type="body"/>
+            <p:ph type="body" idx="1"/>
           </p:nvPr>
         </p:nvSpPr>
         <p:spPr>
@@ -12414,12 +12857,12 @@
           </a:prstGeom>
         </p:spPr>
         <p:txBody>
-          <a:bodyPr anchorCtr="0" anchor="t" bIns="91425" lIns="91425" spcFirstLastPara="1" rIns="91425" wrap="square" tIns="91425">
+          <a:bodyPr spcFirstLastPara="1" wrap="square" lIns="91425" tIns="91425" rIns="91425" bIns="91425" anchor="t" anchorCtr="0">
             <a:normAutofit/>
           </a:bodyPr>
           <a:lstStyle/>
           <a:p>
-            <a:pPr indent="-342900" lvl="0" marL="457200" rtl="0" algn="l">
+            <a:pPr marL="457200" lvl="0" indent="-342900" algn="l" rtl="0">
               <a:spcBef>
                 <a:spcPts val="0"/>
               </a:spcBef>
@@ -12436,7 +12879,7 @@
             <a:endParaRPr sz="1800"/>
           </a:p>
           <a:p>
-            <a:pPr indent="-342900" lvl="0" marL="457200" rtl="0" algn="l">
+            <a:pPr marL="457200" lvl="0" indent="-342900" algn="l" rtl="0">
               <a:spcBef>
                 <a:spcPts val="0"/>
               </a:spcBef>
@@ -12453,7 +12896,7 @@
             <a:endParaRPr sz="1800"/>
           </a:p>
           <a:p>
-            <a:pPr indent="-342900" lvl="0" marL="457200" rtl="0" algn="l">
+            <a:pPr marL="457200" lvl="0" indent="-342900" algn="l" rtl="0">
               <a:spcBef>
                 <a:spcPts val="0"/>
               </a:spcBef>
@@ -12465,15 +12908,7 @@
             </a:pPr>
             <a:r>
               <a:rPr lang="en" sz="1800"/>
-              <a:t>Out of all the players in the league, which </a:t>
-            </a:r>
-            <a:r>
-              <a:rPr lang="en" sz="1800"/>
-              <a:t>positions (PG, SG, SF, PF, C)</a:t>
-            </a:r>
-            <a:r>
-              <a:rPr lang="en" sz="1800"/>
-              <a:t> are most predictive of winning?</a:t>
+              <a:t>Out of all the players in the league, which positions (PG, SG, SF, PF, C) are most predictive of winning?</a:t>
             </a:r>
             <a:endParaRPr sz="1800"/>
           </a:p>
@@ -12488,11 +12923,11 @@
 </file>
 
 <file path=ppt/slides/slide6.xml><?xml version="1.0" encoding="utf-8"?>
-<p:sld xmlns:a="http://schemas.openxmlformats.org/drawingml/2006/main" xmlns:r="http://schemas.openxmlformats.org/officeDocument/2006/relationships" xmlns:mc="http://schemas.openxmlformats.org/markup-compatibility/2006" xmlns:mv="urn:schemas-microsoft-com:mac:vml" xmlns:p="http://schemas.openxmlformats.org/presentationml/2006/main" xmlns:c="http://schemas.openxmlformats.org/drawingml/2006/chart" xmlns:dgm="http://schemas.openxmlformats.org/drawingml/2006/diagram" xmlns:o="urn:schemas-microsoft-com:office:office" xmlns:v="urn:schemas-microsoft-com:vml" xmlns:pvml="urn:schemas-microsoft-com:office:powerpoint" xmlns:com="http://schemas.openxmlformats.org/drawingml/2006/compatibility" xmlns:p14="http://schemas.microsoft.com/office/powerpoint/2010/main" xmlns:p15="http://schemas.microsoft.com/office/powerpoint/2012/main" xmlns:ahyp="http://schemas.microsoft.com/office/drawing/2018/hyperlinkcolor">
+<p:sld xmlns:a="http://schemas.openxmlformats.org/drawingml/2006/main" xmlns:r="http://schemas.openxmlformats.org/officeDocument/2006/relationships" xmlns:p="http://schemas.openxmlformats.org/presentationml/2006/main">
   <p:cSld>
     <p:spTree>
       <p:nvGrpSpPr>
-        <p:cNvPr id="159" name="Shape 159"/>
+        <p:cNvPr id="1" name="Shape 159"/>
         <p:cNvGrpSpPr/>
         <p:nvPr/>
       </p:nvGrpSpPr>
@@ -12507,7 +12942,9 @@
       <p:sp>
         <p:nvSpPr>
           <p:cNvPr id="160" name="Google Shape;160;p18"/>
-          <p:cNvSpPr txBox="1"/>
+          <p:cNvSpPr txBox="1">
+            <a:spLocks noGrp="1"/>
+          </p:cNvSpPr>
           <p:nvPr>
             <p:ph type="title"/>
           </p:nvPr>
@@ -12522,12 +12959,12 @@
           </a:prstGeom>
         </p:spPr>
         <p:txBody>
-          <a:bodyPr anchorCtr="0" anchor="t" bIns="91425" lIns="91425" spcFirstLastPara="1" rIns="91425" wrap="square" tIns="91425">
+          <a:bodyPr spcFirstLastPara="1" wrap="square" lIns="91425" tIns="91425" rIns="91425" bIns="91425" anchor="t" anchorCtr="0">
             <a:normAutofit/>
           </a:bodyPr>
           <a:lstStyle/>
           <a:p>
-            <a:pPr indent="0" lvl="0" marL="0" rtl="0" algn="l">
+            <a:pPr marL="0" lvl="0" indent="0" algn="l" rtl="0">
               <a:spcBef>
                 <a:spcPts val="0"/>
               </a:spcBef>
@@ -12551,9 +12988,11 @@
       <p:sp>
         <p:nvSpPr>
           <p:cNvPr id="161" name="Google Shape;161;p18"/>
-          <p:cNvSpPr txBox="1"/>
+          <p:cNvSpPr txBox="1">
+            <a:spLocks noGrp="1"/>
+          </p:cNvSpPr>
           <p:nvPr>
-            <p:ph idx="1" type="body"/>
+            <p:ph type="body" idx="1"/>
           </p:nvPr>
         </p:nvSpPr>
         <p:spPr>
@@ -12566,12 +13005,12 @@
           </a:prstGeom>
         </p:spPr>
         <p:txBody>
-          <a:bodyPr anchorCtr="0" anchor="t" bIns="91425" lIns="91425" spcFirstLastPara="1" rIns="91425" wrap="square" tIns="91425">
+          <a:bodyPr spcFirstLastPara="1" wrap="square" lIns="91425" tIns="91425" rIns="91425" bIns="91425" anchor="t" anchorCtr="0">
             <a:noAutofit/>
           </a:bodyPr>
           <a:lstStyle/>
           <a:p>
-            <a:pPr indent="-324167" lvl="0" marL="457200" rtl="0" algn="l">
+            <a:pPr marL="457200" lvl="0" indent="-324167" algn="l" rtl="0">
               <a:spcBef>
                 <a:spcPts val="0"/>
               </a:spcBef>
@@ -12588,7 +13027,7 @@
             <a:endParaRPr sz="1505"/>
           </a:p>
           <a:p>
-            <a:pPr indent="0" lvl="0" marL="457200" rtl="0" algn="l">
+            <a:pPr marL="457200" lvl="0" indent="0" algn="l" rtl="0">
               <a:spcBef>
                 <a:spcPts val="1200"/>
               </a:spcBef>
@@ -12598,13 +13037,10 @@
               <a:buSzPts val="935"/>
               <a:buNone/>
             </a:pPr>
-            <a:r>
-              <a:t/>
-            </a:r>
             <a:endParaRPr sz="1505"/>
           </a:p>
           <a:p>
-            <a:pPr indent="-324167" lvl="0" marL="457200" rtl="0" algn="l">
+            <a:pPr marL="457200" lvl="0" indent="-324167" algn="l" rtl="0">
               <a:spcBef>
                 <a:spcPts val="1200"/>
               </a:spcBef>
@@ -12621,7 +13057,7 @@
             <a:endParaRPr sz="1505"/>
           </a:p>
           <a:p>
-            <a:pPr indent="0" lvl="0" marL="457200" rtl="0" algn="l">
+            <a:pPr marL="457200" lvl="0" indent="0" algn="l" rtl="0">
               <a:spcBef>
                 <a:spcPts val="1200"/>
               </a:spcBef>
@@ -12631,13 +13067,10 @@
               <a:buSzPts val="935"/>
               <a:buNone/>
             </a:pPr>
-            <a:r>
-              <a:t/>
-            </a:r>
             <a:endParaRPr sz="1505"/>
           </a:p>
           <a:p>
-            <a:pPr indent="-324167" lvl="0" marL="457200" rtl="0" algn="l">
+            <a:pPr marL="457200" lvl="0" indent="-324167" algn="l" rtl="0">
               <a:spcBef>
                 <a:spcPts val="1200"/>
               </a:spcBef>
@@ -12654,7 +13087,7 @@
             <a:endParaRPr sz="1505"/>
           </a:p>
           <a:p>
-            <a:pPr indent="0" lvl="0" marL="457200" rtl="0" algn="l">
+            <a:pPr marL="457200" lvl="0" indent="0" algn="l" rtl="0">
               <a:spcBef>
                 <a:spcPts val="1200"/>
               </a:spcBef>
@@ -12671,7 +13104,7 @@
             <a:endParaRPr sz="1505"/>
           </a:p>
           <a:p>
-            <a:pPr indent="-324167" lvl="0" marL="457200" rtl="0" algn="l">
+            <a:pPr marL="457200" lvl="0" indent="-324167" algn="l" rtl="0">
               <a:spcBef>
                 <a:spcPts val="1200"/>
               </a:spcBef>
@@ -12726,11 +13159,11 @@
 </file>
 
 <file path=ppt/slides/slide7.xml><?xml version="1.0" encoding="utf-8"?>
-<p:sld xmlns:a="http://schemas.openxmlformats.org/drawingml/2006/main" xmlns:r="http://schemas.openxmlformats.org/officeDocument/2006/relationships" xmlns:mc="http://schemas.openxmlformats.org/markup-compatibility/2006" xmlns:mv="urn:schemas-microsoft-com:mac:vml" xmlns:p="http://schemas.openxmlformats.org/presentationml/2006/main" xmlns:c="http://schemas.openxmlformats.org/drawingml/2006/chart" xmlns:dgm="http://schemas.openxmlformats.org/drawingml/2006/diagram" xmlns:o="urn:schemas-microsoft-com:office:office" xmlns:v="urn:schemas-microsoft-com:vml" xmlns:pvml="urn:schemas-microsoft-com:office:powerpoint" xmlns:com="http://schemas.openxmlformats.org/drawingml/2006/compatibility" xmlns:p14="http://schemas.microsoft.com/office/powerpoint/2010/main" xmlns:p15="http://schemas.microsoft.com/office/powerpoint/2012/main" xmlns:ahyp="http://schemas.microsoft.com/office/drawing/2018/hyperlinkcolor">
+<p:sld xmlns:a="http://schemas.openxmlformats.org/drawingml/2006/main" xmlns:r="http://schemas.openxmlformats.org/officeDocument/2006/relationships" xmlns:p="http://schemas.openxmlformats.org/presentationml/2006/main">
   <p:cSld>
     <p:spTree>
       <p:nvGrpSpPr>
-        <p:cNvPr id="166" name="Shape 166"/>
+        <p:cNvPr id="1" name="Shape 166"/>
         <p:cNvGrpSpPr/>
         <p:nvPr/>
       </p:nvGrpSpPr>
@@ -12745,7 +13178,9 @@
       <p:sp>
         <p:nvSpPr>
           <p:cNvPr id="167" name="Google Shape;167;p19"/>
-          <p:cNvSpPr txBox="1"/>
+          <p:cNvSpPr txBox="1">
+            <a:spLocks noGrp="1"/>
+          </p:cNvSpPr>
           <p:nvPr>
             <p:ph type="title"/>
           </p:nvPr>
@@ -12760,12 +13195,12 @@
           </a:prstGeom>
         </p:spPr>
         <p:txBody>
-          <a:bodyPr anchorCtr="0" anchor="t" bIns="91425" lIns="91425" spcFirstLastPara="1" rIns="91425" wrap="square" tIns="91425">
+          <a:bodyPr spcFirstLastPara="1" wrap="square" lIns="91425" tIns="91425" rIns="91425" bIns="91425" anchor="t" anchorCtr="0">
             <a:normAutofit/>
           </a:bodyPr>
           <a:lstStyle/>
           <a:p>
-            <a:pPr indent="0" lvl="0" marL="0" rtl="0" algn="l">
+            <a:pPr marL="0" lvl="0" indent="0" algn="l" rtl="0">
               <a:spcBef>
                 <a:spcPts val="0"/>
               </a:spcBef>
@@ -12826,7 +13261,7 @@
         </p:blipFill>
         <p:spPr>
           <a:xfrm>
-            <a:off x="3979400" y="1411775"/>
+            <a:off x="3979400" y="1411774"/>
             <a:ext cx="4914167" cy="3354175"/>
           </a:xfrm>
           <a:prstGeom prst="rect">
@@ -12858,12 +13293,12 @@
           </a:ln>
         </p:spPr>
         <p:txBody>
-          <a:bodyPr anchorCtr="0" anchor="t" bIns="91425" lIns="91425" spcFirstLastPara="1" rIns="91425" wrap="square" tIns="91425">
+          <a:bodyPr spcFirstLastPara="1" wrap="square" lIns="91425" tIns="91425" rIns="91425" bIns="91425" anchor="t" anchorCtr="0">
             <a:spAutoFit/>
           </a:bodyPr>
           <a:lstStyle/>
           <a:p>
-            <a:pPr indent="-311150" lvl="0" marL="457200" rtl="0" algn="l">
+            <a:pPr marL="457200" lvl="0" indent="-311150" algn="l" rtl="0">
               <a:spcBef>
                 <a:spcPts val="0"/>
               </a:spcBef>
@@ -12891,7 +13326,7 @@
             </a:endParaRPr>
           </a:p>
           <a:p>
-            <a:pPr indent="-311150" lvl="0" marL="457200" rtl="0" algn="l">
+            <a:pPr marL="457200" lvl="0" indent="-311150" algn="l" rtl="0">
               <a:spcBef>
                 <a:spcPts val="0"/>
               </a:spcBef>
@@ -12919,7 +13354,7 @@
             </a:endParaRPr>
           </a:p>
           <a:p>
-            <a:pPr indent="-311150" lvl="0" marL="457200" rtl="0" algn="l">
+            <a:pPr marL="457200" lvl="0" indent="-311150" algn="l" rtl="0">
               <a:spcBef>
                 <a:spcPts val="0"/>
               </a:spcBef>
@@ -12957,11 +13392,11 @@
 </file>
 
 <file path=ppt/slides/slide8.xml><?xml version="1.0" encoding="utf-8"?>
-<p:sld xmlns:a="http://schemas.openxmlformats.org/drawingml/2006/main" xmlns:r="http://schemas.openxmlformats.org/officeDocument/2006/relationships" xmlns:mc="http://schemas.openxmlformats.org/markup-compatibility/2006" xmlns:mv="urn:schemas-microsoft-com:mac:vml" xmlns:p="http://schemas.openxmlformats.org/presentationml/2006/main" xmlns:c="http://schemas.openxmlformats.org/drawingml/2006/chart" xmlns:dgm="http://schemas.openxmlformats.org/drawingml/2006/diagram" xmlns:o="urn:schemas-microsoft-com:office:office" xmlns:v="urn:schemas-microsoft-com:vml" xmlns:pvml="urn:schemas-microsoft-com:office:powerpoint" xmlns:com="http://schemas.openxmlformats.org/drawingml/2006/compatibility" xmlns:p14="http://schemas.microsoft.com/office/powerpoint/2010/main" xmlns:p15="http://schemas.microsoft.com/office/powerpoint/2012/main" xmlns:ahyp="http://schemas.microsoft.com/office/drawing/2018/hyperlinkcolor">
+<p:sld xmlns:a="http://schemas.openxmlformats.org/drawingml/2006/main" xmlns:r="http://schemas.openxmlformats.org/officeDocument/2006/relationships" xmlns:p="http://schemas.openxmlformats.org/presentationml/2006/main">
   <p:cSld>
     <p:spTree>
       <p:nvGrpSpPr>
-        <p:cNvPr id="174" name="Shape 174"/>
+        <p:cNvPr id="1" name="Shape 174"/>
         <p:cNvGrpSpPr/>
         <p:nvPr/>
       </p:nvGrpSpPr>
@@ -12976,7 +13411,9 @@
       <p:sp>
         <p:nvSpPr>
           <p:cNvPr id="175" name="Google Shape;175;p20"/>
-          <p:cNvSpPr txBox="1"/>
+          <p:cNvSpPr txBox="1">
+            <a:spLocks noGrp="1"/>
+          </p:cNvSpPr>
           <p:nvPr>
             <p:ph type="title"/>
           </p:nvPr>
@@ -12991,12 +13428,12 @@
           </a:prstGeom>
         </p:spPr>
         <p:txBody>
-          <a:bodyPr anchorCtr="0" anchor="t" bIns="91425" lIns="91425" spcFirstLastPara="1" rIns="91425" wrap="square" tIns="91425">
+          <a:bodyPr spcFirstLastPara="1" wrap="square" lIns="91425" tIns="91425" rIns="91425" bIns="91425" anchor="t" anchorCtr="0">
             <a:normAutofit/>
           </a:bodyPr>
           <a:lstStyle/>
           <a:p>
-            <a:pPr indent="0" lvl="0" marL="0" rtl="0" algn="l">
+            <a:pPr marL="0" lvl="0" indent="0" algn="l" rtl="0">
               <a:spcBef>
                 <a:spcPts val="0"/>
               </a:spcBef>
@@ -13016,9 +13453,11 @@
       <p:sp>
         <p:nvSpPr>
           <p:cNvPr id="176" name="Google Shape;176;p20"/>
-          <p:cNvSpPr txBox="1"/>
+          <p:cNvSpPr txBox="1">
+            <a:spLocks noGrp="1"/>
+          </p:cNvSpPr>
           <p:nvPr>
-            <p:ph idx="1" type="body"/>
+            <p:ph type="body" idx="1"/>
           </p:nvPr>
         </p:nvSpPr>
         <p:spPr>
@@ -13031,12 +13470,12 @@
           </a:prstGeom>
         </p:spPr>
         <p:txBody>
-          <a:bodyPr anchorCtr="0" anchor="t" bIns="91425" lIns="91425" spcFirstLastPara="1" rIns="91425" wrap="square" tIns="91425">
+          <a:bodyPr spcFirstLastPara="1" wrap="square" lIns="91425" tIns="91425" rIns="91425" bIns="91425" anchor="t" anchorCtr="0">
             <a:noAutofit/>
           </a:bodyPr>
           <a:lstStyle/>
           <a:p>
-            <a:pPr indent="-324167" lvl="0" marL="457200" rtl="0" algn="l">
+            <a:pPr marL="457200" lvl="0" indent="-324167" algn="l" rtl="0">
               <a:lnSpc>
                 <a:spcPct val="95000"/>
               </a:lnSpc>
@@ -13050,13 +13489,13 @@
               <a:buChar char="-"/>
             </a:pPr>
             <a:r>
-              <a:rPr b="1" lang="en" sz="1505"/>
+              <a:rPr lang="en" sz="1505" b="1"/>
               <a:t>Task: Binary classification (Win / Lose)</a:t>
             </a:r>
-            <a:endParaRPr b="1" sz="1505"/>
-          </a:p>
-          <a:p>
-            <a:pPr indent="0" lvl="0" marL="457200" rtl="0" algn="l">
+            <a:endParaRPr sz="1505" b="1"/>
+          </a:p>
+          <a:p>
+            <a:pPr marL="457200" lvl="0" indent="0" algn="l" rtl="0">
               <a:lnSpc>
                 <a:spcPct val="95000"/>
               </a:lnSpc>
@@ -13068,13 +13507,10 @@
               </a:spcAft>
               <a:buNone/>
             </a:pPr>
-            <a:r>
-              <a:t/>
-            </a:r>
-            <a:endParaRPr b="1" sz="1205"/>
-          </a:p>
-          <a:p>
-            <a:pPr indent="-324167" lvl="0" marL="457200" rtl="0" algn="l">
+            <a:endParaRPr sz="1205" b="1"/>
+          </a:p>
+          <a:p>
+            <a:pPr marL="457200" lvl="0" indent="-324167" algn="l" rtl="0">
               <a:lnSpc>
                 <a:spcPct val="95000"/>
               </a:lnSpc>
@@ -13088,17 +13524,13 @@
               <a:buChar char="-"/>
             </a:pPr>
             <a:r>
-              <a:rPr b="1" lang="en" sz="1505"/>
-              <a:t>Selected </a:t>
+              <a:rPr lang="en" sz="1505" b="1"/>
+              <a:t>Selected methods</a:t>
             </a:r>
-            <a:r>
-              <a:rPr b="1" lang="en" sz="1505"/>
-              <a:t>methods</a:t>
-            </a:r>
-            <a:endParaRPr b="1" sz="1505"/>
-          </a:p>
-          <a:p>
-            <a:pPr indent="-324167" lvl="0" marL="914400" rtl="0" algn="l">
+            <a:endParaRPr sz="1505" b="1"/>
+          </a:p>
+          <a:p>
+            <a:pPr marL="914400" lvl="0" indent="-324167" algn="l" rtl="0">
               <a:lnSpc>
                 <a:spcPct val="95000"/>
               </a:lnSpc>
@@ -13118,7 +13550,7 @@
             <a:endParaRPr sz="1505"/>
           </a:p>
           <a:p>
-            <a:pPr indent="-324167" lvl="2" marL="1371600" rtl="0" algn="l">
+            <a:pPr marL="1371600" lvl="2" indent="-324167" algn="l" rtl="0">
               <a:lnSpc>
                 <a:spcPct val="95000"/>
               </a:lnSpc>
@@ -13138,7 +13570,7 @@
             <a:endParaRPr sz="1505"/>
           </a:p>
           <a:p>
-            <a:pPr indent="-324167" lvl="2" marL="1371600" rtl="0" algn="l">
+            <a:pPr marL="1371600" lvl="2" indent="-324167" algn="l" rtl="0">
               <a:lnSpc>
                 <a:spcPct val="95000"/>
               </a:lnSpc>
@@ -13158,7 +13590,7 @@
             <a:endParaRPr sz="1505"/>
           </a:p>
           <a:p>
-            <a:pPr indent="-324167" lvl="0" marL="914400" rtl="0" algn="l">
+            <a:pPr marL="914400" lvl="0" indent="-324167" algn="l" rtl="0">
               <a:lnSpc>
                 <a:spcPct val="95000"/>
               </a:lnSpc>
@@ -13178,7 +13610,7 @@
             <a:endParaRPr sz="1505"/>
           </a:p>
           <a:p>
-            <a:pPr indent="-324167" lvl="2" marL="1371600" rtl="0" algn="l">
+            <a:pPr marL="1371600" lvl="2" indent="-324167" algn="l" rtl="0">
               <a:lnSpc>
                 <a:spcPct val="95000"/>
               </a:lnSpc>
@@ -13198,7 +13630,7 @@
             <a:endParaRPr sz="1505"/>
           </a:p>
           <a:p>
-            <a:pPr indent="-324167" lvl="2" marL="1371600" rtl="0" algn="l">
+            <a:pPr marL="1371600" lvl="2" indent="-324167" algn="l" rtl="0">
               <a:lnSpc>
                 <a:spcPct val="95000"/>
               </a:lnSpc>
@@ -13213,16 +13645,12 @@
             </a:pPr>
             <a:r>
               <a:rPr lang="en" sz="1505"/>
-              <a:t>Deal with </a:t>
-            </a:r>
-            <a:r>
-              <a:rPr lang="en" sz="1505"/>
-              <a:t>overfitting problem</a:t>
+              <a:t>Deal with overfitting problem</a:t>
             </a:r>
             <a:endParaRPr sz="1505"/>
           </a:p>
           <a:p>
-            <a:pPr indent="-324167" lvl="2" marL="1371600" rtl="0" algn="l">
+            <a:pPr marL="1371600" lvl="2" indent="-324167" algn="l" rtl="0">
               <a:lnSpc>
                 <a:spcPct val="95000"/>
               </a:lnSpc>
@@ -13242,7 +13670,7 @@
             <a:endParaRPr sz="1505"/>
           </a:p>
           <a:p>
-            <a:pPr indent="-324167" lvl="0" marL="914400" rtl="0" algn="l">
+            <a:pPr marL="914400" lvl="0" indent="-324167" algn="l" rtl="0">
               <a:lnSpc>
                 <a:spcPct val="95000"/>
               </a:lnSpc>
@@ -13262,7 +13690,7 @@
             <a:endParaRPr sz="1505"/>
           </a:p>
           <a:p>
-            <a:pPr indent="-324167" lvl="2" marL="1371600" rtl="0" algn="l">
+            <a:pPr marL="1371600" lvl="2" indent="-324167" algn="l" rtl="0">
               <a:lnSpc>
                 <a:spcPct val="95000"/>
               </a:lnSpc>
@@ -13282,7 +13710,7 @@
             <a:endParaRPr sz="1505"/>
           </a:p>
           <a:p>
-            <a:pPr indent="-324167" lvl="2" marL="1371600" rtl="0" algn="l">
+            <a:pPr marL="1371600" lvl="2" indent="-324167" algn="l" rtl="0">
               <a:lnSpc>
                 <a:spcPct val="95000"/>
               </a:lnSpc>
@@ -13302,7 +13730,7 @@
             <a:endParaRPr sz="1505"/>
           </a:p>
           <a:p>
-            <a:pPr indent="-324167" lvl="2" marL="1371600" rtl="0" algn="l">
+            <a:pPr marL="1371600" lvl="2" indent="-324167" algn="l" rtl="0">
               <a:lnSpc>
                 <a:spcPct val="95000"/>
               </a:lnSpc>
@@ -13322,7 +13750,7 @@
             <a:endParaRPr sz="1505"/>
           </a:p>
           <a:p>
-            <a:pPr indent="0" lvl="0" marL="457200" rtl="0" algn="l">
+            <a:pPr marL="457200" lvl="0" indent="0" algn="l" rtl="0">
               <a:lnSpc>
                 <a:spcPct val="95000"/>
               </a:lnSpc>
@@ -13335,9 +13763,6 @@
               <a:buSzPts val="935"/>
               <a:buNone/>
             </a:pPr>
-            <a:r>
-              <a:t/>
-            </a:r>
             <a:endParaRPr sz="1305"/>
           </a:p>
         </p:txBody>
@@ -13379,11 +13804,11 @@
 </file>
 
 <file path=ppt/slides/slide9.xml><?xml version="1.0" encoding="utf-8"?>
-<p:sld xmlns:a="http://schemas.openxmlformats.org/drawingml/2006/main" xmlns:r="http://schemas.openxmlformats.org/officeDocument/2006/relationships" xmlns:mc="http://schemas.openxmlformats.org/markup-compatibility/2006" xmlns:mv="urn:schemas-microsoft-com:mac:vml" xmlns:p="http://schemas.openxmlformats.org/presentationml/2006/main" xmlns:c="http://schemas.openxmlformats.org/drawingml/2006/chart" xmlns:dgm="http://schemas.openxmlformats.org/drawingml/2006/diagram" xmlns:o="urn:schemas-microsoft-com:office:office" xmlns:v="urn:schemas-microsoft-com:vml" xmlns:pvml="urn:schemas-microsoft-com:office:powerpoint" xmlns:com="http://schemas.openxmlformats.org/drawingml/2006/compatibility" xmlns:p14="http://schemas.microsoft.com/office/powerpoint/2010/main" xmlns:p15="http://schemas.microsoft.com/office/powerpoint/2012/main" xmlns:ahyp="http://schemas.microsoft.com/office/drawing/2018/hyperlinkcolor">
+<p:sld xmlns:a="http://schemas.openxmlformats.org/drawingml/2006/main" xmlns:r="http://schemas.openxmlformats.org/officeDocument/2006/relationships" xmlns:p="http://schemas.openxmlformats.org/presentationml/2006/main">
   <p:cSld>
     <p:spTree>
       <p:nvGrpSpPr>
-        <p:cNvPr id="181" name="Shape 181"/>
+        <p:cNvPr id="1" name="Shape 181"/>
         <p:cNvGrpSpPr/>
         <p:nvPr/>
       </p:nvGrpSpPr>
@@ -13398,7 +13823,9 @@
       <p:sp>
         <p:nvSpPr>
           <p:cNvPr id="182" name="Google Shape;182;p21"/>
-          <p:cNvSpPr txBox="1"/>
+          <p:cNvSpPr txBox="1">
+            <a:spLocks noGrp="1"/>
+          </p:cNvSpPr>
           <p:nvPr>
             <p:ph type="title"/>
           </p:nvPr>
@@ -13413,12 +13840,12 @@
           </a:prstGeom>
         </p:spPr>
         <p:txBody>
-          <a:bodyPr anchorCtr="0" anchor="t" bIns="91425" lIns="91425" spcFirstLastPara="1" rIns="91425" wrap="square" tIns="91425">
+          <a:bodyPr spcFirstLastPara="1" wrap="square" lIns="91425" tIns="91425" rIns="91425" bIns="91425" anchor="t" anchorCtr="0">
             <a:normAutofit/>
           </a:bodyPr>
           <a:lstStyle/>
           <a:p>
-            <a:pPr indent="0" lvl="0" marL="0" rtl="0" algn="l">
+            <a:pPr marL="0" lvl="0" indent="0" algn="l" rtl="0">
               <a:spcBef>
                 <a:spcPts val="0"/>
               </a:spcBef>
@@ -13438,9 +13865,11 @@
       <p:sp>
         <p:nvSpPr>
           <p:cNvPr id="183" name="Google Shape;183;p21"/>
-          <p:cNvSpPr txBox="1"/>
+          <p:cNvSpPr txBox="1">
+            <a:spLocks noGrp="1"/>
+          </p:cNvSpPr>
           <p:nvPr>
-            <p:ph idx="1" type="body"/>
+            <p:ph type="body" idx="1"/>
           </p:nvPr>
         </p:nvSpPr>
         <p:spPr>
@@ -13453,12 +13882,12 @@
           </a:prstGeom>
         </p:spPr>
         <p:txBody>
-          <a:bodyPr anchorCtr="0" anchor="t" bIns="91425" lIns="91425" spcFirstLastPara="1" rIns="91425" wrap="square" tIns="91425">
+          <a:bodyPr spcFirstLastPara="1" wrap="square" lIns="91425" tIns="91425" rIns="91425" bIns="91425" anchor="t" anchorCtr="0">
             <a:normAutofit/>
           </a:bodyPr>
           <a:lstStyle/>
           <a:p>
-            <a:pPr indent="-342900" lvl="0" marL="457200" rtl="0" algn="l">
+            <a:pPr marL="457200" lvl="0" indent="-342900" algn="l" rtl="0">
               <a:spcBef>
                 <a:spcPts val="0"/>
               </a:spcBef>
@@ -13475,7 +13904,7 @@
             <a:endParaRPr sz="1800"/>
           </a:p>
           <a:p>
-            <a:pPr indent="0" lvl="0" marL="457200" rtl="0" algn="l">
+            <a:pPr marL="457200" lvl="0" indent="0" algn="l" rtl="0">
               <a:spcBef>
                 <a:spcPts val="1200"/>
               </a:spcBef>
@@ -13486,36 +13915,28 @@
             </a:pPr>
             <a:r>
               <a:rPr lang="en" sz="1800"/>
-              <a:t>w</a:t>
+              <a:t>was between 0.4 and 0.5 for bench </a:t>
             </a:r>
+            <a:endParaRPr sz="1800"/>
+          </a:p>
+          <a:p>
+            <a:pPr marL="457200" lvl="0" indent="0" algn="l" rtl="0">
+              <a:spcBef>
+                <a:spcPts val="1200"/>
+              </a:spcBef>
+              <a:spcAft>
+                <a:spcPts val="0"/>
+              </a:spcAft>
+              <a:buNone/>
+            </a:pPr>
             <a:r>
               <a:rPr lang="en" sz="1800"/>
-              <a:t>as between 0.4 and 0.5 for bench </a:t>
+              <a:t>players and between 0.2 and 0.3 for starters</a:t>
             </a:r>
             <a:endParaRPr sz="1800"/>
           </a:p>
           <a:p>
-            <a:pPr indent="0" lvl="0" marL="457200" rtl="0" algn="l">
-              <a:spcBef>
-                <a:spcPts val="1200"/>
-              </a:spcBef>
-              <a:spcAft>
-                <a:spcPts val="0"/>
-              </a:spcAft>
-              <a:buNone/>
-            </a:pPr>
-            <a:r>
-              <a:rPr lang="en" sz="1800"/>
-              <a:t>p</a:t>
-            </a:r>
-            <a:r>
-              <a:rPr lang="en" sz="1800"/>
-              <a:t>layers and between 0.2 and 0.3 for starters</a:t>
-            </a:r>
-            <a:endParaRPr sz="1800"/>
-          </a:p>
-          <a:p>
-            <a:pPr indent="-342900" lvl="0" marL="457200" rtl="0" algn="l">
+            <a:pPr marL="457200" lvl="0" indent="-342900" algn="l" rtl="0">
               <a:spcBef>
                 <a:spcPts val="1200"/>
               </a:spcBef>
@@ -13570,7 +13991,288 @@
 </file>
 
 <file path=ppt/theme/theme1.xml><?xml version="1.0" encoding="utf-8"?>
-<a:theme xmlns:a="http://schemas.openxmlformats.org/drawingml/2006/main" xmlns:r="http://schemas.openxmlformats.org/officeDocument/2006/relationships">
+<a:theme xmlns:a="http://schemas.openxmlformats.org/drawingml/2006/main" name="Shift">
+  <a:themeElements>
+    <a:clrScheme name="Shift">
+      <a:dk1>
+        <a:srgbClr val="FFFFFF"/>
+      </a:dk1>
+      <a:lt1>
+        <a:srgbClr val="AF7B51"/>
+      </a:lt1>
+      <a:dk2>
+        <a:srgbClr val="233A44"/>
+      </a:dk2>
+      <a:lt2>
+        <a:srgbClr val="D9D9D9"/>
+      </a:lt2>
+      <a:accent1>
+        <a:srgbClr val="00796B"/>
+      </a:accent1>
+      <a:accent2>
+        <a:srgbClr val="D9563F"/>
+      </a:accent2>
+      <a:accent3>
+        <a:srgbClr val="C4A15A"/>
+      </a:accent3>
+      <a:accent4>
+        <a:srgbClr val="14F597"/>
+      </a:accent4>
+      <a:accent5>
+        <a:srgbClr val="3D4594"/>
+      </a:accent5>
+      <a:accent6>
+        <a:srgbClr val="163EF5"/>
+      </a:accent6>
+      <a:hlink>
+        <a:srgbClr val="3D4594"/>
+      </a:hlink>
+      <a:folHlink>
+        <a:srgbClr val="3D4594"/>
+      </a:folHlink>
+    </a:clrScheme>
+    <a:fontScheme name="Office">
+      <a:majorFont>
+        <a:latin typeface="Arial"/>
+        <a:ea typeface=""/>
+        <a:cs typeface=""/>
+        <a:font script="Jpan" typeface="ＭＳ Ｐゴシック"/>
+        <a:font script="Hang" typeface="맑은 고딕"/>
+        <a:font script="Hans" typeface="宋体"/>
+        <a:font script="Hant" typeface="新細明體"/>
+        <a:font script="Arab" typeface="Times New Roman"/>
+        <a:font script="Hebr" typeface="Times New Roman"/>
+        <a:font script="Thai" typeface="Angsana New"/>
+        <a:font script="Ethi" typeface="Nyala"/>
+        <a:font script="Beng" typeface="Vrinda"/>
+        <a:font script="Gujr" typeface="Shruti"/>
+        <a:font script="Khmr" typeface="MoolBoran"/>
+        <a:font script="Knda" typeface="Tunga"/>
+        <a:font script="Guru" typeface="Raavi"/>
+        <a:font script="Cans" typeface="Euphemia"/>
+        <a:font script="Cher" typeface="Plantagenet Cherokee"/>
+        <a:font script="Yiii" typeface="Microsoft Yi Baiti"/>
+        <a:font script="Tibt" typeface="Microsoft Himalaya"/>
+        <a:font script="Thaa" typeface="MV Boli"/>
+        <a:font script="Deva" typeface="Mangal"/>
+        <a:font script="Telu" typeface="Gautami"/>
+        <a:font script="Taml" typeface="Latha"/>
+        <a:font script="Syrc" typeface="Estrangelo Edessa"/>
+        <a:font script="Orya" typeface="Kalinga"/>
+        <a:font script="Mlym" typeface="Kartika"/>
+        <a:font script="Laoo" typeface="DokChampa"/>
+        <a:font script="Sinh" typeface="Iskoola Pota"/>
+        <a:font script="Mong" typeface="Mongolian Baiti"/>
+        <a:font script="Viet" typeface="Times New Roman"/>
+        <a:font script="Uigh" typeface="Microsoft Uighur"/>
+        <a:font script="Geor" typeface="Sylfaen"/>
+      </a:majorFont>
+      <a:minorFont>
+        <a:latin typeface="Arial"/>
+        <a:ea typeface=""/>
+        <a:cs typeface=""/>
+        <a:font script="Jpan" typeface="ＭＳ Ｐゴシック"/>
+        <a:font script="Hang" typeface="맑은 고딕"/>
+        <a:font script="Hans" typeface="宋体"/>
+        <a:font script="Hant" typeface="新細明體"/>
+        <a:font script="Arab" typeface="Arial"/>
+        <a:font script="Hebr" typeface="Arial"/>
+        <a:font script="Thai" typeface="Cordia New"/>
+        <a:font script="Ethi" typeface="Nyala"/>
+        <a:font script="Beng" typeface="Vrinda"/>
+        <a:font script="Gujr" typeface="Shruti"/>
+        <a:font script="Khmr" typeface="DaunPenh"/>
+        <a:font script="Knda" typeface="Tunga"/>
+        <a:font script="Guru" typeface="Raavi"/>
+        <a:font script="Cans" typeface="Euphemia"/>
+        <a:font script="Cher" typeface="Plantagenet Cherokee"/>
+        <a:font script="Yiii" typeface="Microsoft Yi Baiti"/>
+        <a:font script="Tibt" typeface="Microsoft Himalaya"/>
+        <a:font script="Thaa" typeface="MV Boli"/>
+        <a:font script="Deva" typeface="Mangal"/>
+        <a:font script="Telu" typeface="Gautami"/>
+        <a:font script="Taml" typeface="Latha"/>
+        <a:font script="Syrc" typeface="Estrangelo Edessa"/>
+        <a:font script="Orya" typeface="Kalinga"/>
+        <a:font script="Mlym" typeface="Kartika"/>
+        <a:font script="Laoo" typeface="DokChampa"/>
+        <a:font script="Sinh" typeface="Iskoola Pota"/>
+        <a:font script="Mong" typeface="Mongolian Baiti"/>
+        <a:font script="Viet" typeface="Arial"/>
+        <a:font script="Uigh" typeface="Microsoft Uighur"/>
+        <a:font script="Geor" typeface="Sylfaen"/>
+      </a:minorFont>
+    </a:fontScheme>
+    <a:fmtScheme name="Office">
+      <a:fillStyleLst>
+        <a:solidFill>
+          <a:schemeClr val="phClr"/>
+        </a:solidFill>
+        <a:gradFill rotWithShape="1">
+          <a:gsLst>
+            <a:gs pos="0">
+              <a:schemeClr val="phClr">
+                <a:tint val="50000"/>
+                <a:satMod val="300000"/>
+              </a:schemeClr>
+            </a:gs>
+            <a:gs pos="35000">
+              <a:schemeClr val="phClr">
+                <a:tint val="37000"/>
+                <a:satMod val="300000"/>
+              </a:schemeClr>
+            </a:gs>
+            <a:gs pos="100000">
+              <a:schemeClr val="phClr">
+                <a:tint val="15000"/>
+                <a:satMod val="350000"/>
+              </a:schemeClr>
+            </a:gs>
+          </a:gsLst>
+          <a:lin ang="16200000" scaled="1"/>
+        </a:gradFill>
+        <a:gradFill rotWithShape="1">
+          <a:gsLst>
+            <a:gs pos="0">
+              <a:schemeClr val="phClr">
+                <a:tint val="100000"/>
+                <a:shade val="100000"/>
+                <a:satMod val="130000"/>
+              </a:schemeClr>
+            </a:gs>
+            <a:gs pos="100000">
+              <a:schemeClr val="phClr">
+                <a:tint val="50000"/>
+                <a:shade val="100000"/>
+                <a:satMod val="350000"/>
+              </a:schemeClr>
+            </a:gs>
+          </a:gsLst>
+          <a:lin ang="16200000" scaled="0"/>
+        </a:gradFill>
+      </a:fillStyleLst>
+      <a:lnStyleLst>
+        <a:ln w="9525" cap="flat" cmpd="sng" algn="ctr">
+          <a:solidFill>
+            <a:schemeClr val="phClr">
+              <a:shade val="95000"/>
+              <a:satMod val="105000"/>
+            </a:schemeClr>
+          </a:solidFill>
+          <a:prstDash val="solid"/>
+        </a:ln>
+        <a:ln w="25400" cap="flat" cmpd="sng" algn="ctr">
+          <a:solidFill>
+            <a:schemeClr val="phClr"/>
+          </a:solidFill>
+          <a:prstDash val="solid"/>
+        </a:ln>
+        <a:ln w="38100" cap="flat" cmpd="sng" algn="ctr">
+          <a:solidFill>
+            <a:schemeClr val="phClr"/>
+          </a:solidFill>
+          <a:prstDash val="solid"/>
+        </a:ln>
+      </a:lnStyleLst>
+      <a:effectStyleLst>
+        <a:effectStyle>
+          <a:effectLst>
+            <a:outerShdw blurRad="40000" dist="20000" dir="5400000" rotWithShape="0">
+              <a:srgbClr val="000000">
+                <a:alpha val="38000"/>
+              </a:srgbClr>
+            </a:outerShdw>
+          </a:effectLst>
+        </a:effectStyle>
+        <a:effectStyle>
+          <a:effectLst>
+            <a:outerShdw blurRad="40000" dist="23000" dir="5400000" rotWithShape="0">
+              <a:srgbClr val="000000">
+                <a:alpha val="35000"/>
+              </a:srgbClr>
+            </a:outerShdw>
+          </a:effectLst>
+        </a:effectStyle>
+        <a:effectStyle>
+          <a:effectLst>
+            <a:outerShdw blurRad="40000" dist="23000" dir="5400000" rotWithShape="0">
+              <a:srgbClr val="000000">
+                <a:alpha val="35000"/>
+              </a:srgbClr>
+            </a:outerShdw>
+          </a:effectLst>
+          <a:scene3d>
+            <a:camera prst="orthographicFront">
+              <a:rot lat="0" lon="0" rev="0"/>
+            </a:camera>
+            <a:lightRig rig="threePt" dir="t">
+              <a:rot lat="0" lon="0" rev="1200000"/>
+            </a:lightRig>
+          </a:scene3d>
+          <a:sp3d>
+            <a:bevelT w="63500" h="25400"/>
+          </a:sp3d>
+        </a:effectStyle>
+      </a:effectStyleLst>
+      <a:bgFillStyleLst>
+        <a:solidFill>
+          <a:schemeClr val="phClr"/>
+        </a:solidFill>
+        <a:gradFill rotWithShape="1">
+          <a:gsLst>
+            <a:gs pos="0">
+              <a:schemeClr val="phClr">
+                <a:tint val="40000"/>
+                <a:satMod val="350000"/>
+              </a:schemeClr>
+            </a:gs>
+            <a:gs pos="40000">
+              <a:schemeClr val="phClr">
+                <a:tint val="45000"/>
+                <a:shade val="99000"/>
+                <a:satMod val="350000"/>
+              </a:schemeClr>
+            </a:gs>
+            <a:gs pos="100000">
+              <a:schemeClr val="phClr">
+                <a:shade val="20000"/>
+                <a:satMod val="255000"/>
+              </a:schemeClr>
+            </a:gs>
+          </a:gsLst>
+          <a:path path="circle">
+            <a:fillToRect l="50000" t="-80000" r="50000" b="180000"/>
+          </a:path>
+        </a:gradFill>
+        <a:gradFill rotWithShape="1">
+          <a:gsLst>
+            <a:gs pos="0">
+              <a:schemeClr val="phClr">
+                <a:tint val="80000"/>
+                <a:satMod val="300000"/>
+              </a:schemeClr>
+            </a:gs>
+            <a:gs pos="100000">
+              <a:schemeClr val="phClr">
+                <a:shade val="30000"/>
+                <a:satMod val="200000"/>
+              </a:schemeClr>
+            </a:gs>
+          </a:gsLst>
+          <a:path path="circle">
+            <a:fillToRect l="50000" t="50000" r="50000" b="50000"/>
+          </a:path>
+        </a:gradFill>
+      </a:bgFillStyleLst>
+    </a:fmtScheme>
+  </a:themeElements>
+  <a:objectDefaults/>
+  <a:extraClrSchemeLst/>
+</a:theme>
+</file>
+
+<file path=ppt/theme/theme2.xml><?xml version="1.0" encoding="utf-8"?>
+<a:theme xmlns:a="http://schemas.openxmlformats.org/drawingml/2006/main">
   <a:themeElements>
     <a:clrScheme name="Default">
       <a:dk1>
@@ -13845,284 +14547,7 @@
       </a:bgFillStyleLst>
     </a:fmtScheme>
   </a:themeElements>
-</a:theme>
-</file>
-
-<file path=ppt/theme/theme2.xml><?xml version="1.0" encoding="utf-8"?>
-<a:theme xmlns:a="http://schemas.openxmlformats.org/drawingml/2006/main" xmlns:r="http://schemas.openxmlformats.org/officeDocument/2006/relationships" name="Shift">
-  <a:themeElements>
-    <a:clrScheme name="Shift">
-      <a:dk1>
-        <a:srgbClr val="FFFFFF"/>
-      </a:dk1>
-      <a:lt1>
-        <a:srgbClr val="AF7B51"/>
-      </a:lt1>
-      <a:dk2>
-        <a:srgbClr val="233A44"/>
-      </a:dk2>
-      <a:lt2>
-        <a:srgbClr val="D9D9D9"/>
-      </a:lt2>
-      <a:accent1>
-        <a:srgbClr val="00796B"/>
-      </a:accent1>
-      <a:accent2>
-        <a:srgbClr val="D9563F"/>
-      </a:accent2>
-      <a:accent3>
-        <a:srgbClr val="C4A15A"/>
-      </a:accent3>
-      <a:accent4>
-        <a:srgbClr val="14F597"/>
-      </a:accent4>
-      <a:accent5>
-        <a:srgbClr val="3D4594"/>
-      </a:accent5>
-      <a:accent6>
-        <a:srgbClr val="163EF5"/>
-      </a:accent6>
-      <a:hlink>
-        <a:srgbClr val="3D4594"/>
-      </a:hlink>
-      <a:folHlink>
-        <a:srgbClr val="3D4594"/>
-      </a:folHlink>
-    </a:clrScheme>
-    <a:fontScheme name="Office">
-      <a:majorFont>
-        <a:latin typeface="Arial"/>
-        <a:ea typeface=""/>
-        <a:cs typeface=""/>
-        <a:font script="Jpan" typeface="ＭＳ Ｐゴシック"/>
-        <a:font script="Hang" typeface="맑은 고딕"/>
-        <a:font script="Hans" typeface="宋体"/>
-        <a:font script="Hant" typeface="新細明體"/>
-        <a:font script="Arab" typeface="Times New Roman"/>
-        <a:font script="Hebr" typeface="Times New Roman"/>
-        <a:font script="Thai" typeface="Angsana New"/>
-        <a:font script="Ethi" typeface="Nyala"/>
-        <a:font script="Beng" typeface="Vrinda"/>
-        <a:font script="Gujr" typeface="Shruti"/>
-        <a:font script="Khmr" typeface="MoolBoran"/>
-        <a:font script="Knda" typeface="Tunga"/>
-        <a:font script="Guru" typeface="Raavi"/>
-        <a:font script="Cans" typeface="Euphemia"/>
-        <a:font script="Cher" typeface="Plantagenet Cherokee"/>
-        <a:font script="Yiii" typeface="Microsoft Yi Baiti"/>
-        <a:font script="Tibt" typeface="Microsoft Himalaya"/>
-        <a:font script="Thaa" typeface="MV Boli"/>
-        <a:font script="Deva" typeface="Mangal"/>
-        <a:font script="Telu" typeface="Gautami"/>
-        <a:font script="Taml" typeface="Latha"/>
-        <a:font script="Syrc" typeface="Estrangelo Edessa"/>
-        <a:font script="Orya" typeface="Kalinga"/>
-        <a:font script="Mlym" typeface="Kartika"/>
-        <a:font script="Laoo" typeface="DokChampa"/>
-        <a:font script="Sinh" typeface="Iskoola Pota"/>
-        <a:font script="Mong" typeface="Mongolian Baiti"/>
-        <a:font script="Viet" typeface="Times New Roman"/>
-        <a:font script="Uigh" typeface="Microsoft Uighur"/>
-        <a:font script="Geor" typeface="Sylfaen"/>
-      </a:majorFont>
-      <a:minorFont>
-        <a:latin typeface="Arial"/>
-        <a:ea typeface=""/>
-        <a:cs typeface=""/>
-        <a:font script="Jpan" typeface="ＭＳ Ｐゴシック"/>
-        <a:font script="Hang" typeface="맑은 고딕"/>
-        <a:font script="Hans" typeface="宋体"/>
-        <a:font script="Hant" typeface="新細明體"/>
-        <a:font script="Arab" typeface="Arial"/>
-        <a:font script="Hebr" typeface="Arial"/>
-        <a:font script="Thai" typeface="Cordia New"/>
-        <a:font script="Ethi" typeface="Nyala"/>
-        <a:font script="Beng" typeface="Vrinda"/>
-        <a:font script="Gujr" typeface="Shruti"/>
-        <a:font script="Khmr" typeface="DaunPenh"/>
-        <a:font script="Knda" typeface="Tunga"/>
-        <a:font script="Guru" typeface="Raavi"/>
-        <a:font script="Cans" typeface="Euphemia"/>
-        <a:font script="Cher" typeface="Plantagenet Cherokee"/>
-        <a:font script="Yiii" typeface="Microsoft Yi Baiti"/>
-        <a:font script="Tibt" typeface="Microsoft Himalaya"/>
-        <a:font script="Thaa" typeface="MV Boli"/>
-        <a:font script="Deva" typeface="Mangal"/>
-        <a:font script="Telu" typeface="Gautami"/>
-        <a:font script="Taml" typeface="Latha"/>
-        <a:font script="Syrc" typeface="Estrangelo Edessa"/>
-        <a:font script="Orya" typeface="Kalinga"/>
-        <a:font script="Mlym" typeface="Kartika"/>
-        <a:font script="Laoo" typeface="DokChampa"/>
-        <a:font script="Sinh" typeface="Iskoola Pota"/>
-        <a:font script="Mong" typeface="Mongolian Baiti"/>
-        <a:font script="Viet" typeface="Arial"/>
-        <a:font script="Uigh" typeface="Microsoft Uighur"/>
-        <a:font script="Geor" typeface="Sylfaen"/>
-      </a:minorFont>
-    </a:fontScheme>
-    <a:fmtScheme name="Office">
-      <a:fillStyleLst>
-        <a:solidFill>
-          <a:schemeClr val="phClr"/>
-        </a:solidFill>
-        <a:gradFill rotWithShape="1">
-          <a:gsLst>
-            <a:gs pos="0">
-              <a:schemeClr val="phClr">
-                <a:tint val="50000"/>
-                <a:satMod val="300000"/>
-              </a:schemeClr>
-            </a:gs>
-            <a:gs pos="35000">
-              <a:schemeClr val="phClr">
-                <a:tint val="37000"/>
-                <a:satMod val="300000"/>
-              </a:schemeClr>
-            </a:gs>
-            <a:gs pos="100000">
-              <a:schemeClr val="phClr">
-                <a:tint val="15000"/>
-                <a:satMod val="350000"/>
-              </a:schemeClr>
-            </a:gs>
-          </a:gsLst>
-          <a:lin ang="16200000" scaled="1"/>
-        </a:gradFill>
-        <a:gradFill rotWithShape="1">
-          <a:gsLst>
-            <a:gs pos="0">
-              <a:schemeClr val="phClr">
-                <a:tint val="100000"/>
-                <a:shade val="100000"/>
-                <a:satMod val="130000"/>
-              </a:schemeClr>
-            </a:gs>
-            <a:gs pos="100000">
-              <a:schemeClr val="phClr">
-                <a:tint val="50000"/>
-                <a:shade val="100000"/>
-                <a:satMod val="350000"/>
-              </a:schemeClr>
-            </a:gs>
-          </a:gsLst>
-          <a:lin ang="16200000" scaled="0"/>
-        </a:gradFill>
-      </a:fillStyleLst>
-      <a:lnStyleLst>
-        <a:ln w="9525" cap="flat" cmpd="sng" algn="ctr">
-          <a:solidFill>
-            <a:schemeClr val="phClr">
-              <a:shade val="95000"/>
-              <a:satMod val="105000"/>
-            </a:schemeClr>
-          </a:solidFill>
-          <a:prstDash val="solid"/>
-        </a:ln>
-        <a:ln w="25400" cap="flat" cmpd="sng" algn="ctr">
-          <a:solidFill>
-            <a:schemeClr val="phClr"/>
-          </a:solidFill>
-          <a:prstDash val="solid"/>
-        </a:ln>
-        <a:ln w="38100" cap="flat" cmpd="sng" algn="ctr">
-          <a:solidFill>
-            <a:schemeClr val="phClr"/>
-          </a:solidFill>
-          <a:prstDash val="solid"/>
-        </a:ln>
-      </a:lnStyleLst>
-      <a:effectStyleLst>
-        <a:effectStyle>
-          <a:effectLst>
-            <a:outerShdw blurRad="40000" dist="20000" dir="5400000" rotWithShape="0">
-              <a:srgbClr val="000000">
-                <a:alpha val="38000"/>
-              </a:srgbClr>
-            </a:outerShdw>
-          </a:effectLst>
-        </a:effectStyle>
-        <a:effectStyle>
-          <a:effectLst>
-            <a:outerShdw blurRad="40000" dist="23000" dir="5400000" rotWithShape="0">
-              <a:srgbClr val="000000">
-                <a:alpha val="35000"/>
-              </a:srgbClr>
-            </a:outerShdw>
-          </a:effectLst>
-        </a:effectStyle>
-        <a:effectStyle>
-          <a:effectLst>
-            <a:outerShdw blurRad="40000" dist="23000" dir="5400000" rotWithShape="0">
-              <a:srgbClr val="000000">
-                <a:alpha val="35000"/>
-              </a:srgbClr>
-            </a:outerShdw>
-          </a:effectLst>
-          <a:scene3d>
-            <a:camera prst="orthographicFront">
-              <a:rot lat="0" lon="0" rev="0"/>
-            </a:camera>
-            <a:lightRig rig="threePt" dir="t">
-              <a:rot lat="0" lon="0" rev="1200000"/>
-            </a:lightRig>
-          </a:scene3d>
-          <a:sp3d>
-            <a:bevelT w="63500" h="25400"/>
-          </a:sp3d>
-        </a:effectStyle>
-      </a:effectStyleLst>
-      <a:bgFillStyleLst>
-        <a:solidFill>
-          <a:schemeClr val="phClr"/>
-        </a:solidFill>
-        <a:gradFill rotWithShape="1">
-          <a:gsLst>
-            <a:gs pos="0">
-              <a:schemeClr val="phClr">
-                <a:tint val="40000"/>
-                <a:satMod val="350000"/>
-              </a:schemeClr>
-            </a:gs>
-            <a:gs pos="40000">
-              <a:schemeClr val="phClr">
-                <a:tint val="45000"/>
-                <a:shade val="99000"/>
-                <a:satMod val="350000"/>
-              </a:schemeClr>
-            </a:gs>
-            <a:gs pos="100000">
-              <a:schemeClr val="phClr">
-                <a:shade val="20000"/>
-                <a:satMod val="255000"/>
-              </a:schemeClr>
-            </a:gs>
-          </a:gsLst>
-          <a:path path="circle">
-            <a:fillToRect l="50000" t="-80000" r="50000" b="180000"/>
-          </a:path>
-        </a:gradFill>
-        <a:gradFill rotWithShape="1">
-          <a:gsLst>
-            <a:gs pos="0">
-              <a:schemeClr val="phClr">
-                <a:tint val="80000"/>
-                <a:satMod val="300000"/>
-              </a:schemeClr>
-            </a:gs>
-            <a:gs pos="100000">
-              <a:schemeClr val="phClr">
-                <a:shade val="30000"/>
-                <a:satMod val="200000"/>
-              </a:schemeClr>
-            </a:gs>
-          </a:gsLst>
-          <a:path path="circle">
-            <a:fillToRect l="50000" t="50000" r="50000" b="50000"/>
-          </a:path>
-        </a:gradFill>
-      </a:bgFillStyleLst>
-    </a:fmtScheme>
-  </a:themeElements>
+  <a:objectDefaults/>
+  <a:extraClrSchemeLst/>
 </a:theme>
 </file>